--- a/דוחות/מצגת.pptx
+++ b/דוחות/מצגת.pptx
@@ -123,6 +123,11 @@
             <a:srgbClr val="A4A3A4"/>
           </p15:clr>
         </p15:guide>
+        <p15:guide id="2" orient="horz" pos="2160">
+          <p15:clr>
+            <a:srgbClr val="A4A3A4"/>
+          </p15:clr>
+        </p15:guide>
       </p15:sldGuideLst>
     </p:ext>
   </p:extLst>
@@ -2379,11 +2384,11 @@
 </file>
 
 <file path=ppt/diagrams/colors4.xml><?xml version="1.0" encoding="utf-8"?>
-<dgm:colorsDef xmlns:dgm="http://schemas.openxmlformats.org/drawingml/2006/diagram" xmlns:a="http://schemas.openxmlformats.org/drawingml/2006/main" uniqueId="urn:microsoft.com/office/officeart/2005/8/colors/accent1_2">
+<dgm:colorsDef xmlns:dgm="http://schemas.openxmlformats.org/drawingml/2006/diagram" xmlns:a="http://schemas.openxmlformats.org/drawingml/2006/main" uniqueId="urn:microsoft.com/office/officeart/2018/5/colors/Iconchunking_neutralicon_colorful1">
   <dgm:title val=""/>
   <dgm:desc val=""/>
   <dgm:catLst>
-    <dgm:cat type="accent1" pri="11200"/>
+    <dgm:cat type="colorful" pri="10100"/>
   </dgm:catLst>
   <dgm:styleLbl name="node0">
     <dgm:fillClrLst meth="repeat">
@@ -2397,21 +2402,49 @@
     <dgm:txFillClrLst/>
     <dgm:txEffectClrLst/>
   </dgm:styleLbl>
+  <dgm:styleLbl name="node1">
+    <dgm:fillClrLst meth="repeat">
+      <a:schemeClr val="bg1"/>
+    </dgm:fillClrLst>
+    <dgm:linClrLst meth="repeat">
+      <a:schemeClr val="lt1">
+        <a:alpha val="0"/>
+      </a:schemeClr>
+    </dgm:linClrLst>
+    <dgm:effectClrLst/>
+    <dgm:txLinClrLst/>
+    <dgm:txFillClrLst meth="repeat">
+      <a:schemeClr val="dk1"/>
+    </dgm:txFillClrLst>
+    <dgm:txEffectClrLst/>
+  </dgm:styleLbl>
   <dgm:styleLbl name="alignNode1">
     <dgm:fillClrLst meth="repeat">
-      <a:schemeClr val="accent1"/>
-    </dgm:fillClrLst>
-    <dgm:linClrLst meth="repeat">
-      <a:schemeClr val="accent1"/>
+      <a:schemeClr val="accent2"/>
+      <a:schemeClr val="accent3"/>
+      <a:schemeClr val="accent4"/>
+      <a:schemeClr val="accent5"/>
+      <a:schemeClr val="accent6"/>
+    </dgm:fillClrLst>
+    <dgm:linClrLst meth="repeat">
+      <a:schemeClr val="accent2"/>
+      <a:schemeClr val="accent3"/>
+      <a:schemeClr val="accent4"/>
+      <a:schemeClr val="accent5"/>
+      <a:schemeClr val="accent6"/>
     </dgm:linClrLst>
     <dgm:effectClrLst/>
     <dgm:txLinClrLst/>
     <dgm:txFillClrLst/>
     <dgm:txEffectClrLst/>
   </dgm:styleLbl>
-  <dgm:styleLbl name="node1">
-    <dgm:fillClrLst meth="repeat">
-      <a:schemeClr val="accent1"/>
+  <dgm:styleLbl name="lnNode1">
+    <dgm:fillClrLst meth="repeat">
+      <a:schemeClr val="accent2"/>
+      <a:schemeClr val="accent3"/>
+      <a:schemeClr val="accent4"/>
+      <a:schemeClr val="accent5"/>
+      <a:schemeClr val="accent6"/>
     </dgm:fillClrLst>
     <dgm:linClrLst meth="repeat">
       <a:schemeClr val="lt1"/>
@@ -2421,9 +2454,23 @@
     <dgm:txFillClrLst/>
     <dgm:txEffectClrLst/>
   </dgm:styleLbl>
-  <dgm:styleLbl name="lnNode1">
-    <dgm:fillClrLst meth="repeat">
-      <a:schemeClr val="accent1"/>
+  <dgm:styleLbl name="vennNode1">
+    <dgm:fillClrLst meth="repeat">
+      <a:schemeClr val="accent2">
+        <a:alpha val="50000"/>
+      </a:schemeClr>
+      <a:schemeClr val="accent3">
+        <a:alpha val="50000"/>
+      </a:schemeClr>
+      <a:schemeClr val="accent4">
+        <a:alpha val="50000"/>
+      </a:schemeClr>
+      <a:schemeClr val="accent5">
+        <a:alpha val="50000"/>
+      </a:schemeClr>
+      <a:schemeClr val="accent6">
+        <a:alpha val="50000"/>
+      </a:schemeClr>
     </dgm:fillClrLst>
     <dgm:linClrLst meth="repeat">
       <a:schemeClr val="lt1"/>
@@ -2433,11 +2480,9 @@
     <dgm:txFillClrLst/>
     <dgm:txEffectClrLst/>
   </dgm:styleLbl>
-  <dgm:styleLbl name="vennNode1">
-    <dgm:fillClrLst meth="repeat">
-      <a:schemeClr val="accent1">
-        <a:alpha val="50000"/>
-      </a:schemeClr>
+  <dgm:styleLbl name="node2">
+    <dgm:fillClrLst>
+      <a:schemeClr val="accent2"/>
     </dgm:fillClrLst>
     <dgm:linClrLst meth="repeat">
       <a:schemeClr val="lt1"/>
@@ -2447,9 +2492,9 @@
     <dgm:txFillClrLst/>
     <dgm:txEffectClrLst/>
   </dgm:styleLbl>
-  <dgm:styleLbl name="node2">
-    <dgm:fillClrLst meth="repeat">
-      <a:schemeClr val="accent1"/>
+  <dgm:styleLbl name="node3">
+    <dgm:fillClrLst>
+      <a:schemeClr val="accent3"/>
     </dgm:fillClrLst>
     <dgm:linClrLst meth="repeat">
       <a:schemeClr val="lt1"/>
@@ -2459,9 +2504,9 @@
     <dgm:txFillClrLst/>
     <dgm:txEffectClrLst/>
   </dgm:styleLbl>
-  <dgm:styleLbl name="node3">
-    <dgm:fillClrLst meth="repeat">
-      <a:schemeClr val="accent1"/>
+  <dgm:styleLbl name="node4">
+    <dgm:fillClrLst>
+      <a:schemeClr val="accent4"/>
     </dgm:fillClrLst>
     <dgm:linClrLst meth="repeat">
       <a:schemeClr val="lt1"/>
@@ -2471,21 +2516,21 @@
     <dgm:txFillClrLst/>
     <dgm:txEffectClrLst/>
   </dgm:styleLbl>
-  <dgm:styleLbl name="node4">
-    <dgm:fillClrLst meth="repeat">
-      <a:schemeClr val="accent1"/>
-    </dgm:fillClrLst>
-    <dgm:linClrLst meth="repeat">
-      <a:schemeClr val="lt1"/>
-    </dgm:linClrLst>
-    <dgm:effectClrLst/>
-    <dgm:txLinClrLst/>
-    <dgm:txFillClrLst/>
-    <dgm:txEffectClrLst/>
-  </dgm:styleLbl>
   <dgm:styleLbl name="fgImgPlace1">
     <dgm:fillClrLst meth="repeat">
-      <a:schemeClr val="accent1">
+      <a:schemeClr val="accent2">
+        <a:tint val="50000"/>
+      </a:schemeClr>
+      <a:schemeClr val="accent3">
+        <a:tint val="50000"/>
+      </a:schemeClr>
+      <a:schemeClr val="accent4">
+        <a:tint val="50000"/>
+      </a:schemeClr>
+      <a:schemeClr val="accent5">
+        <a:tint val="50000"/>
+      </a:schemeClr>
+      <a:schemeClr val="accent6">
         <a:tint val="50000"/>
       </a:schemeClr>
     </dgm:fillClrLst>
@@ -2500,9 +2545,12 @@
     <dgm:txEffectClrLst/>
   </dgm:styleLbl>
   <dgm:styleLbl name="alignImgPlace1">
-    <dgm:fillClrLst meth="repeat">
+    <dgm:fillClrLst>
       <a:schemeClr val="accent1">
         <a:tint val="50000"/>
+      </a:schemeClr>
+      <a:schemeClr val="accent2">
+        <a:tint val="20000"/>
       </a:schemeClr>
     </dgm:fillClrLst>
     <dgm:linClrLst meth="repeat">
@@ -2516,9 +2564,12 @@
     <dgm:txEffectClrLst/>
   </dgm:styleLbl>
   <dgm:styleLbl name="bgImgPlace1">
-    <dgm:fillClrLst meth="repeat">
+    <dgm:fillClrLst>
       <a:schemeClr val="accent1">
         <a:tint val="50000"/>
+      </a:schemeClr>
+      <a:schemeClr val="accent2">
+        <a:tint val="20000"/>
       </a:schemeClr>
     </dgm:fillClrLst>
     <dgm:linClrLst meth="repeat">
@@ -2533,14 +2584,14 @@
   </dgm:styleLbl>
   <dgm:styleLbl name="sibTrans2D1">
     <dgm:fillClrLst meth="repeat">
-      <a:schemeClr val="accent1">
-        <a:tint val="60000"/>
-      </a:schemeClr>
-    </dgm:fillClrLst>
-    <dgm:linClrLst meth="repeat">
-      <a:schemeClr val="accent1">
-        <a:tint val="60000"/>
-      </a:schemeClr>
+      <a:schemeClr val="accent2"/>
+      <a:schemeClr val="accent3"/>
+      <a:schemeClr val="accent4"/>
+      <a:schemeClr val="accent5"/>
+      <a:schemeClr val="accent6"/>
+    </dgm:fillClrLst>
+    <dgm:linClrLst meth="cycle">
+      <a:schemeClr val="lt1"/>
     </dgm:linClrLst>
     <dgm:effectClrLst/>
     <dgm:txLinClrLst/>
@@ -2549,42 +2600,54 @@
   </dgm:styleLbl>
   <dgm:styleLbl name="fgSibTrans2D1">
     <dgm:fillClrLst meth="repeat">
-      <a:schemeClr val="accent1">
-        <a:tint val="60000"/>
-      </a:schemeClr>
-    </dgm:fillClrLst>
-    <dgm:linClrLst meth="repeat">
-      <a:schemeClr val="accent1">
-        <a:tint val="60000"/>
-      </a:schemeClr>
-    </dgm:linClrLst>
-    <dgm:effectClrLst/>
-    <dgm:txLinClrLst/>
-    <dgm:txFillClrLst/>
+      <a:schemeClr val="accent2"/>
+      <a:schemeClr val="accent3"/>
+      <a:schemeClr val="accent4"/>
+      <a:schemeClr val="accent5"/>
+      <a:schemeClr val="accent6"/>
+    </dgm:fillClrLst>
+    <dgm:linClrLst meth="cycle">
+      <a:schemeClr val="lt1"/>
+    </dgm:linClrLst>
+    <dgm:effectClrLst/>
+    <dgm:txLinClrLst/>
+    <dgm:txFillClrLst meth="repeat">
+      <a:schemeClr val="lt1"/>
+    </dgm:txFillClrLst>
     <dgm:txEffectClrLst/>
   </dgm:styleLbl>
   <dgm:styleLbl name="bgSibTrans2D1">
     <dgm:fillClrLst meth="repeat">
-      <a:schemeClr val="accent1">
-        <a:tint val="60000"/>
-      </a:schemeClr>
-    </dgm:fillClrLst>
-    <dgm:linClrLst meth="repeat">
-      <a:schemeClr val="accent1">
-        <a:tint val="60000"/>
-      </a:schemeClr>
-    </dgm:linClrLst>
-    <dgm:effectClrLst/>
-    <dgm:txLinClrLst/>
-    <dgm:txFillClrLst/>
+      <a:schemeClr val="accent2"/>
+      <a:schemeClr val="accent3"/>
+      <a:schemeClr val="accent4"/>
+      <a:schemeClr val="accent5"/>
+      <a:schemeClr val="accent6"/>
+    </dgm:fillClrLst>
+    <dgm:linClrLst meth="cycle">
+      <a:schemeClr val="lt1"/>
+    </dgm:linClrLst>
+    <dgm:effectClrLst/>
+    <dgm:txLinClrLst/>
+    <dgm:txFillClrLst meth="repeat">
+      <a:schemeClr val="lt1"/>
+    </dgm:txFillClrLst>
     <dgm:txEffectClrLst/>
   </dgm:styleLbl>
   <dgm:styleLbl name="sibTrans1D1">
     <dgm:fillClrLst meth="repeat">
-      <a:schemeClr val="accent1"/>
-    </dgm:fillClrLst>
-    <dgm:linClrLst meth="repeat">
-      <a:schemeClr val="accent1"/>
+      <a:schemeClr val="accent2"/>
+      <a:schemeClr val="accent3"/>
+      <a:schemeClr val="accent4"/>
+      <a:schemeClr val="accent5"/>
+      <a:schemeClr val="accent6"/>
+    </dgm:fillClrLst>
+    <dgm:linClrLst meth="repeat">
+      <a:schemeClr val="accent2"/>
+      <a:schemeClr val="accent3"/>
+      <a:schemeClr val="accent4"/>
+      <a:schemeClr val="accent5"/>
+      <a:schemeClr val="accent6"/>
     </dgm:linClrLst>
     <dgm:effectClrLst/>
     <dgm:txLinClrLst/>
@@ -2595,10 +2658,10 @@
   </dgm:styleLbl>
   <dgm:styleLbl name="callout">
     <dgm:fillClrLst meth="repeat">
-      <a:schemeClr val="accent1"/>
-    </dgm:fillClrLst>
-    <dgm:linClrLst meth="repeat">
-      <a:schemeClr val="accent1">
+      <a:schemeClr val="accent2"/>
+    </dgm:fillClrLst>
+    <dgm:linClrLst meth="repeat">
+      <a:schemeClr val="accent2">
         <a:tint val="50000"/>
       </a:schemeClr>
     </dgm:linClrLst>
@@ -2623,7 +2686,7 @@
   </dgm:styleLbl>
   <dgm:styleLbl name="asst1">
     <dgm:fillClrLst meth="repeat">
-      <a:schemeClr val="accent1"/>
+      <a:schemeClr val="accent2"/>
     </dgm:fillClrLst>
     <dgm:linClrLst meth="repeat">
       <a:schemeClr val="lt1"/>
@@ -2634,8 +2697,8 @@
     <dgm:txEffectClrLst/>
   </dgm:styleLbl>
   <dgm:styleLbl name="asst2">
-    <dgm:fillClrLst meth="repeat">
-      <a:schemeClr val="accent1"/>
+    <dgm:fillClrLst>
+      <a:schemeClr val="accent3"/>
     </dgm:fillClrLst>
     <dgm:linClrLst meth="repeat">
       <a:schemeClr val="lt1"/>
@@ -2646,8 +2709,8 @@
     <dgm:txEffectClrLst/>
   </dgm:styleLbl>
   <dgm:styleLbl name="asst3">
-    <dgm:fillClrLst meth="repeat">
-      <a:schemeClr val="accent1"/>
+    <dgm:fillClrLst>
+      <a:schemeClr val="accent4"/>
     </dgm:fillClrLst>
     <dgm:linClrLst meth="repeat">
       <a:schemeClr val="lt1"/>
@@ -2658,8 +2721,8 @@
     <dgm:txEffectClrLst/>
   </dgm:styleLbl>
   <dgm:styleLbl name="asst4">
-    <dgm:fillClrLst meth="repeat">
-      <a:schemeClr val="accent1"/>
+    <dgm:fillClrLst>
+      <a:schemeClr val="accent5"/>
     </dgm:fillClrLst>
     <dgm:linClrLst meth="repeat">
       <a:schemeClr val="lt1"/>
@@ -2671,14 +2734,10 @@
   </dgm:styleLbl>
   <dgm:styleLbl name="parChTrans2D1">
     <dgm:fillClrLst meth="repeat">
-      <a:schemeClr val="accent1">
-        <a:tint val="60000"/>
-      </a:schemeClr>
-    </dgm:fillClrLst>
-    <dgm:linClrLst meth="repeat">
-      <a:schemeClr val="accent1">
-        <a:tint val="60000"/>
-      </a:schemeClr>
+      <a:schemeClr val="accent2"/>
+    </dgm:fillClrLst>
+    <dgm:linClrLst meth="repeat">
+      <a:schemeClr val="lt1"/>
     </dgm:linClrLst>
     <dgm:effectClrLst/>
     <dgm:txLinClrLst/>
@@ -2689,10 +2748,34 @@
   </dgm:styleLbl>
   <dgm:styleLbl name="parChTrans2D2">
     <dgm:fillClrLst meth="repeat">
-      <a:schemeClr val="accent1"/>
-    </dgm:fillClrLst>
-    <dgm:linClrLst meth="repeat">
-      <a:schemeClr val="accent1"/>
+      <a:schemeClr val="accent3"/>
+    </dgm:fillClrLst>
+    <dgm:linClrLst meth="repeat">
+      <a:schemeClr val="lt1"/>
+    </dgm:linClrLst>
+    <dgm:effectClrLst/>
+    <dgm:txLinClrLst/>
+    <dgm:txFillClrLst/>
+    <dgm:txEffectClrLst/>
+  </dgm:styleLbl>
+  <dgm:styleLbl name="parChTrans2D3">
+    <dgm:fillClrLst meth="repeat">
+      <a:schemeClr val="accent4"/>
+    </dgm:fillClrLst>
+    <dgm:linClrLst meth="repeat">
+      <a:schemeClr val="lt1"/>
+    </dgm:linClrLst>
+    <dgm:effectClrLst/>
+    <dgm:txLinClrLst/>
+    <dgm:txFillClrLst/>
+    <dgm:txEffectClrLst/>
+  </dgm:styleLbl>
+  <dgm:styleLbl name="parChTrans2D4">
+    <dgm:fillClrLst meth="repeat">
+      <a:schemeClr val="accent5"/>
+    </dgm:fillClrLst>
+    <dgm:linClrLst meth="repeat">
+      <a:schemeClr val="lt1"/>
     </dgm:linClrLst>
     <dgm:effectClrLst/>
     <dgm:txLinClrLst/>
@@ -2701,12 +2784,464 @@
     </dgm:txFillClrLst>
     <dgm:txEffectClrLst/>
   </dgm:styleLbl>
-  <dgm:styleLbl name="parChTrans2D3">
-    <dgm:fillClrLst meth="repeat">
+  <dgm:styleLbl name="parChTrans1D1">
+    <dgm:fillClrLst meth="repeat">
+      <a:schemeClr val="accent2"/>
+    </dgm:fillClrLst>
+    <dgm:linClrLst meth="repeat">
       <a:schemeClr val="accent1"/>
+    </dgm:linClrLst>
+    <dgm:effectClrLst/>
+    <dgm:txLinClrLst/>
+    <dgm:txFillClrLst meth="repeat">
+      <a:schemeClr val="tx1"/>
+    </dgm:txFillClrLst>
+    <dgm:txEffectClrLst/>
+  </dgm:styleLbl>
+  <dgm:styleLbl name="parChTrans1D2">
+    <dgm:fillClrLst meth="repeat">
+      <a:schemeClr val="accent3">
+        <a:tint val="90000"/>
+      </a:schemeClr>
+    </dgm:fillClrLst>
+    <dgm:linClrLst meth="repeat">
+      <a:schemeClr val="accent2"/>
+    </dgm:linClrLst>
+    <dgm:effectClrLst/>
+    <dgm:txLinClrLst/>
+    <dgm:txFillClrLst meth="repeat">
+      <a:schemeClr val="tx1"/>
+    </dgm:txFillClrLst>
+    <dgm:txEffectClrLst/>
+  </dgm:styleLbl>
+  <dgm:styleLbl name="parChTrans1D3">
+    <dgm:fillClrLst meth="repeat">
+      <a:schemeClr val="accent4">
+        <a:tint val="70000"/>
+      </a:schemeClr>
+    </dgm:fillClrLst>
+    <dgm:linClrLst meth="repeat">
+      <a:schemeClr val="accent3"/>
+    </dgm:linClrLst>
+    <dgm:effectClrLst/>
+    <dgm:txLinClrLst/>
+    <dgm:txFillClrLst meth="repeat">
+      <a:schemeClr val="tx1"/>
+    </dgm:txFillClrLst>
+    <dgm:txEffectClrLst/>
+  </dgm:styleLbl>
+  <dgm:styleLbl name="parChTrans1D4">
+    <dgm:fillClrLst meth="repeat">
+      <a:schemeClr val="accent5">
+        <a:tint val="50000"/>
+      </a:schemeClr>
+    </dgm:fillClrLst>
+    <dgm:linClrLst meth="repeat">
+      <a:schemeClr val="accent4"/>
+    </dgm:linClrLst>
+    <dgm:effectClrLst/>
+    <dgm:txLinClrLst/>
+    <dgm:txFillClrLst meth="repeat">
+      <a:schemeClr val="tx1"/>
+    </dgm:txFillClrLst>
+    <dgm:txEffectClrLst/>
+  </dgm:styleLbl>
+  <dgm:styleLbl name="fgAcc1">
+    <dgm:fillClrLst meth="repeat">
+      <a:schemeClr val="lt1">
+        <a:alpha val="90000"/>
+      </a:schemeClr>
+    </dgm:fillClrLst>
+    <dgm:linClrLst meth="repeat">
+      <a:schemeClr val="accent2"/>
+      <a:schemeClr val="accent3"/>
+      <a:schemeClr val="accent4"/>
+      <a:schemeClr val="accent5"/>
+      <a:schemeClr val="accent6"/>
+    </dgm:linClrLst>
+    <dgm:effectClrLst/>
+    <dgm:txLinClrLst/>
+    <dgm:txFillClrLst meth="repeat">
+      <a:schemeClr val="dk1"/>
+    </dgm:txFillClrLst>
+    <dgm:txEffectClrLst/>
+  </dgm:styleLbl>
+  <dgm:styleLbl name="conFgAcc1">
+    <dgm:fillClrLst meth="repeat">
+      <a:schemeClr val="lt1">
+        <a:alpha val="90000"/>
+      </a:schemeClr>
+    </dgm:fillClrLst>
+    <dgm:linClrLst meth="repeat">
+      <a:schemeClr val="accent2"/>
+      <a:schemeClr val="accent3"/>
+      <a:schemeClr val="accent4"/>
+      <a:schemeClr val="accent5"/>
+      <a:schemeClr val="accent6"/>
+    </dgm:linClrLst>
+    <dgm:effectClrLst/>
+    <dgm:txLinClrLst/>
+    <dgm:txFillClrLst meth="repeat">
+      <a:schemeClr val="dk1"/>
+    </dgm:txFillClrLst>
+    <dgm:txEffectClrLst/>
+  </dgm:styleLbl>
+  <dgm:styleLbl name="alignAcc1">
+    <dgm:fillClrLst meth="repeat">
+      <a:schemeClr val="lt1">
+        <a:alpha val="90000"/>
+      </a:schemeClr>
+    </dgm:fillClrLst>
+    <dgm:linClrLst meth="repeat">
+      <a:schemeClr val="accent2"/>
+      <a:schemeClr val="accent3"/>
+      <a:schemeClr val="accent4"/>
+      <a:schemeClr val="accent5"/>
+      <a:schemeClr val="accent6"/>
+    </dgm:linClrLst>
+    <dgm:effectClrLst/>
+    <dgm:txLinClrLst/>
+    <dgm:txFillClrLst meth="repeat">
+      <a:schemeClr val="dk1"/>
+    </dgm:txFillClrLst>
+    <dgm:txEffectClrLst/>
+  </dgm:styleLbl>
+  <dgm:styleLbl name="trAlignAcc1">
+    <dgm:fillClrLst meth="repeat">
+      <a:schemeClr val="lt1">
+        <a:alpha val="40000"/>
+      </a:schemeClr>
     </dgm:fillClrLst>
     <dgm:linClrLst meth="repeat">
       <a:schemeClr val="accent1"/>
+    </dgm:linClrLst>
+    <dgm:effectClrLst/>
+    <dgm:txLinClrLst/>
+    <dgm:txFillClrLst meth="repeat">
+      <a:schemeClr val="dk1"/>
+    </dgm:txFillClrLst>
+    <dgm:txEffectClrLst/>
+  </dgm:styleLbl>
+  <dgm:styleLbl name="bgAcc1">
+    <dgm:fillClrLst meth="repeat">
+      <a:schemeClr val="lt1">
+        <a:alpha val="90000"/>
+      </a:schemeClr>
+    </dgm:fillClrLst>
+    <dgm:linClrLst meth="repeat">
+      <a:schemeClr val="accent2"/>
+      <a:schemeClr val="accent3"/>
+      <a:schemeClr val="accent4"/>
+      <a:schemeClr val="accent5"/>
+      <a:schemeClr val="accent6"/>
+    </dgm:linClrLst>
+    <dgm:effectClrLst/>
+    <dgm:txLinClrLst/>
+    <dgm:txFillClrLst meth="repeat">
+      <a:schemeClr val="dk1"/>
+    </dgm:txFillClrLst>
+    <dgm:txEffectClrLst/>
+  </dgm:styleLbl>
+  <dgm:styleLbl name="solidFgAcc1">
+    <dgm:fillClrLst meth="repeat">
+      <a:schemeClr val="lt1"/>
+    </dgm:fillClrLst>
+    <dgm:linClrLst meth="repeat">
+      <a:schemeClr val="accent2"/>
+      <a:schemeClr val="accent3"/>
+      <a:schemeClr val="accent4"/>
+      <a:schemeClr val="accent5"/>
+      <a:schemeClr val="accent6"/>
+    </dgm:linClrLst>
+    <dgm:effectClrLst/>
+    <dgm:txLinClrLst/>
+    <dgm:txFillClrLst meth="repeat">
+      <a:schemeClr val="dk1"/>
+    </dgm:txFillClrLst>
+    <dgm:txEffectClrLst/>
+  </dgm:styleLbl>
+  <dgm:styleLbl name="solidAlignAcc1">
+    <dgm:fillClrLst meth="repeat">
+      <a:schemeClr val="lt1"/>
+    </dgm:fillClrLst>
+    <dgm:linClrLst meth="repeat">
+      <a:schemeClr val="accent2"/>
+      <a:schemeClr val="accent3"/>
+      <a:schemeClr val="accent4"/>
+      <a:schemeClr val="accent5"/>
+      <a:schemeClr val="accent6"/>
+    </dgm:linClrLst>
+    <dgm:effectClrLst/>
+    <dgm:txLinClrLst/>
+    <dgm:txFillClrLst meth="repeat">
+      <a:schemeClr val="dk1"/>
+    </dgm:txFillClrLst>
+    <dgm:txEffectClrLst/>
+  </dgm:styleLbl>
+  <dgm:styleLbl name="solidBgAcc1">
+    <dgm:fillClrLst meth="repeat">
+      <a:schemeClr val="lt1"/>
+    </dgm:fillClrLst>
+    <dgm:linClrLst meth="repeat">
+      <a:schemeClr val="accent2"/>
+      <a:schemeClr val="accent3"/>
+      <a:schemeClr val="accent4"/>
+      <a:schemeClr val="accent5"/>
+      <a:schemeClr val="accent6"/>
+    </dgm:linClrLst>
+    <dgm:effectClrLst/>
+    <dgm:txLinClrLst/>
+    <dgm:txFillClrLst meth="repeat">
+      <a:schemeClr val="dk1"/>
+    </dgm:txFillClrLst>
+    <dgm:txEffectClrLst/>
+  </dgm:styleLbl>
+  <dgm:styleLbl name="fgAccFollowNode1">
+    <dgm:fillClrLst meth="repeat">
+      <a:schemeClr val="accent2">
+        <a:tint val="40000"/>
+        <a:alpha val="90000"/>
+      </a:schemeClr>
+      <a:schemeClr val="accent3">
+        <a:tint val="40000"/>
+        <a:alpha val="90000"/>
+      </a:schemeClr>
+      <a:schemeClr val="accent4">
+        <a:tint val="40000"/>
+        <a:alpha val="90000"/>
+      </a:schemeClr>
+      <a:schemeClr val="accent5">
+        <a:tint val="40000"/>
+        <a:alpha val="90000"/>
+      </a:schemeClr>
+      <a:schemeClr val="accent6">
+        <a:tint val="40000"/>
+        <a:alpha val="90000"/>
+      </a:schemeClr>
+    </dgm:fillClrLst>
+    <dgm:linClrLst meth="repeat">
+      <a:schemeClr val="accent2">
+        <a:tint val="40000"/>
+        <a:alpha val="90000"/>
+      </a:schemeClr>
+      <a:schemeClr val="accent3">
+        <a:tint val="40000"/>
+        <a:alpha val="90000"/>
+      </a:schemeClr>
+      <a:schemeClr val="accent4">
+        <a:tint val="40000"/>
+        <a:alpha val="90000"/>
+      </a:schemeClr>
+      <a:schemeClr val="accent5">
+        <a:tint val="40000"/>
+        <a:alpha val="90000"/>
+      </a:schemeClr>
+      <a:schemeClr val="accent6">
+        <a:tint val="40000"/>
+        <a:alpha val="90000"/>
+      </a:schemeClr>
+    </dgm:linClrLst>
+    <dgm:effectClrLst/>
+    <dgm:txLinClrLst/>
+    <dgm:txFillClrLst meth="repeat">
+      <a:schemeClr val="dk1"/>
+    </dgm:txFillClrLst>
+    <dgm:txEffectClrLst/>
+  </dgm:styleLbl>
+  <dgm:styleLbl name="alignAccFollowNode1">
+    <dgm:fillClrLst meth="repeat">
+      <a:schemeClr val="accent2">
+        <a:tint val="40000"/>
+        <a:alpha val="90000"/>
+      </a:schemeClr>
+      <a:schemeClr val="accent3">
+        <a:tint val="40000"/>
+        <a:alpha val="90000"/>
+      </a:schemeClr>
+      <a:schemeClr val="accent4">
+        <a:tint val="40000"/>
+        <a:alpha val="90000"/>
+      </a:schemeClr>
+      <a:schemeClr val="accent5">
+        <a:tint val="40000"/>
+        <a:alpha val="90000"/>
+      </a:schemeClr>
+      <a:schemeClr val="accent6">
+        <a:tint val="40000"/>
+        <a:alpha val="90000"/>
+      </a:schemeClr>
+    </dgm:fillClrLst>
+    <dgm:linClrLst meth="repeat">
+      <a:schemeClr val="accent2">
+        <a:tint val="40000"/>
+        <a:alpha val="90000"/>
+      </a:schemeClr>
+      <a:schemeClr val="accent3">
+        <a:tint val="40000"/>
+        <a:alpha val="90000"/>
+      </a:schemeClr>
+      <a:schemeClr val="accent4">
+        <a:tint val="40000"/>
+        <a:alpha val="90000"/>
+      </a:schemeClr>
+      <a:schemeClr val="accent5">
+        <a:tint val="40000"/>
+        <a:alpha val="90000"/>
+      </a:schemeClr>
+      <a:schemeClr val="accent6">
+        <a:tint val="40000"/>
+        <a:alpha val="90000"/>
+      </a:schemeClr>
+    </dgm:linClrLst>
+    <dgm:effectClrLst/>
+    <dgm:txLinClrLst/>
+    <dgm:txFillClrLst meth="repeat">
+      <a:schemeClr val="dk1"/>
+    </dgm:txFillClrLst>
+    <dgm:txEffectClrLst/>
+  </dgm:styleLbl>
+  <dgm:styleLbl name="bgAccFollowNode1">
+    <dgm:fillClrLst meth="repeat">
+      <a:schemeClr val="accent2">
+        <a:tint val="40000"/>
+        <a:alpha val="90000"/>
+      </a:schemeClr>
+      <a:schemeClr val="accent3">
+        <a:tint val="40000"/>
+        <a:alpha val="90000"/>
+      </a:schemeClr>
+      <a:schemeClr val="accent4">
+        <a:tint val="40000"/>
+        <a:alpha val="90000"/>
+      </a:schemeClr>
+      <a:schemeClr val="accent5">
+        <a:tint val="40000"/>
+        <a:alpha val="90000"/>
+      </a:schemeClr>
+      <a:schemeClr val="accent6">
+        <a:tint val="40000"/>
+        <a:alpha val="90000"/>
+      </a:schemeClr>
+    </dgm:fillClrLst>
+    <dgm:linClrLst meth="repeat">
+      <a:schemeClr val="accent2">
+        <a:tint val="40000"/>
+        <a:alpha val="90000"/>
+      </a:schemeClr>
+      <a:schemeClr val="accent3">
+        <a:tint val="40000"/>
+        <a:alpha val="90000"/>
+      </a:schemeClr>
+      <a:schemeClr val="accent4">
+        <a:tint val="40000"/>
+        <a:alpha val="90000"/>
+      </a:schemeClr>
+      <a:schemeClr val="accent5">
+        <a:tint val="40000"/>
+        <a:alpha val="90000"/>
+      </a:schemeClr>
+      <a:schemeClr val="accent6">
+        <a:tint val="40000"/>
+        <a:alpha val="90000"/>
+      </a:schemeClr>
+    </dgm:linClrLst>
+    <dgm:effectClrLst/>
+    <dgm:txLinClrLst/>
+    <dgm:txFillClrLst meth="repeat">
+      <a:schemeClr val="dk1"/>
+    </dgm:txFillClrLst>
+    <dgm:txEffectClrLst/>
+  </dgm:styleLbl>
+  <dgm:styleLbl name="fgAcc0">
+    <dgm:fillClrLst meth="repeat">
+      <a:schemeClr val="lt1">
+        <a:alpha val="90000"/>
+      </a:schemeClr>
+    </dgm:fillClrLst>
+    <dgm:linClrLst>
+      <a:schemeClr val="accent1"/>
+    </dgm:linClrLst>
+    <dgm:effectClrLst/>
+    <dgm:txLinClrLst/>
+    <dgm:txFillClrLst meth="repeat">
+      <a:schemeClr val="dk1"/>
+    </dgm:txFillClrLst>
+    <dgm:txEffectClrLst/>
+  </dgm:styleLbl>
+  <dgm:styleLbl name="fgAcc2">
+    <dgm:fillClrLst meth="repeat">
+      <a:schemeClr val="lt1">
+        <a:alpha val="90000"/>
+      </a:schemeClr>
+    </dgm:fillClrLst>
+    <dgm:linClrLst>
+      <a:schemeClr val="accent2"/>
+    </dgm:linClrLst>
+    <dgm:effectClrLst/>
+    <dgm:txLinClrLst/>
+    <dgm:txFillClrLst meth="repeat">
+      <a:schemeClr val="dk1"/>
+    </dgm:txFillClrLst>
+    <dgm:txEffectClrLst/>
+  </dgm:styleLbl>
+  <dgm:styleLbl name="fgAcc3">
+    <dgm:fillClrLst meth="repeat">
+      <a:schemeClr val="lt1">
+        <a:alpha val="90000"/>
+      </a:schemeClr>
+    </dgm:fillClrLst>
+    <dgm:linClrLst>
+      <a:schemeClr val="accent3"/>
+    </dgm:linClrLst>
+    <dgm:effectClrLst/>
+    <dgm:txLinClrLst/>
+    <dgm:txFillClrLst meth="repeat">
+      <a:schemeClr val="dk1"/>
+    </dgm:txFillClrLst>
+    <dgm:txEffectClrLst/>
+  </dgm:styleLbl>
+  <dgm:styleLbl name="fgAcc4">
+    <dgm:fillClrLst meth="repeat">
+      <a:schemeClr val="lt1">
+        <a:alpha val="90000"/>
+      </a:schemeClr>
+    </dgm:fillClrLst>
+    <dgm:linClrLst>
+      <a:schemeClr val="accent4"/>
+    </dgm:linClrLst>
+    <dgm:effectClrLst/>
+    <dgm:txLinClrLst/>
+    <dgm:txFillClrLst meth="repeat">
+      <a:schemeClr val="dk1"/>
+    </dgm:txFillClrLst>
+    <dgm:txEffectClrLst/>
+  </dgm:styleLbl>
+  <dgm:styleLbl name="bgShp">
+    <dgm:fillClrLst meth="repeat">
+      <a:schemeClr val="accent2"/>
+      <a:schemeClr val="accent3"/>
+      <a:schemeClr val="accent4"/>
+      <a:schemeClr val="accent5"/>
+      <a:schemeClr val="accent6"/>
+    </dgm:fillClrLst>
+    <dgm:linClrLst meth="repeat">
+      <a:schemeClr val="lt1">
+        <a:alpha val="0"/>
+      </a:schemeClr>
+    </dgm:linClrLst>
+    <dgm:effectClrLst/>
+    <dgm:txLinClrLst/>
+    <dgm:txFillClrLst/>
+    <dgm:txEffectClrLst/>
+  </dgm:styleLbl>
+  <dgm:styleLbl name="dkBgShp">
+    <dgm:fillClrLst meth="repeat">
+      <a:schemeClr val="accent2">
+        <a:shade val="90000"/>
+      </a:schemeClr>
+    </dgm:fillClrLst>
+    <dgm:linClrLst meth="repeat">
+      <a:schemeClr val="dk1"/>
     </dgm:linClrLst>
     <dgm:effectClrLst/>
     <dgm:txLinClrLst/>
@@ -2715,12 +3250,15 @@
     </dgm:txFillClrLst>
     <dgm:txEffectClrLst/>
   </dgm:styleLbl>
-  <dgm:styleLbl name="parChTrans2D4">
-    <dgm:fillClrLst meth="repeat">
-      <a:schemeClr val="accent1"/>
-    </dgm:fillClrLst>
-    <dgm:linClrLst meth="repeat">
-      <a:schemeClr val="accent1"/>
+  <dgm:styleLbl name="trBgShp">
+    <dgm:fillClrLst meth="repeat">
+      <a:schemeClr val="accent1">
+        <a:tint val="50000"/>
+        <a:alpha val="40000"/>
+      </a:schemeClr>
+    </dgm:fillClrLst>
+    <dgm:linClrLst meth="repeat">
+      <a:schemeClr val="accent2"/>
     </dgm:linClrLst>
     <dgm:effectClrLst/>
     <dgm:txLinClrLst/>
@@ -2729,369 +3267,10 @@
     </dgm:txFillClrLst>
     <dgm:txEffectClrLst/>
   </dgm:styleLbl>
-  <dgm:styleLbl name="parChTrans1D1">
-    <dgm:fillClrLst meth="repeat">
-      <a:schemeClr val="accent1"/>
-    </dgm:fillClrLst>
-    <dgm:linClrLst meth="repeat">
-      <a:schemeClr val="accent1">
-        <a:shade val="60000"/>
-      </a:schemeClr>
-    </dgm:linClrLst>
-    <dgm:effectClrLst/>
-    <dgm:txLinClrLst/>
-    <dgm:txFillClrLst meth="repeat">
-      <a:schemeClr val="tx1"/>
-    </dgm:txFillClrLst>
-    <dgm:txEffectClrLst/>
-  </dgm:styleLbl>
-  <dgm:styleLbl name="parChTrans1D2">
-    <dgm:fillClrLst meth="repeat">
-      <a:schemeClr val="accent1"/>
-    </dgm:fillClrLst>
-    <dgm:linClrLst meth="repeat">
-      <a:schemeClr val="accent1">
-        <a:shade val="60000"/>
-      </a:schemeClr>
-    </dgm:linClrLst>
-    <dgm:effectClrLst/>
-    <dgm:txLinClrLst/>
-    <dgm:txFillClrLst meth="repeat">
-      <a:schemeClr val="tx1"/>
-    </dgm:txFillClrLst>
-    <dgm:txEffectClrLst/>
-  </dgm:styleLbl>
-  <dgm:styleLbl name="parChTrans1D3">
-    <dgm:fillClrLst meth="repeat">
-      <a:schemeClr val="accent1"/>
-    </dgm:fillClrLst>
-    <dgm:linClrLst meth="repeat">
-      <a:schemeClr val="accent1">
-        <a:shade val="80000"/>
-      </a:schemeClr>
-    </dgm:linClrLst>
-    <dgm:effectClrLst/>
-    <dgm:txLinClrLst/>
-    <dgm:txFillClrLst meth="repeat">
-      <a:schemeClr val="tx1"/>
-    </dgm:txFillClrLst>
-    <dgm:txEffectClrLst/>
-  </dgm:styleLbl>
-  <dgm:styleLbl name="parChTrans1D4">
-    <dgm:fillClrLst meth="repeat">
-      <a:schemeClr val="accent1"/>
-    </dgm:fillClrLst>
-    <dgm:linClrLst meth="repeat">
-      <a:schemeClr val="accent1">
-        <a:shade val="80000"/>
-      </a:schemeClr>
-    </dgm:linClrLst>
-    <dgm:effectClrLst/>
-    <dgm:txLinClrLst/>
-    <dgm:txFillClrLst meth="repeat">
-      <a:schemeClr val="tx1"/>
-    </dgm:txFillClrLst>
-    <dgm:txEffectClrLst/>
-  </dgm:styleLbl>
-  <dgm:styleLbl name="fgAcc1">
-    <dgm:fillClrLst meth="repeat">
-      <a:schemeClr val="lt1">
-        <a:alpha val="90000"/>
-      </a:schemeClr>
-    </dgm:fillClrLst>
-    <dgm:linClrLst meth="repeat">
-      <a:schemeClr val="accent1"/>
-    </dgm:linClrLst>
-    <dgm:effectClrLst/>
-    <dgm:txLinClrLst/>
-    <dgm:txFillClrLst meth="repeat">
-      <a:schemeClr val="dk1"/>
-    </dgm:txFillClrLst>
-    <dgm:txEffectClrLst/>
-  </dgm:styleLbl>
-  <dgm:styleLbl name="conFgAcc1">
-    <dgm:fillClrLst meth="repeat">
-      <a:schemeClr val="lt1">
-        <a:alpha val="90000"/>
-      </a:schemeClr>
-    </dgm:fillClrLst>
-    <dgm:linClrLst meth="repeat">
-      <a:schemeClr val="accent1"/>
-    </dgm:linClrLst>
-    <dgm:effectClrLst/>
-    <dgm:txLinClrLst/>
-    <dgm:txFillClrLst meth="repeat">
-      <a:schemeClr val="dk1"/>
-    </dgm:txFillClrLst>
-    <dgm:txEffectClrLst/>
-  </dgm:styleLbl>
-  <dgm:styleLbl name="alignAcc1">
-    <dgm:fillClrLst meth="repeat">
-      <a:schemeClr val="lt1">
-        <a:alpha val="90000"/>
-      </a:schemeClr>
-    </dgm:fillClrLst>
-    <dgm:linClrLst meth="repeat">
-      <a:schemeClr val="accent1"/>
-    </dgm:linClrLst>
-    <dgm:effectClrLst/>
-    <dgm:txLinClrLst/>
-    <dgm:txFillClrLst meth="repeat">
-      <a:schemeClr val="dk1"/>
-    </dgm:txFillClrLst>
-    <dgm:txEffectClrLst/>
-  </dgm:styleLbl>
-  <dgm:styleLbl name="trAlignAcc1">
-    <dgm:fillClrLst meth="repeat">
-      <a:schemeClr val="lt1">
-        <a:alpha val="40000"/>
-      </a:schemeClr>
-    </dgm:fillClrLst>
-    <dgm:linClrLst meth="repeat">
-      <a:schemeClr val="accent1"/>
-    </dgm:linClrLst>
-    <dgm:effectClrLst/>
-    <dgm:txLinClrLst/>
-    <dgm:txFillClrLst meth="repeat">
-      <a:schemeClr val="dk1"/>
-    </dgm:txFillClrLst>
-    <dgm:txEffectClrLst/>
-  </dgm:styleLbl>
-  <dgm:styleLbl name="bgAcc1">
-    <dgm:fillClrLst meth="repeat">
-      <a:schemeClr val="lt1">
-        <a:alpha val="90000"/>
-      </a:schemeClr>
-    </dgm:fillClrLst>
-    <dgm:linClrLst meth="repeat">
-      <a:schemeClr val="accent1"/>
-    </dgm:linClrLst>
-    <dgm:effectClrLst/>
-    <dgm:txLinClrLst/>
-    <dgm:txFillClrLst meth="repeat">
-      <a:schemeClr val="dk1"/>
-    </dgm:txFillClrLst>
-    <dgm:txEffectClrLst/>
-  </dgm:styleLbl>
-  <dgm:styleLbl name="solidFgAcc1">
-    <dgm:fillClrLst meth="repeat">
-      <a:schemeClr val="lt1"/>
-    </dgm:fillClrLst>
-    <dgm:linClrLst meth="repeat">
-      <a:schemeClr val="accent1"/>
-    </dgm:linClrLst>
-    <dgm:effectClrLst/>
-    <dgm:txLinClrLst/>
-    <dgm:txFillClrLst meth="repeat">
-      <a:schemeClr val="dk1"/>
-    </dgm:txFillClrLst>
-    <dgm:txEffectClrLst/>
-  </dgm:styleLbl>
-  <dgm:styleLbl name="solidAlignAcc1">
-    <dgm:fillClrLst meth="repeat">
-      <a:schemeClr val="lt1"/>
-    </dgm:fillClrLst>
-    <dgm:linClrLst meth="repeat">
-      <a:schemeClr val="accent1"/>
-    </dgm:linClrLst>
-    <dgm:effectClrLst/>
-    <dgm:txLinClrLst/>
-    <dgm:txFillClrLst meth="repeat">
-      <a:schemeClr val="dk1"/>
-    </dgm:txFillClrLst>
-    <dgm:txEffectClrLst/>
-  </dgm:styleLbl>
-  <dgm:styleLbl name="solidBgAcc1">
-    <dgm:fillClrLst meth="repeat">
-      <a:schemeClr val="lt1"/>
-    </dgm:fillClrLst>
-    <dgm:linClrLst meth="repeat">
-      <a:schemeClr val="accent1"/>
-    </dgm:linClrLst>
-    <dgm:effectClrLst/>
-    <dgm:txLinClrLst/>
-    <dgm:txFillClrLst meth="repeat">
-      <a:schemeClr val="dk1"/>
-    </dgm:txFillClrLst>
-    <dgm:txEffectClrLst/>
-  </dgm:styleLbl>
-  <dgm:styleLbl name="fgAccFollowNode1">
-    <dgm:fillClrLst meth="repeat">
-      <a:schemeClr val="accent1">
-        <a:alpha val="90000"/>
+  <dgm:styleLbl name="fgShp">
+    <dgm:fillClrLst meth="repeat">
+      <a:schemeClr val="accent2">
         <a:tint val="40000"/>
-      </a:schemeClr>
-    </dgm:fillClrLst>
-    <dgm:linClrLst meth="repeat">
-      <a:schemeClr val="accent1">
-        <a:alpha val="90000"/>
-        <a:tint val="40000"/>
-      </a:schemeClr>
-    </dgm:linClrLst>
-    <dgm:effectClrLst/>
-    <dgm:txLinClrLst/>
-    <dgm:txFillClrLst meth="repeat">
-      <a:schemeClr val="dk1"/>
-    </dgm:txFillClrLst>
-    <dgm:txEffectClrLst/>
-  </dgm:styleLbl>
-  <dgm:styleLbl name="alignAccFollowNode1">
-    <dgm:fillClrLst meth="repeat">
-      <a:schemeClr val="accent1">
-        <a:alpha val="90000"/>
-        <a:tint val="40000"/>
-      </a:schemeClr>
-    </dgm:fillClrLst>
-    <dgm:linClrLst meth="repeat">
-      <a:schemeClr val="accent1">
-        <a:alpha val="90000"/>
-        <a:tint val="40000"/>
-      </a:schemeClr>
-    </dgm:linClrLst>
-    <dgm:effectClrLst/>
-    <dgm:txLinClrLst/>
-    <dgm:txFillClrLst meth="repeat">
-      <a:schemeClr val="dk1"/>
-    </dgm:txFillClrLst>
-    <dgm:txEffectClrLst/>
-  </dgm:styleLbl>
-  <dgm:styleLbl name="bgAccFollowNode1">
-    <dgm:fillClrLst meth="repeat">
-      <a:schemeClr val="accent1">
-        <a:alpha val="90000"/>
-        <a:tint val="40000"/>
-      </a:schemeClr>
-    </dgm:fillClrLst>
-    <dgm:linClrLst meth="repeat">
-      <a:schemeClr val="accent1">
-        <a:alpha val="90000"/>
-        <a:tint val="40000"/>
-      </a:schemeClr>
-    </dgm:linClrLst>
-    <dgm:effectClrLst/>
-    <dgm:txLinClrLst/>
-    <dgm:txFillClrLst meth="repeat">
-      <a:schemeClr val="dk1"/>
-    </dgm:txFillClrLst>
-    <dgm:txEffectClrLst/>
-  </dgm:styleLbl>
-  <dgm:styleLbl name="fgAcc0">
-    <dgm:fillClrLst meth="repeat">
-      <a:schemeClr val="lt1">
-        <a:alpha val="90000"/>
-      </a:schemeClr>
-    </dgm:fillClrLst>
-    <dgm:linClrLst meth="repeat">
-      <a:schemeClr val="accent1"/>
-    </dgm:linClrLst>
-    <dgm:effectClrLst/>
-    <dgm:txLinClrLst/>
-    <dgm:txFillClrLst meth="repeat">
-      <a:schemeClr val="dk1"/>
-    </dgm:txFillClrLst>
-    <dgm:txEffectClrLst/>
-  </dgm:styleLbl>
-  <dgm:styleLbl name="fgAcc2">
-    <dgm:fillClrLst meth="repeat">
-      <a:schemeClr val="lt1">
-        <a:alpha val="90000"/>
-      </a:schemeClr>
-    </dgm:fillClrLst>
-    <dgm:linClrLst meth="repeat">
-      <a:schemeClr val="accent1"/>
-    </dgm:linClrLst>
-    <dgm:effectClrLst/>
-    <dgm:txLinClrLst/>
-    <dgm:txFillClrLst meth="repeat">
-      <a:schemeClr val="dk1"/>
-    </dgm:txFillClrLst>
-    <dgm:txEffectClrLst/>
-  </dgm:styleLbl>
-  <dgm:styleLbl name="fgAcc3">
-    <dgm:fillClrLst meth="repeat">
-      <a:schemeClr val="lt1">
-        <a:alpha val="90000"/>
-      </a:schemeClr>
-    </dgm:fillClrLst>
-    <dgm:linClrLst meth="repeat">
-      <a:schemeClr val="accent1"/>
-    </dgm:linClrLst>
-    <dgm:effectClrLst/>
-    <dgm:txLinClrLst/>
-    <dgm:txFillClrLst meth="repeat">
-      <a:schemeClr val="dk1"/>
-    </dgm:txFillClrLst>
-    <dgm:txEffectClrLst/>
-  </dgm:styleLbl>
-  <dgm:styleLbl name="fgAcc4">
-    <dgm:fillClrLst meth="repeat">
-      <a:schemeClr val="lt1">
-        <a:alpha val="90000"/>
-      </a:schemeClr>
-    </dgm:fillClrLst>
-    <dgm:linClrLst meth="repeat">
-      <a:schemeClr val="accent1"/>
-    </dgm:linClrLst>
-    <dgm:effectClrLst/>
-    <dgm:txLinClrLst/>
-    <dgm:txFillClrLst meth="repeat">
-      <a:schemeClr val="dk1"/>
-    </dgm:txFillClrLst>
-    <dgm:txEffectClrLst/>
-  </dgm:styleLbl>
-  <dgm:styleLbl name="bgShp">
-    <dgm:fillClrLst meth="repeat">
-      <a:schemeClr val="accent1">
-        <a:tint val="40000"/>
-      </a:schemeClr>
-    </dgm:fillClrLst>
-    <dgm:linClrLst meth="repeat">
-      <a:schemeClr val="accent1"/>
-    </dgm:linClrLst>
-    <dgm:effectClrLst/>
-    <dgm:txLinClrLst/>
-    <dgm:txFillClrLst meth="repeat">
-      <a:schemeClr val="dk1"/>
-    </dgm:txFillClrLst>
-    <dgm:txEffectClrLst/>
-  </dgm:styleLbl>
-  <dgm:styleLbl name="dkBgShp">
-    <dgm:fillClrLst meth="repeat">
-      <a:schemeClr val="accent1">
-        <a:shade val="80000"/>
-      </a:schemeClr>
-    </dgm:fillClrLst>
-    <dgm:linClrLst meth="repeat">
-      <a:schemeClr val="accent1"/>
-    </dgm:linClrLst>
-    <dgm:effectClrLst/>
-    <dgm:txLinClrLst/>
-    <dgm:txFillClrLst meth="repeat">
-      <a:schemeClr val="lt1"/>
-    </dgm:txFillClrLst>
-    <dgm:txEffectClrLst/>
-  </dgm:styleLbl>
-  <dgm:styleLbl name="trBgShp">
-    <dgm:fillClrLst meth="repeat">
-      <a:schemeClr val="accent1">
-        <a:tint val="50000"/>
-        <a:alpha val="40000"/>
-      </a:schemeClr>
-    </dgm:fillClrLst>
-    <dgm:linClrLst meth="repeat">
-      <a:schemeClr val="accent1"/>
-    </dgm:linClrLst>
-    <dgm:effectClrLst/>
-    <dgm:txLinClrLst/>
-    <dgm:txFillClrLst meth="repeat">
-      <a:schemeClr val="lt1"/>
-    </dgm:txFillClrLst>
-    <dgm:txEffectClrLst/>
-  </dgm:styleLbl>
-  <dgm:styleLbl name="fgShp">
-    <dgm:fillClrLst meth="repeat">
-      <a:schemeClr val="accent1">
-        <a:tint val="60000"/>
       </a:schemeClr>
     </dgm:fillClrLst>
     <dgm:linClrLst meth="repeat">
@@ -3126,11 +3305,11 @@
 </file>
 
 <file path=ppt/diagrams/colors5.xml><?xml version="1.0" encoding="utf-8"?>
-<dgm:colorsDef xmlns:dgm="http://schemas.openxmlformats.org/drawingml/2006/diagram" xmlns:a="http://schemas.openxmlformats.org/drawingml/2006/main" uniqueId="urn:microsoft.com/office/officeart/2005/8/colors/accent1_2">
+<dgm:colorsDef xmlns:dgm="http://schemas.openxmlformats.org/drawingml/2006/diagram" xmlns:a="http://schemas.openxmlformats.org/drawingml/2006/main" uniqueId="urn:microsoft.com/office/officeart/2005/8/colors/colorful2">
   <dgm:title val=""/>
   <dgm:desc val=""/>
   <dgm:catLst>
-    <dgm:cat type="accent1" pri="11200"/>
+    <dgm:cat type="colorful" pri="10200"/>
   </dgm:catLst>
   <dgm:styleLbl name="node0">
     <dgm:fillClrLst meth="repeat">
@@ -3144,21 +3323,37 @@
     <dgm:txFillClrLst/>
     <dgm:txEffectClrLst/>
   </dgm:styleLbl>
+  <dgm:styleLbl name="node1">
+    <dgm:fillClrLst>
+      <a:schemeClr val="accent2"/>
+      <a:schemeClr val="accent3"/>
+    </dgm:fillClrLst>
+    <dgm:linClrLst meth="repeat">
+      <a:schemeClr val="lt1"/>
+    </dgm:linClrLst>
+    <dgm:effectClrLst/>
+    <dgm:txLinClrLst/>
+    <dgm:txFillClrLst/>
+    <dgm:txEffectClrLst/>
+  </dgm:styleLbl>
   <dgm:styleLbl name="alignNode1">
-    <dgm:fillClrLst meth="repeat">
-      <a:schemeClr val="accent1"/>
-    </dgm:fillClrLst>
-    <dgm:linClrLst meth="repeat">
-      <a:schemeClr val="accent1"/>
+    <dgm:fillClrLst>
+      <a:schemeClr val="accent2"/>
+      <a:schemeClr val="accent3"/>
+    </dgm:fillClrLst>
+    <dgm:linClrLst>
+      <a:schemeClr val="accent2"/>
+      <a:schemeClr val="accent3"/>
     </dgm:linClrLst>
     <dgm:effectClrLst/>
     <dgm:txLinClrLst/>
     <dgm:txFillClrLst/>
     <dgm:txEffectClrLst/>
   </dgm:styleLbl>
-  <dgm:styleLbl name="node1">
-    <dgm:fillClrLst meth="repeat">
-      <a:schemeClr val="accent1"/>
+  <dgm:styleLbl name="lnNode1">
+    <dgm:fillClrLst>
+      <a:schemeClr val="accent2"/>
+      <a:schemeClr val="accent3"/>
     </dgm:fillClrLst>
     <dgm:linClrLst meth="repeat">
       <a:schemeClr val="lt1"/>
@@ -3168,9 +3363,14 @@
     <dgm:txFillClrLst/>
     <dgm:txEffectClrLst/>
   </dgm:styleLbl>
-  <dgm:styleLbl name="lnNode1">
-    <dgm:fillClrLst meth="repeat">
-      <a:schemeClr val="accent1"/>
+  <dgm:styleLbl name="vennNode1">
+    <dgm:fillClrLst>
+      <a:schemeClr val="accent2">
+        <a:alpha val="50000"/>
+      </a:schemeClr>
+      <a:schemeClr val="accent3">
+        <a:alpha val="50000"/>
+      </a:schemeClr>
     </dgm:fillClrLst>
     <dgm:linClrLst meth="repeat">
       <a:schemeClr val="lt1"/>
@@ -3180,11 +3380,9 @@
     <dgm:txFillClrLst/>
     <dgm:txEffectClrLst/>
   </dgm:styleLbl>
-  <dgm:styleLbl name="vennNode1">
-    <dgm:fillClrLst meth="repeat">
-      <a:schemeClr val="accent1">
-        <a:alpha val="50000"/>
-      </a:schemeClr>
+  <dgm:styleLbl name="node2">
+    <dgm:fillClrLst>
+      <a:schemeClr val="accent3"/>
     </dgm:fillClrLst>
     <dgm:linClrLst meth="repeat">
       <a:schemeClr val="lt1"/>
@@ -3194,9 +3392,9 @@
     <dgm:txFillClrLst/>
     <dgm:txEffectClrLst/>
   </dgm:styleLbl>
-  <dgm:styleLbl name="node2">
-    <dgm:fillClrLst meth="repeat">
-      <a:schemeClr val="accent1"/>
+  <dgm:styleLbl name="node3">
+    <dgm:fillClrLst>
+      <a:schemeClr val="accent4"/>
     </dgm:fillClrLst>
     <dgm:linClrLst meth="repeat">
       <a:schemeClr val="lt1"/>
@@ -3206,9 +3404,9 @@
     <dgm:txFillClrLst/>
     <dgm:txEffectClrLst/>
   </dgm:styleLbl>
-  <dgm:styleLbl name="node3">
-    <dgm:fillClrLst meth="repeat">
-      <a:schemeClr val="accent1"/>
+  <dgm:styleLbl name="node4">
+    <dgm:fillClrLst>
+      <a:schemeClr val="accent5"/>
     </dgm:fillClrLst>
     <dgm:linClrLst meth="repeat">
       <a:schemeClr val="lt1"/>
@@ -3218,21 +3416,12 @@
     <dgm:txFillClrLst/>
     <dgm:txEffectClrLst/>
   </dgm:styleLbl>
-  <dgm:styleLbl name="node4">
-    <dgm:fillClrLst meth="repeat">
-      <a:schemeClr val="accent1"/>
-    </dgm:fillClrLst>
-    <dgm:linClrLst meth="repeat">
-      <a:schemeClr val="lt1"/>
-    </dgm:linClrLst>
-    <dgm:effectClrLst/>
-    <dgm:txLinClrLst/>
-    <dgm:txFillClrLst/>
-    <dgm:txEffectClrLst/>
-  </dgm:styleLbl>
   <dgm:styleLbl name="fgImgPlace1">
-    <dgm:fillClrLst meth="repeat">
-      <a:schemeClr val="accent1">
+    <dgm:fillClrLst>
+      <a:schemeClr val="accent2">
+        <a:tint val="50000"/>
+      </a:schemeClr>
+      <a:schemeClr val="accent3">
         <a:tint val="50000"/>
       </a:schemeClr>
     </dgm:fillClrLst>
@@ -3247,9 +3436,12 @@
     <dgm:txEffectClrLst/>
   </dgm:styleLbl>
   <dgm:styleLbl name="alignImgPlace1">
-    <dgm:fillClrLst meth="repeat">
-      <a:schemeClr val="accent1">
+    <dgm:fillClrLst>
+      <a:schemeClr val="accent2">
         <a:tint val="50000"/>
+      </a:schemeClr>
+      <a:schemeClr val="accent3">
+        <a:tint val="20000"/>
       </a:schemeClr>
     </dgm:fillClrLst>
     <dgm:linClrLst meth="repeat">
@@ -3263,9 +3455,12 @@
     <dgm:txEffectClrLst/>
   </dgm:styleLbl>
   <dgm:styleLbl name="bgImgPlace1">
-    <dgm:fillClrLst meth="repeat">
-      <a:schemeClr val="accent1">
+    <dgm:fillClrLst>
+      <a:schemeClr val="accent2">
         <a:tint val="50000"/>
+      </a:schemeClr>
+      <a:schemeClr val="accent3">
+        <a:tint val="20000"/>
       </a:schemeClr>
     </dgm:fillClrLst>
     <dgm:linClrLst meth="repeat">
@@ -3279,15 +3474,12 @@
     <dgm:txEffectClrLst/>
   </dgm:styleLbl>
   <dgm:styleLbl name="sibTrans2D1">
-    <dgm:fillClrLst meth="repeat">
-      <a:schemeClr val="accent1">
-        <a:tint val="60000"/>
-      </a:schemeClr>
-    </dgm:fillClrLst>
-    <dgm:linClrLst meth="repeat">
-      <a:schemeClr val="accent1">
-        <a:tint val="60000"/>
-      </a:schemeClr>
+    <dgm:fillClrLst>
+      <a:schemeClr val="accent2"/>
+      <a:schemeClr val="accent3"/>
+    </dgm:fillClrLst>
+    <dgm:linClrLst meth="repeat">
+      <a:schemeClr val="lt1"/>
     </dgm:linClrLst>
     <dgm:effectClrLst/>
     <dgm:txLinClrLst/>
@@ -3295,43 +3487,40 @@
     <dgm:txEffectClrLst/>
   </dgm:styleLbl>
   <dgm:styleLbl name="fgSibTrans2D1">
-    <dgm:fillClrLst meth="repeat">
-      <a:schemeClr val="accent1">
-        <a:tint val="60000"/>
-      </a:schemeClr>
-    </dgm:fillClrLst>
-    <dgm:linClrLst meth="repeat">
-      <a:schemeClr val="accent1">
-        <a:tint val="60000"/>
-      </a:schemeClr>
-    </dgm:linClrLst>
-    <dgm:effectClrLst/>
-    <dgm:txLinClrLst/>
-    <dgm:txFillClrLst/>
+    <dgm:fillClrLst>
+      <a:schemeClr val="accent2"/>
+      <a:schemeClr val="accent3"/>
+    </dgm:fillClrLst>
+    <dgm:linClrLst meth="repeat">
+      <a:schemeClr val="lt1"/>
+    </dgm:linClrLst>
+    <dgm:effectClrLst/>
+    <dgm:txLinClrLst/>
+    <dgm:txFillClrLst meth="repeat">
+      <a:schemeClr val="lt1"/>
+    </dgm:txFillClrLst>
     <dgm:txEffectClrLst/>
   </dgm:styleLbl>
   <dgm:styleLbl name="bgSibTrans2D1">
-    <dgm:fillClrLst meth="repeat">
-      <a:schemeClr val="accent1">
-        <a:tint val="60000"/>
-      </a:schemeClr>
-    </dgm:fillClrLst>
-    <dgm:linClrLst meth="repeat">
-      <a:schemeClr val="accent1">
-        <a:tint val="60000"/>
-      </a:schemeClr>
-    </dgm:linClrLst>
-    <dgm:effectClrLst/>
-    <dgm:txLinClrLst/>
-    <dgm:txFillClrLst/>
+    <dgm:fillClrLst>
+      <a:schemeClr val="accent2"/>
+      <a:schemeClr val="accent3"/>
+    </dgm:fillClrLst>
+    <dgm:linClrLst meth="repeat">
+      <a:schemeClr val="lt1"/>
+    </dgm:linClrLst>
+    <dgm:effectClrLst/>
+    <dgm:txLinClrLst/>
+    <dgm:txFillClrLst meth="repeat">
+      <a:schemeClr val="lt1"/>
+    </dgm:txFillClrLst>
     <dgm:txEffectClrLst/>
   </dgm:styleLbl>
   <dgm:styleLbl name="sibTrans1D1">
-    <dgm:fillClrLst meth="repeat">
-      <a:schemeClr val="accent1"/>
-    </dgm:fillClrLst>
-    <dgm:linClrLst meth="repeat">
-      <a:schemeClr val="accent1"/>
+    <dgm:fillClrLst/>
+    <dgm:linClrLst>
+      <a:schemeClr val="accent2"/>
+      <a:schemeClr val="accent3"/>
     </dgm:linClrLst>
     <dgm:effectClrLst/>
     <dgm:txLinClrLst/>
@@ -3342,10 +3531,10 @@
   </dgm:styleLbl>
   <dgm:styleLbl name="callout">
     <dgm:fillClrLst meth="repeat">
-      <a:schemeClr val="accent1"/>
-    </dgm:fillClrLst>
-    <dgm:linClrLst meth="repeat">
-      <a:schemeClr val="accent1">
+      <a:schemeClr val="accent2"/>
+    </dgm:fillClrLst>
+    <dgm:linClrLst meth="repeat">
+      <a:schemeClr val="accent2">
         <a:tint val="50000"/>
       </a:schemeClr>
     </dgm:linClrLst>
@@ -3358,7 +3547,35 @@
   </dgm:styleLbl>
   <dgm:styleLbl name="asst0">
     <dgm:fillClrLst meth="repeat">
-      <a:schemeClr val="accent1"/>
+      <a:schemeClr val="accent2"/>
+    </dgm:fillClrLst>
+    <dgm:linClrLst meth="repeat">
+      <a:schemeClr val="lt1">
+        <a:shade val="80000"/>
+      </a:schemeClr>
+    </dgm:linClrLst>
+    <dgm:effectClrLst/>
+    <dgm:txLinClrLst/>
+    <dgm:txFillClrLst/>
+    <dgm:txEffectClrLst/>
+  </dgm:styleLbl>
+  <dgm:styleLbl name="asst1">
+    <dgm:fillClrLst meth="repeat">
+      <a:schemeClr val="accent3"/>
+    </dgm:fillClrLst>
+    <dgm:linClrLst meth="repeat">
+      <a:schemeClr val="lt1">
+        <a:shade val="80000"/>
+      </a:schemeClr>
+    </dgm:linClrLst>
+    <dgm:effectClrLst/>
+    <dgm:txLinClrLst/>
+    <dgm:txFillClrLst/>
+    <dgm:txEffectClrLst/>
+  </dgm:styleLbl>
+  <dgm:styleLbl name="asst2">
+    <dgm:fillClrLst>
+      <a:schemeClr val="accent4"/>
     </dgm:fillClrLst>
     <dgm:linClrLst meth="repeat">
       <a:schemeClr val="lt1"/>
@@ -3368,9 +3585,9 @@
     <dgm:txFillClrLst/>
     <dgm:txEffectClrLst/>
   </dgm:styleLbl>
-  <dgm:styleLbl name="asst1">
-    <dgm:fillClrLst meth="repeat">
-      <a:schemeClr val="accent1"/>
+  <dgm:styleLbl name="asst3">
+    <dgm:fillClrLst>
+      <a:schemeClr val="accent5"/>
     </dgm:fillClrLst>
     <dgm:linClrLst meth="repeat">
       <a:schemeClr val="lt1"/>
@@ -3380,9 +3597,9 @@
     <dgm:txFillClrLst/>
     <dgm:txEffectClrLst/>
   </dgm:styleLbl>
-  <dgm:styleLbl name="asst2">
-    <dgm:fillClrLst meth="repeat">
-      <a:schemeClr val="accent1"/>
+  <dgm:styleLbl name="asst4">
+    <dgm:fillClrLst>
+      <a:schemeClr val="accent6"/>
     </dgm:fillClrLst>
     <dgm:linClrLst meth="repeat">
       <a:schemeClr val="lt1"/>
@@ -3392,40 +3609,12 @@
     <dgm:txFillClrLst/>
     <dgm:txEffectClrLst/>
   </dgm:styleLbl>
-  <dgm:styleLbl name="asst3">
-    <dgm:fillClrLst meth="repeat">
-      <a:schemeClr val="accent1"/>
+  <dgm:styleLbl name="parChTrans2D1">
+    <dgm:fillClrLst meth="repeat">
+      <a:schemeClr val="accent2"/>
     </dgm:fillClrLst>
     <dgm:linClrLst meth="repeat">
       <a:schemeClr val="lt1"/>
-    </dgm:linClrLst>
-    <dgm:effectClrLst/>
-    <dgm:txLinClrLst/>
-    <dgm:txFillClrLst/>
-    <dgm:txEffectClrLst/>
-  </dgm:styleLbl>
-  <dgm:styleLbl name="asst4">
-    <dgm:fillClrLst meth="repeat">
-      <a:schemeClr val="accent1"/>
-    </dgm:fillClrLst>
-    <dgm:linClrLst meth="repeat">
-      <a:schemeClr val="lt1"/>
-    </dgm:linClrLst>
-    <dgm:effectClrLst/>
-    <dgm:txLinClrLst/>
-    <dgm:txFillClrLst/>
-    <dgm:txEffectClrLst/>
-  </dgm:styleLbl>
-  <dgm:styleLbl name="parChTrans2D1">
-    <dgm:fillClrLst meth="repeat">
-      <a:schemeClr val="accent1">
-        <a:tint val="60000"/>
-      </a:schemeClr>
-    </dgm:fillClrLst>
-    <dgm:linClrLst meth="repeat">
-      <a:schemeClr val="accent1">
-        <a:tint val="60000"/>
-      </a:schemeClr>
     </dgm:linClrLst>
     <dgm:effectClrLst/>
     <dgm:txLinClrLst/>
@@ -3436,10 +3625,34 @@
   </dgm:styleLbl>
   <dgm:styleLbl name="parChTrans2D2">
     <dgm:fillClrLst meth="repeat">
-      <a:schemeClr val="accent1"/>
-    </dgm:fillClrLst>
-    <dgm:linClrLst meth="repeat">
-      <a:schemeClr val="accent1"/>
+      <a:schemeClr val="accent3"/>
+    </dgm:fillClrLst>
+    <dgm:linClrLst meth="repeat">
+      <a:schemeClr val="lt1"/>
+    </dgm:linClrLst>
+    <dgm:effectClrLst/>
+    <dgm:txLinClrLst/>
+    <dgm:txFillClrLst/>
+    <dgm:txEffectClrLst/>
+  </dgm:styleLbl>
+  <dgm:styleLbl name="parChTrans2D3">
+    <dgm:fillClrLst meth="repeat">
+      <a:schemeClr val="accent4"/>
+    </dgm:fillClrLst>
+    <dgm:linClrLst meth="repeat">
+      <a:schemeClr val="lt1"/>
+    </dgm:linClrLst>
+    <dgm:effectClrLst/>
+    <dgm:txLinClrLst/>
+    <dgm:txFillClrLst/>
+    <dgm:txEffectClrLst/>
+  </dgm:styleLbl>
+  <dgm:styleLbl name="parChTrans2D4">
+    <dgm:fillClrLst meth="repeat">
+      <a:schemeClr val="accent5"/>
+    </dgm:fillClrLst>
+    <dgm:linClrLst meth="repeat">
+      <a:schemeClr val="lt1"/>
     </dgm:linClrLst>
     <dgm:effectClrLst/>
     <dgm:txLinClrLst/>
@@ -3448,12 +3661,369 @@
     </dgm:txFillClrLst>
     <dgm:txEffectClrLst/>
   </dgm:styleLbl>
-  <dgm:styleLbl name="parChTrans2D3">
-    <dgm:fillClrLst meth="repeat">
+  <dgm:styleLbl name="parChTrans1D1">
+    <dgm:fillClrLst meth="repeat">
+      <a:schemeClr val="accent2"/>
+    </dgm:fillClrLst>
+    <dgm:linClrLst meth="repeat">
+      <a:schemeClr val="accent2"/>
+    </dgm:linClrLst>
+    <dgm:effectClrLst/>
+    <dgm:txLinClrLst/>
+    <dgm:txFillClrLst meth="repeat">
+      <a:schemeClr val="tx1"/>
+    </dgm:txFillClrLst>
+    <dgm:txEffectClrLst/>
+  </dgm:styleLbl>
+  <dgm:styleLbl name="parChTrans1D2">
+    <dgm:fillClrLst meth="repeat">
+      <a:schemeClr val="accent2">
+        <a:tint val="90000"/>
+      </a:schemeClr>
+    </dgm:fillClrLst>
+    <dgm:linClrLst meth="repeat">
+      <a:schemeClr val="accent3"/>
+    </dgm:linClrLst>
+    <dgm:effectClrLst/>
+    <dgm:txLinClrLst/>
+    <dgm:txFillClrLst meth="repeat">
+      <a:schemeClr val="tx1"/>
+    </dgm:txFillClrLst>
+    <dgm:txEffectClrLst/>
+  </dgm:styleLbl>
+  <dgm:styleLbl name="parChTrans1D3">
+    <dgm:fillClrLst meth="repeat">
+      <a:schemeClr val="accent2">
+        <a:tint val="70000"/>
+      </a:schemeClr>
+    </dgm:fillClrLst>
+    <dgm:linClrLst meth="repeat">
+      <a:schemeClr val="accent4"/>
+    </dgm:linClrLst>
+    <dgm:effectClrLst/>
+    <dgm:txLinClrLst/>
+    <dgm:txFillClrLst meth="repeat">
+      <a:schemeClr val="tx1"/>
+    </dgm:txFillClrLst>
+    <dgm:txEffectClrLst/>
+  </dgm:styleLbl>
+  <dgm:styleLbl name="parChTrans1D4">
+    <dgm:fillClrLst meth="repeat">
+      <a:schemeClr val="accent2">
+        <a:tint val="50000"/>
+      </a:schemeClr>
+    </dgm:fillClrLst>
+    <dgm:linClrLst meth="repeat">
+      <a:schemeClr val="accent5"/>
+    </dgm:linClrLst>
+    <dgm:effectClrLst/>
+    <dgm:txLinClrLst/>
+    <dgm:txFillClrLst meth="repeat">
+      <a:schemeClr val="tx1"/>
+    </dgm:txFillClrLst>
+    <dgm:txEffectClrLst/>
+  </dgm:styleLbl>
+  <dgm:styleLbl name="fgAcc1">
+    <dgm:fillClrLst meth="repeat">
+      <a:schemeClr val="lt1">
+        <a:alpha val="90000"/>
+      </a:schemeClr>
+    </dgm:fillClrLst>
+    <dgm:linClrLst>
+      <a:schemeClr val="accent2"/>
+      <a:schemeClr val="accent3"/>
+    </dgm:linClrLst>
+    <dgm:effectClrLst/>
+    <dgm:txLinClrLst/>
+    <dgm:txFillClrLst meth="repeat">
+      <a:schemeClr val="dk1"/>
+    </dgm:txFillClrLst>
+    <dgm:txEffectClrLst/>
+  </dgm:styleLbl>
+  <dgm:styleLbl name="conFgAcc1">
+    <dgm:fillClrLst meth="repeat">
+      <a:schemeClr val="lt1">
+        <a:alpha val="90000"/>
+      </a:schemeClr>
+    </dgm:fillClrLst>
+    <dgm:linClrLst>
+      <a:schemeClr val="accent2"/>
+      <a:schemeClr val="accent3"/>
+    </dgm:linClrLst>
+    <dgm:effectClrLst/>
+    <dgm:txLinClrLst/>
+    <dgm:txFillClrLst meth="repeat">
+      <a:schemeClr val="dk1"/>
+    </dgm:txFillClrLst>
+    <dgm:txEffectClrLst/>
+  </dgm:styleLbl>
+  <dgm:styleLbl name="alignAcc1">
+    <dgm:fillClrLst meth="repeat">
+      <a:schemeClr val="lt1">
+        <a:alpha val="90000"/>
+      </a:schemeClr>
+    </dgm:fillClrLst>
+    <dgm:linClrLst>
+      <a:schemeClr val="accent2"/>
+      <a:schemeClr val="accent3"/>
+    </dgm:linClrLst>
+    <dgm:effectClrLst/>
+    <dgm:txLinClrLst/>
+    <dgm:txFillClrLst meth="repeat">
+      <a:schemeClr val="dk1"/>
+    </dgm:txFillClrLst>
+    <dgm:txEffectClrLst/>
+  </dgm:styleLbl>
+  <dgm:styleLbl name="trAlignAcc1">
+    <dgm:fillClrLst meth="repeat">
+      <a:schemeClr val="lt1">
+        <a:alpha val="40000"/>
+      </a:schemeClr>
+    </dgm:fillClrLst>
+    <dgm:linClrLst meth="repeat">
+      <a:schemeClr val="accent2"/>
+    </dgm:linClrLst>
+    <dgm:effectClrLst/>
+    <dgm:txLinClrLst/>
+    <dgm:txFillClrLst meth="repeat">
+      <a:schemeClr val="dk1"/>
+    </dgm:txFillClrLst>
+    <dgm:txEffectClrLst/>
+  </dgm:styleLbl>
+  <dgm:styleLbl name="bgAcc1">
+    <dgm:fillClrLst meth="repeat">
+      <a:schemeClr val="lt1">
+        <a:alpha val="90000"/>
+      </a:schemeClr>
+    </dgm:fillClrLst>
+    <dgm:linClrLst>
+      <a:schemeClr val="accent2"/>
+      <a:schemeClr val="accent3"/>
+    </dgm:linClrLst>
+    <dgm:effectClrLst/>
+    <dgm:txLinClrLst/>
+    <dgm:txFillClrLst meth="repeat">
+      <a:schemeClr val="dk1"/>
+    </dgm:txFillClrLst>
+    <dgm:txEffectClrLst/>
+  </dgm:styleLbl>
+  <dgm:styleLbl name="solidFgAcc1">
+    <dgm:fillClrLst meth="repeat">
+      <a:schemeClr val="lt1"/>
+    </dgm:fillClrLst>
+    <dgm:linClrLst>
+      <a:schemeClr val="accent2"/>
+      <a:schemeClr val="accent3"/>
+    </dgm:linClrLst>
+    <dgm:effectClrLst/>
+    <dgm:txLinClrLst/>
+    <dgm:txFillClrLst meth="repeat">
+      <a:schemeClr val="dk1"/>
+    </dgm:txFillClrLst>
+    <dgm:txEffectClrLst/>
+  </dgm:styleLbl>
+  <dgm:styleLbl name="solidAlignAcc1">
+    <dgm:fillClrLst meth="repeat">
+      <a:schemeClr val="lt1"/>
+    </dgm:fillClrLst>
+    <dgm:linClrLst>
+      <a:schemeClr val="accent2"/>
+      <a:schemeClr val="accent3"/>
+    </dgm:linClrLst>
+    <dgm:effectClrLst/>
+    <dgm:txLinClrLst/>
+    <dgm:txFillClrLst meth="repeat">
+      <a:schemeClr val="dk1"/>
+    </dgm:txFillClrLst>
+    <dgm:txEffectClrLst/>
+  </dgm:styleLbl>
+  <dgm:styleLbl name="solidBgAcc1">
+    <dgm:fillClrLst meth="repeat">
+      <a:schemeClr val="lt1"/>
+    </dgm:fillClrLst>
+    <dgm:linClrLst>
+      <a:schemeClr val="accent2"/>
+      <a:schemeClr val="accent3"/>
+    </dgm:linClrLst>
+    <dgm:effectClrLst/>
+    <dgm:txLinClrLst/>
+    <dgm:txFillClrLst meth="repeat">
+      <a:schemeClr val="dk1"/>
+    </dgm:txFillClrLst>
+    <dgm:txEffectClrLst/>
+  </dgm:styleLbl>
+  <dgm:styleLbl name="fgAccFollowNode1">
+    <dgm:fillClrLst>
+      <a:schemeClr val="accent2">
+        <a:tint val="40000"/>
+        <a:alpha val="90000"/>
+      </a:schemeClr>
+      <a:schemeClr val="accent3">
+        <a:tint val="40000"/>
+        <a:alpha val="90000"/>
+      </a:schemeClr>
+    </dgm:fillClrLst>
+    <dgm:linClrLst>
+      <a:schemeClr val="accent2">
+        <a:tint val="40000"/>
+        <a:alpha val="90000"/>
+      </a:schemeClr>
+      <a:schemeClr val="accent3">
+        <a:tint val="40000"/>
+        <a:alpha val="90000"/>
+      </a:schemeClr>
+    </dgm:linClrLst>
+    <dgm:effectClrLst/>
+    <dgm:txLinClrLst/>
+    <dgm:txFillClrLst meth="repeat">
+      <a:schemeClr val="dk1"/>
+    </dgm:txFillClrLst>
+    <dgm:txEffectClrLst/>
+  </dgm:styleLbl>
+  <dgm:styleLbl name="alignAccFollowNode1">
+    <dgm:fillClrLst>
+      <a:schemeClr val="accent2">
+        <a:tint val="40000"/>
+        <a:alpha val="90000"/>
+      </a:schemeClr>
+      <a:schemeClr val="accent3">
+        <a:tint val="40000"/>
+        <a:alpha val="90000"/>
+      </a:schemeClr>
+    </dgm:fillClrLst>
+    <dgm:linClrLst>
+      <a:schemeClr val="accent2">
+        <a:tint val="40000"/>
+        <a:alpha val="90000"/>
+      </a:schemeClr>
+      <a:schemeClr val="accent3">
+        <a:tint val="40000"/>
+        <a:alpha val="90000"/>
+      </a:schemeClr>
+    </dgm:linClrLst>
+    <dgm:effectClrLst/>
+    <dgm:txLinClrLst/>
+    <dgm:txFillClrLst meth="repeat">
+      <a:schemeClr val="dk1"/>
+    </dgm:txFillClrLst>
+    <dgm:txEffectClrLst/>
+  </dgm:styleLbl>
+  <dgm:styleLbl name="bgAccFollowNode1">
+    <dgm:fillClrLst>
+      <a:schemeClr val="accent2">
+        <a:tint val="40000"/>
+        <a:alpha val="90000"/>
+      </a:schemeClr>
+      <a:schemeClr val="accent3">
+        <a:tint val="40000"/>
+        <a:alpha val="90000"/>
+      </a:schemeClr>
+    </dgm:fillClrLst>
+    <dgm:linClrLst>
+      <a:schemeClr val="accent2">
+        <a:tint val="40000"/>
+        <a:alpha val="90000"/>
+      </a:schemeClr>
+      <a:schemeClr val="accent3">
+        <a:tint val="40000"/>
+        <a:alpha val="90000"/>
+      </a:schemeClr>
+    </dgm:linClrLst>
+    <dgm:effectClrLst/>
+    <dgm:txLinClrLst/>
+    <dgm:txFillClrLst meth="repeat">
+      <a:schemeClr val="dk1"/>
+    </dgm:txFillClrLst>
+    <dgm:txEffectClrLst/>
+  </dgm:styleLbl>
+  <dgm:styleLbl name="fgAcc0">
+    <dgm:fillClrLst meth="repeat">
+      <a:schemeClr val="lt1">
+        <a:alpha val="90000"/>
+      </a:schemeClr>
+    </dgm:fillClrLst>
+    <dgm:linClrLst>
       <a:schemeClr val="accent1"/>
-    </dgm:fillClrLst>
-    <dgm:linClrLst meth="repeat">
-      <a:schemeClr val="accent1"/>
+    </dgm:linClrLst>
+    <dgm:effectClrLst/>
+    <dgm:txLinClrLst/>
+    <dgm:txFillClrLst meth="repeat">
+      <a:schemeClr val="dk1"/>
+    </dgm:txFillClrLst>
+    <dgm:txEffectClrLst/>
+  </dgm:styleLbl>
+  <dgm:styleLbl name="fgAcc2">
+    <dgm:fillClrLst meth="repeat">
+      <a:schemeClr val="lt1">
+        <a:alpha val="90000"/>
+      </a:schemeClr>
+    </dgm:fillClrLst>
+    <dgm:linClrLst>
+      <a:schemeClr val="accent3"/>
+    </dgm:linClrLst>
+    <dgm:effectClrLst/>
+    <dgm:txLinClrLst/>
+    <dgm:txFillClrLst meth="repeat">
+      <a:schemeClr val="dk1"/>
+    </dgm:txFillClrLst>
+    <dgm:txEffectClrLst/>
+  </dgm:styleLbl>
+  <dgm:styleLbl name="fgAcc3">
+    <dgm:fillClrLst meth="repeat">
+      <a:schemeClr val="lt1">
+        <a:alpha val="90000"/>
+      </a:schemeClr>
+    </dgm:fillClrLst>
+    <dgm:linClrLst>
+      <a:schemeClr val="accent4"/>
+    </dgm:linClrLst>
+    <dgm:effectClrLst/>
+    <dgm:txLinClrLst/>
+    <dgm:txFillClrLst meth="repeat">
+      <a:schemeClr val="dk1"/>
+    </dgm:txFillClrLst>
+    <dgm:txEffectClrLst/>
+  </dgm:styleLbl>
+  <dgm:styleLbl name="fgAcc4">
+    <dgm:fillClrLst meth="repeat">
+      <a:schemeClr val="lt1">
+        <a:alpha val="90000"/>
+      </a:schemeClr>
+    </dgm:fillClrLst>
+    <dgm:linClrLst>
+      <a:schemeClr val="accent5"/>
+    </dgm:linClrLst>
+    <dgm:effectClrLst/>
+    <dgm:txLinClrLst/>
+    <dgm:txFillClrLst meth="repeat">
+      <a:schemeClr val="dk1"/>
+    </dgm:txFillClrLst>
+    <dgm:txEffectClrLst/>
+  </dgm:styleLbl>
+  <dgm:styleLbl name="bgShp">
+    <dgm:fillClrLst meth="repeat">
+      <a:schemeClr val="accent2">
+        <a:tint val="40000"/>
+      </a:schemeClr>
+    </dgm:fillClrLst>
+    <dgm:linClrLst meth="repeat">
+      <a:schemeClr val="dk1"/>
+    </dgm:linClrLst>
+    <dgm:effectClrLst/>
+    <dgm:txLinClrLst/>
+    <dgm:txFillClrLst meth="repeat">
+      <a:schemeClr val="dk1"/>
+    </dgm:txFillClrLst>
+    <dgm:txEffectClrLst/>
+  </dgm:styleLbl>
+  <dgm:styleLbl name="dkBgShp">
+    <dgm:fillClrLst meth="repeat">
+      <a:schemeClr val="accent2">
+        <a:shade val="90000"/>
+      </a:schemeClr>
+    </dgm:fillClrLst>
+    <dgm:linClrLst meth="repeat">
+      <a:schemeClr val="dk1"/>
     </dgm:linClrLst>
     <dgm:effectClrLst/>
     <dgm:txLinClrLst/>
@@ -3462,12 +4032,15 @@
     </dgm:txFillClrLst>
     <dgm:txEffectClrLst/>
   </dgm:styleLbl>
-  <dgm:styleLbl name="parChTrans2D4">
-    <dgm:fillClrLst meth="repeat">
-      <a:schemeClr val="accent1"/>
-    </dgm:fillClrLst>
-    <dgm:linClrLst meth="repeat">
-      <a:schemeClr val="accent1"/>
+  <dgm:styleLbl name="trBgShp">
+    <dgm:fillClrLst meth="repeat">
+      <a:schemeClr val="accent2">
+        <a:tint val="50000"/>
+        <a:alpha val="40000"/>
+      </a:schemeClr>
+    </dgm:fillClrLst>
+    <dgm:linClrLst meth="repeat">
+      <a:schemeClr val="accent2"/>
     </dgm:linClrLst>
     <dgm:effectClrLst/>
     <dgm:txLinClrLst/>
@@ -3476,369 +4049,10 @@
     </dgm:txFillClrLst>
     <dgm:txEffectClrLst/>
   </dgm:styleLbl>
-  <dgm:styleLbl name="parChTrans1D1">
-    <dgm:fillClrLst meth="repeat">
-      <a:schemeClr val="accent1"/>
-    </dgm:fillClrLst>
-    <dgm:linClrLst meth="repeat">
-      <a:schemeClr val="accent1">
-        <a:shade val="60000"/>
-      </a:schemeClr>
-    </dgm:linClrLst>
-    <dgm:effectClrLst/>
-    <dgm:txLinClrLst/>
-    <dgm:txFillClrLst meth="repeat">
-      <a:schemeClr val="tx1"/>
-    </dgm:txFillClrLst>
-    <dgm:txEffectClrLst/>
-  </dgm:styleLbl>
-  <dgm:styleLbl name="parChTrans1D2">
-    <dgm:fillClrLst meth="repeat">
-      <a:schemeClr val="accent1"/>
-    </dgm:fillClrLst>
-    <dgm:linClrLst meth="repeat">
-      <a:schemeClr val="accent1">
-        <a:shade val="60000"/>
-      </a:schemeClr>
-    </dgm:linClrLst>
-    <dgm:effectClrLst/>
-    <dgm:txLinClrLst/>
-    <dgm:txFillClrLst meth="repeat">
-      <a:schemeClr val="tx1"/>
-    </dgm:txFillClrLst>
-    <dgm:txEffectClrLst/>
-  </dgm:styleLbl>
-  <dgm:styleLbl name="parChTrans1D3">
-    <dgm:fillClrLst meth="repeat">
-      <a:schemeClr val="accent1"/>
-    </dgm:fillClrLst>
-    <dgm:linClrLst meth="repeat">
-      <a:schemeClr val="accent1">
-        <a:shade val="80000"/>
-      </a:schemeClr>
-    </dgm:linClrLst>
-    <dgm:effectClrLst/>
-    <dgm:txLinClrLst/>
-    <dgm:txFillClrLst meth="repeat">
-      <a:schemeClr val="tx1"/>
-    </dgm:txFillClrLst>
-    <dgm:txEffectClrLst/>
-  </dgm:styleLbl>
-  <dgm:styleLbl name="parChTrans1D4">
-    <dgm:fillClrLst meth="repeat">
-      <a:schemeClr val="accent1"/>
-    </dgm:fillClrLst>
-    <dgm:linClrLst meth="repeat">
-      <a:schemeClr val="accent1">
-        <a:shade val="80000"/>
-      </a:schemeClr>
-    </dgm:linClrLst>
-    <dgm:effectClrLst/>
-    <dgm:txLinClrLst/>
-    <dgm:txFillClrLst meth="repeat">
-      <a:schemeClr val="tx1"/>
-    </dgm:txFillClrLst>
-    <dgm:txEffectClrLst/>
-  </dgm:styleLbl>
-  <dgm:styleLbl name="fgAcc1">
-    <dgm:fillClrLst meth="repeat">
-      <a:schemeClr val="lt1">
-        <a:alpha val="90000"/>
-      </a:schemeClr>
-    </dgm:fillClrLst>
-    <dgm:linClrLst meth="repeat">
-      <a:schemeClr val="accent1"/>
-    </dgm:linClrLst>
-    <dgm:effectClrLst/>
-    <dgm:txLinClrLst/>
-    <dgm:txFillClrLst meth="repeat">
-      <a:schemeClr val="dk1"/>
-    </dgm:txFillClrLst>
-    <dgm:txEffectClrLst/>
-  </dgm:styleLbl>
-  <dgm:styleLbl name="conFgAcc1">
-    <dgm:fillClrLst meth="repeat">
-      <a:schemeClr val="lt1">
-        <a:alpha val="90000"/>
-      </a:schemeClr>
-    </dgm:fillClrLst>
-    <dgm:linClrLst meth="repeat">
-      <a:schemeClr val="accent1"/>
-    </dgm:linClrLst>
-    <dgm:effectClrLst/>
-    <dgm:txLinClrLst/>
-    <dgm:txFillClrLst meth="repeat">
-      <a:schemeClr val="dk1"/>
-    </dgm:txFillClrLst>
-    <dgm:txEffectClrLst/>
-  </dgm:styleLbl>
-  <dgm:styleLbl name="alignAcc1">
-    <dgm:fillClrLst meth="repeat">
-      <a:schemeClr val="lt1">
-        <a:alpha val="90000"/>
-      </a:schemeClr>
-    </dgm:fillClrLst>
-    <dgm:linClrLst meth="repeat">
-      <a:schemeClr val="accent1"/>
-    </dgm:linClrLst>
-    <dgm:effectClrLst/>
-    <dgm:txLinClrLst/>
-    <dgm:txFillClrLst meth="repeat">
-      <a:schemeClr val="dk1"/>
-    </dgm:txFillClrLst>
-    <dgm:txEffectClrLst/>
-  </dgm:styleLbl>
-  <dgm:styleLbl name="trAlignAcc1">
-    <dgm:fillClrLst meth="repeat">
-      <a:schemeClr val="lt1">
-        <a:alpha val="40000"/>
-      </a:schemeClr>
-    </dgm:fillClrLst>
-    <dgm:linClrLst meth="repeat">
-      <a:schemeClr val="accent1"/>
-    </dgm:linClrLst>
-    <dgm:effectClrLst/>
-    <dgm:txLinClrLst/>
-    <dgm:txFillClrLst meth="repeat">
-      <a:schemeClr val="dk1"/>
-    </dgm:txFillClrLst>
-    <dgm:txEffectClrLst/>
-  </dgm:styleLbl>
-  <dgm:styleLbl name="bgAcc1">
-    <dgm:fillClrLst meth="repeat">
-      <a:schemeClr val="lt1">
-        <a:alpha val="90000"/>
-      </a:schemeClr>
-    </dgm:fillClrLst>
-    <dgm:linClrLst meth="repeat">
-      <a:schemeClr val="accent1"/>
-    </dgm:linClrLst>
-    <dgm:effectClrLst/>
-    <dgm:txLinClrLst/>
-    <dgm:txFillClrLst meth="repeat">
-      <a:schemeClr val="dk1"/>
-    </dgm:txFillClrLst>
-    <dgm:txEffectClrLst/>
-  </dgm:styleLbl>
-  <dgm:styleLbl name="solidFgAcc1">
-    <dgm:fillClrLst meth="repeat">
-      <a:schemeClr val="lt1"/>
-    </dgm:fillClrLst>
-    <dgm:linClrLst meth="repeat">
-      <a:schemeClr val="accent1"/>
-    </dgm:linClrLst>
-    <dgm:effectClrLst/>
-    <dgm:txLinClrLst/>
-    <dgm:txFillClrLst meth="repeat">
-      <a:schemeClr val="dk1"/>
-    </dgm:txFillClrLst>
-    <dgm:txEffectClrLst/>
-  </dgm:styleLbl>
-  <dgm:styleLbl name="solidAlignAcc1">
-    <dgm:fillClrLst meth="repeat">
-      <a:schemeClr val="lt1"/>
-    </dgm:fillClrLst>
-    <dgm:linClrLst meth="repeat">
-      <a:schemeClr val="accent1"/>
-    </dgm:linClrLst>
-    <dgm:effectClrLst/>
-    <dgm:txLinClrLst/>
-    <dgm:txFillClrLst meth="repeat">
-      <a:schemeClr val="dk1"/>
-    </dgm:txFillClrLst>
-    <dgm:txEffectClrLst/>
-  </dgm:styleLbl>
-  <dgm:styleLbl name="solidBgAcc1">
-    <dgm:fillClrLst meth="repeat">
-      <a:schemeClr val="lt1"/>
-    </dgm:fillClrLst>
-    <dgm:linClrLst meth="repeat">
-      <a:schemeClr val="accent1"/>
-    </dgm:linClrLst>
-    <dgm:effectClrLst/>
-    <dgm:txLinClrLst/>
-    <dgm:txFillClrLst meth="repeat">
-      <a:schemeClr val="dk1"/>
-    </dgm:txFillClrLst>
-    <dgm:txEffectClrLst/>
-  </dgm:styleLbl>
-  <dgm:styleLbl name="fgAccFollowNode1">
-    <dgm:fillClrLst meth="repeat">
-      <a:schemeClr val="accent1">
-        <a:alpha val="90000"/>
+  <dgm:styleLbl name="fgShp">
+    <dgm:fillClrLst meth="repeat">
+      <a:schemeClr val="accent2">
         <a:tint val="40000"/>
-      </a:schemeClr>
-    </dgm:fillClrLst>
-    <dgm:linClrLst meth="repeat">
-      <a:schemeClr val="accent1">
-        <a:alpha val="90000"/>
-        <a:tint val="40000"/>
-      </a:schemeClr>
-    </dgm:linClrLst>
-    <dgm:effectClrLst/>
-    <dgm:txLinClrLst/>
-    <dgm:txFillClrLst meth="repeat">
-      <a:schemeClr val="dk1"/>
-    </dgm:txFillClrLst>
-    <dgm:txEffectClrLst/>
-  </dgm:styleLbl>
-  <dgm:styleLbl name="alignAccFollowNode1">
-    <dgm:fillClrLst meth="repeat">
-      <a:schemeClr val="accent1">
-        <a:alpha val="90000"/>
-        <a:tint val="40000"/>
-      </a:schemeClr>
-    </dgm:fillClrLst>
-    <dgm:linClrLst meth="repeat">
-      <a:schemeClr val="accent1">
-        <a:alpha val="90000"/>
-        <a:tint val="40000"/>
-      </a:schemeClr>
-    </dgm:linClrLst>
-    <dgm:effectClrLst/>
-    <dgm:txLinClrLst/>
-    <dgm:txFillClrLst meth="repeat">
-      <a:schemeClr val="dk1"/>
-    </dgm:txFillClrLst>
-    <dgm:txEffectClrLst/>
-  </dgm:styleLbl>
-  <dgm:styleLbl name="bgAccFollowNode1">
-    <dgm:fillClrLst meth="repeat">
-      <a:schemeClr val="accent1">
-        <a:alpha val="90000"/>
-        <a:tint val="40000"/>
-      </a:schemeClr>
-    </dgm:fillClrLst>
-    <dgm:linClrLst meth="repeat">
-      <a:schemeClr val="accent1">
-        <a:alpha val="90000"/>
-        <a:tint val="40000"/>
-      </a:schemeClr>
-    </dgm:linClrLst>
-    <dgm:effectClrLst/>
-    <dgm:txLinClrLst/>
-    <dgm:txFillClrLst meth="repeat">
-      <a:schemeClr val="dk1"/>
-    </dgm:txFillClrLst>
-    <dgm:txEffectClrLst/>
-  </dgm:styleLbl>
-  <dgm:styleLbl name="fgAcc0">
-    <dgm:fillClrLst meth="repeat">
-      <a:schemeClr val="lt1">
-        <a:alpha val="90000"/>
-      </a:schemeClr>
-    </dgm:fillClrLst>
-    <dgm:linClrLst meth="repeat">
-      <a:schemeClr val="accent1"/>
-    </dgm:linClrLst>
-    <dgm:effectClrLst/>
-    <dgm:txLinClrLst/>
-    <dgm:txFillClrLst meth="repeat">
-      <a:schemeClr val="dk1"/>
-    </dgm:txFillClrLst>
-    <dgm:txEffectClrLst/>
-  </dgm:styleLbl>
-  <dgm:styleLbl name="fgAcc2">
-    <dgm:fillClrLst meth="repeat">
-      <a:schemeClr val="lt1">
-        <a:alpha val="90000"/>
-      </a:schemeClr>
-    </dgm:fillClrLst>
-    <dgm:linClrLst meth="repeat">
-      <a:schemeClr val="accent1"/>
-    </dgm:linClrLst>
-    <dgm:effectClrLst/>
-    <dgm:txLinClrLst/>
-    <dgm:txFillClrLst meth="repeat">
-      <a:schemeClr val="dk1"/>
-    </dgm:txFillClrLst>
-    <dgm:txEffectClrLst/>
-  </dgm:styleLbl>
-  <dgm:styleLbl name="fgAcc3">
-    <dgm:fillClrLst meth="repeat">
-      <a:schemeClr val="lt1">
-        <a:alpha val="90000"/>
-      </a:schemeClr>
-    </dgm:fillClrLst>
-    <dgm:linClrLst meth="repeat">
-      <a:schemeClr val="accent1"/>
-    </dgm:linClrLst>
-    <dgm:effectClrLst/>
-    <dgm:txLinClrLst/>
-    <dgm:txFillClrLst meth="repeat">
-      <a:schemeClr val="dk1"/>
-    </dgm:txFillClrLst>
-    <dgm:txEffectClrLst/>
-  </dgm:styleLbl>
-  <dgm:styleLbl name="fgAcc4">
-    <dgm:fillClrLst meth="repeat">
-      <a:schemeClr val="lt1">
-        <a:alpha val="90000"/>
-      </a:schemeClr>
-    </dgm:fillClrLst>
-    <dgm:linClrLst meth="repeat">
-      <a:schemeClr val="accent1"/>
-    </dgm:linClrLst>
-    <dgm:effectClrLst/>
-    <dgm:txLinClrLst/>
-    <dgm:txFillClrLst meth="repeat">
-      <a:schemeClr val="dk1"/>
-    </dgm:txFillClrLst>
-    <dgm:txEffectClrLst/>
-  </dgm:styleLbl>
-  <dgm:styleLbl name="bgShp">
-    <dgm:fillClrLst meth="repeat">
-      <a:schemeClr val="accent1">
-        <a:tint val="40000"/>
-      </a:schemeClr>
-    </dgm:fillClrLst>
-    <dgm:linClrLst meth="repeat">
-      <a:schemeClr val="accent1"/>
-    </dgm:linClrLst>
-    <dgm:effectClrLst/>
-    <dgm:txLinClrLst/>
-    <dgm:txFillClrLst meth="repeat">
-      <a:schemeClr val="dk1"/>
-    </dgm:txFillClrLst>
-    <dgm:txEffectClrLst/>
-  </dgm:styleLbl>
-  <dgm:styleLbl name="dkBgShp">
-    <dgm:fillClrLst meth="repeat">
-      <a:schemeClr val="accent1">
-        <a:shade val="80000"/>
-      </a:schemeClr>
-    </dgm:fillClrLst>
-    <dgm:linClrLst meth="repeat">
-      <a:schemeClr val="accent1"/>
-    </dgm:linClrLst>
-    <dgm:effectClrLst/>
-    <dgm:txLinClrLst/>
-    <dgm:txFillClrLst meth="repeat">
-      <a:schemeClr val="lt1"/>
-    </dgm:txFillClrLst>
-    <dgm:txEffectClrLst/>
-  </dgm:styleLbl>
-  <dgm:styleLbl name="trBgShp">
-    <dgm:fillClrLst meth="repeat">
-      <a:schemeClr val="accent1">
-        <a:tint val="50000"/>
-        <a:alpha val="40000"/>
-      </a:schemeClr>
-    </dgm:fillClrLst>
-    <dgm:linClrLst meth="repeat">
-      <a:schemeClr val="accent1"/>
-    </dgm:linClrLst>
-    <dgm:effectClrLst/>
-    <dgm:txLinClrLst/>
-    <dgm:txFillClrLst meth="repeat">
-      <a:schemeClr val="lt1"/>
-    </dgm:txFillClrLst>
-    <dgm:txEffectClrLst/>
-  </dgm:styleLbl>
-  <dgm:styleLbl name="fgShp">
-    <dgm:fillClrLst meth="repeat">
-      <a:schemeClr val="accent1">
-        <a:tint val="60000"/>
       </a:schemeClr>
     </dgm:fillClrLst>
     <dgm:linClrLst meth="repeat">
@@ -5559,7 +5773,7 @@
 <dgm:dataModel xmlns:dgm="http://schemas.openxmlformats.org/drawingml/2006/diagram" xmlns:a="http://schemas.openxmlformats.org/drawingml/2006/main">
   <dgm:ptLst>
     <dgm:pt modelId="{AF883751-CFC2-4286-9513-BBB55A2D8A70}" type="doc">
-      <dgm:prSet loTypeId="urn:microsoft.com/office/officeart/2018/2/layout/IconLabelList" loCatId="icon" qsTypeId="urn:microsoft.com/office/officeart/2005/8/quickstyle/simple1" qsCatId="simple" csTypeId="urn:microsoft.com/office/officeart/2005/8/colors/accent1_2" csCatId="accent1" phldr="1"/>
+      <dgm:prSet loTypeId="urn:microsoft.com/office/officeart/2018/5/layout/IconCircleLabelList" loCatId="icon" qsTypeId="urn:microsoft.com/office/officeart/2005/8/quickstyle/simple1" qsCatId="simple" csTypeId="urn:microsoft.com/office/officeart/2018/5/colors/Iconchunking_neutralicon_colorful1" csCatId="colorful" phldr="1"/>
       <dgm:spPr/>
       <dgm:t>
         <a:bodyPr/>
@@ -5580,12 +5794,13 @@
             <a:lnSpc>
               <a:spcPct val="100000"/>
             </a:lnSpc>
+            <a:defRPr cap="all"/>
           </a:pPr>
           <a:r>
-            <a:rPr lang="he-IL" dirty="0"/>
+            <a:rPr lang="he-IL"/>
             <a:t>פיתוח מכניקת המשחק</a:t>
           </a:r>
-          <a:endParaRPr lang="en-US" dirty="0"/>
+          <a:endParaRPr lang="en-US"/>
         </a:p>
       </dgm:t>
     </dgm:pt>
@@ -5622,12 +5837,13 @@
             <a:lnSpc>
               <a:spcPct val="100000"/>
             </a:lnSpc>
+            <a:defRPr cap="all"/>
           </a:pPr>
           <a:r>
-            <a:rPr lang="he-IL" dirty="0"/>
+            <a:rPr lang="he-IL"/>
             <a:t>תקשורת בין השחקנים</a:t>
           </a:r>
-          <a:endParaRPr lang="en-US" dirty="0"/>
+          <a:endParaRPr lang="en-US"/>
         </a:p>
       </dgm:t>
     </dgm:pt>
@@ -5664,12 +5880,13 @@
             <a:lnSpc>
               <a:spcPct val="100000"/>
             </a:lnSpc>
+            <a:defRPr cap="all"/>
           </a:pPr>
           <a:r>
-            <a:rPr lang="he-IL" dirty="0"/>
+            <a:rPr lang="he-IL"/>
             <a:t>כרטיס גרפי בסיסי</a:t>
           </a:r>
-          <a:endParaRPr lang="en-US" dirty="0"/>
+          <a:endParaRPr lang="en-US"/>
         </a:p>
       </dgm:t>
     </dgm:pt>
@@ -5702,24 +5919,20 @@
         <a:bodyPr/>
         <a:lstStyle/>
         <a:p>
-          <a:pPr rtl="1">
+          <a:pPr>
             <a:lnSpc>
               <a:spcPct val="100000"/>
             </a:lnSpc>
+            <a:defRPr cap="all"/>
           </a:pPr>
           <a:r>
             <a:rPr lang="he-IL" dirty="0"/>
-            <a:t>בינה מלאכותית (</a:t>
+            <a:t>בינה מלאכותית </a:t>
           </a:r>
           <a:r>
             <a:rPr lang="en-US" dirty="0"/>
-            <a:t>AI</a:t>
+            <a:t>(AI)</a:t>
           </a:r>
-          <a:r>
-            <a:rPr lang="he-IL" dirty="0"/>
-            <a:t>)</a:t>
-          </a:r>
-          <a:endParaRPr lang="en-US" dirty="0"/>
         </a:p>
       </dgm:t>
     </dgm:pt>
@@ -5745,7 +5958,7 @@
         </a:p>
       </dgm:t>
     </dgm:pt>
-    <dgm:pt modelId="{710CC4D5-9AFC-48CA-BF20-032E12D975CF}" type="pres">
+    <dgm:pt modelId="{24CB5A6C-396F-4952-A257-9B39BE910C31}" type="pres">
       <dgm:prSet presAssocID="{AF883751-CFC2-4286-9513-BBB55A2D8A70}" presName="root" presStyleCnt="0">
         <dgm:presLayoutVars>
           <dgm:dir/>
@@ -5754,11 +5967,15 @@
       </dgm:prSet>
       <dgm:spPr/>
     </dgm:pt>
-    <dgm:pt modelId="{72989231-2347-4FF0-9A03-5DE6D48C4416}" type="pres">
+    <dgm:pt modelId="{2208982B-C50A-4BC4-9C21-4EA0A1F53FAA}" type="pres">
       <dgm:prSet presAssocID="{6C00DE32-5406-41F5-AA7B-C0EF4FD7F4E5}" presName="compNode" presStyleCnt="0"/>
       <dgm:spPr/>
     </dgm:pt>
-    <dgm:pt modelId="{A959D1E0-059C-4333-8CE7-9A14047ECA3F}" type="pres">
+    <dgm:pt modelId="{7FD8A18D-2DD4-4F31-BBC6-82BCBC3F488F}" type="pres">
+      <dgm:prSet presAssocID="{6C00DE32-5406-41F5-AA7B-C0EF4FD7F4E5}" presName="iconBgRect" presStyleLbl="bgShp" presStyleIdx="0" presStyleCnt="4"/>
+      <dgm:spPr/>
+    </dgm:pt>
+    <dgm:pt modelId="{0946132E-2DF4-49F3-A31E-48E634983ABC}" type="pres">
       <dgm:prSet presAssocID="{6C00DE32-5406-41F5-AA7B-C0EF4FD7F4E5}" presName="iconRect" presStyleLbl="node1" presStyleIdx="0" presStyleCnt="4"/>
       <dgm:spPr>
         <a:blipFill>
@@ -5776,6 +5993,9 @@
             <a:fillRect/>
           </a:stretch>
         </a:blipFill>
+        <a:ln>
+          <a:noFill/>
+        </a:ln>
       </dgm:spPr>
       <dgm:extLst>
         <a:ext uri="{E40237B7-FDA0-4F09-8148-C483321AD2D9}">
@@ -5783,11 +6003,11 @@
         </a:ext>
       </dgm:extLst>
     </dgm:pt>
-    <dgm:pt modelId="{E27B91B9-1DAB-4CA6-B9A4-8DC22712BC4B}" type="pres">
+    <dgm:pt modelId="{68082D31-7C89-4D95-B979-16B2AB38A339}" type="pres">
       <dgm:prSet presAssocID="{6C00DE32-5406-41F5-AA7B-C0EF4FD7F4E5}" presName="spaceRect" presStyleCnt="0"/>
       <dgm:spPr/>
     </dgm:pt>
-    <dgm:pt modelId="{75E8CA93-E13C-4621-83E4-104CDAE553D1}" type="pres">
+    <dgm:pt modelId="{EE89630A-5300-4BC5-ABF7-BA4A25613CCF}" type="pres">
       <dgm:prSet presAssocID="{6C00DE32-5406-41F5-AA7B-C0EF4FD7F4E5}" presName="textRect" presStyleLbl="revTx" presStyleIdx="0" presStyleCnt="4">
         <dgm:presLayoutVars>
           <dgm:chMax val="1"/>
@@ -5796,15 +6016,19 @@
       </dgm:prSet>
       <dgm:spPr/>
     </dgm:pt>
-    <dgm:pt modelId="{5B01CBC6-7BF4-4532-B98F-775C8BC5D60F}" type="pres">
+    <dgm:pt modelId="{05F0FC6D-138D-4CCD-B707-94CDAA4026C8}" type="pres">
       <dgm:prSet presAssocID="{758B4787-8DD2-4D0F-81EA-9213548BF8C6}" presName="sibTrans" presStyleCnt="0"/>
       <dgm:spPr/>
     </dgm:pt>
-    <dgm:pt modelId="{5A80E5B5-883B-4CF0-B1B3-F742A984F140}" type="pres">
+    <dgm:pt modelId="{49808825-5845-4FF2-966E-54D956E0DED0}" type="pres">
       <dgm:prSet presAssocID="{67D84898-888A-407A-BE55-7FACD4AC745C}" presName="compNode" presStyleCnt="0"/>
       <dgm:spPr/>
     </dgm:pt>
-    <dgm:pt modelId="{2C04F7E3-10D1-4336-8CEC-F2B0D8CC61F8}" type="pres">
+    <dgm:pt modelId="{60638599-D830-48E9-8D88-89C3FDA6F3B0}" type="pres">
+      <dgm:prSet presAssocID="{67D84898-888A-407A-BE55-7FACD4AC745C}" presName="iconBgRect" presStyleLbl="bgShp" presStyleIdx="1" presStyleCnt="4"/>
+      <dgm:spPr/>
+    </dgm:pt>
+    <dgm:pt modelId="{CE20E262-958E-48EF-B3CD-DD5BA1377EF6}" type="pres">
       <dgm:prSet presAssocID="{67D84898-888A-407A-BE55-7FACD4AC745C}" presName="iconRect" presStyleLbl="node1" presStyleIdx="1" presStyleCnt="4"/>
       <dgm:spPr>
         <a:blipFill>
@@ -5822,18 +6046,21 @@
             <a:fillRect/>
           </a:stretch>
         </a:blipFill>
+        <a:ln>
+          <a:noFill/>
+        </a:ln>
       </dgm:spPr>
       <dgm:extLst>
         <a:ext uri="{E40237B7-FDA0-4F09-8148-C483321AD2D9}">
-          <dgm14:cNvPr xmlns:dgm14="http://schemas.microsoft.com/office/drawing/2010/diagram" id="0" name="" descr="Chat"/>
+          <dgm14:cNvPr xmlns:dgm14="http://schemas.microsoft.com/office/drawing/2010/diagram" id="0" name="" descr="צ'אט"/>
         </a:ext>
       </dgm:extLst>
     </dgm:pt>
-    <dgm:pt modelId="{6FCAA5F4-8908-475F-AF79-00E72A31D267}" type="pres">
+    <dgm:pt modelId="{62AFD980-6195-40C9-9709-6340FB23688D}" type="pres">
       <dgm:prSet presAssocID="{67D84898-888A-407A-BE55-7FACD4AC745C}" presName="spaceRect" presStyleCnt="0"/>
       <dgm:spPr/>
     </dgm:pt>
-    <dgm:pt modelId="{8D9608DA-2596-40DF-8022-DF0B1D1930C3}" type="pres">
+    <dgm:pt modelId="{8816A2B6-D190-41BD-83E2-2E237EA71872}" type="pres">
       <dgm:prSet presAssocID="{67D84898-888A-407A-BE55-7FACD4AC745C}" presName="textRect" presStyleLbl="revTx" presStyleIdx="1" presStyleCnt="4">
         <dgm:presLayoutVars>
           <dgm:chMax val="1"/>
@@ -5842,42 +6069,51 @@
       </dgm:prSet>
       <dgm:spPr/>
     </dgm:pt>
-    <dgm:pt modelId="{81B4C911-E176-44B8-A7AA-4F1DE0215C8A}" type="pres">
+    <dgm:pt modelId="{11E07FFB-FDC8-4A67-9F9F-5D47F5C563F5}" type="pres">
       <dgm:prSet presAssocID="{416DA571-7A15-4BB2-8DB7-810B7A0EB375}" presName="sibTrans" presStyleCnt="0"/>
       <dgm:spPr/>
     </dgm:pt>
-    <dgm:pt modelId="{36540F1E-BD04-4961-AC26-4F9A8FCC1A82}" type="pres">
+    <dgm:pt modelId="{613DD877-55ED-4448-B8E1-751CF7666F1B}" type="pres">
       <dgm:prSet presAssocID="{8EF4E3DC-2CEE-4847-BE2E-99C22AB6BD25}" presName="compNode" presStyleCnt="0"/>
       <dgm:spPr/>
     </dgm:pt>
-    <dgm:pt modelId="{802A0877-8681-4FC4-92A5-86B3B14B4425}" type="pres">
+    <dgm:pt modelId="{00B9A2D1-A00F-4605-8336-7729BBE271A0}" type="pres">
+      <dgm:prSet presAssocID="{8EF4E3DC-2CEE-4847-BE2E-99C22AB6BD25}" presName="iconBgRect" presStyleLbl="bgShp" presStyleIdx="2" presStyleCnt="4"/>
+      <dgm:spPr/>
+    </dgm:pt>
+    <dgm:pt modelId="{2E1ABE86-C1DC-4161-BDFD-3E8CE93D9172}" type="pres">
       <dgm:prSet presAssocID="{8EF4E3DC-2CEE-4847-BE2E-99C22AB6BD25}" presName="iconRect" presStyleLbl="node1" presStyleIdx="2" presStyleCnt="4"/>
       <dgm:spPr>
         <a:blipFill>
           <a:blip xmlns:r="http://schemas.openxmlformats.org/officeDocument/2006/relationships" r:embed="rId5">
             <a:extLst>
+              <a:ext uri="{28A0092B-C50C-407E-A947-70E740481C1C}">
+                <a14:useLocalDpi xmlns:a14="http://schemas.microsoft.com/office/drawing/2010/main" val="0"/>
+              </a:ext>
               <a:ext uri="{96DAC541-7B7A-43D3-8B79-37D633B846F1}">
                 <asvg:svgBlip xmlns:asvg="http://schemas.microsoft.com/office/drawing/2016/SVG/main" r:embed="rId6"/>
               </a:ext>
             </a:extLst>
           </a:blip>
-          <a:srcRect/>
           <a:stretch>
             <a:fillRect/>
           </a:stretch>
         </a:blipFill>
+        <a:ln>
+          <a:noFill/>
+        </a:ln>
       </dgm:spPr>
       <dgm:extLst>
         <a:ext uri="{E40237B7-FDA0-4F09-8148-C483321AD2D9}">
-          <dgm14:cNvPr xmlns:dgm14="http://schemas.microsoft.com/office/drawing/2010/diagram" id="0" name="" descr="Processor with solid fill"/>
+          <dgm14:cNvPr xmlns:dgm14="http://schemas.microsoft.com/office/drawing/2010/diagram" id="0" name="" descr="Credit card"/>
         </a:ext>
       </dgm:extLst>
     </dgm:pt>
-    <dgm:pt modelId="{2D4819CC-6ECA-4084-90D7-CABA8D8D1296}" type="pres">
+    <dgm:pt modelId="{35722423-EC4E-4565-BC46-9BCA25B70131}" type="pres">
       <dgm:prSet presAssocID="{8EF4E3DC-2CEE-4847-BE2E-99C22AB6BD25}" presName="spaceRect" presStyleCnt="0"/>
       <dgm:spPr/>
     </dgm:pt>
-    <dgm:pt modelId="{AEC65B6B-B080-4D26-94F6-178D72C52ACD}" type="pres">
+    <dgm:pt modelId="{DA69A711-1D1D-47F9-A38E-7D8787C00B93}" type="pres">
       <dgm:prSet presAssocID="{8EF4E3DC-2CEE-4847-BE2E-99C22AB6BD25}" presName="textRect" presStyleLbl="revTx" presStyleIdx="2" presStyleCnt="4">
         <dgm:presLayoutVars>
           <dgm:chMax val="1"/>
@@ -5886,15 +6122,19 @@
       </dgm:prSet>
       <dgm:spPr/>
     </dgm:pt>
-    <dgm:pt modelId="{0A81FFC4-ECB6-4EE5-851C-2077A2CA9F5E}" type="pres">
+    <dgm:pt modelId="{6F5E04E7-52E6-4899-A400-377FF0FC2295}" type="pres">
       <dgm:prSet presAssocID="{51151055-35E9-403F-9793-52795F7AEE28}" presName="sibTrans" presStyleCnt="0"/>
       <dgm:spPr/>
     </dgm:pt>
-    <dgm:pt modelId="{721E9E4D-35C8-4E98-B629-A3E1EB490732}" type="pres">
+    <dgm:pt modelId="{9E224619-5348-4C0A-8866-8185E173FD2E}" type="pres">
       <dgm:prSet presAssocID="{3CFF4245-3BA6-4760-BB13-44373734312A}" presName="compNode" presStyleCnt="0"/>
       <dgm:spPr/>
     </dgm:pt>
-    <dgm:pt modelId="{48D458C4-806B-4490-AA77-C80F90E15CF7}" type="pres">
+    <dgm:pt modelId="{486C4115-610D-4FBD-B77E-95F3065ACBBB}" type="pres">
+      <dgm:prSet presAssocID="{3CFF4245-3BA6-4760-BB13-44373734312A}" presName="iconBgRect" presStyleLbl="bgShp" presStyleIdx="3" presStyleCnt="4"/>
+      <dgm:spPr/>
+    </dgm:pt>
+    <dgm:pt modelId="{41592DDB-BBB9-4F8B-8980-498B4FDBB33E}" type="pres">
       <dgm:prSet presAssocID="{3CFF4245-3BA6-4760-BB13-44373734312A}" presName="iconRect" presStyleLbl="node1" presStyleIdx="3" presStyleCnt="4"/>
       <dgm:spPr>
         <a:blipFill>
@@ -5912,18 +6152,21 @@
             <a:fillRect/>
           </a:stretch>
         </a:blipFill>
+        <a:ln>
+          <a:noFill/>
+        </a:ln>
       </dgm:spPr>
       <dgm:extLst>
         <a:ext uri="{E40237B7-FDA0-4F09-8148-C483321AD2D9}">
-          <dgm14:cNvPr xmlns:dgm14="http://schemas.microsoft.com/office/drawing/2010/diagram" id="0" name="" descr="Robot"/>
+          <dgm14:cNvPr xmlns:dgm14="http://schemas.microsoft.com/office/drawing/2010/diagram" id="0" name="" descr="רובוט"/>
         </a:ext>
       </dgm:extLst>
     </dgm:pt>
-    <dgm:pt modelId="{CF76D8BA-3DB4-4C70-92AF-69015378346B}" type="pres">
+    <dgm:pt modelId="{BF30F8DC-3CBD-458E-91C3-491805DF273F}" type="pres">
       <dgm:prSet presAssocID="{3CFF4245-3BA6-4760-BB13-44373734312A}" presName="spaceRect" presStyleCnt="0"/>
       <dgm:spPr/>
     </dgm:pt>
-    <dgm:pt modelId="{E153E90C-30EE-4A3F-A716-0CA6A1FA0C22}" type="pres">
+    <dgm:pt modelId="{986016BD-53E4-4DBE-82A2-D0E5986C9419}" type="pres">
       <dgm:prSet presAssocID="{3CFF4245-3BA6-4760-BB13-44373734312A}" presName="textRect" presStyleLbl="revTx" presStyleIdx="3" presStyleCnt="4">
         <dgm:presLayoutVars>
           <dgm:chMax val="1"/>
@@ -5934,34 +6177,38 @@
     </dgm:pt>
   </dgm:ptLst>
   <dgm:cxnLst>
-    <dgm:cxn modelId="{6659980A-054F-48ED-8F12-A3AAEAFFA776}" type="presOf" srcId="{8EF4E3DC-2CEE-4847-BE2E-99C22AB6BD25}" destId="{AEC65B6B-B080-4D26-94F6-178D72C52ACD}" srcOrd="0" destOrd="0" presId="urn:microsoft.com/office/officeart/2018/2/layout/IconLabelList"/>
+    <dgm:cxn modelId="{46BF540B-19C7-47A0-B9CA-1CFB82C94BC7}" type="presOf" srcId="{67D84898-888A-407A-BE55-7FACD4AC745C}" destId="{8816A2B6-D190-41BD-83E2-2E237EA71872}" srcOrd="0" destOrd="0" presId="urn:microsoft.com/office/officeart/2018/5/layout/IconCircleLabelList"/>
     <dgm:cxn modelId="{C9F3FE14-315D-450F-B912-E4B03C759EBB}" srcId="{AF883751-CFC2-4286-9513-BBB55A2D8A70}" destId="{67D84898-888A-407A-BE55-7FACD4AC745C}" srcOrd="1" destOrd="0" parTransId="{8D439002-E4F0-4A17-8031-BFCFFC8E2E0B}" sibTransId="{416DA571-7A15-4BB2-8DB7-810B7A0EB375}"/>
-    <dgm:cxn modelId="{78027F3B-A2BB-431C-AFAE-BE661CD08B6F}" type="presOf" srcId="{67D84898-888A-407A-BE55-7FACD4AC745C}" destId="{8D9608DA-2596-40DF-8022-DF0B1D1930C3}" srcOrd="0" destOrd="0" presId="urn:microsoft.com/office/officeart/2018/2/layout/IconLabelList"/>
-    <dgm:cxn modelId="{B8E87CB3-7590-4D1A-88E6-15B743D0E2F6}" type="presOf" srcId="{6C00DE32-5406-41F5-AA7B-C0EF4FD7F4E5}" destId="{75E8CA93-E13C-4621-83E4-104CDAE553D1}" srcOrd="0" destOrd="0" presId="urn:microsoft.com/office/officeart/2018/2/layout/IconLabelList"/>
-    <dgm:cxn modelId="{03F3F3DE-FBF6-4646-88BB-A154CB60FA62}" type="presOf" srcId="{3CFF4245-3BA6-4760-BB13-44373734312A}" destId="{E153E90C-30EE-4A3F-A716-0CA6A1FA0C22}" srcOrd="0" destOrd="0" presId="urn:microsoft.com/office/officeart/2018/2/layout/IconLabelList"/>
+    <dgm:cxn modelId="{F39FDF1C-3B43-4FFF-BCE1-371E183A1439}" type="presOf" srcId="{3CFF4245-3BA6-4760-BB13-44373734312A}" destId="{986016BD-53E4-4DBE-82A2-D0E5986C9419}" srcOrd="0" destOrd="0" presId="urn:microsoft.com/office/officeart/2018/5/layout/IconCircleLabelList"/>
+    <dgm:cxn modelId="{94038829-DB97-432B-8FE9-4CEA241334FF}" type="presOf" srcId="{6C00DE32-5406-41F5-AA7B-C0EF4FD7F4E5}" destId="{EE89630A-5300-4BC5-ABF7-BA4A25613CCF}" srcOrd="0" destOrd="0" presId="urn:microsoft.com/office/officeart/2018/5/layout/IconCircleLabelList"/>
+    <dgm:cxn modelId="{E3CB6E4A-AB18-4656-ABEB-75379A10E512}" type="presOf" srcId="{AF883751-CFC2-4286-9513-BBB55A2D8A70}" destId="{24CB5A6C-396F-4952-A257-9B39BE910C31}" srcOrd="0" destOrd="0" presId="urn:microsoft.com/office/officeart/2018/5/layout/IconCircleLabelList"/>
+    <dgm:cxn modelId="{73FD6386-E4CE-4721-A49F-7811CE377E3D}" type="presOf" srcId="{8EF4E3DC-2CEE-4847-BE2E-99C22AB6BD25}" destId="{DA69A711-1D1D-47F9-A38E-7D8787C00B93}" srcOrd="0" destOrd="0" presId="urn:microsoft.com/office/officeart/2018/5/layout/IconCircleLabelList"/>
     <dgm:cxn modelId="{9C5C45EE-A130-4AEE-AFA0-59C79C26A1A2}" srcId="{AF883751-CFC2-4286-9513-BBB55A2D8A70}" destId="{8EF4E3DC-2CEE-4847-BE2E-99C22AB6BD25}" srcOrd="2" destOrd="0" parTransId="{595D1C80-F975-455D-AE8F-15AB7817B9E4}" sibTransId="{51151055-35E9-403F-9793-52795F7AEE28}"/>
-    <dgm:cxn modelId="{2E0E30F4-0182-480A-BCE7-6000C911A9E7}" type="presOf" srcId="{AF883751-CFC2-4286-9513-BBB55A2D8A70}" destId="{710CC4D5-9AFC-48CA-BF20-032E12D975CF}" srcOrd="0" destOrd="0" presId="urn:microsoft.com/office/officeart/2018/2/layout/IconLabelList"/>
     <dgm:cxn modelId="{0EC6C9FB-AF02-4538-8FF1-18DA1369A78C}" srcId="{AF883751-CFC2-4286-9513-BBB55A2D8A70}" destId="{6C00DE32-5406-41F5-AA7B-C0EF4FD7F4E5}" srcOrd="0" destOrd="0" parTransId="{27556A77-E172-4218-B527-FEC6CCEF853B}" sibTransId="{758B4787-8DD2-4D0F-81EA-9213548BF8C6}"/>
     <dgm:cxn modelId="{61FB07FE-5F76-4BA1-BB22-D785E70F617F}" srcId="{AF883751-CFC2-4286-9513-BBB55A2D8A70}" destId="{3CFF4245-3BA6-4760-BB13-44373734312A}" srcOrd="3" destOrd="0" parTransId="{1DCB8B29-8B98-41FE-8C72-190B7C640395}" sibTransId="{5ACA30ED-F1E7-47F3-9C0D-10735EBD859A}"/>
-    <dgm:cxn modelId="{A776C479-98BB-4C79-BE8D-A7E62E5E32FC}" type="presParOf" srcId="{710CC4D5-9AFC-48CA-BF20-032E12D975CF}" destId="{72989231-2347-4FF0-9A03-5DE6D48C4416}" srcOrd="0" destOrd="0" presId="urn:microsoft.com/office/officeart/2018/2/layout/IconLabelList"/>
-    <dgm:cxn modelId="{2BBD62D7-ADDA-4C5D-8424-57B94A6BDFE6}" type="presParOf" srcId="{72989231-2347-4FF0-9A03-5DE6D48C4416}" destId="{A959D1E0-059C-4333-8CE7-9A14047ECA3F}" srcOrd="0" destOrd="0" presId="urn:microsoft.com/office/officeart/2018/2/layout/IconLabelList"/>
-    <dgm:cxn modelId="{35340D58-84F0-40B2-8BC9-E97DBB41CA9F}" type="presParOf" srcId="{72989231-2347-4FF0-9A03-5DE6D48C4416}" destId="{E27B91B9-1DAB-4CA6-B9A4-8DC22712BC4B}" srcOrd="1" destOrd="0" presId="urn:microsoft.com/office/officeart/2018/2/layout/IconLabelList"/>
-    <dgm:cxn modelId="{C91F64F6-6665-4B09-9952-A6E4A43BF704}" type="presParOf" srcId="{72989231-2347-4FF0-9A03-5DE6D48C4416}" destId="{75E8CA93-E13C-4621-83E4-104CDAE553D1}" srcOrd="2" destOrd="0" presId="urn:microsoft.com/office/officeart/2018/2/layout/IconLabelList"/>
-    <dgm:cxn modelId="{DB6E99D8-A079-4174-BB5A-60A5FD7E7C06}" type="presParOf" srcId="{710CC4D5-9AFC-48CA-BF20-032E12D975CF}" destId="{5B01CBC6-7BF4-4532-B98F-775C8BC5D60F}" srcOrd="1" destOrd="0" presId="urn:microsoft.com/office/officeart/2018/2/layout/IconLabelList"/>
-    <dgm:cxn modelId="{FA4D61BB-F84F-4F59-821F-27BBA3CC5758}" type="presParOf" srcId="{710CC4D5-9AFC-48CA-BF20-032E12D975CF}" destId="{5A80E5B5-883B-4CF0-B1B3-F742A984F140}" srcOrd="2" destOrd="0" presId="urn:microsoft.com/office/officeart/2018/2/layout/IconLabelList"/>
-    <dgm:cxn modelId="{76AF7ED5-73C3-4D87-A806-7D21529FF126}" type="presParOf" srcId="{5A80E5B5-883B-4CF0-B1B3-F742A984F140}" destId="{2C04F7E3-10D1-4336-8CEC-F2B0D8CC61F8}" srcOrd="0" destOrd="0" presId="urn:microsoft.com/office/officeart/2018/2/layout/IconLabelList"/>
-    <dgm:cxn modelId="{F19CF9A7-AD3F-422A-94EE-B5ACCC13D31F}" type="presParOf" srcId="{5A80E5B5-883B-4CF0-B1B3-F742A984F140}" destId="{6FCAA5F4-8908-475F-AF79-00E72A31D267}" srcOrd="1" destOrd="0" presId="urn:microsoft.com/office/officeart/2018/2/layout/IconLabelList"/>
-    <dgm:cxn modelId="{290AAEDA-695D-460D-BCF9-8C1755857E00}" type="presParOf" srcId="{5A80E5B5-883B-4CF0-B1B3-F742A984F140}" destId="{8D9608DA-2596-40DF-8022-DF0B1D1930C3}" srcOrd="2" destOrd="0" presId="urn:microsoft.com/office/officeart/2018/2/layout/IconLabelList"/>
-    <dgm:cxn modelId="{7AD1E908-AB88-4892-A303-0AE16703F6EF}" type="presParOf" srcId="{710CC4D5-9AFC-48CA-BF20-032E12D975CF}" destId="{81B4C911-E176-44B8-A7AA-4F1DE0215C8A}" srcOrd="3" destOrd="0" presId="urn:microsoft.com/office/officeart/2018/2/layout/IconLabelList"/>
-    <dgm:cxn modelId="{6A89BCDB-5F87-4A2A-8340-9DF3F8FF6CB2}" type="presParOf" srcId="{710CC4D5-9AFC-48CA-BF20-032E12D975CF}" destId="{36540F1E-BD04-4961-AC26-4F9A8FCC1A82}" srcOrd="4" destOrd="0" presId="urn:microsoft.com/office/officeart/2018/2/layout/IconLabelList"/>
-    <dgm:cxn modelId="{23D65571-AE44-4CF3-9E5D-4D5BEF42A206}" type="presParOf" srcId="{36540F1E-BD04-4961-AC26-4F9A8FCC1A82}" destId="{802A0877-8681-4FC4-92A5-86B3B14B4425}" srcOrd="0" destOrd="0" presId="urn:microsoft.com/office/officeart/2018/2/layout/IconLabelList"/>
-    <dgm:cxn modelId="{42084751-2F46-4BC8-971F-18436C715092}" type="presParOf" srcId="{36540F1E-BD04-4961-AC26-4F9A8FCC1A82}" destId="{2D4819CC-6ECA-4084-90D7-CABA8D8D1296}" srcOrd="1" destOrd="0" presId="urn:microsoft.com/office/officeart/2018/2/layout/IconLabelList"/>
-    <dgm:cxn modelId="{9BCD8E99-5E65-444F-8DE2-AB84BAE5C173}" type="presParOf" srcId="{36540F1E-BD04-4961-AC26-4F9A8FCC1A82}" destId="{AEC65B6B-B080-4D26-94F6-178D72C52ACD}" srcOrd="2" destOrd="0" presId="urn:microsoft.com/office/officeart/2018/2/layout/IconLabelList"/>
-    <dgm:cxn modelId="{B36948FF-7136-4588-8D61-8746D1385212}" type="presParOf" srcId="{710CC4D5-9AFC-48CA-BF20-032E12D975CF}" destId="{0A81FFC4-ECB6-4EE5-851C-2077A2CA9F5E}" srcOrd="5" destOrd="0" presId="urn:microsoft.com/office/officeart/2018/2/layout/IconLabelList"/>
-    <dgm:cxn modelId="{AA359DEE-14C8-441D-9CEB-BCDFE9631E8D}" type="presParOf" srcId="{710CC4D5-9AFC-48CA-BF20-032E12D975CF}" destId="{721E9E4D-35C8-4E98-B629-A3E1EB490732}" srcOrd="6" destOrd="0" presId="urn:microsoft.com/office/officeart/2018/2/layout/IconLabelList"/>
-    <dgm:cxn modelId="{4A50F1B7-4738-45FF-B68F-8BF29BBC2709}" type="presParOf" srcId="{721E9E4D-35C8-4E98-B629-A3E1EB490732}" destId="{48D458C4-806B-4490-AA77-C80F90E15CF7}" srcOrd="0" destOrd="0" presId="urn:microsoft.com/office/officeart/2018/2/layout/IconLabelList"/>
-    <dgm:cxn modelId="{573D0990-7CBB-4592-8AA4-0F6D018266AD}" type="presParOf" srcId="{721E9E4D-35C8-4E98-B629-A3E1EB490732}" destId="{CF76D8BA-3DB4-4C70-92AF-69015378346B}" srcOrd="1" destOrd="0" presId="urn:microsoft.com/office/officeart/2018/2/layout/IconLabelList"/>
-    <dgm:cxn modelId="{B874FEE2-BA06-415D-B901-A7FCEDECCB9C}" type="presParOf" srcId="{721E9E4D-35C8-4E98-B629-A3E1EB490732}" destId="{E153E90C-30EE-4A3F-A716-0CA6A1FA0C22}" srcOrd="2" destOrd="0" presId="urn:microsoft.com/office/officeart/2018/2/layout/IconLabelList"/>
+    <dgm:cxn modelId="{0D82AC11-B6DB-46C2-94A1-00854B7D6880}" type="presParOf" srcId="{24CB5A6C-396F-4952-A257-9B39BE910C31}" destId="{2208982B-C50A-4BC4-9C21-4EA0A1F53FAA}" srcOrd="0" destOrd="0" presId="urn:microsoft.com/office/officeart/2018/5/layout/IconCircleLabelList"/>
+    <dgm:cxn modelId="{173C889F-CBFD-4042-8A47-DB6DDC5647BB}" type="presParOf" srcId="{2208982B-C50A-4BC4-9C21-4EA0A1F53FAA}" destId="{7FD8A18D-2DD4-4F31-BBC6-82BCBC3F488F}" srcOrd="0" destOrd="0" presId="urn:microsoft.com/office/officeart/2018/5/layout/IconCircleLabelList"/>
+    <dgm:cxn modelId="{75B9FC25-3BBD-4ACE-B4E9-16E2284BD648}" type="presParOf" srcId="{2208982B-C50A-4BC4-9C21-4EA0A1F53FAA}" destId="{0946132E-2DF4-49F3-A31E-48E634983ABC}" srcOrd="1" destOrd="0" presId="urn:microsoft.com/office/officeart/2018/5/layout/IconCircleLabelList"/>
+    <dgm:cxn modelId="{D3563113-5DC9-4E12-A4E0-F9E230C4AEEC}" type="presParOf" srcId="{2208982B-C50A-4BC4-9C21-4EA0A1F53FAA}" destId="{68082D31-7C89-4D95-B979-16B2AB38A339}" srcOrd="2" destOrd="0" presId="urn:microsoft.com/office/officeart/2018/5/layout/IconCircleLabelList"/>
+    <dgm:cxn modelId="{FD347AA3-955A-469F-95E7-2E183D9D2664}" type="presParOf" srcId="{2208982B-C50A-4BC4-9C21-4EA0A1F53FAA}" destId="{EE89630A-5300-4BC5-ABF7-BA4A25613CCF}" srcOrd="3" destOrd="0" presId="urn:microsoft.com/office/officeart/2018/5/layout/IconCircleLabelList"/>
+    <dgm:cxn modelId="{18FFC585-14CA-4097-BC07-A7824420DC93}" type="presParOf" srcId="{24CB5A6C-396F-4952-A257-9B39BE910C31}" destId="{05F0FC6D-138D-4CCD-B707-94CDAA4026C8}" srcOrd="1" destOrd="0" presId="urn:microsoft.com/office/officeart/2018/5/layout/IconCircleLabelList"/>
+    <dgm:cxn modelId="{9824BC45-E72C-4CCB-A118-6C07C351228E}" type="presParOf" srcId="{24CB5A6C-396F-4952-A257-9B39BE910C31}" destId="{49808825-5845-4FF2-966E-54D956E0DED0}" srcOrd="2" destOrd="0" presId="urn:microsoft.com/office/officeart/2018/5/layout/IconCircleLabelList"/>
+    <dgm:cxn modelId="{19F9A15D-D961-40DE-836C-4718E66BC626}" type="presParOf" srcId="{49808825-5845-4FF2-966E-54D956E0DED0}" destId="{60638599-D830-48E9-8D88-89C3FDA6F3B0}" srcOrd="0" destOrd="0" presId="urn:microsoft.com/office/officeart/2018/5/layout/IconCircleLabelList"/>
+    <dgm:cxn modelId="{C42C6585-DBD6-4F7E-A63E-E20A4FA37CB9}" type="presParOf" srcId="{49808825-5845-4FF2-966E-54D956E0DED0}" destId="{CE20E262-958E-48EF-B3CD-DD5BA1377EF6}" srcOrd="1" destOrd="0" presId="urn:microsoft.com/office/officeart/2018/5/layout/IconCircleLabelList"/>
+    <dgm:cxn modelId="{509AA336-2F74-4E1A-9020-47947544B9FD}" type="presParOf" srcId="{49808825-5845-4FF2-966E-54D956E0DED0}" destId="{62AFD980-6195-40C9-9709-6340FB23688D}" srcOrd="2" destOrd="0" presId="urn:microsoft.com/office/officeart/2018/5/layout/IconCircleLabelList"/>
+    <dgm:cxn modelId="{0CD6B77C-C70E-4BDD-A910-224762B18BF8}" type="presParOf" srcId="{49808825-5845-4FF2-966E-54D956E0DED0}" destId="{8816A2B6-D190-41BD-83E2-2E237EA71872}" srcOrd="3" destOrd="0" presId="urn:microsoft.com/office/officeart/2018/5/layout/IconCircleLabelList"/>
+    <dgm:cxn modelId="{815A36FA-98AF-46C3-8DC2-7FFFF158DBEB}" type="presParOf" srcId="{24CB5A6C-396F-4952-A257-9B39BE910C31}" destId="{11E07FFB-FDC8-4A67-9F9F-5D47F5C563F5}" srcOrd="3" destOrd="0" presId="urn:microsoft.com/office/officeart/2018/5/layout/IconCircleLabelList"/>
+    <dgm:cxn modelId="{210313FC-774B-4C7E-A812-1E47162121A8}" type="presParOf" srcId="{24CB5A6C-396F-4952-A257-9B39BE910C31}" destId="{613DD877-55ED-4448-B8E1-751CF7666F1B}" srcOrd="4" destOrd="0" presId="urn:microsoft.com/office/officeart/2018/5/layout/IconCircleLabelList"/>
+    <dgm:cxn modelId="{2F87B22D-6BD1-45E8-93BE-38F607AE4E8A}" type="presParOf" srcId="{613DD877-55ED-4448-B8E1-751CF7666F1B}" destId="{00B9A2D1-A00F-4605-8336-7729BBE271A0}" srcOrd="0" destOrd="0" presId="urn:microsoft.com/office/officeart/2018/5/layout/IconCircleLabelList"/>
+    <dgm:cxn modelId="{335998E7-9423-4A17-8472-8BAA4B3C7559}" type="presParOf" srcId="{613DD877-55ED-4448-B8E1-751CF7666F1B}" destId="{2E1ABE86-C1DC-4161-BDFD-3E8CE93D9172}" srcOrd="1" destOrd="0" presId="urn:microsoft.com/office/officeart/2018/5/layout/IconCircleLabelList"/>
+    <dgm:cxn modelId="{47A22458-F6B7-4447-9B44-72E478C175CA}" type="presParOf" srcId="{613DD877-55ED-4448-B8E1-751CF7666F1B}" destId="{35722423-EC4E-4565-BC46-9BCA25B70131}" srcOrd="2" destOrd="0" presId="urn:microsoft.com/office/officeart/2018/5/layout/IconCircleLabelList"/>
+    <dgm:cxn modelId="{ACE2EBCE-FDB4-4915-96B8-3E70468F2991}" type="presParOf" srcId="{613DD877-55ED-4448-B8E1-751CF7666F1B}" destId="{DA69A711-1D1D-47F9-A38E-7D8787C00B93}" srcOrd="3" destOrd="0" presId="urn:microsoft.com/office/officeart/2018/5/layout/IconCircleLabelList"/>
+    <dgm:cxn modelId="{40D93DD0-3F8F-4314-B8EF-7769291F909C}" type="presParOf" srcId="{24CB5A6C-396F-4952-A257-9B39BE910C31}" destId="{6F5E04E7-52E6-4899-A400-377FF0FC2295}" srcOrd="5" destOrd="0" presId="urn:microsoft.com/office/officeart/2018/5/layout/IconCircleLabelList"/>
+    <dgm:cxn modelId="{03FC1E6A-2150-4695-BD11-4FC4C305DE01}" type="presParOf" srcId="{24CB5A6C-396F-4952-A257-9B39BE910C31}" destId="{9E224619-5348-4C0A-8866-8185E173FD2E}" srcOrd="6" destOrd="0" presId="urn:microsoft.com/office/officeart/2018/5/layout/IconCircleLabelList"/>
+    <dgm:cxn modelId="{39B2C6FF-01C2-46F5-879F-341345DB5403}" type="presParOf" srcId="{9E224619-5348-4C0A-8866-8185E173FD2E}" destId="{486C4115-610D-4FBD-B77E-95F3065ACBBB}" srcOrd="0" destOrd="0" presId="urn:microsoft.com/office/officeart/2018/5/layout/IconCircleLabelList"/>
+    <dgm:cxn modelId="{81855236-8555-411E-961E-12232DC61D77}" type="presParOf" srcId="{9E224619-5348-4C0A-8866-8185E173FD2E}" destId="{41592DDB-BBB9-4F8B-8980-498B4FDBB33E}" srcOrd="1" destOrd="0" presId="urn:microsoft.com/office/officeart/2018/5/layout/IconCircleLabelList"/>
+    <dgm:cxn modelId="{A40D04C2-DE20-4979-8C0C-40800F12F666}" type="presParOf" srcId="{9E224619-5348-4C0A-8866-8185E173FD2E}" destId="{BF30F8DC-3CBD-458E-91C3-491805DF273F}" srcOrd="2" destOrd="0" presId="urn:microsoft.com/office/officeart/2018/5/layout/IconCircleLabelList"/>
+    <dgm:cxn modelId="{B67B3F80-A075-47B2-AFBE-3C642DC53E6E}" type="presParOf" srcId="{9E224619-5348-4C0A-8866-8185E173FD2E}" destId="{986016BD-53E4-4DBE-82A2-D0E5986C9419}" srcOrd="3" destOrd="0" presId="urn:microsoft.com/office/officeart/2018/5/layout/IconCircleLabelList"/>
   </dgm:cxnLst>
   <dgm:bg/>
   <dgm:whole/>
@@ -5977,7 +6224,7 @@
 <dgm:dataModel xmlns:dgm="http://schemas.openxmlformats.org/drawingml/2006/diagram" xmlns:a="http://schemas.openxmlformats.org/drawingml/2006/main">
   <dgm:ptLst>
     <dgm:pt modelId="{78833599-565B-4F0D-9718-5DBE5916F008}" type="doc">
-      <dgm:prSet loTypeId="urn:microsoft.com/office/officeart/2005/8/layout/vList2" loCatId="list" qsTypeId="urn:microsoft.com/office/officeart/2005/8/quickstyle/simple1" qsCatId="simple" csTypeId="urn:microsoft.com/office/officeart/2005/8/colors/accent1_2" csCatId="accent1" phldr="1"/>
+      <dgm:prSet loTypeId="urn:microsoft.com/office/officeart/2005/8/layout/list1" loCatId="list" qsTypeId="urn:microsoft.com/office/officeart/2005/8/quickstyle/simple1" qsCatId="simple" csTypeId="urn:microsoft.com/office/officeart/2005/8/colors/colorful2" csCatId="colorful" phldr="1"/>
       <dgm:spPr/>
       <dgm:t>
         <a:bodyPr/>
@@ -5994,29 +6241,29 @@
         <a:bodyPr/>
         <a:lstStyle/>
         <a:p>
-          <a:pPr algn="r" rtl="1"/>
+          <a:pPr rtl="1"/>
           <a:r>
-            <a:rPr lang="he-IL" dirty="0">
+            <a:rPr lang="he-IL">
               <a:latin typeface="Arial" panose="020B0604020202020204" pitchFamily="34" charset="0"/>
               <a:cs typeface="Arial" panose="020B0604020202020204" pitchFamily="34" charset="0"/>
             </a:rPr>
             <a:t>שימוש במנוע גרפי </a:t>
           </a:r>
           <a:r>
-            <a:rPr lang="en-US" dirty="0">
+            <a:rPr lang="en-US">
               <a:latin typeface="Arial" panose="020B0604020202020204" pitchFamily="34" charset="0"/>
               <a:cs typeface="Arial" panose="020B0604020202020204" pitchFamily="34" charset="0"/>
             </a:rPr>
             <a:t>Unity</a:t>
           </a:r>
           <a:r>
-            <a:rPr lang="he-IL" dirty="0">
+            <a:rPr lang="he-IL">
               <a:latin typeface="Arial" panose="020B0604020202020204" pitchFamily="34" charset="0"/>
               <a:cs typeface="Arial" panose="020B0604020202020204" pitchFamily="34" charset="0"/>
             </a:rPr>
             <a:t> לבניית המשחק</a:t>
           </a:r>
-          <a:endParaRPr lang="en-US" dirty="0">
+          <a:endParaRPr lang="en-US">
             <a:latin typeface="Arial" panose="020B0604020202020204" pitchFamily="34" charset="0"/>
             <a:cs typeface="Arial" panose="020B0604020202020204" pitchFamily="34" charset="0"/>
           </a:endParaRPr>
@@ -6168,7 +6415,7 @@
         <a:bodyPr/>
         <a:lstStyle/>
         <a:p>
-          <a:pPr algn="r" rtl="1"/>
+          <a:pPr rtl="1"/>
           <a:r>
             <a:rPr lang="he-IL">
               <a:latin typeface="Arial" panose="020B0604020202020204" pitchFamily="34" charset="0"/>
@@ -6205,16 +6452,25 @@
         </a:p>
       </dgm:t>
     </dgm:pt>
-    <dgm:pt modelId="{7AEED190-C8D1-4CB5-A08C-D55BD64A188C}" type="pres">
+    <dgm:pt modelId="{811F4233-BC79-4847-9333-3F01C389D2F2}" type="pres">
       <dgm:prSet presAssocID="{78833599-565B-4F0D-9718-5DBE5916F008}" presName="linear" presStyleCnt="0">
         <dgm:presLayoutVars>
+          <dgm:dir/>
           <dgm:animLvl val="lvl"/>
           <dgm:resizeHandles val="exact"/>
         </dgm:presLayoutVars>
       </dgm:prSet>
       <dgm:spPr/>
     </dgm:pt>
-    <dgm:pt modelId="{DF8CA42B-3072-454A-BE94-8234E839C873}" type="pres">
+    <dgm:pt modelId="{1E0001AB-5FDA-4DA0-A3BD-1CAE6C3BC092}" type="pres">
+      <dgm:prSet presAssocID="{2CCF4450-E814-4EE3-A11B-37969FF6434B}" presName="parentLin" presStyleCnt="0"/>
+      <dgm:spPr/>
+    </dgm:pt>
+    <dgm:pt modelId="{C3ED70F1-D7C8-4FAE-8B89-69241BF7E8A3}" type="pres">
+      <dgm:prSet presAssocID="{2CCF4450-E814-4EE3-A11B-37969FF6434B}" presName="parentLeftMargin" presStyleLbl="node1" presStyleIdx="0" presStyleCnt="4"/>
+      <dgm:spPr/>
+    </dgm:pt>
+    <dgm:pt modelId="{925B2074-04D4-4FB2-9B35-820742BA5A47}" type="pres">
       <dgm:prSet presAssocID="{2CCF4450-E814-4EE3-A11B-37969FF6434B}" presName="parentText" presStyleLbl="node1" presStyleIdx="0" presStyleCnt="4">
         <dgm:presLayoutVars>
           <dgm:chMax val="0"/>
@@ -6223,11 +6479,31 @@
       </dgm:prSet>
       <dgm:spPr/>
     </dgm:pt>
-    <dgm:pt modelId="{5AF15FC7-DB32-4A36-9DEE-08890EF07A53}" type="pres">
-      <dgm:prSet presAssocID="{43C61DBC-A3D7-4A83-861D-7D3DCF53CF31}" presName="spacer" presStyleCnt="0"/>
+    <dgm:pt modelId="{375F0F1F-7F79-4231-BE7C-7FBDD7469357}" type="pres">
+      <dgm:prSet presAssocID="{2CCF4450-E814-4EE3-A11B-37969FF6434B}" presName="negativeSpace" presStyleCnt="0"/>
       <dgm:spPr/>
     </dgm:pt>
-    <dgm:pt modelId="{9B72131E-8880-49C3-B7E2-D17B505E1E28}" type="pres">
+    <dgm:pt modelId="{239AF6F7-89B8-401C-8F41-DA73F99A5F3F}" type="pres">
+      <dgm:prSet presAssocID="{2CCF4450-E814-4EE3-A11B-37969FF6434B}" presName="childText" presStyleLbl="conFgAcc1" presStyleIdx="0" presStyleCnt="4">
+        <dgm:presLayoutVars>
+          <dgm:bulletEnabled val="1"/>
+        </dgm:presLayoutVars>
+      </dgm:prSet>
+      <dgm:spPr/>
+    </dgm:pt>
+    <dgm:pt modelId="{E6D18EC1-3AFE-48F6-8DF4-060CFA3E6462}" type="pres">
+      <dgm:prSet presAssocID="{43C61DBC-A3D7-4A83-861D-7D3DCF53CF31}" presName="spaceBetweenRectangles" presStyleCnt="0"/>
+      <dgm:spPr/>
+    </dgm:pt>
+    <dgm:pt modelId="{B546A2B7-8B8F-4B98-9B0A-8EC1C272FB4F}" type="pres">
+      <dgm:prSet presAssocID="{975E7FD9-9E14-482B-B2F2-D7ED7D25DB07}" presName="parentLin" presStyleCnt="0"/>
+      <dgm:spPr/>
+    </dgm:pt>
+    <dgm:pt modelId="{C117277D-E695-4380-ADEA-A5E86FCC1186}" type="pres">
+      <dgm:prSet presAssocID="{975E7FD9-9E14-482B-B2F2-D7ED7D25DB07}" presName="parentLeftMargin" presStyleLbl="node1" presStyleIdx="0" presStyleCnt="4"/>
+      <dgm:spPr/>
+    </dgm:pt>
+    <dgm:pt modelId="{22CC3E1C-2440-44AD-BA7E-52AFE579A082}" type="pres">
       <dgm:prSet presAssocID="{975E7FD9-9E14-482B-B2F2-D7ED7D25DB07}" presName="parentText" presStyleLbl="node1" presStyleIdx="1" presStyleCnt="4">
         <dgm:presLayoutVars>
           <dgm:chMax val="0"/>
@@ -6236,11 +6512,31 @@
       </dgm:prSet>
       <dgm:spPr/>
     </dgm:pt>
-    <dgm:pt modelId="{9FF227D1-13CF-4F9E-8AF1-6B1C9FA70D45}" type="pres">
-      <dgm:prSet presAssocID="{05CB0EAE-F219-4F7B-9534-6860770BBBAB}" presName="spacer" presStyleCnt="0"/>
+    <dgm:pt modelId="{E8601F29-FEB9-4B0C-BF8E-5528D24E3F9D}" type="pres">
+      <dgm:prSet presAssocID="{975E7FD9-9E14-482B-B2F2-D7ED7D25DB07}" presName="negativeSpace" presStyleCnt="0"/>
       <dgm:spPr/>
     </dgm:pt>
-    <dgm:pt modelId="{71B04CD1-6B81-4365-BF3D-758C52E4F814}" type="pres">
+    <dgm:pt modelId="{8E02D7EB-A35F-4C3A-99AE-647429153389}" type="pres">
+      <dgm:prSet presAssocID="{975E7FD9-9E14-482B-B2F2-D7ED7D25DB07}" presName="childText" presStyleLbl="conFgAcc1" presStyleIdx="1" presStyleCnt="4">
+        <dgm:presLayoutVars>
+          <dgm:bulletEnabled val="1"/>
+        </dgm:presLayoutVars>
+      </dgm:prSet>
+      <dgm:spPr/>
+    </dgm:pt>
+    <dgm:pt modelId="{B2A2744F-87A8-469D-B571-8DF63CDC2FED}" type="pres">
+      <dgm:prSet presAssocID="{05CB0EAE-F219-4F7B-9534-6860770BBBAB}" presName="spaceBetweenRectangles" presStyleCnt="0"/>
+      <dgm:spPr/>
+    </dgm:pt>
+    <dgm:pt modelId="{03B91986-7F99-4094-AF7F-3EF2352205A6}" type="pres">
+      <dgm:prSet presAssocID="{BD0D0F60-4E80-4FEA-9D2C-D8AC34C5AA1C}" presName="parentLin" presStyleCnt="0"/>
+      <dgm:spPr/>
+    </dgm:pt>
+    <dgm:pt modelId="{9D07E859-DBCC-4087-8C63-5AD5AD1B7EA3}" type="pres">
+      <dgm:prSet presAssocID="{BD0D0F60-4E80-4FEA-9D2C-D8AC34C5AA1C}" presName="parentLeftMargin" presStyleLbl="node1" presStyleIdx="1" presStyleCnt="4"/>
+      <dgm:spPr/>
+    </dgm:pt>
+    <dgm:pt modelId="{6208AF7A-14AE-4001-A007-96AB3A44270E}" type="pres">
       <dgm:prSet presAssocID="{BD0D0F60-4E80-4FEA-9D2C-D8AC34C5AA1C}" presName="parentText" presStyleLbl="node1" presStyleIdx="2" presStyleCnt="4">
         <dgm:presLayoutVars>
           <dgm:chMax val="0"/>
@@ -6249,11 +6545,31 @@
       </dgm:prSet>
       <dgm:spPr/>
     </dgm:pt>
-    <dgm:pt modelId="{F1CB2343-F777-4299-8E59-DDF7EEBC9F9C}" type="pres">
-      <dgm:prSet presAssocID="{D3B368CE-4A94-47E9-95E8-08F5899F1EC4}" presName="spacer" presStyleCnt="0"/>
+    <dgm:pt modelId="{CCF09AB5-CF94-4EAA-92F5-355BD0A9D0C9}" type="pres">
+      <dgm:prSet presAssocID="{BD0D0F60-4E80-4FEA-9D2C-D8AC34C5AA1C}" presName="negativeSpace" presStyleCnt="0"/>
       <dgm:spPr/>
     </dgm:pt>
-    <dgm:pt modelId="{EA00A51B-8D21-4E06-A412-6CC71755A379}" type="pres">
+    <dgm:pt modelId="{45AD8A02-D530-4F08-B055-BABEEDCA5712}" type="pres">
+      <dgm:prSet presAssocID="{BD0D0F60-4E80-4FEA-9D2C-D8AC34C5AA1C}" presName="childText" presStyleLbl="conFgAcc1" presStyleIdx="2" presStyleCnt="4">
+        <dgm:presLayoutVars>
+          <dgm:bulletEnabled val="1"/>
+        </dgm:presLayoutVars>
+      </dgm:prSet>
+      <dgm:spPr/>
+    </dgm:pt>
+    <dgm:pt modelId="{D56E6F89-4043-43BD-81B6-2E62ED6B59B9}" type="pres">
+      <dgm:prSet presAssocID="{D3B368CE-4A94-47E9-95E8-08F5899F1EC4}" presName="spaceBetweenRectangles" presStyleCnt="0"/>
+      <dgm:spPr/>
+    </dgm:pt>
+    <dgm:pt modelId="{D6AF9B73-AB91-4086-B874-540748CD16BF}" type="pres">
+      <dgm:prSet presAssocID="{0132B157-1513-4905-ACCF-B0D4D7EF671C}" presName="parentLin" presStyleCnt="0"/>
+      <dgm:spPr/>
+    </dgm:pt>
+    <dgm:pt modelId="{CE270A1C-B035-404A-AA78-FE7C5AB7831A}" type="pres">
+      <dgm:prSet presAssocID="{0132B157-1513-4905-ACCF-B0D4D7EF671C}" presName="parentLeftMargin" presStyleLbl="node1" presStyleIdx="2" presStyleCnt="4"/>
+      <dgm:spPr/>
+    </dgm:pt>
+    <dgm:pt modelId="{77387B48-B03C-4EB5-8E2B-AD5F104393F7}" type="pres">
       <dgm:prSet presAssocID="{0132B157-1513-4905-ACCF-B0D4D7EF671C}" presName="parentText" presStyleLbl="node1" presStyleIdx="3" presStyleCnt="4">
         <dgm:presLayoutVars>
           <dgm:chMax val="0"/>
@@ -6262,24 +6578,56 @@
       </dgm:prSet>
       <dgm:spPr/>
     </dgm:pt>
+    <dgm:pt modelId="{AB047AE0-90CE-465D-9788-DB878BDE1C07}" type="pres">
+      <dgm:prSet presAssocID="{0132B157-1513-4905-ACCF-B0D4D7EF671C}" presName="negativeSpace" presStyleCnt="0"/>
+      <dgm:spPr/>
+    </dgm:pt>
+    <dgm:pt modelId="{1CA029F7-6838-439D-8BB1-F6F16D0BDA5A}" type="pres">
+      <dgm:prSet presAssocID="{0132B157-1513-4905-ACCF-B0D4D7EF671C}" presName="childText" presStyleLbl="conFgAcc1" presStyleIdx="3" presStyleCnt="4">
+        <dgm:presLayoutVars>
+          <dgm:bulletEnabled val="1"/>
+        </dgm:presLayoutVars>
+      </dgm:prSet>
+      <dgm:spPr/>
+    </dgm:pt>
   </dgm:ptLst>
   <dgm:cxnLst>
-    <dgm:cxn modelId="{137C9105-A2A3-43B8-96AB-F0A4EC390BDC}" type="presOf" srcId="{0132B157-1513-4905-ACCF-B0D4D7EF671C}" destId="{EA00A51B-8D21-4E06-A412-6CC71755A379}" srcOrd="0" destOrd="0" presId="urn:microsoft.com/office/officeart/2005/8/layout/vList2"/>
+    <dgm:cxn modelId="{1B432003-DD5C-421C-A0CA-781A3BC17E73}" type="presOf" srcId="{975E7FD9-9E14-482B-B2F2-D7ED7D25DB07}" destId="{22CC3E1C-2440-44AD-BA7E-52AFE579A082}" srcOrd="1" destOrd="0" presId="urn:microsoft.com/office/officeart/2005/8/layout/list1"/>
+    <dgm:cxn modelId="{45722814-F289-491F-988A-64F428E5BB77}" type="presOf" srcId="{2CCF4450-E814-4EE3-A11B-37969FF6434B}" destId="{C3ED70F1-D7C8-4FAE-8B89-69241BF7E8A3}" srcOrd="0" destOrd="0" presId="urn:microsoft.com/office/officeart/2005/8/layout/list1"/>
+    <dgm:cxn modelId="{29F5EE22-6F92-4440-8245-6D8AEADDDAFB}" type="presOf" srcId="{0132B157-1513-4905-ACCF-B0D4D7EF671C}" destId="{CE270A1C-B035-404A-AA78-FE7C5AB7831A}" srcOrd="0" destOrd="0" presId="urn:microsoft.com/office/officeart/2005/8/layout/list1"/>
     <dgm:cxn modelId="{607FF92E-7CA5-4825-A726-044B823D9299}" srcId="{78833599-565B-4F0D-9718-5DBE5916F008}" destId="{BD0D0F60-4E80-4FEA-9D2C-D8AC34C5AA1C}" srcOrd="2" destOrd="0" parTransId="{D1BD8422-68B5-4722-8407-71B18886D6B1}" sibTransId="{D3B368CE-4A94-47E9-95E8-08F5899F1EC4}"/>
-    <dgm:cxn modelId="{A23F3835-C1FD-45A9-89BA-230ED73F72C0}" type="presOf" srcId="{975E7FD9-9E14-482B-B2F2-D7ED7D25DB07}" destId="{9B72131E-8880-49C3-B7E2-D17B505E1E28}" srcOrd="0" destOrd="0" presId="urn:microsoft.com/office/officeart/2005/8/layout/vList2"/>
     <dgm:cxn modelId="{68AF2037-BE8F-4227-9289-CC5F6840029D}" srcId="{78833599-565B-4F0D-9718-5DBE5916F008}" destId="{975E7FD9-9E14-482B-B2F2-D7ED7D25DB07}" srcOrd="1" destOrd="0" parTransId="{25FDE430-108C-49A6-B25B-1FEEC8204485}" sibTransId="{05CB0EAE-F219-4F7B-9534-6860770BBBAB}"/>
+    <dgm:cxn modelId="{69710638-F9C8-48E8-8D51-3FF2634CB20D}" type="presOf" srcId="{BD0D0F60-4E80-4FEA-9D2C-D8AC34C5AA1C}" destId="{9D07E859-DBCC-4087-8C63-5AD5AD1B7EA3}" srcOrd="0" destOrd="0" presId="urn:microsoft.com/office/officeart/2005/8/layout/list1"/>
     <dgm:cxn modelId="{047E1461-EB9B-465F-A29F-3054789E1870}" srcId="{78833599-565B-4F0D-9718-5DBE5916F008}" destId="{0132B157-1513-4905-ACCF-B0D4D7EF671C}" srcOrd="3" destOrd="0" parTransId="{A9CFDD87-3F29-4187-BE5A-82E0B197B653}" sibTransId="{4AB0F686-B1FB-4A98-B350-83909A872068}"/>
+    <dgm:cxn modelId="{419BFD44-DD64-4A64-8957-66CECB50AFED}" type="presOf" srcId="{975E7FD9-9E14-482B-B2F2-D7ED7D25DB07}" destId="{C117277D-E695-4380-ADEA-A5E86FCC1186}" srcOrd="0" destOrd="0" presId="urn:microsoft.com/office/officeart/2005/8/layout/list1"/>
+    <dgm:cxn modelId="{185C3970-3F5A-4889-90B8-0D781D49790F}" type="presOf" srcId="{78833599-565B-4F0D-9718-5DBE5916F008}" destId="{811F4233-BC79-4847-9333-3F01C389D2F2}" srcOrd="0" destOrd="0" presId="urn:microsoft.com/office/officeart/2005/8/layout/list1"/>
+    <dgm:cxn modelId="{B371CF53-93FC-458C-9194-010D3D33A2BF}" type="presOf" srcId="{2CCF4450-E814-4EE3-A11B-37969FF6434B}" destId="{925B2074-04D4-4FB2-9B35-820742BA5A47}" srcOrd="1" destOrd="0" presId="urn:microsoft.com/office/officeart/2005/8/layout/list1"/>
     <dgm:cxn modelId="{85B40C7E-D3E9-4A15-A6C5-D18BB73EBC2A}" srcId="{78833599-565B-4F0D-9718-5DBE5916F008}" destId="{2CCF4450-E814-4EE3-A11B-37969FF6434B}" srcOrd="0" destOrd="0" parTransId="{65DEF09A-D057-43BF-9849-6823E0A7F9C4}" sibTransId="{43C61DBC-A3D7-4A83-861D-7D3DCF53CF31}"/>
-    <dgm:cxn modelId="{0B76C7C3-8BC0-4BDF-BDF2-EBB87E05E9F9}" type="presOf" srcId="{2CCF4450-E814-4EE3-A11B-37969FF6434B}" destId="{DF8CA42B-3072-454A-BE94-8234E839C873}" srcOrd="0" destOrd="0" presId="urn:microsoft.com/office/officeart/2005/8/layout/vList2"/>
-    <dgm:cxn modelId="{4F1E5BCA-4BD6-4F84-9BD0-88331AD98AEF}" type="presOf" srcId="{78833599-565B-4F0D-9718-5DBE5916F008}" destId="{7AEED190-C8D1-4CB5-A08C-D55BD64A188C}" srcOrd="0" destOrd="0" presId="urn:microsoft.com/office/officeart/2005/8/layout/vList2"/>
-    <dgm:cxn modelId="{9F7F47F7-905C-457F-B7D0-A666CD821DAC}" type="presOf" srcId="{BD0D0F60-4E80-4FEA-9D2C-D8AC34C5AA1C}" destId="{71B04CD1-6B81-4365-BF3D-758C52E4F814}" srcOrd="0" destOrd="0" presId="urn:microsoft.com/office/officeart/2005/8/layout/vList2"/>
-    <dgm:cxn modelId="{98C05C90-BE39-4CA9-AEA2-3A905155FDB0}" type="presParOf" srcId="{7AEED190-C8D1-4CB5-A08C-D55BD64A188C}" destId="{DF8CA42B-3072-454A-BE94-8234E839C873}" srcOrd="0" destOrd="0" presId="urn:microsoft.com/office/officeart/2005/8/layout/vList2"/>
-    <dgm:cxn modelId="{A04CE80F-5F6B-41D3-ADD8-F47C4AD75208}" type="presParOf" srcId="{7AEED190-C8D1-4CB5-A08C-D55BD64A188C}" destId="{5AF15FC7-DB32-4A36-9DEE-08890EF07A53}" srcOrd="1" destOrd="0" presId="urn:microsoft.com/office/officeart/2005/8/layout/vList2"/>
-    <dgm:cxn modelId="{8DF4E422-BA0B-4566-95A2-A4E18DEF3937}" type="presParOf" srcId="{7AEED190-C8D1-4CB5-A08C-D55BD64A188C}" destId="{9B72131E-8880-49C3-B7E2-D17B505E1E28}" srcOrd="2" destOrd="0" presId="urn:microsoft.com/office/officeart/2005/8/layout/vList2"/>
-    <dgm:cxn modelId="{21A7C45A-498C-464A-8ED3-CBDEC309EBF2}" type="presParOf" srcId="{7AEED190-C8D1-4CB5-A08C-D55BD64A188C}" destId="{9FF227D1-13CF-4F9E-8AF1-6B1C9FA70D45}" srcOrd="3" destOrd="0" presId="urn:microsoft.com/office/officeart/2005/8/layout/vList2"/>
-    <dgm:cxn modelId="{9EACF18F-D64F-4665-B19C-75CFE3702CB8}" type="presParOf" srcId="{7AEED190-C8D1-4CB5-A08C-D55BD64A188C}" destId="{71B04CD1-6B81-4365-BF3D-758C52E4F814}" srcOrd="4" destOrd="0" presId="urn:microsoft.com/office/officeart/2005/8/layout/vList2"/>
-    <dgm:cxn modelId="{C5E1950F-2DCA-4F1C-9DAB-2E0153ECDA66}" type="presParOf" srcId="{7AEED190-C8D1-4CB5-A08C-D55BD64A188C}" destId="{F1CB2343-F777-4299-8E59-DDF7EEBC9F9C}" srcOrd="5" destOrd="0" presId="urn:microsoft.com/office/officeart/2005/8/layout/vList2"/>
-    <dgm:cxn modelId="{B622D93C-055F-487F-95F9-87899F32DD34}" type="presParOf" srcId="{7AEED190-C8D1-4CB5-A08C-D55BD64A188C}" destId="{EA00A51B-8D21-4E06-A412-6CC71755A379}" srcOrd="6" destOrd="0" presId="urn:microsoft.com/office/officeart/2005/8/layout/vList2"/>
+    <dgm:cxn modelId="{5C5C37AF-19D1-4B26-8D27-23C3B3BB1B2B}" type="presOf" srcId="{0132B157-1513-4905-ACCF-B0D4D7EF671C}" destId="{77387B48-B03C-4EB5-8E2B-AD5F104393F7}" srcOrd="1" destOrd="0" presId="urn:microsoft.com/office/officeart/2005/8/layout/list1"/>
+    <dgm:cxn modelId="{D99DE1B4-EEA2-42B7-B088-2FC91099DF76}" type="presOf" srcId="{BD0D0F60-4E80-4FEA-9D2C-D8AC34C5AA1C}" destId="{6208AF7A-14AE-4001-A007-96AB3A44270E}" srcOrd="1" destOrd="0" presId="urn:microsoft.com/office/officeart/2005/8/layout/list1"/>
+    <dgm:cxn modelId="{03509D67-41C4-4582-9E53-89CEF52B09B4}" type="presParOf" srcId="{811F4233-BC79-4847-9333-3F01C389D2F2}" destId="{1E0001AB-5FDA-4DA0-A3BD-1CAE6C3BC092}" srcOrd="0" destOrd="0" presId="urn:microsoft.com/office/officeart/2005/8/layout/list1"/>
+    <dgm:cxn modelId="{3FD50563-D85D-4578-A9BE-0FE3362A1A27}" type="presParOf" srcId="{1E0001AB-5FDA-4DA0-A3BD-1CAE6C3BC092}" destId="{C3ED70F1-D7C8-4FAE-8B89-69241BF7E8A3}" srcOrd="0" destOrd="0" presId="urn:microsoft.com/office/officeart/2005/8/layout/list1"/>
+    <dgm:cxn modelId="{959B73D0-0451-44BD-9352-0116A3381189}" type="presParOf" srcId="{1E0001AB-5FDA-4DA0-A3BD-1CAE6C3BC092}" destId="{925B2074-04D4-4FB2-9B35-820742BA5A47}" srcOrd="1" destOrd="0" presId="urn:microsoft.com/office/officeart/2005/8/layout/list1"/>
+    <dgm:cxn modelId="{E63F1C4A-A48A-426C-A223-34E2E122F5F2}" type="presParOf" srcId="{811F4233-BC79-4847-9333-3F01C389D2F2}" destId="{375F0F1F-7F79-4231-BE7C-7FBDD7469357}" srcOrd="1" destOrd="0" presId="urn:microsoft.com/office/officeart/2005/8/layout/list1"/>
+    <dgm:cxn modelId="{46A7D302-57EF-46B6-8CA5-AED6EB215C9C}" type="presParOf" srcId="{811F4233-BC79-4847-9333-3F01C389D2F2}" destId="{239AF6F7-89B8-401C-8F41-DA73F99A5F3F}" srcOrd="2" destOrd="0" presId="urn:microsoft.com/office/officeart/2005/8/layout/list1"/>
+    <dgm:cxn modelId="{A60874DD-BFE2-41A4-9E49-5AD04627F8E2}" type="presParOf" srcId="{811F4233-BC79-4847-9333-3F01C389D2F2}" destId="{E6D18EC1-3AFE-48F6-8DF4-060CFA3E6462}" srcOrd="3" destOrd="0" presId="urn:microsoft.com/office/officeart/2005/8/layout/list1"/>
+    <dgm:cxn modelId="{E7C1493B-D2D0-498C-9B60-D7CAB1EEA94E}" type="presParOf" srcId="{811F4233-BC79-4847-9333-3F01C389D2F2}" destId="{B546A2B7-8B8F-4B98-9B0A-8EC1C272FB4F}" srcOrd="4" destOrd="0" presId="urn:microsoft.com/office/officeart/2005/8/layout/list1"/>
+    <dgm:cxn modelId="{AF22F99F-2E63-4105-AA3A-64DD498A9677}" type="presParOf" srcId="{B546A2B7-8B8F-4B98-9B0A-8EC1C272FB4F}" destId="{C117277D-E695-4380-ADEA-A5E86FCC1186}" srcOrd="0" destOrd="0" presId="urn:microsoft.com/office/officeart/2005/8/layout/list1"/>
+    <dgm:cxn modelId="{E829A02D-0E54-4592-8E4F-E194ABCBC4B0}" type="presParOf" srcId="{B546A2B7-8B8F-4B98-9B0A-8EC1C272FB4F}" destId="{22CC3E1C-2440-44AD-BA7E-52AFE579A082}" srcOrd="1" destOrd="0" presId="urn:microsoft.com/office/officeart/2005/8/layout/list1"/>
+    <dgm:cxn modelId="{482EDCA7-594B-4AAF-821C-07E66CE8B358}" type="presParOf" srcId="{811F4233-BC79-4847-9333-3F01C389D2F2}" destId="{E8601F29-FEB9-4B0C-BF8E-5528D24E3F9D}" srcOrd="5" destOrd="0" presId="urn:microsoft.com/office/officeart/2005/8/layout/list1"/>
+    <dgm:cxn modelId="{AC5297C3-070D-436E-BE1D-CBB275346118}" type="presParOf" srcId="{811F4233-BC79-4847-9333-3F01C389D2F2}" destId="{8E02D7EB-A35F-4C3A-99AE-647429153389}" srcOrd="6" destOrd="0" presId="urn:microsoft.com/office/officeart/2005/8/layout/list1"/>
+    <dgm:cxn modelId="{4B16E1CC-D72F-437B-AD17-BB29090C3586}" type="presParOf" srcId="{811F4233-BC79-4847-9333-3F01C389D2F2}" destId="{B2A2744F-87A8-469D-B571-8DF63CDC2FED}" srcOrd="7" destOrd="0" presId="urn:microsoft.com/office/officeart/2005/8/layout/list1"/>
+    <dgm:cxn modelId="{D2A44DD9-57FE-4A3A-A6B3-91F4AAA9FB4F}" type="presParOf" srcId="{811F4233-BC79-4847-9333-3F01C389D2F2}" destId="{03B91986-7F99-4094-AF7F-3EF2352205A6}" srcOrd="8" destOrd="0" presId="urn:microsoft.com/office/officeart/2005/8/layout/list1"/>
+    <dgm:cxn modelId="{112A9D35-B684-4CD6-BB7E-E2A6B967C149}" type="presParOf" srcId="{03B91986-7F99-4094-AF7F-3EF2352205A6}" destId="{9D07E859-DBCC-4087-8C63-5AD5AD1B7EA3}" srcOrd="0" destOrd="0" presId="urn:microsoft.com/office/officeart/2005/8/layout/list1"/>
+    <dgm:cxn modelId="{E398CB7E-F21C-4A62-95ED-DBA617395E70}" type="presParOf" srcId="{03B91986-7F99-4094-AF7F-3EF2352205A6}" destId="{6208AF7A-14AE-4001-A007-96AB3A44270E}" srcOrd="1" destOrd="0" presId="urn:microsoft.com/office/officeart/2005/8/layout/list1"/>
+    <dgm:cxn modelId="{E639B3EA-6FA5-4500-9D18-A63F116FF167}" type="presParOf" srcId="{811F4233-BC79-4847-9333-3F01C389D2F2}" destId="{CCF09AB5-CF94-4EAA-92F5-355BD0A9D0C9}" srcOrd="9" destOrd="0" presId="urn:microsoft.com/office/officeart/2005/8/layout/list1"/>
+    <dgm:cxn modelId="{A2F47F0F-CB7F-4895-BD28-1EED2D344900}" type="presParOf" srcId="{811F4233-BC79-4847-9333-3F01C389D2F2}" destId="{45AD8A02-D530-4F08-B055-BABEEDCA5712}" srcOrd="10" destOrd="0" presId="urn:microsoft.com/office/officeart/2005/8/layout/list1"/>
+    <dgm:cxn modelId="{E1A9A967-6EF1-4C21-9411-4A882F66999B}" type="presParOf" srcId="{811F4233-BC79-4847-9333-3F01C389D2F2}" destId="{D56E6F89-4043-43BD-81B6-2E62ED6B59B9}" srcOrd="11" destOrd="0" presId="urn:microsoft.com/office/officeart/2005/8/layout/list1"/>
+    <dgm:cxn modelId="{87FFAC34-B8D2-4A94-B49E-F02A68C3DCB2}" type="presParOf" srcId="{811F4233-BC79-4847-9333-3F01C389D2F2}" destId="{D6AF9B73-AB91-4086-B874-540748CD16BF}" srcOrd="12" destOrd="0" presId="urn:microsoft.com/office/officeart/2005/8/layout/list1"/>
+    <dgm:cxn modelId="{7773F15E-2F6A-4770-9166-CB1F6D540538}" type="presParOf" srcId="{D6AF9B73-AB91-4086-B874-540748CD16BF}" destId="{CE270A1C-B035-404A-AA78-FE7C5AB7831A}" srcOrd="0" destOrd="0" presId="urn:microsoft.com/office/officeart/2005/8/layout/list1"/>
+    <dgm:cxn modelId="{A513821B-4ACB-407D-97BE-CA35FEDDBA5E}" type="presParOf" srcId="{D6AF9B73-AB91-4086-B874-540748CD16BF}" destId="{77387B48-B03C-4EB5-8E2B-AD5F104393F7}" srcOrd="1" destOrd="0" presId="urn:microsoft.com/office/officeart/2005/8/layout/list1"/>
+    <dgm:cxn modelId="{4D83AAA5-0754-4CAA-8A43-38D7C2606B94}" type="presParOf" srcId="{811F4233-BC79-4847-9333-3F01C389D2F2}" destId="{AB047AE0-90CE-465D-9788-DB878BDE1C07}" srcOrd="13" destOrd="0" presId="urn:microsoft.com/office/officeart/2005/8/layout/list1"/>
+    <dgm:cxn modelId="{C50160C6-2F45-44C6-B326-F5947955DA50}" type="presParOf" srcId="{811F4233-BC79-4847-9333-3F01C389D2F2}" destId="{1CA029F7-6838-439D-8BB1-F6F16D0BDA5A}" srcOrd="14" destOrd="0" presId="urn:microsoft.com/office/officeart/2005/8/layout/list1"/>
   </dgm:cxnLst>
   <dgm:bg/>
   <dgm:whole/>
@@ -6312,9 +6660,13 @@
         <a:bodyPr/>
         <a:lstStyle/>
         <a:p>
-          <a:pPr algn="ctr"/>
+          <a:pPr>
+            <a:lnSpc>
+              <a:spcPct val="100000"/>
+            </a:lnSpc>
+          </a:pPr>
           <a:r>
-            <a:rPr lang="he-IL" dirty="0"/>
+            <a:rPr lang="he-IL"/>
             <a:t>פיתוח משחקים</a:t>
           </a:r>
           <a:endParaRPr lang="en-US" dirty="0"/>
@@ -6350,10 +6702,14 @@
         <a:bodyPr/>
         <a:lstStyle/>
         <a:p>
-          <a:pPr algn="ctr"/>
+          <a:pPr>
+            <a:lnSpc>
+              <a:spcPct val="100000"/>
+            </a:lnSpc>
+          </a:pPr>
           <a:r>
-            <a:rPr lang="he-IL" dirty="0"/>
-            <a:t>גיאומטריה חישובית.</a:t>
+            <a:rPr lang="he-IL"/>
+            <a:t>גיאומטריה חישובית</a:t>
           </a:r>
           <a:endParaRPr lang="en-US" dirty="0"/>
         </a:p>
@@ -6388,10 +6744,14 @@
         <a:bodyPr/>
         <a:lstStyle/>
         <a:p>
-          <a:pPr algn="ctr"/>
+          <a:pPr>
+            <a:lnSpc>
+              <a:spcPct val="100000"/>
+            </a:lnSpc>
+          </a:pPr>
           <a:r>
-            <a:rPr lang="he-IL" dirty="0"/>
-            <a:t>תקשורת מחשבים.</a:t>
+            <a:rPr lang="he-IL"/>
+            <a:t>תקשורת מחשבים</a:t>
           </a:r>
           <a:endParaRPr lang="en-US" dirty="0"/>
         </a:p>
@@ -6426,9 +6786,13 @@
         <a:bodyPr/>
         <a:lstStyle/>
         <a:p>
-          <a:pPr algn="ctr"/>
+          <a:pPr>
+            <a:lnSpc>
+              <a:spcPct val="100000"/>
+            </a:lnSpc>
+          </a:pPr>
           <a:r>
-            <a:rPr lang="he-IL" dirty="0"/>
+            <a:rPr lang="he-IL"/>
             <a:t>עיצוב</a:t>
           </a:r>
           <a:endParaRPr lang="en-US" dirty="0"/>
@@ -6464,10 +6828,14 @@
         <a:bodyPr/>
         <a:lstStyle/>
         <a:p>
-          <a:pPr algn="ctr"/>
+          <a:pPr>
+            <a:lnSpc>
+              <a:spcPct val="100000"/>
+            </a:lnSpc>
+          </a:pPr>
           <a:r>
-            <a:rPr lang="he-IL" dirty="0"/>
-            <a:t>סאונד ומוזיקה.</a:t>
+            <a:rPr lang="he-IL"/>
+            <a:t>סאונד ומוזיקה</a:t>
           </a:r>
           <a:endParaRPr lang="en-US" dirty="0"/>
         </a:p>
@@ -6768,45 +7136,45 @@
   </dgm:ptLst>
   <dgm:cxnLst>
     <dgm:cxn modelId="{13427A05-AE83-4DCC-9061-35FCA4D266AC}" srcId="{9ED07447-C8C2-4CF4-955D-A91A4DDEFD11}" destId="{34DF8030-7A11-4FB8-A48D-7A21A703A2FC}" srcOrd="0" destOrd="0" parTransId="{98E9358A-C0D2-44F9-B416-0F4C23A29FE3}" sibTransId="{C5D2C1B3-58F0-40EA-921A-1EF298C805AB}"/>
-    <dgm:cxn modelId="{41228707-DAD4-49E2-AAEF-D716FC94C20A}" type="presOf" srcId="{34DF8030-7A11-4FB8-A48D-7A21A703A2FC}" destId="{BDE08EF1-163B-4ECF-865F-485A8A1DABD7}" srcOrd="0" destOrd="0" presId="urn:microsoft.com/office/officeart/2018/2/layout/IconVerticalSolidList"/>
-    <dgm:cxn modelId="{CF6FB60D-5B66-48E0-9E8A-7F7E148DF370}" type="presOf" srcId="{4A73DA13-6FF5-4BB9-A6D7-E45AEA54155F}" destId="{AECEFA61-EBC1-46BC-B3CF-4E77C9080665}" srcOrd="0" destOrd="0" presId="urn:microsoft.com/office/officeart/2018/2/layout/IconVerticalSolidList"/>
     <dgm:cxn modelId="{C8424723-6740-43F2-91A8-53DF9832E9FC}" srcId="{9ED07447-C8C2-4CF4-955D-A91A4DDEFD11}" destId="{4A73DA13-6FF5-4BB9-A6D7-E45AEA54155F}" srcOrd="1" destOrd="0" parTransId="{64AE91E0-DFED-48D6-A168-7A4FD020991B}" sibTransId="{92F5A070-9464-43FC-BF0C-F7F2F0798562}"/>
     <dgm:cxn modelId="{468F512F-5950-4B0E-8992-B54FC1A42AFC}" srcId="{9ED07447-C8C2-4CF4-955D-A91A4DDEFD11}" destId="{C14317A8-904B-4D1A-8AD3-65CDC43D15CA}" srcOrd="2" destOrd="0" parTransId="{E3E462FA-7021-46A4-82AA-4310DB9F12F4}" sibTransId="{D3513888-27CC-48FC-862E-DDC659EBCE77}"/>
-    <dgm:cxn modelId="{78A02A4C-BE8B-4603-ABFF-A9A16629D8A9}" type="presOf" srcId="{C14317A8-904B-4D1A-8AD3-65CDC43D15CA}" destId="{1940E2BC-8F02-48D2-8DD9-E863E05E53E0}" srcOrd="0" destOrd="0" presId="urn:microsoft.com/office/officeart/2018/2/layout/IconVerticalSolidList"/>
+    <dgm:cxn modelId="{4EDBF23F-4593-4E31-A86B-BB689A4910E6}" type="presOf" srcId="{C14317A8-904B-4D1A-8AD3-65CDC43D15CA}" destId="{1940E2BC-8F02-48D2-8DD9-E863E05E53E0}" srcOrd="0" destOrd="0" presId="urn:microsoft.com/office/officeart/2018/2/layout/IconVerticalSolidList"/>
+    <dgm:cxn modelId="{9E504070-6D18-4C47-94F5-FEB5C1084AF2}" type="presOf" srcId="{34DF8030-7A11-4FB8-A48D-7A21A703A2FC}" destId="{BDE08EF1-163B-4ECF-865F-485A8A1DABD7}" srcOrd="0" destOrd="0" presId="urn:microsoft.com/office/officeart/2018/2/layout/IconVerticalSolidList"/>
+    <dgm:cxn modelId="{795CA772-30CD-4B31-A8A0-0FC793A38BC0}" type="presOf" srcId="{9ED07447-C8C2-4CF4-955D-A91A4DDEFD11}" destId="{7CABC200-7E4A-4CBC-8C87-46790CDE2920}" srcOrd="0" destOrd="0" presId="urn:microsoft.com/office/officeart/2018/2/layout/IconVerticalSolidList"/>
     <dgm:cxn modelId="{896D5F58-9EAB-43DF-AF3A-4EA9CF840179}" srcId="{9ED07447-C8C2-4CF4-955D-A91A4DDEFD11}" destId="{1FC4FFC6-6262-4558-BDAA-ED30058A4CF0}" srcOrd="3" destOrd="0" parTransId="{D0D153C6-1731-494D-A9B8-AB0DD49FC0BB}" sibTransId="{C5C9DA77-01B6-407F-BC3F-83E130251228}"/>
-    <dgm:cxn modelId="{6E626C94-4A31-47FA-AAD6-6A9643B32FE1}" type="presOf" srcId="{9ED07447-C8C2-4CF4-955D-A91A4DDEFD11}" destId="{7CABC200-7E4A-4CBC-8C87-46790CDE2920}" srcOrd="0" destOrd="0" presId="urn:microsoft.com/office/officeart/2018/2/layout/IconVerticalSolidList"/>
-    <dgm:cxn modelId="{337C089E-60BF-4E51-8174-9E2FD1588306}" type="presOf" srcId="{097CCBCE-83B9-4E8F-BE8C-9820FFEE7A7F}" destId="{0E1F6800-4FF5-4D71-BEB3-D3457C0B2B12}" srcOrd="0" destOrd="0" presId="urn:microsoft.com/office/officeart/2018/2/layout/IconVerticalSolidList"/>
+    <dgm:cxn modelId="{4BEFF3B2-6A8E-4FD6-B5A8-BEEE1B48C1E5}" type="presOf" srcId="{1FC4FFC6-6262-4558-BDAA-ED30058A4CF0}" destId="{5097C7A9-865A-4C51-B0D4-AA3541F41F49}" srcOrd="0" destOrd="0" presId="urn:microsoft.com/office/officeart/2018/2/layout/IconVerticalSolidList"/>
     <dgm:cxn modelId="{57DF2ACF-791E-47D9-8C7A-9FD6B4D2A5E4}" srcId="{9ED07447-C8C2-4CF4-955D-A91A4DDEFD11}" destId="{097CCBCE-83B9-4E8F-BE8C-9820FFEE7A7F}" srcOrd="4" destOrd="0" parTransId="{B2D10373-BE11-43C9-AA08-3BBB2C8148F7}" sibTransId="{A0EBC096-E69D-4B54-AB63-0198D2DE65A8}"/>
-    <dgm:cxn modelId="{E6EE26FE-0979-4E96-8C90-C73886826EEE}" type="presOf" srcId="{1FC4FFC6-6262-4558-BDAA-ED30058A4CF0}" destId="{5097C7A9-865A-4C51-B0D4-AA3541F41F49}" srcOrd="0" destOrd="0" presId="urn:microsoft.com/office/officeart/2018/2/layout/IconVerticalSolidList"/>
-    <dgm:cxn modelId="{58B1187B-6454-4762-AFE0-ADAD194BA06A}" type="presParOf" srcId="{7CABC200-7E4A-4CBC-8C87-46790CDE2920}" destId="{3537C5B7-929F-4810-B277-35D8D4FB860D}" srcOrd="0" destOrd="0" presId="urn:microsoft.com/office/officeart/2018/2/layout/IconVerticalSolidList"/>
-    <dgm:cxn modelId="{75377367-98C4-416C-A284-06A3236F14EC}" type="presParOf" srcId="{3537C5B7-929F-4810-B277-35D8D4FB860D}" destId="{CF98267A-1190-455D-A3D8-E28356A6FCA7}" srcOrd="0" destOrd="0" presId="urn:microsoft.com/office/officeart/2018/2/layout/IconVerticalSolidList"/>
-    <dgm:cxn modelId="{81F53977-1EEC-492C-B41F-19B6587CCAF2}" type="presParOf" srcId="{3537C5B7-929F-4810-B277-35D8D4FB860D}" destId="{54A4BD59-04B5-4433-A41C-237527A20ED0}" srcOrd="1" destOrd="0" presId="urn:microsoft.com/office/officeart/2018/2/layout/IconVerticalSolidList"/>
-    <dgm:cxn modelId="{8AA6CF09-9977-4B1E-94E4-E6CF8DE85B8D}" type="presParOf" srcId="{3537C5B7-929F-4810-B277-35D8D4FB860D}" destId="{EC65B294-5F0E-47C2-AE11-F0D7A3F20CC7}" srcOrd="2" destOrd="0" presId="urn:microsoft.com/office/officeart/2018/2/layout/IconVerticalSolidList"/>
-    <dgm:cxn modelId="{E1BA0CA3-BF36-4CF6-B34C-7F05FC6937B3}" type="presParOf" srcId="{3537C5B7-929F-4810-B277-35D8D4FB860D}" destId="{BDE08EF1-163B-4ECF-865F-485A8A1DABD7}" srcOrd="3" destOrd="0" presId="urn:microsoft.com/office/officeart/2018/2/layout/IconVerticalSolidList"/>
-    <dgm:cxn modelId="{26D97EE1-F649-4494-959D-6A5F212DDE50}" type="presParOf" srcId="{7CABC200-7E4A-4CBC-8C87-46790CDE2920}" destId="{54E34FDD-2CA5-4F02-923D-E79066B11149}" srcOrd="1" destOrd="0" presId="urn:microsoft.com/office/officeart/2018/2/layout/IconVerticalSolidList"/>
-    <dgm:cxn modelId="{C19E5253-1B15-49DA-BD90-C853E1EC59E7}" type="presParOf" srcId="{7CABC200-7E4A-4CBC-8C87-46790CDE2920}" destId="{DA1621B2-AC62-45E5-A3A4-617795708E6E}" srcOrd="2" destOrd="0" presId="urn:microsoft.com/office/officeart/2018/2/layout/IconVerticalSolidList"/>
-    <dgm:cxn modelId="{B049A570-B11E-4C7E-9217-8CBD9FB8A7CA}" type="presParOf" srcId="{DA1621B2-AC62-45E5-A3A4-617795708E6E}" destId="{124D2EEC-2F46-4A53-8110-D3CB614F9081}" srcOrd="0" destOrd="0" presId="urn:microsoft.com/office/officeart/2018/2/layout/IconVerticalSolidList"/>
-    <dgm:cxn modelId="{BE207FE8-2DF5-427E-8D64-07C65D9F0508}" type="presParOf" srcId="{DA1621B2-AC62-45E5-A3A4-617795708E6E}" destId="{A81C2EA5-17CC-4A27-A363-E5C38CA7964E}" srcOrd="1" destOrd="0" presId="urn:microsoft.com/office/officeart/2018/2/layout/IconVerticalSolidList"/>
-    <dgm:cxn modelId="{FDF2C17B-FBFD-4898-BEB5-52137FDF20E9}" type="presParOf" srcId="{DA1621B2-AC62-45E5-A3A4-617795708E6E}" destId="{98F53D3C-3836-4303-B8A5-72652E7E8341}" srcOrd="2" destOrd="0" presId="urn:microsoft.com/office/officeart/2018/2/layout/IconVerticalSolidList"/>
-    <dgm:cxn modelId="{C9F6D6FC-314F-4230-A91B-D79F7233AD22}" type="presParOf" srcId="{DA1621B2-AC62-45E5-A3A4-617795708E6E}" destId="{AECEFA61-EBC1-46BC-B3CF-4E77C9080665}" srcOrd="3" destOrd="0" presId="urn:microsoft.com/office/officeart/2018/2/layout/IconVerticalSolidList"/>
-    <dgm:cxn modelId="{785526FB-6A93-4F17-A23E-B7A67B5EFA78}" type="presParOf" srcId="{7CABC200-7E4A-4CBC-8C87-46790CDE2920}" destId="{BBEE8666-6695-4401-89F2-95417AAC53A7}" srcOrd="3" destOrd="0" presId="urn:microsoft.com/office/officeart/2018/2/layout/IconVerticalSolidList"/>
-    <dgm:cxn modelId="{2E7BFD5A-5A92-464A-BDB6-EF939533E8CF}" type="presParOf" srcId="{7CABC200-7E4A-4CBC-8C87-46790CDE2920}" destId="{40F536B6-F29D-4768-9D22-FBC857FDACA8}" srcOrd="4" destOrd="0" presId="urn:microsoft.com/office/officeart/2018/2/layout/IconVerticalSolidList"/>
-    <dgm:cxn modelId="{45A6A4BB-7291-429C-BCA6-EB0D9455266A}" type="presParOf" srcId="{40F536B6-F29D-4768-9D22-FBC857FDACA8}" destId="{32CDF58A-AA08-476C-97D0-E4C87899E875}" srcOrd="0" destOrd="0" presId="urn:microsoft.com/office/officeart/2018/2/layout/IconVerticalSolidList"/>
-    <dgm:cxn modelId="{A85BB9EA-7C1D-47DB-B88A-F93A5A436271}" type="presParOf" srcId="{40F536B6-F29D-4768-9D22-FBC857FDACA8}" destId="{70DB3031-FAF9-4A4B-8378-BF7C66A41360}" srcOrd="1" destOrd="0" presId="urn:microsoft.com/office/officeart/2018/2/layout/IconVerticalSolidList"/>
-    <dgm:cxn modelId="{2244BF89-1D3F-4254-9657-627E7D221BC7}" type="presParOf" srcId="{40F536B6-F29D-4768-9D22-FBC857FDACA8}" destId="{ECBBE5D9-5957-4CD9-8BD7-647F1BBBD11F}" srcOrd="2" destOrd="0" presId="urn:microsoft.com/office/officeart/2018/2/layout/IconVerticalSolidList"/>
-    <dgm:cxn modelId="{CEFE9FE0-F1EF-4C1B-BD2C-02832AA9EE6A}" type="presParOf" srcId="{40F536B6-F29D-4768-9D22-FBC857FDACA8}" destId="{1940E2BC-8F02-48D2-8DD9-E863E05E53E0}" srcOrd="3" destOrd="0" presId="urn:microsoft.com/office/officeart/2018/2/layout/IconVerticalSolidList"/>
-    <dgm:cxn modelId="{2A5172D7-8437-44B7-A72B-C2A8AF3742DB}" type="presParOf" srcId="{7CABC200-7E4A-4CBC-8C87-46790CDE2920}" destId="{892FDBB0-E954-412D-AB1D-9FC47066706D}" srcOrd="5" destOrd="0" presId="urn:microsoft.com/office/officeart/2018/2/layout/IconVerticalSolidList"/>
-    <dgm:cxn modelId="{4592F50E-6B34-422E-A6CB-3D8E378E5CCD}" type="presParOf" srcId="{7CABC200-7E4A-4CBC-8C87-46790CDE2920}" destId="{ED099C04-BD74-4A76-8A3F-2E83872839DA}" srcOrd="6" destOrd="0" presId="urn:microsoft.com/office/officeart/2018/2/layout/IconVerticalSolidList"/>
-    <dgm:cxn modelId="{6C7B3F54-A316-4946-8E83-E13BC53E6CF2}" type="presParOf" srcId="{ED099C04-BD74-4A76-8A3F-2E83872839DA}" destId="{50FC1E7D-D579-4595-8459-CC24E3F28325}" srcOrd="0" destOrd="0" presId="urn:microsoft.com/office/officeart/2018/2/layout/IconVerticalSolidList"/>
-    <dgm:cxn modelId="{8A38B8B5-5E5F-4F1D-AAAF-D6B22A952F09}" type="presParOf" srcId="{ED099C04-BD74-4A76-8A3F-2E83872839DA}" destId="{D61BD0DC-A149-4DAC-B7AC-1746F96548B1}" srcOrd="1" destOrd="0" presId="urn:microsoft.com/office/officeart/2018/2/layout/IconVerticalSolidList"/>
-    <dgm:cxn modelId="{5B256156-F4E7-43C7-B649-E52F172859E7}" type="presParOf" srcId="{ED099C04-BD74-4A76-8A3F-2E83872839DA}" destId="{CC4162F8-FC31-4FC1-995E-39D918010784}" srcOrd="2" destOrd="0" presId="urn:microsoft.com/office/officeart/2018/2/layout/IconVerticalSolidList"/>
-    <dgm:cxn modelId="{879DCF48-2F94-4F94-83BB-870F29761180}" type="presParOf" srcId="{ED099C04-BD74-4A76-8A3F-2E83872839DA}" destId="{5097C7A9-865A-4C51-B0D4-AA3541F41F49}" srcOrd="3" destOrd="0" presId="urn:microsoft.com/office/officeart/2018/2/layout/IconVerticalSolidList"/>
-    <dgm:cxn modelId="{234D9A99-2B30-467A-A7DD-678A68CCE3AE}" type="presParOf" srcId="{7CABC200-7E4A-4CBC-8C87-46790CDE2920}" destId="{90E2AE8C-AE7D-497F-9B50-EE16B293F14D}" srcOrd="7" destOrd="0" presId="urn:microsoft.com/office/officeart/2018/2/layout/IconVerticalSolidList"/>
-    <dgm:cxn modelId="{62A80078-B255-4A9C-8E73-3FF63C0FBC7D}" type="presParOf" srcId="{7CABC200-7E4A-4CBC-8C87-46790CDE2920}" destId="{DF6B7192-17DB-4613-837D-98C33222DD06}" srcOrd="8" destOrd="0" presId="urn:microsoft.com/office/officeart/2018/2/layout/IconVerticalSolidList"/>
-    <dgm:cxn modelId="{682D9AE7-7FD6-465D-812E-17A15F9C34FB}" type="presParOf" srcId="{DF6B7192-17DB-4613-837D-98C33222DD06}" destId="{F7664AA7-337E-4F27-B551-EAC227C65B65}" srcOrd="0" destOrd="0" presId="urn:microsoft.com/office/officeart/2018/2/layout/IconVerticalSolidList"/>
-    <dgm:cxn modelId="{EE6248AA-0B66-43A2-810A-6D3EABD055C5}" type="presParOf" srcId="{DF6B7192-17DB-4613-837D-98C33222DD06}" destId="{C3029BAE-03DD-4522-AA01-AD9D60F1DF96}" srcOrd="1" destOrd="0" presId="urn:microsoft.com/office/officeart/2018/2/layout/IconVerticalSolidList"/>
-    <dgm:cxn modelId="{9BA6ED75-0D7D-4662-9FEB-0A5952D2BF11}" type="presParOf" srcId="{DF6B7192-17DB-4613-837D-98C33222DD06}" destId="{B797B2A2-C084-4E98-AD7D-B511E0D20A4D}" srcOrd="2" destOrd="0" presId="urn:microsoft.com/office/officeart/2018/2/layout/IconVerticalSolidList"/>
-    <dgm:cxn modelId="{AA49CAFB-0136-439A-835F-A48378CAF62F}" type="presParOf" srcId="{DF6B7192-17DB-4613-837D-98C33222DD06}" destId="{0E1F6800-4FF5-4D71-BEB3-D3457C0B2B12}" srcOrd="3" destOrd="0" presId="urn:microsoft.com/office/officeart/2018/2/layout/IconVerticalSolidList"/>
+    <dgm:cxn modelId="{27741FD6-B237-4166-8EE4-85C704590080}" type="presOf" srcId="{097CCBCE-83B9-4E8F-BE8C-9820FFEE7A7F}" destId="{0E1F6800-4FF5-4D71-BEB3-D3457C0B2B12}" srcOrd="0" destOrd="0" presId="urn:microsoft.com/office/officeart/2018/2/layout/IconVerticalSolidList"/>
+    <dgm:cxn modelId="{0D2E17EB-0B7F-4E26-83A7-A2B8EF32FB47}" type="presOf" srcId="{4A73DA13-6FF5-4BB9-A6D7-E45AEA54155F}" destId="{AECEFA61-EBC1-46BC-B3CF-4E77C9080665}" srcOrd="0" destOrd="0" presId="urn:microsoft.com/office/officeart/2018/2/layout/IconVerticalSolidList"/>
+    <dgm:cxn modelId="{0223F168-35CE-41B5-B418-1B9E8C497CA4}" type="presParOf" srcId="{7CABC200-7E4A-4CBC-8C87-46790CDE2920}" destId="{3537C5B7-929F-4810-B277-35D8D4FB860D}" srcOrd="0" destOrd="0" presId="urn:microsoft.com/office/officeart/2018/2/layout/IconVerticalSolidList"/>
+    <dgm:cxn modelId="{CA4FD0C7-25EE-48C2-897A-1B7E7B7195D8}" type="presParOf" srcId="{3537C5B7-929F-4810-B277-35D8D4FB860D}" destId="{CF98267A-1190-455D-A3D8-E28356A6FCA7}" srcOrd="0" destOrd="0" presId="urn:microsoft.com/office/officeart/2018/2/layout/IconVerticalSolidList"/>
+    <dgm:cxn modelId="{81BC884C-DEED-4ED6-A992-301A33258DF7}" type="presParOf" srcId="{3537C5B7-929F-4810-B277-35D8D4FB860D}" destId="{54A4BD59-04B5-4433-A41C-237527A20ED0}" srcOrd="1" destOrd="0" presId="urn:microsoft.com/office/officeart/2018/2/layout/IconVerticalSolidList"/>
+    <dgm:cxn modelId="{713158DC-0BFC-4503-9395-D0DBD6593C1C}" type="presParOf" srcId="{3537C5B7-929F-4810-B277-35D8D4FB860D}" destId="{EC65B294-5F0E-47C2-AE11-F0D7A3F20CC7}" srcOrd="2" destOrd="0" presId="urn:microsoft.com/office/officeart/2018/2/layout/IconVerticalSolidList"/>
+    <dgm:cxn modelId="{A15BBF0B-AAC9-42A8-A614-E4BF32F84E58}" type="presParOf" srcId="{3537C5B7-929F-4810-B277-35D8D4FB860D}" destId="{BDE08EF1-163B-4ECF-865F-485A8A1DABD7}" srcOrd="3" destOrd="0" presId="urn:microsoft.com/office/officeart/2018/2/layout/IconVerticalSolidList"/>
+    <dgm:cxn modelId="{83C977C3-DFBE-4855-90FA-2C8F02C0D111}" type="presParOf" srcId="{7CABC200-7E4A-4CBC-8C87-46790CDE2920}" destId="{54E34FDD-2CA5-4F02-923D-E79066B11149}" srcOrd="1" destOrd="0" presId="urn:microsoft.com/office/officeart/2018/2/layout/IconVerticalSolidList"/>
+    <dgm:cxn modelId="{9A0D2BB1-52D9-43E3-954B-42AB7B6F1198}" type="presParOf" srcId="{7CABC200-7E4A-4CBC-8C87-46790CDE2920}" destId="{DA1621B2-AC62-45E5-A3A4-617795708E6E}" srcOrd="2" destOrd="0" presId="urn:microsoft.com/office/officeart/2018/2/layout/IconVerticalSolidList"/>
+    <dgm:cxn modelId="{BD40F209-07B7-407E-B9E3-7881DCD4ED35}" type="presParOf" srcId="{DA1621B2-AC62-45E5-A3A4-617795708E6E}" destId="{124D2EEC-2F46-4A53-8110-D3CB614F9081}" srcOrd="0" destOrd="0" presId="urn:microsoft.com/office/officeart/2018/2/layout/IconVerticalSolidList"/>
+    <dgm:cxn modelId="{060FF906-B7B3-4804-90B4-A2B36A961D45}" type="presParOf" srcId="{DA1621B2-AC62-45E5-A3A4-617795708E6E}" destId="{A81C2EA5-17CC-4A27-A363-E5C38CA7964E}" srcOrd="1" destOrd="0" presId="urn:microsoft.com/office/officeart/2018/2/layout/IconVerticalSolidList"/>
+    <dgm:cxn modelId="{818566F1-3D3A-49EA-ABB1-C68EDEF30366}" type="presParOf" srcId="{DA1621B2-AC62-45E5-A3A4-617795708E6E}" destId="{98F53D3C-3836-4303-B8A5-72652E7E8341}" srcOrd="2" destOrd="0" presId="urn:microsoft.com/office/officeart/2018/2/layout/IconVerticalSolidList"/>
+    <dgm:cxn modelId="{FC09F021-BD18-4403-ABEE-7E25D8DC245B}" type="presParOf" srcId="{DA1621B2-AC62-45E5-A3A4-617795708E6E}" destId="{AECEFA61-EBC1-46BC-B3CF-4E77C9080665}" srcOrd="3" destOrd="0" presId="urn:microsoft.com/office/officeart/2018/2/layout/IconVerticalSolidList"/>
+    <dgm:cxn modelId="{CA901AC0-E4A2-4F68-87DB-230A3B4FFDC2}" type="presParOf" srcId="{7CABC200-7E4A-4CBC-8C87-46790CDE2920}" destId="{BBEE8666-6695-4401-89F2-95417AAC53A7}" srcOrd="3" destOrd="0" presId="urn:microsoft.com/office/officeart/2018/2/layout/IconVerticalSolidList"/>
+    <dgm:cxn modelId="{9A3F3663-6890-41F1-81BA-7599E402326E}" type="presParOf" srcId="{7CABC200-7E4A-4CBC-8C87-46790CDE2920}" destId="{40F536B6-F29D-4768-9D22-FBC857FDACA8}" srcOrd="4" destOrd="0" presId="urn:microsoft.com/office/officeart/2018/2/layout/IconVerticalSolidList"/>
+    <dgm:cxn modelId="{AA6959BC-1982-4042-A3BF-0A3E7FCE37A6}" type="presParOf" srcId="{40F536B6-F29D-4768-9D22-FBC857FDACA8}" destId="{32CDF58A-AA08-476C-97D0-E4C87899E875}" srcOrd="0" destOrd="0" presId="urn:microsoft.com/office/officeart/2018/2/layout/IconVerticalSolidList"/>
+    <dgm:cxn modelId="{BC0AB5D9-E5E0-4393-9E14-B0E90334CF39}" type="presParOf" srcId="{40F536B6-F29D-4768-9D22-FBC857FDACA8}" destId="{70DB3031-FAF9-4A4B-8378-BF7C66A41360}" srcOrd="1" destOrd="0" presId="urn:microsoft.com/office/officeart/2018/2/layout/IconVerticalSolidList"/>
+    <dgm:cxn modelId="{17DD63E9-F33B-4220-AA7D-8D73AB4ED14C}" type="presParOf" srcId="{40F536B6-F29D-4768-9D22-FBC857FDACA8}" destId="{ECBBE5D9-5957-4CD9-8BD7-647F1BBBD11F}" srcOrd="2" destOrd="0" presId="urn:microsoft.com/office/officeart/2018/2/layout/IconVerticalSolidList"/>
+    <dgm:cxn modelId="{CAECD93B-A523-4E0C-925A-BE9958726E7C}" type="presParOf" srcId="{40F536B6-F29D-4768-9D22-FBC857FDACA8}" destId="{1940E2BC-8F02-48D2-8DD9-E863E05E53E0}" srcOrd="3" destOrd="0" presId="urn:microsoft.com/office/officeart/2018/2/layout/IconVerticalSolidList"/>
+    <dgm:cxn modelId="{1182E5D4-1966-4CFB-AE4B-2CE957EA037B}" type="presParOf" srcId="{7CABC200-7E4A-4CBC-8C87-46790CDE2920}" destId="{892FDBB0-E954-412D-AB1D-9FC47066706D}" srcOrd="5" destOrd="0" presId="urn:microsoft.com/office/officeart/2018/2/layout/IconVerticalSolidList"/>
+    <dgm:cxn modelId="{F48FA56D-F0BF-4F8A-B78A-80BBD7CED4FB}" type="presParOf" srcId="{7CABC200-7E4A-4CBC-8C87-46790CDE2920}" destId="{ED099C04-BD74-4A76-8A3F-2E83872839DA}" srcOrd="6" destOrd="0" presId="urn:microsoft.com/office/officeart/2018/2/layout/IconVerticalSolidList"/>
+    <dgm:cxn modelId="{2B7EC247-775F-4BA4-A72A-3FE0A7D59FEA}" type="presParOf" srcId="{ED099C04-BD74-4A76-8A3F-2E83872839DA}" destId="{50FC1E7D-D579-4595-8459-CC24E3F28325}" srcOrd="0" destOrd="0" presId="urn:microsoft.com/office/officeart/2018/2/layout/IconVerticalSolidList"/>
+    <dgm:cxn modelId="{ADB7D0D3-AC35-45EE-9F08-64AA5E6B7971}" type="presParOf" srcId="{ED099C04-BD74-4A76-8A3F-2E83872839DA}" destId="{D61BD0DC-A149-4DAC-B7AC-1746F96548B1}" srcOrd="1" destOrd="0" presId="urn:microsoft.com/office/officeart/2018/2/layout/IconVerticalSolidList"/>
+    <dgm:cxn modelId="{10E2FCE8-4EE1-4C07-A09E-16B59BF0E15C}" type="presParOf" srcId="{ED099C04-BD74-4A76-8A3F-2E83872839DA}" destId="{CC4162F8-FC31-4FC1-995E-39D918010784}" srcOrd="2" destOrd="0" presId="urn:microsoft.com/office/officeart/2018/2/layout/IconVerticalSolidList"/>
+    <dgm:cxn modelId="{BB5FAEA5-91D9-4238-9C70-B98FB85EFC6C}" type="presParOf" srcId="{ED099C04-BD74-4A76-8A3F-2E83872839DA}" destId="{5097C7A9-865A-4C51-B0D4-AA3541F41F49}" srcOrd="3" destOrd="0" presId="urn:microsoft.com/office/officeart/2018/2/layout/IconVerticalSolidList"/>
+    <dgm:cxn modelId="{4FA48011-DB9F-4A81-895C-98BB43AD8DBE}" type="presParOf" srcId="{7CABC200-7E4A-4CBC-8C87-46790CDE2920}" destId="{90E2AE8C-AE7D-497F-9B50-EE16B293F14D}" srcOrd="7" destOrd="0" presId="urn:microsoft.com/office/officeart/2018/2/layout/IconVerticalSolidList"/>
+    <dgm:cxn modelId="{B6393826-C90A-405C-A165-C39B49FA1D0A}" type="presParOf" srcId="{7CABC200-7E4A-4CBC-8C87-46790CDE2920}" destId="{DF6B7192-17DB-4613-837D-98C33222DD06}" srcOrd="8" destOrd="0" presId="urn:microsoft.com/office/officeart/2018/2/layout/IconVerticalSolidList"/>
+    <dgm:cxn modelId="{34E1D76F-1605-47E4-8706-ACEFD7DE331D}" type="presParOf" srcId="{DF6B7192-17DB-4613-837D-98C33222DD06}" destId="{F7664AA7-337E-4F27-B551-EAC227C65B65}" srcOrd="0" destOrd="0" presId="urn:microsoft.com/office/officeart/2018/2/layout/IconVerticalSolidList"/>
+    <dgm:cxn modelId="{6EFE2891-749B-4E85-9CFD-022B0B9A70D4}" type="presParOf" srcId="{DF6B7192-17DB-4613-837D-98C33222DD06}" destId="{C3029BAE-03DD-4522-AA01-AD9D60F1DF96}" srcOrd="1" destOrd="0" presId="urn:microsoft.com/office/officeart/2018/2/layout/IconVerticalSolidList"/>
+    <dgm:cxn modelId="{9FC76DFB-4190-4564-B7FB-D5812FDBF467}" type="presParOf" srcId="{DF6B7192-17DB-4613-837D-98C33222DD06}" destId="{B797B2A2-C084-4E98-AD7D-B511E0D20A4D}" srcOrd="2" destOrd="0" presId="urn:microsoft.com/office/officeart/2018/2/layout/IconVerticalSolidList"/>
+    <dgm:cxn modelId="{C84B22DA-910B-4C24-98AA-B7C68EDE3164}" type="presParOf" srcId="{DF6B7192-17DB-4613-837D-98C33222DD06}" destId="{0E1F6800-4FF5-4D71-BEB3-D3457C0B2B12}" srcOrd="3" destOrd="0" presId="urn:microsoft.com/office/officeart/2018/2/layout/IconVerticalSolidList"/>
   </dgm:cxnLst>
   <dgm:bg/>
   <dgm:whole/>
@@ -7703,15 +8071,54 @@
       <dsp:cNvGrpSpPr/>
     </dsp:nvGrpSpPr>
     <dsp:grpSpPr/>
-    <dsp:sp modelId="{A959D1E0-059C-4333-8CE7-9A14047ECA3F}">
+    <dsp:sp modelId="{7FD8A18D-2DD4-4F31-BBC6-82BCBC3F488F}">
       <dsp:nvSpPr>
         <dsp:cNvPr id="0" name=""/>
         <dsp:cNvSpPr/>
       </dsp:nvSpPr>
       <dsp:spPr>
         <a:xfrm>
-          <a:off x="857534" y="1052479"/>
-          <a:ext cx="923524" cy="923524"/>
+          <a:off x="693261" y="717826"/>
+          <a:ext cx="1251885" cy="1251885"/>
+        </a:xfrm>
+        <a:prstGeom prst="ellipse">
+          <a:avLst/>
+        </a:prstGeom>
+        <a:solidFill>
+          <a:schemeClr val="accent2">
+            <a:hueOff val="0"/>
+            <a:satOff val="0"/>
+            <a:lumOff val="0"/>
+            <a:alphaOff val="0"/>
+          </a:schemeClr>
+        </a:solidFill>
+        <a:ln>
+          <a:noFill/>
+        </a:ln>
+        <a:effectLst/>
+      </dsp:spPr>
+      <dsp:style>
+        <a:lnRef idx="0">
+          <a:scrgbClr r="0" g="0" b="0"/>
+        </a:lnRef>
+        <a:fillRef idx="1">
+          <a:scrgbClr r="0" g="0" b="0"/>
+        </a:fillRef>
+        <a:effectRef idx="0">
+          <a:scrgbClr r="0" g="0" b="0"/>
+        </a:effectRef>
+        <a:fontRef idx="minor"/>
+      </dsp:style>
+    </dsp:sp>
+    <dsp:sp modelId="{0946132E-2DF4-49F3-A31E-48E634983ABC}">
+      <dsp:nvSpPr>
+        <dsp:cNvPr id="0" name=""/>
+        <dsp:cNvSpPr/>
+      </dsp:nvSpPr>
+      <dsp:spPr>
+        <a:xfrm>
+          <a:off x="960056" y="984621"/>
+          <a:ext cx="718294" cy="718294"/>
         </a:xfrm>
         <a:prstGeom prst="rect">
           <a:avLst/>
@@ -7732,14 +8139,7 @@
           </a:stretch>
         </a:blipFill>
         <a:ln w="19050" cap="flat" cmpd="sng" algn="ctr">
-          <a:solidFill>
-            <a:schemeClr val="lt1">
-              <a:hueOff val="0"/>
-              <a:satOff val="0"/>
-              <a:lumOff val="0"/>
-              <a:alphaOff val="0"/>
-            </a:schemeClr>
-          </a:solidFill>
+          <a:noFill/>
           <a:prstDash val="solid"/>
         </a:ln>
         <a:effectLst/>
@@ -7759,15 +8159,15 @@
         </a:fontRef>
       </dsp:style>
     </dsp:sp>
-    <dsp:sp modelId="{75E8CA93-E13C-4621-83E4-104CDAE553D1}">
+    <dsp:sp modelId="{EE89630A-5300-4BC5-ABF7-BA4A25613CCF}">
       <dsp:nvSpPr>
         <dsp:cNvPr id="0" name=""/>
         <dsp:cNvSpPr/>
       </dsp:nvSpPr>
       <dsp:spPr>
         <a:xfrm>
-          <a:off x="293158" y="2266120"/>
-          <a:ext cx="2052277" cy="720000"/>
+          <a:off x="293068" y="2359643"/>
+          <a:ext cx="2052270" cy="720000"/>
         </a:xfrm>
         <a:prstGeom prst="rect">
           <a:avLst/>
@@ -7807,28 +8207,68 @@
               <a:spcPct val="35000"/>
             </a:spcAft>
             <a:buNone/>
+            <a:defRPr cap="all"/>
           </a:pPr>
           <a:r>
-            <a:rPr lang="he-IL" sz="2300" kern="1200" dirty="0"/>
+            <a:rPr lang="he-IL" sz="2300" kern="1200"/>
             <a:t>פיתוח מכניקת המשחק</a:t>
           </a:r>
-          <a:endParaRPr lang="en-US" sz="2300" kern="1200" dirty="0"/>
+          <a:endParaRPr lang="en-US" sz="2300" kern="1200"/>
         </a:p>
       </dsp:txBody>
       <dsp:txXfrm>
-        <a:off x="293158" y="2266120"/>
-        <a:ext cx="2052277" cy="720000"/>
+        <a:off x="293068" y="2359643"/>
+        <a:ext cx="2052270" cy="720000"/>
       </dsp:txXfrm>
     </dsp:sp>
-    <dsp:sp modelId="{2C04F7E3-10D1-4336-8CEC-F2B0D8CC61F8}">
+    <dsp:sp modelId="{60638599-D830-48E9-8D88-89C3FDA6F3B0}">
       <dsp:nvSpPr>
         <dsp:cNvPr id="0" name=""/>
         <dsp:cNvSpPr/>
       </dsp:nvSpPr>
       <dsp:spPr>
         <a:xfrm>
-          <a:off x="3268960" y="1052479"/>
-          <a:ext cx="923524" cy="923524"/>
+          <a:off x="3104679" y="717826"/>
+          <a:ext cx="1251885" cy="1251885"/>
+        </a:xfrm>
+        <a:prstGeom prst="ellipse">
+          <a:avLst/>
+        </a:prstGeom>
+        <a:solidFill>
+          <a:schemeClr val="accent3">
+            <a:hueOff val="0"/>
+            <a:satOff val="0"/>
+            <a:lumOff val="0"/>
+            <a:alphaOff val="0"/>
+          </a:schemeClr>
+        </a:solidFill>
+        <a:ln>
+          <a:noFill/>
+        </a:ln>
+        <a:effectLst/>
+      </dsp:spPr>
+      <dsp:style>
+        <a:lnRef idx="0">
+          <a:scrgbClr r="0" g="0" b="0"/>
+        </a:lnRef>
+        <a:fillRef idx="1">
+          <a:scrgbClr r="0" g="0" b="0"/>
+        </a:fillRef>
+        <a:effectRef idx="0">
+          <a:scrgbClr r="0" g="0" b="0"/>
+        </a:effectRef>
+        <a:fontRef idx="minor"/>
+      </dsp:style>
+    </dsp:sp>
+    <dsp:sp modelId="{CE20E262-958E-48EF-B3CD-DD5BA1377EF6}">
+      <dsp:nvSpPr>
+        <dsp:cNvPr id="0" name=""/>
+        <dsp:cNvSpPr/>
+      </dsp:nvSpPr>
+      <dsp:spPr>
+        <a:xfrm>
+          <a:off x="3371475" y="984621"/>
+          <a:ext cx="718294" cy="718294"/>
         </a:xfrm>
         <a:prstGeom prst="rect">
           <a:avLst/>
@@ -7849,14 +8289,7 @@
           </a:stretch>
         </a:blipFill>
         <a:ln w="19050" cap="flat" cmpd="sng" algn="ctr">
-          <a:solidFill>
-            <a:schemeClr val="lt1">
-              <a:hueOff val="0"/>
-              <a:satOff val="0"/>
-              <a:lumOff val="0"/>
-              <a:alphaOff val="0"/>
-            </a:schemeClr>
-          </a:solidFill>
+          <a:noFill/>
           <a:prstDash val="solid"/>
         </a:ln>
         <a:effectLst/>
@@ -7876,15 +8309,15 @@
         </a:fontRef>
       </dsp:style>
     </dsp:sp>
-    <dsp:sp modelId="{8D9608DA-2596-40DF-8022-DF0B1D1930C3}">
+    <dsp:sp modelId="{8816A2B6-D190-41BD-83E2-2E237EA71872}">
       <dsp:nvSpPr>
         <dsp:cNvPr id="0" name=""/>
         <dsp:cNvSpPr/>
       </dsp:nvSpPr>
       <dsp:spPr>
         <a:xfrm>
-          <a:off x="2704584" y="2266120"/>
-          <a:ext cx="2052277" cy="720000"/>
+          <a:off x="2704487" y="2359643"/>
+          <a:ext cx="2052270" cy="720000"/>
         </a:xfrm>
         <a:prstGeom prst="rect">
           <a:avLst/>
@@ -7924,28 +8357,68 @@
               <a:spcPct val="35000"/>
             </a:spcAft>
             <a:buNone/>
+            <a:defRPr cap="all"/>
           </a:pPr>
           <a:r>
-            <a:rPr lang="he-IL" sz="2300" kern="1200" dirty="0"/>
+            <a:rPr lang="he-IL" sz="2300" kern="1200"/>
             <a:t>תקשורת בין השחקנים</a:t>
           </a:r>
-          <a:endParaRPr lang="en-US" sz="2300" kern="1200" dirty="0"/>
+          <a:endParaRPr lang="en-US" sz="2300" kern="1200"/>
         </a:p>
       </dsp:txBody>
       <dsp:txXfrm>
-        <a:off x="2704584" y="2266120"/>
-        <a:ext cx="2052277" cy="720000"/>
+        <a:off x="2704487" y="2359643"/>
+        <a:ext cx="2052270" cy="720000"/>
       </dsp:txXfrm>
     </dsp:sp>
-    <dsp:sp modelId="{802A0877-8681-4FC4-92A5-86B3B14B4425}">
+    <dsp:sp modelId="{00B9A2D1-A00F-4605-8336-7729BBE271A0}">
       <dsp:nvSpPr>
         <dsp:cNvPr id="0" name=""/>
         <dsp:cNvSpPr/>
       </dsp:nvSpPr>
       <dsp:spPr>
         <a:xfrm>
-          <a:off x="5680385" y="1052479"/>
-          <a:ext cx="923524" cy="923524"/>
+          <a:off x="5516097" y="717826"/>
+          <a:ext cx="1251885" cy="1251885"/>
+        </a:xfrm>
+        <a:prstGeom prst="ellipse">
+          <a:avLst/>
+        </a:prstGeom>
+        <a:solidFill>
+          <a:schemeClr val="accent4">
+            <a:hueOff val="0"/>
+            <a:satOff val="0"/>
+            <a:lumOff val="0"/>
+            <a:alphaOff val="0"/>
+          </a:schemeClr>
+        </a:solidFill>
+        <a:ln>
+          <a:noFill/>
+        </a:ln>
+        <a:effectLst/>
+      </dsp:spPr>
+      <dsp:style>
+        <a:lnRef idx="0">
+          <a:scrgbClr r="0" g="0" b="0"/>
+        </a:lnRef>
+        <a:fillRef idx="1">
+          <a:scrgbClr r="0" g="0" b="0"/>
+        </a:fillRef>
+        <a:effectRef idx="0">
+          <a:scrgbClr r="0" g="0" b="0"/>
+        </a:effectRef>
+        <a:fontRef idx="minor"/>
+      </dsp:style>
+    </dsp:sp>
+    <dsp:sp modelId="{2E1ABE86-C1DC-4161-BDFD-3E8CE93D9172}">
+      <dsp:nvSpPr>
+        <dsp:cNvPr id="0" name=""/>
+        <dsp:cNvSpPr/>
+      </dsp:nvSpPr>
+      <dsp:spPr>
+        <a:xfrm>
+          <a:off x="5782893" y="984621"/>
+          <a:ext cx="718294" cy="718294"/>
         </a:xfrm>
         <a:prstGeom prst="rect">
           <a:avLst/>
@@ -7953,25 +8426,20 @@
         <a:blipFill>
           <a:blip xmlns:r="http://schemas.openxmlformats.org/officeDocument/2006/relationships" r:embed="rId5">
             <a:extLst>
+              <a:ext uri="{28A0092B-C50C-407E-A947-70E740481C1C}">
+                <a14:useLocalDpi xmlns:a14="http://schemas.microsoft.com/office/drawing/2010/main" val="0"/>
+              </a:ext>
               <a:ext uri="{96DAC541-7B7A-43D3-8B79-37D633B846F1}">
                 <asvg:svgBlip xmlns:asvg="http://schemas.microsoft.com/office/drawing/2016/SVG/main" r:embed="rId6"/>
               </a:ext>
             </a:extLst>
           </a:blip>
-          <a:srcRect/>
           <a:stretch>
             <a:fillRect/>
           </a:stretch>
         </a:blipFill>
         <a:ln w="19050" cap="flat" cmpd="sng" algn="ctr">
-          <a:solidFill>
-            <a:schemeClr val="lt1">
-              <a:hueOff val="0"/>
-              <a:satOff val="0"/>
-              <a:lumOff val="0"/>
-              <a:alphaOff val="0"/>
-            </a:schemeClr>
-          </a:solidFill>
+          <a:noFill/>
           <a:prstDash val="solid"/>
         </a:ln>
         <a:effectLst/>
@@ -7991,15 +8459,15 @@
         </a:fontRef>
       </dsp:style>
     </dsp:sp>
-    <dsp:sp modelId="{AEC65B6B-B080-4D26-94F6-178D72C52ACD}">
+    <dsp:sp modelId="{DA69A711-1D1D-47F9-A38E-7D8787C00B93}">
       <dsp:nvSpPr>
         <dsp:cNvPr id="0" name=""/>
         <dsp:cNvSpPr/>
       </dsp:nvSpPr>
       <dsp:spPr>
         <a:xfrm>
-          <a:off x="5116009" y="2266120"/>
-          <a:ext cx="2052277" cy="720000"/>
+          <a:off x="5115905" y="2359643"/>
+          <a:ext cx="2052270" cy="720000"/>
         </a:xfrm>
         <a:prstGeom prst="rect">
           <a:avLst/>
@@ -8039,28 +8507,68 @@
               <a:spcPct val="35000"/>
             </a:spcAft>
             <a:buNone/>
+            <a:defRPr cap="all"/>
           </a:pPr>
           <a:r>
-            <a:rPr lang="he-IL" sz="2300" kern="1200" dirty="0"/>
+            <a:rPr lang="he-IL" sz="2300" kern="1200"/>
             <a:t>כרטיס גרפי בסיסי</a:t>
           </a:r>
-          <a:endParaRPr lang="en-US" sz="2300" kern="1200" dirty="0"/>
+          <a:endParaRPr lang="en-US" sz="2300" kern="1200"/>
         </a:p>
       </dsp:txBody>
       <dsp:txXfrm>
-        <a:off x="5116009" y="2266120"/>
-        <a:ext cx="2052277" cy="720000"/>
+        <a:off x="5115905" y="2359643"/>
+        <a:ext cx="2052270" cy="720000"/>
       </dsp:txXfrm>
     </dsp:sp>
-    <dsp:sp modelId="{48D458C4-806B-4490-AA77-C80F90E15CF7}">
+    <dsp:sp modelId="{486C4115-610D-4FBD-B77E-95F3065ACBBB}">
       <dsp:nvSpPr>
         <dsp:cNvPr id="0" name=""/>
         <dsp:cNvSpPr/>
       </dsp:nvSpPr>
       <dsp:spPr>
         <a:xfrm>
-          <a:off x="8091811" y="1052479"/>
-          <a:ext cx="923524" cy="923524"/>
+          <a:off x="7927516" y="717826"/>
+          <a:ext cx="1251885" cy="1251885"/>
+        </a:xfrm>
+        <a:prstGeom prst="ellipse">
+          <a:avLst/>
+        </a:prstGeom>
+        <a:solidFill>
+          <a:schemeClr val="accent5">
+            <a:hueOff val="0"/>
+            <a:satOff val="0"/>
+            <a:lumOff val="0"/>
+            <a:alphaOff val="0"/>
+          </a:schemeClr>
+        </a:solidFill>
+        <a:ln>
+          <a:noFill/>
+        </a:ln>
+        <a:effectLst/>
+      </dsp:spPr>
+      <dsp:style>
+        <a:lnRef idx="0">
+          <a:scrgbClr r="0" g="0" b="0"/>
+        </a:lnRef>
+        <a:fillRef idx="1">
+          <a:scrgbClr r="0" g="0" b="0"/>
+        </a:fillRef>
+        <a:effectRef idx="0">
+          <a:scrgbClr r="0" g="0" b="0"/>
+        </a:effectRef>
+        <a:fontRef idx="minor"/>
+      </dsp:style>
+    </dsp:sp>
+    <dsp:sp modelId="{41592DDB-BBB9-4F8B-8980-498B4FDBB33E}">
+      <dsp:nvSpPr>
+        <dsp:cNvPr id="0" name=""/>
+        <dsp:cNvSpPr/>
+      </dsp:nvSpPr>
+      <dsp:spPr>
+        <a:xfrm>
+          <a:off x="8194311" y="984621"/>
+          <a:ext cx="718294" cy="718294"/>
         </a:xfrm>
         <a:prstGeom prst="rect">
           <a:avLst/>
@@ -8081,14 +8589,7 @@
           </a:stretch>
         </a:blipFill>
         <a:ln w="19050" cap="flat" cmpd="sng" algn="ctr">
-          <a:solidFill>
-            <a:schemeClr val="lt1">
-              <a:hueOff val="0"/>
-              <a:satOff val="0"/>
-              <a:lumOff val="0"/>
-              <a:alphaOff val="0"/>
-            </a:schemeClr>
-          </a:solidFill>
+          <a:noFill/>
           <a:prstDash val="solid"/>
         </a:ln>
         <a:effectLst/>
@@ -8108,15 +8609,15 @@
         </a:fontRef>
       </dsp:style>
     </dsp:sp>
-    <dsp:sp modelId="{E153E90C-30EE-4A3F-A716-0CA6A1FA0C22}">
+    <dsp:sp modelId="{986016BD-53E4-4DBE-82A2-D0E5986C9419}">
       <dsp:nvSpPr>
         <dsp:cNvPr id="0" name=""/>
         <dsp:cNvSpPr/>
       </dsp:nvSpPr>
       <dsp:spPr>
         <a:xfrm>
-          <a:off x="7527435" y="2266120"/>
-          <a:ext cx="2052277" cy="720000"/>
+          <a:off x="7527323" y="2359643"/>
+          <a:ext cx="2052270" cy="720000"/>
         </a:xfrm>
         <a:prstGeom prst="rect">
           <a:avLst/>
@@ -8145,7 +8646,7 @@
         </a:bodyPr>
         <a:lstStyle/>
         <a:p>
-          <a:pPr marL="0" lvl="0" indent="0" algn="ctr" defTabSz="1022350" rtl="1">
+          <a:pPr marL="0" lvl="0" indent="0" algn="ctr" defTabSz="1022350">
             <a:lnSpc>
               <a:spcPct val="100000"/>
             </a:lnSpc>
@@ -8156,25 +8657,21 @@
               <a:spcPct val="35000"/>
             </a:spcAft>
             <a:buNone/>
+            <a:defRPr cap="all"/>
           </a:pPr>
           <a:r>
             <a:rPr lang="he-IL" sz="2300" kern="1200" dirty="0"/>
-            <a:t>בינה מלאכותית (</a:t>
+            <a:t>בינה מלאכותית </a:t>
           </a:r>
           <a:r>
             <a:rPr lang="en-US" sz="2300" kern="1200" dirty="0"/>
-            <a:t>AI</a:t>
+            <a:t>(AI)</a:t>
           </a:r>
-          <a:r>
-            <a:rPr lang="he-IL" sz="2300" kern="1200" dirty="0"/>
-            <a:t>)</a:t>
-          </a:r>
-          <a:endParaRPr lang="en-US" sz="2300" kern="1200" dirty="0"/>
         </a:p>
       </dsp:txBody>
       <dsp:txXfrm>
-        <a:off x="7527435" y="2266120"/>
-        <a:ext cx="2052277" cy="720000"/>
+        <a:off x="7527323" y="2359643"/>
+        <a:ext cx="2052270" cy="720000"/>
       </dsp:txXfrm>
     </dsp:sp>
   </dsp:spTree>
@@ -8189,21 +8686,69 @@
       <dsp:cNvGrpSpPr/>
     </dsp:nvGrpSpPr>
     <dsp:grpSpPr/>
-    <dsp:sp modelId="{DF8CA42B-3072-454A-BE94-8234E839C873}">
+    <dsp:sp modelId="{239AF6F7-89B8-401C-8F41-DA73F99A5F3F}">
       <dsp:nvSpPr>
         <dsp:cNvPr id="0" name=""/>
         <dsp:cNvSpPr/>
       </dsp:nvSpPr>
       <dsp:spPr>
         <a:xfrm>
-          <a:off x="0" y="178979"/>
-          <a:ext cx="9872871" cy="842400"/>
+          <a:off x="0" y="360274"/>
+          <a:ext cx="9872663" cy="529200"/>
+        </a:xfrm>
+        <a:prstGeom prst="rect">
+          <a:avLst/>
+        </a:prstGeom>
+        <a:solidFill>
+          <a:schemeClr val="lt1">
+            <a:alpha val="90000"/>
+            <a:hueOff val="0"/>
+            <a:satOff val="0"/>
+            <a:lumOff val="0"/>
+            <a:alphaOff val="0"/>
+          </a:schemeClr>
+        </a:solidFill>
+        <a:ln w="19050" cap="flat" cmpd="sng" algn="ctr">
+          <a:solidFill>
+            <a:schemeClr val="accent2">
+              <a:hueOff val="0"/>
+              <a:satOff val="0"/>
+              <a:lumOff val="0"/>
+              <a:alphaOff val="0"/>
+            </a:schemeClr>
+          </a:solidFill>
+          <a:prstDash val="solid"/>
+        </a:ln>
+        <a:effectLst/>
+      </dsp:spPr>
+      <dsp:style>
+        <a:lnRef idx="2">
+          <a:scrgbClr r="0" g="0" b="0"/>
+        </a:lnRef>
+        <a:fillRef idx="1">
+          <a:scrgbClr r="0" g="0" b="0"/>
+        </a:fillRef>
+        <a:effectRef idx="0">
+          <a:scrgbClr r="0" g="0" b="0"/>
+        </a:effectRef>
+        <a:fontRef idx="minor"/>
+      </dsp:style>
+    </dsp:sp>
+    <dsp:sp modelId="{925B2074-04D4-4FB2-9B35-820742BA5A47}">
+      <dsp:nvSpPr>
+        <dsp:cNvPr id="0" name=""/>
+        <dsp:cNvSpPr/>
+      </dsp:nvSpPr>
+      <dsp:spPr>
+        <a:xfrm>
+          <a:off x="493633" y="50314"/>
+          <a:ext cx="6910864" cy="619920"/>
         </a:xfrm>
         <a:prstGeom prst="roundRect">
           <a:avLst/>
         </a:prstGeom>
         <a:solidFill>
-          <a:schemeClr val="accent1">
+          <a:schemeClr val="accent2">
             <a:hueOff val="0"/>
             <a:satOff val="0"/>
             <a:lumOff val="0"/>
@@ -8238,12 +8783,12 @@
         </a:fontRef>
       </dsp:style>
       <dsp:txBody>
-        <a:bodyPr spcFirstLastPara="0" vert="horz" wrap="square" lIns="137160" tIns="137160" rIns="137160" bIns="137160" numCol="1" spcCol="1270" anchor="ctr" anchorCtr="0">
+        <a:bodyPr spcFirstLastPara="0" vert="horz" wrap="square" lIns="261214" tIns="0" rIns="261214" bIns="0" numCol="1" spcCol="1270" anchor="ctr" anchorCtr="0">
           <a:noAutofit/>
         </a:bodyPr>
         <a:lstStyle/>
         <a:p>
-          <a:pPr marL="0" lvl="0" indent="0" algn="r" defTabSz="1600200" rtl="1">
+          <a:pPr marL="0" lvl="0" indent="0" algn="l" defTabSz="933450" rtl="1">
             <a:lnSpc>
               <a:spcPct val="90000"/>
             </a:lnSpc>
@@ -8256,55 +8801,103 @@
             <a:buNone/>
           </a:pPr>
           <a:r>
-            <a:rPr lang="he-IL" sz="3600" kern="1200" dirty="0">
+            <a:rPr lang="he-IL" sz="2100" kern="1200">
               <a:latin typeface="Arial" panose="020B0604020202020204" pitchFamily="34" charset="0"/>
               <a:cs typeface="Arial" panose="020B0604020202020204" pitchFamily="34" charset="0"/>
             </a:rPr>
             <a:t>שימוש במנוע גרפי </a:t>
           </a:r>
           <a:r>
-            <a:rPr lang="en-US" sz="3600" kern="1200" dirty="0">
+            <a:rPr lang="en-US" sz="2100" kern="1200">
               <a:latin typeface="Arial" panose="020B0604020202020204" pitchFamily="34" charset="0"/>
               <a:cs typeface="Arial" panose="020B0604020202020204" pitchFamily="34" charset="0"/>
             </a:rPr>
             <a:t>Unity</a:t>
           </a:r>
           <a:r>
-            <a:rPr lang="he-IL" sz="3600" kern="1200" dirty="0">
+            <a:rPr lang="he-IL" sz="2100" kern="1200">
               <a:latin typeface="Arial" panose="020B0604020202020204" pitchFamily="34" charset="0"/>
               <a:cs typeface="Arial" panose="020B0604020202020204" pitchFamily="34" charset="0"/>
             </a:rPr>
             <a:t> לבניית המשחק</a:t>
           </a:r>
-          <a:endParaRPr lang="en-US" sz="3600" kern="1200" dirty="0">
+          <a:endParaRPr lang="en-US" sz="2100" kern="1200">
             <a:latin typeface="Arial" panose="020B0604020202020204" pitchFamily="34" charset="0"/>
             <a:cs typeface="Arial" panose="020B0604020202020204" pitchFamily="34" charset="0"/>
           </a:endParaRPr>
         </a:p>
       </dsp:txBody>
       <dsp:txXfrm>
-        <a:off x="41123" y="220102"/>
-        <a:ext cx="9790625" cy="760154"/>
+        <a:off x="523895" y="80576"/>
+        <a:ext cx="6850340" cy="559396"/>
       </dsp:txXfrm>
     </dsp:sp>
-    <dsp:sp modelId="{9B72131E-8880-49C3-B7E2-D17B505E1E28}">
+    <dsp:sp modelId="{8E02D7EB-A35F-4C3A-99AE-647429153389}">
       <dsp:nvSpPr>
         <dsp:cNvPr id="0" name=""/>
         <dsp:cNvSpPr/>
       </dsp:nvSpPr>
       <dsp:spPr>
         <a:xfrm>
-          <a:off x="0" y="1125060"/>
-          <a:ext cx="9872871" cy="842400"/>
+          <a:off x="0" y="1312834"/>
+          <a:ext cx="9872663" cy="529200"/>
+        </a:xfrm>
+        <a:prstGeom prst="rect">
+          <a:avLst/>
+        </a:prstGeom>
+        <a:solidFill>
+          <a:schemeClr val="lt1">
+            <a:alpha val="90000"/>
+            <a:hueOff val="0"/>
+            <a:satOff val="0"/>
+            <a:lumOff val="0"/>
+            <a:alphaOff val="0"/>
+          </a:schemeClr>
+        </a:solidFill>
+        <a:ln w="19050" cap="flat" cmpd="sng" algn="ctr">
+          <a:solidFill>
+            <a:schemeClr val="accent2">
+              <a:hueOff val="-441124"/>
+              <a:satOff val="497"/>
+              <a:lumOff val="1177"/>
+              <a:alphaOff val="0"/>
+            </a:schemeClr>
+          </a:solidFill>
+          <a:prstDash val="solid"/>
+        </a:ln>
+        <a:effectLst/>
+      </dsp:spPr>
+      <dsp:style>
+        <a:lnRef idx="2">
+          <a:scrgbClr r="0" g="0" b="0"/>
+        </a:lnRef>
+        <a:fillRef idx="1">
+          <a:scrgbClr r="0" g="0" b="0"/>
+        </a:fillRef>
+        <a:effectRef idx="0">
+          <a:scrgbClr r="0" g="0" b="0"/>
+        </a:effectRef>
+        <a:fontRef idx="minor"/>
+      </dsp:style>
+    </dsp:sp>
+    <dsp:sp modelId="{22CC3E1C-2440-44AD-BA7E-52AFE579A082}">
+      <dsp:nvSpPr>
+        <dsp:cNvPr id="0" name=""/>
+        <dsp:cNvSpPr/>
+      </dsp:nvSpPr>
+      <dsp:spPr>
+        <a:xfrm>
+          <a:off x="493633" y="1002874"/>
+          <a:ext cx="6910864" cy="619920"/>
         </a:xfrm>
         <a:prstGeom prst="roundRect">
           <a:avLst/>
         </a:prstGeom>
         <a:solidFill>
-          <a:schemeClr val="accent1">
-            <a:hueOff val="0"/>
-            <a:satOff val="0"/>
-            <a:lumOff val="0"/>
+          <a:schemeClr val="accent2">
+            <a:hueOff val="-441124"/>
+            <a:satOff val="497"/>
+            <a:lumOff val="1177"/>
             <a:alphaOff val="0"/>
           </a:schemeClr>
         </a:solidFill>
@@ -8336,12 +8929,12 @@
         </a:fontRef>
       </dsp:style>
       <dsp:txBody>
-        <a:bodyPr spcFirstLastPara="0" vert="horz" wrap="square" lIns="137160" tIns="137160" rIns="137160" bIns="137160" numCol="1" spcCol="1270" anchor="ctr" anchorCtr="0">
+        <a:bodyPr spcFirstLastPara="0" vert="horz" wrap="square" lIns="261214" tIns="0" rIns="261214" bIns="0" numCol="1" spcCol="1270" anchor="ctr" anchorCtr="0">
           <a:noAutofit/>
         </a:bodyPr>
         <a:lstStyle/>
         <a:p>
-          <a:pPr marL="0" lvl="0" indent="0" algn="r" defTabSz="1600200" rtl="1">
+          <a:pPr marL="0" lvl="0" indent="0" algn="l" defTabSz="933450" rtl="1">
             <a:lnSpc>
               <a:spcPct val="90000"/>
             </a:lnSpc>
@@ -8354,55 +8947,103 @@
             <a:buNone/>
           </a:pPr>
           <a:r>
-            <a:rPr lang="he-IL" sz="3600" kern="1200">
+            <a:rPr lang="he-IL" sz="2100" kern="1200">
               <a:latin typeface="Arial" panose="020B0604020202020204" pitchFamily="34" charset="0"/>
               <a:cs typeface="Arial" panose="020B0604020202020204" pitchFamily="34" charset="0"/>
             </a:rPr>
             <a:t>כתיבת קוד בשפת </a:t>
           </a:r>
           <a:r>
-            <a:rPr lang="en-US" sz="3600" kern="1200">
+            <a:rPr lang="en-US" sz="2100" kern="1200">
               <a:latin typeface="Arial" panose="020B0604020202020204" pitchFamily="34" charset="0"/>
               <a:cs typeface="Arial" panose="020B0604020202020204" pitchFamily="34" charset="0"/>
             </a:rPr>
             <a:t>C</a:t>
           </a:r>
           <a:r>
-            <a:rPr lang="he-IL" sz="3600" kern="1200">
+            <a:rPr lang="he-IL" sz="2100" kern="1200">
               <a:latin typeface="Arial" panose="020B0604020202020204" pitchFamily="34" charset="0"/>
               <a:cs typeface="Arial" panose="020B0604020202020204" pitchFamily="34" charset="0"/>
             </a:rPr>
             <a:t># למימוש מכניקת המשחק</a:t>
           </a:r>
-          <a:endParaRPr lang="en-US" sz="3600" kern="1200">
+          <a:endParaRPr lang="en-US" sz="2100" kern="1200">
             <a:latin typeface="Arial" panose="020B0604020202020204" pitchFamily="34" charset="0"/>
             <a:cs typeface="Arial" panose="020B0604020202020204" pitchFamily="34" charset="0"/>
           </a:endParaRPr>
         </a:p>
       </dsp:txBody>
       <dsp:txXfrm>
-        <a:off x="41123" y="1166183"/>
-        <a:ext cx="9790625" cy="760154"/>
+        <a:off x="523895" y="1033136"/>
+        <a:ext cx="6850340" cy="559396"/>
       </dsp:txXfrm>
     </dsp:sp>
-    <dsp:sp modelId="{71B04CD1-6B81-4365-BF3D-758C52E4F814}">
+    <dsp:sp modelId="{45AD8A02-D530-4F08-B055-BABEEDCA5712}">
       <dsp:nvSpPr>
         <dsp:cNvPr id="0" name=""/>
         <dsp:cNvSpPr/>
       </dsp:nvSpPr>
       <dsp:spPr>
         <a:xfrm>
-          <a:off x="0" y="2071140"/>
-          <a:ext cx="9872871" cy="842400"/>
+          <a:off x="0" y="2265395"/>
+          <a:ext cx="9872663" cy="529200"/>
+        </a:xfrm>
+        <a:prstGeom prst="rect">
+          <a:avLst/>
+        </a:prstGeom>
+        <a:solidFill>
+          <a:schemeClr val="lt1">
+            <a:alpha val="90000"/>
+            <a:hueOff val="0"/>
+            <a:satOff val="0"/>
+            <a:lumOff val="0"/>
+            <a:alphaOff val="0"/>
+          </a:schemeClr>
+        </a:solidFill>
+        <a:ln w="19050" cap="flat" cmpd="sng" algn="ctr">
+          <a:solidFill>
+            <a:schemeClr val="accent2">
+              <a:hueOff val="-882249"/>
+              <a:satOff val="995"/>
+              <a:lumOff val="2353"/>
+              <a:alphaOff val="0"/>
+            </a:schemeClr>
+          </a:solidFill>
+          <a:prstDash val="solid"/>
+        </a:ln>
+        <a:effectLst/>
+      </dsp:spPr>
+      <dsp:style>
+        <a:lnRef idx="2">
+          <a:scrgbClr r="0" g="0" b="0"/>
+        </a:lnRef>
+        <a:fillRef idx="1">
+          <a:scrgbClr r="0" g="0" b="0"/>
+        </a:fillRef>
+        <a:effectRef idx="0">
+          <a:scrgbClr r="0" g="0" b="0"/>
+        </a:effectRef>
+        <a:fontRef idx="minor"/>
+      </dsp:style>
+    </dsp:sp>
+    <dsp:sp modelId="{6208AF7A-14AE-4001-A007-96AB3A44270E}">
+      <dsp:nvSpPr>
+        <dsp:cNvPr id="0" name=""/>
+        <dsp:cNvSpPr/>
+      </dsp:nvSpPr>
+      <dsp:spPr>
+        <a:xfrm>
+          <a:off x="493633" y="1955435"/>
+          <a:ext cx="6910864" cy="619920"/>
         </a:xfrm>
         <a:prstGeom prst="roundRect">
           <a:avLst/>
         </a:prstGeom>
         <a:solidFill>
-          <a:schemeClr val="accent1">
-            <a:hueOff val="0"/>
-            <a:satOff val="0"/>
-            <a:lumOff val="0"/>
+          <a:schemeClr val="accent2">
+            <a:hueOff val="-882249"/>
+            <a:satOff val="995"/>
+            <a:lumOff val="2353"/>
             <a:alphaOff val="0"/>
           </a:schemeClr>
         </a:solidFill>
@@ -8434,12 +9075,12 @@
         </a:fontRef>
       </dsp:style>
       <dsp:txBody>
-        <a:bodyPr spcFirstLastPara="0" vert="horz" wrap="square" lIns="137160" tIns="137160" rIns="137160" bIns="137160" numCol="1" spcCol="1270" anchor="ctr" anchorCtr="0">
+        <a:bodyPr spcFirstLastPara="0" vert="horz" wrap="square" lIns="261214" tIns="0" rIns="261214" bIns="0" numCol="1" spcCol="1270" anchor="ctr" anchorCtr="0">
           <a:noAutofit/>
         </a:bodyPr>
         <a:lstStyle/>
         <a:p>
-          <a:pPr marL="0" lvl="0" indent="0" algn="r" defTabSz="1600200" rtl="1">
+          <a:pPr marL="0" lvl="0" indent="0" algn="l" defTabSz="933450" rtl="1">
             <a:lnSpc>
               <a:spcPct val="90000"/>
             </a:lnSpc>
@@ -8452,55 +9093,103 @@
             <a:buNone/>
           </a:pPr>
           <a:r>
-            <a:rPr lang="he-IL" sz="3600" kern="1200" dirty="0">
+            <a:rPr lang="he-IL" sz="2100" kern="1200" dirty="0">
               <a:latin typeface="Arial" panose="020B0604020202020204" pitchFamily="34" charset="0"/>
               <a:cs typeface="Arial" panose="020B0604020202020204" pitchFamily="34" charset="0"/>
             </a:rPr>
             <a:t>תקשורת בין שחקנים ברשת</a:t>
           </a:r>
           <a:r>
-            <a:rPr lang="en-US" sz="3600" kern="1200" dirty="0">
+            <a:rPr lang="en-US" sz="2100" kern="1200" dirty="0">
               <a:latin typeface="Arial" panose="020B0604020202020204" pitchFamily="34" charset="0"/>
               <a:cs typeface="Arial" panose="020B0604020202020204" pitchFamily="34" charset="0"/>
             </a:rPr>
             <a:t>,</a:t>
           </a:r>
           <a:r>
-            <a:rPr lang="he-IL" sz="3600" kern="1200" dirty="0">
+            <a:rPr lang="he-IL" sz="2100" kern="1200" dirty="0">
               <a:latin typeface="Arial" panose="020B0604020202020204" pitchFamily="34" charset="0"/>
               <a:cs typeface="Arial" panose="020B0604020202020204" pitchFamily="34" charset="0"/>
             </a:rPr>
             <a:t>באמצעות ספרייה חיצונית</a:t>
           </a:r>
-          <a:endParaRPr lang="en-US" sz="3600" kern="1200" dirty="0">
+          <a:endParaRPr lang="en-US" sz="2100" kern="1200" dirty="0">
             <a:latin typeface="Arial" panose="020B0604020202020204" pitchFamily="34" charset="0"/>
             <a:cs typeface="Arial" panose="020B0604020202020204" pitchFamily="34" charset="0"/>
           </a:endParaRPr>
         </a:p>
       </dsp:txBody>
       <dsp:txXfrm>
-        <a:off x="41123" y="2112263"/>
-        <a:ext cx="9790625" cy="760154"/>
+        <a:off x="523895" y="1985697"/>
+        <a:ext cx="6850340" cy="559396"/>
       </dsp:txXfrm>
     </dsp:sp>
-    <dsp:sp modelId="{EA00A51B-8D21-4E06-A412-6CC71755A379}">
+    <dsp:sp modelId="{1CA029F7-6838-439D-8BB1-F6F16D0BDA5A}">
       <dsp:nvSpPr>
         <dsp:cNvPr id="0" name=""/>
         <dsp:cNvSpPr/>
       </dsp:nvSpPr>
       <dsp:spPr>
         <a:xfrm>
-          <a:off x="0" y="3017220"/>
-          <a:ext cx="9872871" cy="842400"/>
+          <a:off x="0" y="3217955"/>
+          <a:ext cx="9872663" cy="529200"/>
+        </a:xfrm>
+        <a:prstGeom prst="rect">
+          <a:avLst/>
+        </a:prstGeom>
+        <a:solidFill>
+          <a:schemeClr val="lt1">
+            <a:alpha val="90000"/>
+            <a:hueOff val="0"/>
+            <a:satOff val="0"/>
+            <a:lumOff val="0"/>
+            <a:alphaOff val="0"/>
+          </a:schemeClr>
+        </a:solidFill>
+        <a:ln w="19050" cap="flat" cmpd="sng" algn="ctr">
+          <a:solidFill>
+            <a:schemeClr val="accent2">
+              <a:hueOff val="-1323373"/>
+              <a:satOff val="1492"/>
+              <a:lumOff val="3530"/>
+              <a:alphaOff val="0"/>
+            </a:schemeClr>
+          </a:solidFill>
+          <a:prstDash val="solid"/>
+        </a:ln>
+        <a:effectLst/>
+      </dsp:spPr>
+      <dsp:style>
+        <a:lnRef idx="2">
+          <a:scrgbClr r="0" g="0" b="0"/>
+        </a:lnRef>
+        <a:fillRef idx="1">
+          <a:scrgbClr r="0" g="0" b="0"/>
+        </a:fillRef>
+        <a:effectRef idx="0">
+          <a:scrgbClr r="0" g="0" b="0"/>
+        </a:effectRef>
+        <a:fontRef idx="minor"/>
+      </dsp:style>
+    </dsp:sp>
+    <dsp:sp modelId="{77387B48-B03C-4EB5-8E2B-AD5F104393F7}">
+      <dsp:nvSpPr>
+        <dsp:cNvPr id="0" name=""/>
+        <dsp:cNvSpPr/>
+      </dsp:nvSpPr>
+      <dsp:spPr>
+        <a:xfrm>
+          <a:off x="493633" y="2907995"/>
+          <a:ext cx="6910864" cy="619920"/>
         </a:xfrm>
         <a:prstGeom prst="roundRect">
           <a:avLst/>
         </a:prstGeom>
         <a:solidFill>
-          <a:schemeClr val="accent1">
-            <a:hueOff val="0"/>
-            <a:satOff val="0"/>
-            <a:lumOff val="0"/>
+          <a:schemeClr val="accent2">
+            <a:hueOff val="-1323373"/>
+            <a:satOff val="1492"/>
+            <a:lumOff val="3530"/>
             <a:alphaOff val="0"/>
           </a:schemeClr>
         </a:solidFill>
@@ -8532,12 +9221,12 @@
         </a:fontRef>
       </dsp:style>
       <dsp:txBody>
-        <a:bodyPr spcFirstLastPara="0" vert="horz" wrap="square" lIns="137160" tIns="137160" rIns="137160" bIns="137160" numCol="1" spcCol="1270" anchor="ctr" anchorCtr="0">
+        <a:bodyPr spcFirstLastPara="0" vert="horz" wrap="square" lIns="261214" tIns="0" rIns="261214" bIns="0" numCol="1" spcCol="1270" anchor="ctr" anchorCtr="0">
           <a:noAutofit/>
         </a:bodyPr>
         <a:lstStyle/>
         <a:p>
-          <a:pPr marL="0" lvl="0" indent="0" algn="r" defTabSz="1600200" rtl="1">
+          <a:pPr marL="0" lvl="0" indent="0" algn="l" defTabSz="933450" rtl="1">
             <a:lnSpc>
               <a:spcPct val="90000"/>
             </a:lnSpc>
@@ -8550,21 +9239,21 @@
             <a:buNone/>
           </a:pPr>
           <a:r>
-            <a:rPr lang="he-IL" sz="3600" kern="1200">
+            <a:rPr lang="he-IL" sz="2100" kern="1200">
               <a:latin typeface="Arial" panose="020B0604020202020204" pitchFamily="34" charset="0"/>
               <a:cs typeface="Arial" panose="020B0604020202020204" pitchFamily="34" charset="0"/>
             </a:rPr>
             <a:t>עיצוב פשוט ומותאם לכלל השחקנים</a:t>
           </a:r>
-          <a:endParaRPr lang="en-US" sz="3600" kern="1200">
+          <a:endParaRPr lang="en-US" sz="2100" kern="1200">
             <a:latin typeface="Arial" panose="020B0604020202020204" pitchFamily="34" charset="0"/>
             <a:cs typeface="Arial" panose="020B0604020202020204" pitchFamily="34" charset="0"/>
           </a:endParaRPr>
         </a:p>
       </dsp:txBody>
       <dsp:txXfrm>
-        <a:off x="41123" y="3058343"/>
-        <a:ext cx="9790625" cy="760154"/>
+        <a:off x="523895" y="2938257"/>
+        <a:ext cx="6850340" cy="559396"/>
       </dsp:txXfrm>
     </dsp:sp>
   </dsp:spTree>
@@ -8707,9 +9396,9 @@
         </a:bodyPr>
         <a:lstStyle/>
         <a:p>
-          <a:pPr marL="0" lvl="0" indent="0" algn="ctr" defTabSz="844550">
+          <a:pPr marL="0" lvl="0" indent="0" algn="l" defTabSz="844550">
             <a:lnSpc>
-              <a:spcPct val="90000"/>
+              <a:spcPct val="100000"/>
             </a:lnSpc>
             <a:spcBef>
               <a:spcPct val="0"/>
@@ -8720,7 +9409,7 @@
             <a:buNone/>
           </a:pPr>
           <a:r>
-            <a:rPr lang="he-IL" sz="1900" kern="1200" dirty="0"/>
+            <a:rPr lang="he-IL" sz="1900" kern="1200"/>
             <a:t>פיתוח משחקים</a:t>
           </a:r>
           <a:endParaRPr lang="en-US" sz="1900" kern="1200" dirty="0"/>
@@ -8859,9 +9548,9 @@
         </a:bodyPr>
         <a:lstStyle/>
         <a:p>
-          <a:pPr marL="0" lvl="0" indent="0" algn="ctr" defTabSz="844550">
+          <a:pPr marL="0" lvl="0" indent="0" algn="l" defTabSz="844550">
             <a:lnSpc>
-              <a:spcPct val="90000"/>
+              <a:spcPct val="100000"/>
             </a:lnSpc>
             <a:spcBef>
               <a:spcPct val="0"/>
@@ -8872,8 +9561,8 @@
             <a:buNone/>
           </a:pPr>
           <a:r>
-            <a:rPr lang="he-IL" sz="1900" kern="1200" dirty="0"/>
-            <a:t>גיאומטריה חישובית.</a:t>
+            <a:rPr lang="he-IL" sz="1900" kern="1200"/>
+            <a:t>גיאומטריה חישובית</a:t>
           </a:r>
           <a:endParaRPr lang="en-US" sz="1900" kern="1200" dirty="0"/>
         </a:p>
@@ -9011,9 +9700,9 @@
         </a:bodyPr>
         <a:lstStyle/>
         <a:p>
-          <a:pPr marL="0" lvl="0" indent="0" algn="ctr" defTabSz="844550">
+          <a:pPr marL="0" lvl="0" indent="0" algn="l" defTabSz="844550">
             <a:lnSpc>
-              <a:spcPct val="90000"/>
+              <a:spcPct val="100000"/>
             </a:lnSpc>
             <a:spcBef>
               <a:spcPct val="0"/>
@@ -9024,8 +9713,8 @@
             <a:buNone/>
           </a:pPr>
           <a:r>
-            <a:rPr lang="he-IL" sz="1900" kern="1200" dirty="0"/>
-            <a:t>תקשורת מחשבים.</a:t>
+            <a:rPr lang="he-IL" sz="1900" kern="1200"/>
+            <a:t>תקשורת מחשבים</a:t>
           </a:r>
           <a:endParaRPr lang="en-US" sz="1900" kern="1200" dirty="0"/>
         </a:p>
@@ -9163,9 +9852,9 @@
         </a:bodyPr>
         <a:lstStyle/>
         <a:p>
-          <a:pPr marL="0" lvl="0" indent="0" algn="ctr" defTabSz="844550">
+          <a:pPr marL="0" lvl="0" indent="0" algn="l" defTabSz="844550">
             <a:lnSpc>
-              <a:spcPct val="90000"/>
+              <a:spcPct val="100000"/>
             </a:lnSpc>
             <a:spcBef>
               <a:spcPct val="0"/>
@@ -9176,7 +9865,7 @@
             <a:buNone/>
           </a:pPr>
           <a:r>
-            <a:rPr lang="he-IL" sz="1900" kern="1200" dirty="0"/>
+            <a:rPr lang="he-IL" sz="1900" kern="1200"/>
             <a:t>עיצוב</a:t>
           </a:r>
           <a:endParaRPr lang="en-US" sz="1900" kern="1200" dirty="0"/>
@@ -9315,9 +10004,9 @@
         </a:bodyPr>
         <a:lstStyle/>
         <a:p>
-          <a:pPr marL="0" lvl="0" indent="0" algn="ctr" defTabSz="844550">
+          <a:pPr marL="0" lvl="0" indent="0" algn="l" defTabSz="844550">
             <a:lnSpc>
-              <a:spcPct val="90000"/>
+              <a:spcPct val="100000"/>
             </a:lnSpc>
             <a:spcBef>
               <a:spcPct val="0"/>
@@ -9328,8 +10017,8 @@
             <a:buNone/>
           </a:pPr>
           <a:r>
-            <a:rPr lang="he-IL" sz="1900" kern="1200" dirty="0"/>
-            <a:t>סאונד ומוזיקה.</a:t>
+            <a:rPr lang="he-IL" sz="1900" kern="1200"/>
+            <a:t>סאונד ומוזיקה</a:t>
           </a:r>
           <a:endParaRPr lang="en-US" sz="1900" kern="1200" dirty="0"/>
         </a:p>
@@ -10438,8 +11127,8 @@
 </file>
 
 <file path=ppt/diagrams/layout4.xml><?xml version="1.0" encoding="utf-8"?>
-<dgm:layoutDef xmlns:dgm="http://schemas.openxmlformats.org/drawingml/2006/diagram" xmlns:a="http://schemas.openxmlformats.org/drawingml/2006/main" uniqueId="urn:microsoft.com/office/officeart/2018/2/layout/IconLabelList">
-  <dgm:title val="Icon Label List"/>
+<dgm:layoutDef xmlns:dgm="http://schemas.openxmlformats.org/drawingml/2006/diagram" xmlns:a="http://schemas.openxmlformats.org/drawingml/2006/main" uniqueId="urn:microsoft.com/office/officeart/2018/5/layout/IconCircleLabelList">
+  <dgm:title val="Icon Circle Label List"/>
   <dgm:desc val="Use to show non-sequential or grouped chunks of information accompanied by a related visuals. Works best with icons or small pictures with short text captions."/>
   <dgm:catLst>
     <dgm:cat type="icon" pri="500"/>
@@ -10500,26 +11189,37 @@
       <dgm:if name="Name4" axis="ch" ptType="node" func="cnt" op="lte" val="2">
         <dgm:constrLst>
           <dgm:constr type="h" for="ch" forName="compNode" refType="h" fact="0.4"/>
-          <dgm:constr type="w" for="ch" forName="compNode" val="120"/>
+          <dgm:constr type="w" for="ch" forName="compNode" val="100"/>
           <dgm:constr type="w" for="ch" forName="sibTrans" refType="w" refFor="ch" refForName="compNode" fact="0.175"/>
           <dgm:constr type="sp" refType="w" refFor="ch" refForName="compNode" op="equ" fact="0.25"/>
-          <dgm:constr type="primFontSz" for="des" ptType="node" op="equ" val="50"/>
+          <dgm:constr type="primFontSz" for="des" ptType="node" op="equ" val="44"/>
           <dgm:constr type="h" for="des" forName="compNode" op="equ"/>
           <dgm:constr type="h" for="des" forName="textRect" op="equ"/>
         </dgm:constrLst>
       </dgm:if>
-      <dgm:if name="Name5" axis="ch" ptType="node" func="cnt" op="lte" val="4">
+      <dgm:if name="Name5" axis="ch" ptType="node" func="cnt" op="lte" val="3">
+        <dgm:constrLst>
+          <dgm:constr type="h" for="ch" forName="compNode" refType="h" fact="0.4"/>
+          <dgm:constr type="w" for="ch" forName="compNode" val="100"/>
+          <dgm:constr type="w" for="ch" forName="sibTrans" refType="w" refFor="ch" refForName="compNode" fact="0.175"/>
+          <dgm:constr type="sp" refType="w" refFor="ch" refForName="compNode" op="equ" fact="0.25"/>
+          <dgm:constr type="primFontSz" for="des" ptType="node" op="equ" val="40"/>
+          <dgm:constr type="h" for="des" forName="compNode" op="equ"/>
+          <dgm:constr type="h" for="des" forName="textRect" op="equ"/>
+        </dgm:constrLst>
+      </dgm:if>
+      <dgm:if name="Name6" axis="ch" ptType="node" func="cnt" op="lte" val="4">
         <dgm:constrLst>
           <dgm:constr type="h" for="ch" forName="compNode" refType="h" fact="0.4"/>
           <dgm:constr type="w" for="ch" forName="compNode" refType="w"/>
           <dgm:constr type="w" for="ch" forName="sibTrans" refType="w" refFor="ch" refForName="compNode" fact="0.175"/>
           <dgm:constr type="sp" refType="w" refFor="ch" refForName="compNode" op="equ" fact="0.25"/>
-          <dgm:constr type="primFontSz" for="des" ptType="node" op="equ" val="36"/>
+          <dgm:constr type="primFontSz" for="des" ptType="node" op="equ" val="32"/>
           <dgm:constr type="h" for="des" forName="compNode" op="equ"/>
           <dgm:constr type="h" for="des" forName="textRect" op="equ"/>
         </dgm:constrLst>
       </dgm:if>
-      <dgm:else name="Name6">
+      <dgm:else name="Name7">
         <dgm:constrLst>
           <dgm:constr type="h" for="ch" forName="compNode" refType="h" fact="0.4"/>
           <dgm:constr type="w" for="ch" forName="compNode" refType="w"/>
@@ -10534,7 +11234,7 @@
     <dgm:ruleLst>
       <dgm:rule type="w" for="ch" forName="compNode" val="50" fact="NaN" max="NaN"/>
     </dgm:ruleLst>
-    <dgm:forEach name="Name7" axis="ch" ptType="node">
+    <dgm:forEach name="Name8" axis="ch" ptType="node">
       <dgm:layoutNode name="compNode">
         <dgm:alg type="composite"/>
         <dgm:shape xmlns:r="http://schemas.openxmlformats.org/officeDocument/2006/relationships" r:blip="">
@@ -10542,14 +11242,18 @@
         </dgm:shape>
         <dgm:presOf axis="self"/>
         <dgm:constrLst>
-          <dgm:constr type="w" for="ch" forName="iconRect" refType="w" fact="0.45"/>
+          <dgm:constr type="w" for="ch" forName="iconBgRect" refType="w" fact="0.61"/>
+          <dgm:constr type="h" for="ch" forName="iconBgRect" refType="w" refFor="ch" refForName="iconBgRect"/>
+          <dgm:constr type="t" for="ch" forName="iconBgRect"/>
+          <dgm:constr type="ctrX" for="ch" forName="iconBgRect" refType="w" fact="0.5"/>
+          <dgm:constr type="w" for="ch" forName="iconRect" refType="w" fact="0.35"/>
           <dgm:constr type="h" for="ch" forName="iconRect" refType="w" refFor="ch" refForName="iconRect"/>
-          <dgm:constr type="ctrX" for="ch" forName="iconRect" refType="w" fact="0.5"/>
-          <dgm:constr type="t" for="ch" forName="iconRect"/>
-          <dgm:constr type="h" for="ch" forName="spaceRect" refType="h" fact="0.15"/>
+          <dgm:constr type="ctrX" for="ch" forName="iconRect" refType="ctrX" refFor="ch" refForName="iconBgRect"/>
+          <dgm:constr type="ctrY" for="ch" forName="iconRect" refType="ctrY" refFor="ch" refForName="iconBgRect"/>
+          <dgm:constr type="h" for="ch" forName="spaceRect" refType="w" fact="0.19"/>
           <dgm:constr type="w" for="ch" forName="spaceRect" refType="w"/>
           <dgm:constr type="l" for="ch" forName="spaceRect"/>
-          <dgm:constr type="t" for="ch" forName="spaceRect" refType="b" refFor="ch" refForName="iconRect"/>
+          <dgm:constr type="t" for="ch" forName="spaceRect" refType="b" refFor="ch" refForName="iconBgRect"/>
           <dgm:constr type="h" for="ch" forName="textRect" val="20"/>
           <dgm:constr type="w" for="ch" forName="textRect" refType="w"/>
           <dgm:constr type="l" for="ch" forName="textRect"/>
@@ -10558,6 +11262,15 @@
         <dgm:ruleLst>
           <dgm:rule type="h" val="INF" fact="NaN" max="NaN"/>
         </dgm:ruleLst>
+        <dgm:layoutNode name="iconBgRect" styleLbl="bgShp">
+          <dgm:alg type="sp"/>
+          <dgm:shape xmlns:r="http://schemas.openxmlformats.org/officeDocument/2006/relationships" type="ellipse" r:blip="">
+            <dgm:adjLst/>
+          </dgm:shape>
+          <dgm:presOf/>
+          <dgm:constrLst/>
+          <dgm:ruleLst/>
+        </dgm:layoutNode>
         <dgm:layoutNode name="iconRect" styleLbl="node1">
           <dgm:alg type="sp"/>
           <dgm:shape xmlns:r="http://schemas.openxmlformats.org/officeDocument/2006/relationships" type="rect" r:blip="" blipPhldr="1">
@@ -10600,7 +11313,7 @@
           </dgm:ruleLst>
         </dgm:layoutNode>
       </dgm:layoutNode>
-      <dgm:forEach name="Name8" axis="followSib" ptType="sibTrans" cnt="1">
+      <dgm:forEach name="Name9" axis="followSib" ptType="sibTrans" cnt="1">
         <dgm:layoutNode name="sibTrans">
           <dgm:alg type="sp"/>
           <dgm:shape xmlns:r="http://schemas.openxmlformats.org/officeDocument/2006/relationships" r:blip="">
@@ -10620,6 +11333,7 @@
           <a:lnSpc>
             <a:spcPct val="100000"/>
           </a:lnSpc>
+          <a:defRPr cap="all"/>
         </a:lvl1pPr>
       </dgm1612:lstStyle>
     </a:ext>
@@ -10628,12 +11342,11 @@
 </file>
 
 <file path=ppt/diagrams/layout5.xml><?xml version="1.0" encoding="utf-8"?>
-<dgm:layoutDef xmlns:dgm="http://schemas.openxmlformats.org/drawingml/2006/diagram" xmlns:a="http://schemas.openxmlformats.org/drawingml/2006/main" uniqueId="urn:microsoft.com/office/officeart/2005/8/layout/vList2">
+<dgm:layoutDef xmlns:dgm="http://schemas.openxmlformats.org/drawingml/2006/diagram" xmlns:a="http://schemas.openxmlformats.org/drawingml/2006/main" uniqueId="urn:microsoft.com/office/officeart/2005/8/layout/list1">
   <dgm:title val=""/>
   <dgm:desc val=""/>
   <dgm:catLst>
-    <dgm:cat type="list" pri="3000"/>
-    <dgm:cat type="convert" pri="1000"/>
+    <dgm:cat type="list" pri="4000"/>
   </dgm:catLst>
   <dgm:sampData>
     <dgm:dataModel>
@@ -10642,21 +11355,17 @@
         <dgm:pt modelId="1">
           <dgm:prSet phldr="1"/>
         </dgm:pt>
-        <dgm:pt modelId="11">
-          <dgm:prSet phldr="1"/>
-        </dgm:pt>
         <dgm:pt modelId="2">
           <dgm:prSet phldr="1"/>
         </dgm:pt>
-        <dgm:pt modelId="21">
+        <dgm:pt modelId="3">
           <dgm:prSet phldr="1"/>
         </dgm:pt>
       </dgm:ptLst>
       <dgm:cxnLst>
         <dgm:cxn modelId="4" srcId="0" destId="1" srcOrd="0" destOrd="0"/>
         <dgm:cxn modelId="5" srcId="0" destId="2" srcOrd="1" destOrd="0"/>
-        <dgm:cxn modelId="12" srcId="1" destId="11" srcOrd="0" destOrd="0"/>
-        <dgm:cxn modelId="23" srcId="2" destId="21" srcOrd="0" destOrd="0"/>
+        <dgm:cxn modelId="6" srcId="0" destId="3" srcOrd="2" destOrd="0"/>
       </dgm:cxnLst>
       <dgm:bg/>
       <dgm:whole/>
@@ -10670,8 +11379,8 @@
         <dgm:pt modelId="2"/>
       </dgm:ptLst>
       <dgm:cxnLst>
-        <dgm:cxn modelId="3" srcId="0" destId="1" srcOrd="0" destOrd="0"/>
-        <dgm:cxn modelId="4" srcId="0" destId="2" srcOrd="1" destOrd="0"/>
+        <dgm:cxn modelId="4" srcId="0" destId="1" srcOrd="0" destOrd="0"/>
+        <dgm:cxn modelId="5" srcId="0" destId="2" srcOrd="1" destOrd="0"/>
       </dgm:cxnLst>
       <dgm:bg/>
       <dgm:whole/>
@@ -10698,97 +11407,160 @@
   </dgm:clrData>
   <dgm:layoutNode name="linear">
     <dgm:varLst>
+      <dgm:dir/>
       <dgm:animLvl val="lvl"/>
       <dgm:resizeHandles val="exact"/>
     </dgm:varLst>
-    <dgm:alg type="lin">
-      <dgm:param type="linDir" val="fromT"/>
-      <dgm:param type="vertAlign" val="mid"/>
-    </dgm:alg>
+    <dgm:choose name="Name0">
+      <dgm:if name="Name1" func="var" arg="dir" op="equ" val="norm">
+        <dgm:alg type="lin">
+          <dgm:param type="linDir" val="fromT"/>
+          <dgm:param type="vertAlign" val="mid"/>
+          <dgm:param type="horzAlign" val="l"/>
+          <dgm:param type="nodeHorzAlign" val="l"/>
+        </dgm:alg>
+      </dgm:if>
+      <dgm:else name="Name2">
+        <dgm:alg type="lin">
+          <dgm:param type="linDir" val="fromT"/>
+          <dgm:param type="vertAlign" val="mid"/>
+          <dgm:param type="horzAlign" val="r"/>
+          <dgm:param type="nodeHorzAlign" val="r"/>
+        </dgm:alg>
+      </dgm:else>
+    </dgm:choose>
     <dgm:shape xmlns:r="http://schemas.openxmlformats.org/officeDocument/2006/relationships" r:blip="">
       <dgm:adjLst/>
     </dgm:shape>
     <dgm:presOf/>
     <dgm:constrLst>
-      <dgm:constr type="w" for="ch" forName="parentText" refType="w"/>
-      <dgm:constr type="h" for="ch" forName="parentText" refType="primFontSz" refFor="ch" refForName="parentText" fact="0.52"/>
+      <dgm:constr type="w" for="ch" forName="parentLin" refType="w"/>
+      <dgm:constr type="h" for="ch" forName="parentLin" val="INF"/>
+      <dgm:constr type="w" for="des" forName="parentLeftMargin" refType="w" fact="0.05"/>
+      <dgm:constr type="w" for="des" forName="parentText" refType="w" fact="0.7"/>
+      <dgm:constr type="h" for="des" forName="parentText" refType="primFontSz" refFor="des" refForName="parentText" fact="0.82"/>
+      <dgm:constr type="h" for="ch" forName="negativeSpace" refType="primFontSz" refFor="des" refForName="parentText" fact="-0.41"/>
+      <dgm:constr type="h" for="ch" forName="negativeSpace" refType="h" refFor="des" refForName="parentText" op="lte" fact="-0.82"/>
+      <dgm:constr type="h" for="ch" forName="negativeSpace" refType="h" refFor="des" refForName="parentText" op="gte" fact="-0.82"/>
       <dgm:constr type="w" for="ch" forName="childText" refType="w"/>
-      <dgm:constr type="h" for="ch" forName="childText" refType="primFontSz" refFor="ch" refForName="parentText" fact="0.46"/>
-      <dgm:constr type="h" for="ch" forName="parentText" op="equ"/>
-      <dgm:constr type="primFontSz" for="ch" forName="parentText" op="equ" val="65"/>
-      <dgm:constr type="primFontSz" for="ch" forName="childText" refType="primFontSz" refFor="ch" refForName="parentText" op="equ"/>
-      <dgm:constr type="h" for="ch" forName="spacer" refType="primFontSz" refFor="ch" refForName="parentText" fact="0.08"/>
+      <dgm:constr type="h" for="ch" forName="childText" refType="primFontSz" refFor="des" refForName="parentText" fact="0.7"/>
+      <dgm:constr type="primFontSz" for="des" forName="parentText" val="65"/>
+      <dgm:constr type="primFontSz" for="ch" forName="childText" refType="primFontSz" refFor="des" refForName="parentText"/>
+      <dgm:constr type="tMarg" for="ch" forName="childText" refType="primFontSz" refFor="des" refForName="parentText" fact="1.64"/>
+      <dgm:constr type="tMarg" for="ch" forName="childText" refType="h" refFor="des" refForName="parentText" op="lte" fact="3.28"/>
+      <dgm:constr type="tMarg" for="ch" forName="childText" refType="h" refFor="des" refForName="parentText" op="gte" fact="3.28"/>
+      <dgm:constr type="lMarg" for="ch" forName="childText" refType="w" fact="0.22"/>
+      <dgm:constr type="rMarg" for="ch" forName="childText" refType="lMarg" refFor="ch" refForName="childText"/>
+      <dgm:constr type="lMarg" for="des" forName="parentText" refType="w" fact="0.075"/>
+      <dgm:constr type="rMarg" for="des" forName="parentText" refType="lMarg" refFor="des" refForName="parentText"/>
+      <dgm:constr type="h" for="ch" forName="spaceBetweenRectangles" refType="primFontSz" refFor="des" refForName="parentText" fact="0.15"/>
     </dgm:constrLst>
     <dgm:ruleLst>
-      <dgm:rule type="primFontSz" for="ch" forName="parentText" val="5" fact="NaN" max="NaN"/>
+      <dgm:rule type="primFontSz" for="des" forName="parentText" val="5" fact="NaN" max="NaN"/>
     </dgm:ruleLst>
-    <dgm:forEach name="Name0" axis="ch" ptType="node">
-      <dgm:layoutNode name="parentText" styleLbl="node1">
+    <dgm:forEach name="Name3" axis="ch" ptType="node">
+      <dgm:layoutNode name="parentLin">
+        <dgm:choose name="Name4">
+          <dgm:if name="Name5" func="var" arg="dir" op="equ" val="norm">
+            <dgm:alg type="lin">
+              <dgm:param type="linDir" val="fromL"/>
+              <dgm:param type="horzAlign" val="l"/>
+              <dgm:param type="nodeHorzAlign" val="l"/>
+            </dgm:alg>
+          </dgm:if>
+          <dgm:else name="Name6">
+            <dgm:alg type="lin">
+              <dgm:param type="linDir" val="fromR"/>
+              <dgm:param type="horzAlign" val="r"/>
+              <dgm:param type="nodeHorzAlign" val="r"/>
+            </dgm:alg>
+          </dgm:else>
+        </dgm:choose>
+        <dgm:shape xmlns:r="http://schemas.openxmlformats.org/officeDocument/2006/relationships" r:blip="">
+          <dgm:adjLst/>
+        </dgm:shape>
+        <dgm:presOf/>
+        <dgm:constrLst/>
+        <dgm:ruleLst/>
+        <dgm:layoutNode name="parentLeftMargin">
+          <dgm:alg type="sp"/>
+          <dgm:shape xmlns:r="http://schemas.openxmlformats.org/officeDocument/2006/relationships" type="rect" r:blip="" hideGeom="1">
+            <dgm:adjLst/>
+          </dgm:shape>
+          <dgm:presOf axis="self"/>
+          <dgm:constrLst>
+            <dgm:constr type="h"/>
+          </dgm:constrLst>
+          <dgm:ruleLst/>
+        </dgm:layoutNode>
+        <dgm:layoutNode name="parentText" styleLbl="node1">
+          <dgm:varLst>
+            <dgm:chMax val="0"/>
+            <dgm:bulletEnabled val="1"/>
+          </dgm:varLst>
+          <dgm:choose name="Name7">
+            <dgm:if name="Name8" func="var" arg="dir" op="equ" val="norm">
+              <dgm:alg type="tx">
+                <dgm:param type="parTxLTRAlign" val="l"/>
+                <dgm:param type="parTxRTLAlign" val="l"/>
+              </dgm:alg>
+            </dgm:if>
+            <dgm:else name="Name9">
+              <dgm:alg type="tx">
+                <dgm:param type="parTxLTRAlign" val="r"/>
+                <dgm:param type="parTxRTLAlign" val="r"/>
+              </dgm:alg>
+            </dgm:else>
+          </dgm:choose>
+          <dgm:shape xmlns:r="http://schemas.openxmlformats.org/officeDocument/2006/relationships" type="roundRect" r:blip="">
+            <dgm:adjLst/>
+          </dgm:shape>
+          <dgm:presOf axis="self" ptType="node"/>
+          <dgm:constrLst>
+            <dgm:constr type="tMarg"/>
+            <dgm:constr type="bMarg"/>
+          </dgm:constrLst>
+          <dgm:ruleLst/>
+        </dgm:layoutNode>
+      </dgm:layoutNode>
+      <dgm:layoutNode name="negativeSpace">
+        <dgm:alg type="sp"/>
+        <dgm:shape xmlns:r="http://schemas.openxmlformats.org/officeDocument/2006/relationships" r:blip="">
+          <dgm:adjLst/>
+        </dgm:shape>
+        <dgm:presOf/>
+        <dgm:constrLst/>
+        <dgm:ruleLst/>
+      </dgm:layoutNode>
+      <dgm:layoutNode name="childText" styleLbl="conFgAcc1">
         <dgm:varLst>
-          <dgm:chMax val="0"/>
           <dgm:bulletEnabled val="1"/>
         </dgm:varLst>
         <dgm:alg type="tx">
-          <dgm:param type="parTxLTRAlign" val="l"/>
-          <dgm:param type="parTxRTLAlign" val="r"/>
+          <dgm:param type="stBulletLvl" val="1"/>
         </dgm:alg>
-        <dgm:shape xmlns:r="http://schemas.openxmlformats.org/officeDocument/2006/relationships" type="roundRect" r:blip="">
+        <dgm:shape xmlns:r="http://schemas.openxmlformats.org/officeDocument/2006/relationships" type="rect" r:blip="" zOrderOff="-2">
           <dgm:adjLst/>
         </dgm:shape>
-        <dgm:presOf axis="self"/>
+        <dgm:presOf axis="des" ptType="node"/>
         <dgm:constrLst>
-          <dgm:constr type="tMarg" refType="primFontSz" fact="0.3"/>
-          <dgm:constr type="bMarg" refType="primFontSz" fact="0.3"/>
-          <dgm:constr type="lMarg" refType="primFontSz" fact="0.3"/>
-          <dgm:constr type="rMarg" refType="primFontSz" fact="0.3"/>
+          <dgm:constr type="secFontSz" refType="primFontSz"/>
         </dgm:constrLst>
         <dgm:ruleLst>
           <dgm:rule type="h" val="INF" fact="NaN" max="NaN"/>
         </dgm:ruleLst>
       </dgm:layoutNode>
-      <dgm:choose name="Name1">
-        <dgm:if name="Name2" axis="ch" ptType="node" func="cnt" op="gte" val="1">
-          <dgm:layoutNode name="childText" styleLbl="revTx">
-            <dgm:varLst>
-              <dgm:bulletEnabled val="1"/>
-            </dgm:varLst>
-            <dgm:alg type="tx">
-              <dgm:param type="stBulletLvl" val="1"/>
-              <dgm:param type="lnSpAfChP" val="20"/>
-            </dgm:alg>
-            <dgm:shape xmlns:r="http://schemas.openxmlformats.org/officeDocument/2006/relationships" type="rect" r:blip="">
-              <dgm:adjLst/>
-            </dgm:shape>
-            <dgm:presOf axis="des" ptType="node"/>
-            <dgm:constrLst>
-              <dgm:constr type="tMarg" refType="primFontSz" fact="0.1"/>
-              <dgm:constr type="bMarg" refType="primFontSz" fact="0.1"/>
-              <dgm:constr type="lMarg" refType="w" fact="0.09"/>
-            </dgm:constrLst>
-            <dgm:ruleLst>
-              <dgm:rule type="h" val="INF" fact="NaN" max="NaN"/>
-            </dgm:ruleLst>
-          </dgm:layoutNode>
-        </dgm:if>
-        <dgm:else name="Name3">
-          <dgm:choose name="Name4">
-            <dgm:if name="Name5" axis="par ch" ptType="doc node" func="cnt" op="gte" val="2">
-              <dgm:forEach name="Name6" axis="followSib" ptType="sibTrans" cnt="1">
-                <dgm:layoutNode name="spacer">
-                  <dgm:alg type="sp"/>
-                  <dgm:shape xmlns:r="http://schemas.openxmlformats.org/officeDocument/2006/relationships" r:blip="">
-                    <dgm:adjLst/>
-                  </dgm:shape>
-                  <dgm:presOf/>
-                  <dgm:constrLst/>
-                  <dgm:ruleLst/>
-                </dgm:layoutNode>
-              </dgm:forEach>
-            </dgm:if>
-            <dgm:else name="Name7"/>
-          </dgm:choose>
-        </dgm:else>
-      </dgm:choose>
+      <dgm:forEach name="Name10" axis="followSib" ptType="sibTrans" cnt="1">
+        <dgm:layoutNode name="spaceBetweenRectangles">
+          <dgm:alg type="sp"/>
+          <dgm:shape xmlns:r="http://schemas.openxmlformats.org/officeDocument/2006/relationships" r:blip="">
+            <dgm:adjLst/>
+          </dgm:shape>
+          <dgm:presOf/>
+          <dgm:constrLst/>
+          <dgm:ruleLst/>
+        </dgm:layoutNode>
+      </dgm:forEach>
     </dgm:forEach>
   </dgm:layoutNode>
 </dgm:layoutDef>
@@ -17488,7 +18260,7 @@
           <a:p>
             <a:fld id="{2E5861C8-6E59-4B49-805F-F09502E84273}" type="datetimeFigureOut">
               <a:rPr lang="he-IL" smtClean="0"/>
-              <a:t>כ"ח/חשון/תשפ"ב</a:t>
+              <a:t>כ"ט/חשון/תשפ"ב</a:t>
             </a:fld>
             <a:endParaRPr lang="he-IL"/>
           </a:p>
@@ -17709,7 +18481,7 @@
           <a:p>
             <a:fld id="{2E5861C8-6E59-4B49-805F-F09502E84273}" type="datetimeFigureOut">
               <a:rPr lang="he-IL" smtClean="0"/>
-              <a:t>כ"ח/חשון/תשפ"ב</a:t>
+              <a:t>כ"ט/חשון/תשפ"ב</a:t>
             </a:fld>
             <a:endParaRPr lang="he-IL"/>
           </a:p>
@@ -17889,7 +18661,7 @@
           <a:p>
             <a:fld id="{2E5861C8-6E59-4B49-805F-F09502E84273}" type="datetimeFigureOut">
               <a:rPr lang="he-IL" smtClean="0"/>
-              <a:t>כ"ח/חשון/תשפ"ב</a:t>
+              <a:t>כ"ט/חשון/תשפ"ב</a:t>
             </a:fld>
             <a:endParaRPr lang="he-IL"/>
           </a:p>
@@ -18059,7 +18831,7 @@
           <a:p>
             <a:fld id="{2E5861C8-6E59-4B49-805F-F09502E84273}" type="datetimeFigureOut">
               <a:rPr lang="he-IL" smtClean="0"/>
-              <a:t>כ"ח/חשון/תשפ"ב</a:t>
+              <a:t>כ"ט/חשון/תשפ"ב</a:t>
             </a:fld>
             <a:endParaRPr lang="he-IL"/>
           </a:p>
@@ -18310,7 +19082,7 @@
           <a:p>
             <a:fld id="{2E5861C8-6E59-4B49-805F-F09502E84273}" type="datetimeFigureOut">
               <a:rPr lang="he-IL" smtClean="0"/>
-              <a:t>כ"ח/חשון/תשפ"ב</a:t>
+              <a:t>כ"ט/חשון/תשפ"ב</a:t>
             </a:fld>
             <a:endParaRPr lang="he-IL"/>
           </a:p>
@@ -18633,7 +19405,7 @@
           <a:p>
             <a:fld id="{2E5861C8-6E59-4B49-805F-F09502E84273}" type="datetimeFigureOut">
               <a:rPr lang="he-IL" smtClean="0"/>
-              <a:t>כ"ח/חשון/תשפ"ב</a:t>
+              <a:t>כ"ט/חשון/תשפ"ב</a:t>
             </a:fld>
             <a:endParaRPr lang="he-IL"/>
           </a:p>
@@ -19057,7 +19829,7 @@
           <a:p>
             <a:fld id="{2E5861C8-6E59-4B49-805F-F09502E84273}" type="datetimeFigureOut">
               <a:rPr lang="he-IL" smtClean="0"/>
-              <a:t>כ"ח/חשון/תשפ"ב</a:t>
+              <a:t>כ"ט/חשון/תשפ"ב</a:t>
             </a:fld>
             <a:endParaRPr lang="he-IL"/>
           </a:p>
@@ -19175,7 +19947,7 @@
           <a:p>
             <a:fld id="{2E5861C8-6E59-4B49-805F-F09502E84273}" type="datetimeFigureOut">
               <a:rPr lang="he-IL" smtClean="0"/>
-              <a:t>כ"ח/חשון/תשפ"ב</a:t>
+              <a:t>כ"ט/חשון/תשפ"ב</a:t>
             </a:fld>
             <a:endParaRPr lang="he-IL"/>
           </a:p>
@@ -19270,7 +20042,7 @@
           <a:p>
             <a:fld id="{2E5861C8-6E59-4B49-805F-F09502E84273}" type="datetimeFigureOut">
               <a:rPr lang="he-IL" smtClean="0"/>
-              <a:t>כ"ח/חשון/תשפ"ב</a:t>
+              <a:t>כ"ט/חשון/תשפ"ב</a:t>
             </a:fld>
             <a:endParaRPr lang="he-IL"/>
           </a:p>
@@ -19560,7 +20332,7 @@
           <a:p>
             <a:fld id="{2E5861C8-6E59-4B49-805F-F09502E84273}" type="datetimeFigureOut">
               <a:rPr lang="he-IL" smtClean="0"/>
-              <a:t>כ"ח/חשון/תשפ"ב</a:t>
+              <a:t>כ"ט/חשון/תשפ"ב</a:t>
             </a:fld>
             <a:endParaRPr lang="he-IL"/>
           </a:p>
@@ -19832,7 +20604,7 @@
           <a:p>
             <a:fld id="{2E5861C8-6E59-4B49-805F-F09502E84273}" type="datetimeFigureOut">
               <a:rPr lang="he-IL" smtClean="0"/>
-              <a:t>כ"ח/חשון/תשפ"ב</a:t>
+              <a:t>כ"ט/חשון/תשפ"ב</a:t>
             </a:fld>
             <a:endParaRPr lang="he-IL"/>
           </a:p>
@@ -20086,7 +20858,7 @@
           <a:p>
             <a:fld id="{2E5861C8-6E59-4B49-805F-F09502E84273}" type="datetimeFigureOut">
               <a:rPr lang="he-IL" smtClean="0"/>
-              <a:t>כ"ח/חשון/תשפ"ב</a:t>
+              <a:t>כ"ט/חשון/תשפ"ב</a:t>
             </a:fld>
             <a:endParaRPr lang="he-IL"/>
           </a:p>
@@ -20742,7 +21514,12 @@
             <p:ph type="title"/>
           </p:nvPr>
         </p:nvSpPr>
-        <p:spPr/>
+        <p:spPr>
+          <a:xfrm>
+            <a:off x="1239253" y="340093"/>
+            <a:ext cx="9875520" cy="1356360"/>
+          </a:xfrm>
+        </p:spPr>
         <p:txBody>
           <a:bodyPr/>
           <a:lstStyle/>
@@ -20780,7 +21557,7 @@
         </p:nvSpPr>
         <p:spPr>
           <a:xfrm>
-            <a:off x="1143000" y="2057399"/>
+            <a:off x="1239253" y="2734195"/>
             <a:ext cx="9872871" cy="4315691"/>
           </a:xfrm>
         </p:spPr>
@@ -20821,7 +21598,7 @@
                 <a:ea typeface="Times New Roman" panose="02020603050405020304" pitchFamily="18" charset="0"/>
                 <a:cs typeface="Arial" panose="020B0604020202020204" pitchFamily="34" charset="0"/>
               </a:rPr>
-              <a:t>יצירת מערכת משחק מלאה.</a:t>
+              <a:t>יצירת מערכת משחק מלאה</a:t>
             </a:r>
           </a:p>
           <a:p>
@@ -20888,7 +21665,7 @@
                 <a:ea typeface="Times New Roman" panose="02020603050405020304" pitchFamily="18" charset="0"/>
                 <a:cs typeface="Arial" panose="020B0604020202020204" pitchFamily="34" charset="0"/>
               </a:rPr>
-              <a:t>יצירת מכניקת משחק מאוזנת ומהנה.</a:t>
+              <a:t>יצירת מכניקת משחק מאוזנת ומהנה</a:t>
             </a:r>
           </a:p>
           <a:p>
@@ -20955,7 +21732,7 @@
                 <a:ea typeface="Times New Roman" panose="02020603050405020304" pitchFamily="18" charset="0"/>
                 <a:cs typeface="Arial" panose="020B0604020202020204" pitchFamily="34" charset="0"/>
               </a:rPr>
-              <a:t>פיתוח מערכת תקשורת בין שחקנים במחשבים שונים.</a:t>
+              <a:t>פיתוח מערכת תקשורת בין שחקנים במחשבים שונים</a:t>
             </a:r>
           </a:p>
           <a:p>
@@ -21022,7 +21799,7 @@
                 <a:ea typeface="Times New Roman" panose="02020603050405020304" pitchFamily="18" charset="0"/>
                 <a:cs typeface="Arial" panose="020B0604020202020204" pitchFamily="34" charset="0"/>
               </a:rPr>
-              <a:t>פיתוח בינה מלאכותית למשחק נגד המחשב.</a:t>
+              <a:t>פיתוח בינה מלאכותית למשחק נגד המחשב</a:t>
             </a:r>
           </a:p>
           <a:p>
@@ -21062,6 +21839,42 @@
           </a:p>
         </p:txBody>
       </p:sp>
+      <p:pic>
+        <p:nvPicPr>
+          <p:cNvPr id="7" name="תמונה 6" descr="תמונה שמכילה טקסט&#10;&#10;התיאור נוצר באופן אוטומטי">
+            <a:extLst>
+              <a:ext uri="{FF2B5EF4-FFF2-40B4-BE49-F238E27FC236}">
+                <a16:creationId xmlns:a16="http://schemas.microsoft.com/office/drawing/2014/main" id="{4352E32C-653F-4AC0-ACCA-057C50716D3B}"/>
+              </a:ext>
+            </a:extLst>
+          </p:cNvPr>
+          <p:cNvPicPr>
+            <a:picLocks noChangeAspect="1"/>
+          </p:cNvPicPr>
+          <p:nvPr/>
+        </p:nvPicPr>
+        <p:blipFill>
+          <a:blip r:embed="rId2">
+            <a:extLst>
+              <a:ext uri="{28A0092B-C50C-407E-A947-70E740481C1C}">
+                <a14:useLocalDpi xmlns:a14="http://schemas.microsoft.com/office/drawing/2010/main" val="0"/>
+              </a:ext>
+            </a:extLst>
+          </a:blip>
+          <a:stretch>
+            <a:fillRect/>
+          </a:stretch>
+        </p:blipFill>
+        <p:spPr>
+          <a:xfrm>
+            <a:off x="497839" y="1576805"/>
+            <a:ext cx="5944306" cy="1711960"/>
+          </a:xfrm>
+          <a:prstGeom prst="rect">
+            <a:avLst/>
+          </a:prstGeom>
+        </p:spPr>
+      </p:pic>
     </p:spTree>
     <p:extLst>
       <p:ext uri="{BB962C8B-B14F-4D97-AF65-F5344CB8AC3E}">
@@ -21078,6 +21891,14 @@
 <file path=ppt/slides/slide11.xml><?xml version="1.0" encoding="utf-8"?>
 <p:sld xmlns:a="http://schemas.openxmlformats.org/drawingml/2006/main" xmlns:r="http://schemas.openxmlformats.org/officeDocument/2006/relationships" xmlns:p="http://schemas.openxmlformats.org/presentationml/2006/main">
   <p:cSld>
+    <p:bg>
+      <p:bgPr>
+        <a:solidFill>
+          <a:schemeClr val="accent1"/>
+        </a:solidFill>
+        <a:effectLst/>
+      </p:bgPr>
+    </p:bg>
     <p:spTree>
       <p:nvGrpSpPr>
         <p:cNvPr id="1" name=""/>
@@ -21108,12 +21929,18 @@
             <p:ph type="title"/>
           </p:nvPr>
         </p:nvSpPr>
-        <p:spPr/>
+        <p:spPr>
+          <a:xfrm>
+            <a:off x="6106704" y="609600"/>
+            <a:ext cx="5364444" cy="1356360"/>
+          </a:xfrm>
+        </p:spPr>
         <p:txBody>
-          <a:bodyPr/>
+          <a:bodyPr>
+            <a:normAutofit/>
+          </a:bodyPr>
           <a:lstStyle/>
           <a:p>
-            <a:pPr algn="r"/>
             <a:r>
               <a:rPr lang="he-IL" b="1" dirty="0">
                 <a:latin typeface="Arial" panose="020B0604020202020204" pitchFamily="34" charset="0"/>
@@ -21128,6 +21955,42 @@
           </a:p>
         </p:txBody>
       </p:sp>
+      <p:pic>
+        <p:nvPicPr>
+          <p:cNvPr id="5" name="תמונה 4" descr="תמונה שמכילה מפה&#10;&#10;התיאור נוצר באופן אוטומטי">
+            <a:extLst>
+              <a:ext uri="{FF2B5EF4-FFF2-40B4-BE49-F238E27FC236}">
+                <a16:creationId xmlns:a16="http://schemas.microsoft.com/office/drawing/2014/main" id="{D0DC1ED5-D0F1-4A95-8E99-E822A5560806}"/>
+              </a:ext>
+            </a:extLst>
+          </p:cNvPr>
+          <p:cNvPicPr>
+            <a:picLocks noChangeAspect="1"/>
+          </p:cNvPicPr>
+          <p:nvPr/>
+        </p:nvPicPr>
+        <p:blipFill>
+          <a:blip r:embed="rId2">
+            <a:extLst>
+              <a:ext uri="{28A0092B-C50C-407E-A947-70E740481C1C}">
+                <a14:useLocalDpi xmlns:a14="http://schemas.microsoft.com/office/drawing/2010/main" val="0"/>
+              </a:ext>
+            </a:extLst>
+          </a:blip>
+          <a:stretch>
+            <a:fillRect/>
+          </a:stretch>
+        </p:blipFill>
+        <p:spPr>
+          <a:xfrm>
+            <a:off x="872064" y="1707583"/>
+            <a:ext cx="4593715" cy="3440852"/>
+          </a:xfrm>
+          <a:prstGeom prst="rect">
+            <a:avLst/>
+          </a:prstGeom>
+        </p:spPr>
+      </p:pic>
       <p:sp>
         <p:nvSpPr>
           <p:cNvPr id="3" name="Content Placeholder 2">
@@ -21146,20 +22009,17 @@
         </p:nvSpPr>
         <p:spPr>
           <a:xfrm>
-            <a:off x="1143000" y="2057400"/>
-            <a:ext cx="9872871" cy="4191000"/>
+            <a:off x="6085297" y="1920240"/>
+            <a:ext cx="5364444" cy="4038600"/>
           </a:xfrm>
         </p:spPr>
         <p:txBody>
           <a:bodyPr>
-            <a:noAutofit/>
+            <a:normAutofit/>
           </a:bodyPr>
           <a:lstStyle/>
           <a:p>
-            <a:pPr marL="342900" indent="-342900" algn="just">
-              <a:lnSpc>
-                <a:spcPct val="100000"/>
-              </a:lnSpc>
+            <a:pPr marL="342900" indent="-342900">
               <a:spcBef>
                 <a:spcPts val="0"/>
               </a:spcBef>
@@ -21178,7 +22038,7 @@
               </a:tabLst>
             </a:pPr>
             <a:r>
-              <a:rPr lang="he-IL" sz="2400" dirty="0">
+              <a:rPr lang="he-IL" sz="2800" dirty="0">
                 <a:latin typeface="Times New Roman" panose="02020603050405020304" pitchFamily="18" charset="0"/>
                 <a:cs typeface="Arial" panose="020B0604020202020204" pitchFamily="34" charset="0"/>
               </a:rPr>
@@ -21186,10 +22046,7 @@
             </a:r>
           </a:p>
           <a:p>
-            <a:pPr marL="342900" indent="-342900" algn="just">
-              <a:lnSpc>
-                <a:spcPct val="100000"/>
-              </a:lnSpc>
+            <a:pPr marL="342900" indent="-342900">
               <a:spcBef>
                 <a:spcPts val="0"/>
               </a:spcBef>
@@ -21207,16 +22064,13 @@
                 <a:tab pos="6583680" algn="l"/>
               </a:tabLst>
             </a:pPr>
-            <a:endParaRPr lang="he-IL" sz="2400" dirty="0">
+            <a:endParaRPr lang="he-IL" sz="2800" dirty="0">
               <a:latin typeface="Times New Roman" panose="02020603050405020304" pitchFamily="18" charset="0"/>
               <a:cs typeface="Arial" panose="020B0604020202020204" pitchFamily="34" charset="0"/>
             </a:endParaRPr>
           </a:p>
           <a:p>
-            <a:pPr marL="342900" indent="-342900" algn="just">
-              <a:lnSpc>
-                <a:spcPct val="100000"/>
-              </a:lnSpc>
+            <a:pPr marL="342900" indent="-342900">
               <a:spcBef>
                 <a:spcPts val="0"/>
               </a:spcBef>
@@ -21235,7 +22089,7 @@
               </a:tabLst>
             </a:pPr>
             <a:r>
-              <a:rPr lang="he-IL" sz="2400" dirty="0">
+              <a:rPr lang="he-IL" sz="2800" dirty="0">
                 <a:latin typeface="Times New Roman" panose="02020603050405020304" pitchFamily="18" charset="0"/>
                 <a:cs typeface="Arial" panose="020B0604020202020204" pitchFamily="34" charset="0"/>
               </a:rPr>
@@ -21243,10 +22097,7 @@
             </a:r>
           </a:p>
           <a:p>
-            <a:pPr marL="342900" indent="-342900" algn="just">
-              <a:lnSpc>
-                <a:spcPct val="100000"/>
-              </a:lnSpc>
+            <a:pPr marL="342900" indent="-342900">
               <a:spcBef>
                 <a:spcPts val="0"/>
               </a:spcBef>
@@ -21264,16 +22115,13 @@
                 <a:tab pos="6583680" algn="l"/>
               </a:tabLst>
             </a:pPr>
-            <a:endParaRPr lang="he-IL" sz="2400" dirty="0">
+            <a:endParaRPr lang="he-IL" sz="2800" dirty="0">
               <a:latin typeface="Times New Roman" panose="02020603050405020304" pitchFamily="18" charset="0"/>
               <a:cs typeface="Arial" panose="020B0604020202020204" pitchFamily="34" charset="0"/>
             </a:endParaRPr>
           </a:p>
           <a:p>
-            <a:pPr marL="342900" indent="-342900" algn="just">
-              <a:lnSpc>
-                <a:spcPct val="100000"/>
-              </a:lnSpc>
+            <a:pPr marL="342900" indent="-342900">
               <a:spcBef>
                 <a:spcPts val="0"/>
               </a:spcBef>
@@ -21292,7 +22140,7 @@
               </a:tabLst>
             </a:pPr>
             <a:r>
-              <a:rPr lang="he-IL" sz="2400" dirty="0">
+              <a:rPr lang="he-IL" sz="2800" dirty="0">
                 <a:latin typeface="Times New Roman" panose="02020603050405020304" pitchFamily="18" charset="0"/>
                 <a:cs typeface="Arial" panose="020B0604020202020204" pitchFamily="34" charset="0"/>
               </a:rPr>
@@ -21300,10 +22148,7 @@
             </a:r>
           </a:p>
           <a:p>
-            <a:pPr marL="342900" indent="-342900" algn="just">
-              <a:lnSpc>
-                <a:spcPct val="100000"/>
-              </a:lnSpc>
+            <a:pPr marL="342900" indent="-342900">
               <a:spcBef>
                 <a:spcPts val="0"/>
               </a:spcBef>
@@ -21321,16 +22166,13 @@
                 <a:tab pos="6583680" algn="l"/>
               </a:tabLst>
             </a:pPr>
-            <a:endParaRPr lang="he-IL" sz="2400" dirty="0">
+            <a:endParaRPr lang="he-IL" sz="2800" dirty="0">
               <a:latin typeface="Times New Roman" panose="02020603050405020304" pitchFamily="18" charset="0"/>
               <a:cs typeface="Arial" panose="020B0604020202020204" pitchFamily="34" charset="0"/>
             </a:endParaRPr>
           </a:p>
           <a:p>
-            <a:pPr marL="342900" indent="-342900" algn="just">
-              <a:lnSpc>
-                <a:spcPct val="100000"/>
-              </a:lnSpc>
+            <a:pPr marL="342900" indent="-342900">
               <a:spcBef>
                 <a:spcPts val="0"/>
               </a:spcBef>
@@ -21349,7 +22191,7 @@
               </a:tabLst>
             </a:pPr>
             <a:r>
-              <a:rPr lang="he-IL" sz="2400" dirty="0">
+              <a:rPr lang="he-IL" sz="2800" dirty="0">
                 <a:latin typeface="Times New Roman" panose="02020603050405020304" pitchFamily="18" charset="0"/>
                 <a:cs typeface="Arial" panose="020B0604020202020204" pitchFamily="34" charset="0"/>
               </a:rPr>
@@ -21357,10 +22199,7 @@
             </a:r>
           </a:p>
           <a:p>
-            <a:pPr marL="342900" indent="-342900" algn="just">
-              <a:lnSpc>
-                <a:spcPct val="100000"/>
-              </a:lnSpc>
+            <a:pPr marL="342900" indent="-342900">
               <a:spcBef>
                 <a:spcPts val="0"/>
               </a:spcBef>
@@ -21378,16 +22217,13 @@
                 <a:tab pos="6583680" algn="l"/>
               </a:tabLst>
             </a:pPr>
-            <a:endParaRPr lang="he-IL" sz="2400" dirty="0">
+            <a:endParaRPr lang="he-IL" sz="2800" dirty="0">
               <a:latin typeface="Times New Roman" panose="02020603050405020304" pitchFamily="18" charset="0"/>
               <a:cs typeface="Arial" panose="020B0604020202020204" pitchFamily="34" charset="0"/>
             </a:endParaRPr>
           </a:p>
           <a:p>
-            <a:pPr marL="342900" indent="-342900" algn="just">
-              <a:lnSpc>
-                <a:spcPct val="100000"/>
-              </a:lnSpc>
+            <a:pPr marL="342900" indent="-342900">
               <a:spcBef>
                 <a:spcPts val="0"/>
               </a:spcBef>
@@ -21406,28 +22242,18 @@
               </a:tabLst>
             </a:pPr>
             <a:r>
-              <a:rPr lang="he-IL" sz="2400" dirty="0">
+              <a:rPr lang="he-IL" sz="2800" dirty="0">
                 <a:latin typeface="Times New Roman" panose="02020603050405020304" pitchFamily="18" charset="0"/>
                 <a:cs typeface="Arial" panose="020B0604020202020204" pitchFamily="34" charset="0"/>
               </a:rPr>
-              <a:t>אסתטיקה צבעונית ובעלת נושא עקבי.</a:t>
+              <a:t>אסתטיקה צבעונית ובעלת נושא עקבי</a:t>
             </a:r>
           </a:p>
           <a:p>
-            <a:pPr>
-              <a:lnSpc>
-                <a:spcPct val="100000"/>
-              </a:lnSpc>
-            </a:pPr>
-            <a:endParaRPr lang="he-IL" sz="2400" dirty="0"/>
+            <a:endParaRPr lang="he-IL" dirty="0"/>
           </a:p>
           <a:p>
-            <a:pPr>
-              <a:lnSpc>
-                <a:spcPct val="100000"/>
-              </a:lnSpc>
-            </a:pPr>
-            <a:endParaRPr lang="LID4096" sz="2400" dirty="0"/>
+            <a:endParaRPr lang="LID4096" dirty="0"/>
           </a:p>
         </p:txBody>
       </p:sp>
@@ -21927,6 +22753,42 @@
           </a:prstGeom>
         </p:spPr>
       </p:pic>
+      <p:pic>
+        <p:nvPicPr>
+          <p:cNvPr id="4" name="תמונה 3" descr="תמונה שמכילה שעון&#10;&#10;התיאור נוצר באופן אוטומטי">
+            <a:extLst>
+              <a:ext uri="{FF2B5EF4-FFF2-40B4-BE49-F238E27FC236}">
+                <a16:creationId xmlns:a16="http://schemas.microsoft.com/office/drawing/2014/main" id="{6894BC4A-9491-4A79-8011-88801E2A4041}"/>
+              </a:ext>
+            </a:extLst>
+          </p:cNvPr>
+          <p:cNvPicPr>
+            <a:picLocks noChangeAspect="1"/>
+          </p:cNvPicPr>
+          <p:nvPr/>
+        </p:nvPicPr>
+        <p:blipFill>
+          <a:blip r:embed="rId3">
+            <a:extLst>
+              <a:ext uri="{28A0092B-C50C-407E-A947-70E740481C1C}">
+                <a14:useLocalDpi xmlns:a14="http://schemas.microsoft.com/office/drawing/2010/main" val="0"/>
+              </a:ext>
+            </a:extLst>
+          </a:blip>
+          <a:stretch>
+            <a:fillRect/>
+          </a:stretch>
+        </p:blipFill>
+        <p:spPr>
+          <a:xfrm>
+            <a:off x="7520998" y="653604"/>
+            <a:ext cx="2777160" cy="2314300"/>
+          </a:xfrm>
+          <a:prstGeom prst="rect">
+            <a:avLst/>
+          </a:prstGeom>
+        </p:spPr>
+      </p:pic>
     </p:spTree>
     <p:extLst>
       <p:ext uri="{BB962C8B-B14F-4D97-AF65-F5344CB8AC3E}">
@@ -21946,7 +22808,7 @@
     <p:bg>
       <p:bgPr>
         <a:solidFill>
-          <a:schemeClr val="bg1"/>
+          <a:schemeClr val="accent1"/>
         </a:solidFill>
         <a:effectLst/>
       </p:bgPr>
@@ -21967,10 +22829,10 @@
       </p:grpSpPr>
       <p:sp>
         <p:nvSpPr>
-          <p:cNvPr id="8" name="Rectangle 7">
+          <p:cNvPr id="17" name="Rectangle 16">
             <a:extLst>
               <a:ext uri="{FF2B5EF4-FFF2-40B4-BE49-F238E27FC236}">
-                <a16:creationId xmlns:a16="http://schemas.microsoft.com/office/drawing/2014/main" id="{7578A52D-2496-4956-A9A4-EA5C38B2F1FC}"/>
+                <a16:creationId xmlns:a16="http://schemas.microsoft.com/office/drawing/2014/main" id="{F1034B51-D3B1-4C80-B6BF-4A9281E64322}"/>
               </a:ext>
               <a:ext uri="{C183D7F6-B498-43B3-948B-1728B52AA6E4}">
                 <adec:decorative xmlns:adec="http://schemas.microsoft.com/office/drawing/2017/decorative" val="1"/>
@@ -21990,8 +22852,8 @@
         </p:nvSpPr>
         <p:spPr>
           <a:xfrm>
-            <a:off x="0" y="0"/>
-            <a:ext cx="12191999" cy="6857999"/>
+            <a:off x="231140" y="243840"/>
+            <a:ext cx="11724640" cy="6377939"/>
           </a:xfrm>
           <a:prstGeom prst="rect">
             <a:avLst/>
@@ -21999,59 +22861,6 @@
           <a:solidFill>
             <a:schemeClr val="accent1"/>
           </a:solidFill>
-          <a:ln w="12700">
-            <a:noFill/>
-          </a:ln>
-        </p:spPr>
-        <p:style>
-          <a:lnRef idx="2">
-            <a:schemeClr val="accent1">
-              <a:shade val="50000"/>
-            </a:schemeClr>
-          </a:lnRef>
-          <a:fillRef idx="1">
-            <a:schemeClr val="accent1"/>
-          </a:fillRef>
-          <a:effectRef idx="0">
-            <a:schemeClr val="accent1"/>
-          </a:effectRef>
-          <a:fontRef idx="minor">
-            <a:schemeClr val="lt1"/>
-          </a:fontRef>
-        </p:style>
-      </p:sp>
-      <p:sp>
-        <p:nvSpPr>
-          <p:cNvPr id="10" name="Rectangle 9">
-            <a:extLst>
-              <a:ext uri="{FF2B5EF4-FFF2-40B4-BE49-F238E27FC236}">
-                <a16:creationId xmlns:a16="http://schemas.microsoft.com/office/drawing/2014/main" id="{9809C8E2-EF9B-4E0B-A17E-836DE0508E76}"/>
-              </a:ext>
-              <a:ext uri="{C183D7F6-B498-43B3-948B-1728B52AA6E4}">
-                <adec:decorative xmlns:adec="http://schemas.microsoft.com/office/drawing/2017/decorative" val="1"/>
-              </a:ext>
-            </a:extLst>
-          </p:cNvPr>
-          <p:cNvSpPr>
-            <a:spLocks noGrp="1" noRot="1" noChangeAspect="1" noMove="1" noResize="1" noEditPoints="1" noAdjustHandles="1" noChangeArrowheads="1" noChangeShapeType="1" noTextEdit="1"/>
-          </p:cNvSpPr>
-          <p:nvPr>
-            <p:extLst>
-              <p:ext uri="{386F3935-93C4-4BCD-93E2-E3B085C9AB24}">
-                <p16:designElem xmlns:p16="http://schemas.microsoft.com/office/powerpoint/2015/main" val="1"/>
-              </p:ext>
-            </p:extLst>
-          </p:nvPr>
-        </p:nvSpPr>
-        <p:spPr>
-          <a:xfrm>
-            <a:off x="321732" y="321733"/>
-            <a:ext cx="11548533" cy="1886373"/>
-          </a:xfrm>
-          <a:prstGeom prst="rect">
-            <a:avLst/>
-          </a:prstGeom>
-          <a:noFill/>
           <a:ln w="12700">
             <a:solidFill>
               <a:srgbClr val="FFFFFF"/>
@@ -22093,8 +22902,8 @@
         </p:nvSpPr>
         <p:spPr>
           <a:xfrm>
-            <a:off x="1143000" y="609600"/>
-            <a:ext cx="9875520" cy="1356360"/>
+            <a:off x="7367863" y="386080"/>
+            <a:ext cx="6693061" cy="1356360"/>
           </a:xfrm>
         </p:spPr>
         <p:txBody>
@@ -22103,7 +22912,6 @@
           </a:bodyPr>
           <a:lstStyle/>
           <a:p>
-            <a:pPr algn="r"/>
             <a:r>
               <a:rPr lang="he-IL" dirty="0">
                 <a:solidFill>
@@ -22117,66 +22925,41 @@
           </a:p>
         </p:txBody>
       </p:sp>
-      <p:sp useBgFill="1">
-        <p:nvSpPr>
-          <p:cNvPr id="12" name="Rectangle 11">
+      <p:pic>
+        <p:nvPicPr>
+          <p:cNvPr id="5" name="תמונה 4" descr="תמונה שמכילה טקסט&#10;&#10;התיאור נוצר באופן אוטומטי">
             <a:extLst>
               <a:ext uri="{FF2B5EF4-FFF2-40B4-BE49-F238E27FC236}">
-                <a16:creationId xmlns:a16="http://schemas.microsoft.com/office/drawing/2014/main" id="{61EB557E-621E-4254-B750-85274C5F4D5C}"/>
-              </a:ext>
-              <a:ext uri="{C183D7F6-B498-43B3-948B-1728B52AA6E4}">
-                <adec:decorative xmlns:adec="http://schemas.microsoft.com/office/drawing/2017/decorative" val="1"/>
+                <a16:creationId xmlns:a16="http://schemas.microsoft.com/office/drawing/2014/main" id="{E8B45008-BF56-4DA2-AAA4-38E09035FC52}"/>
               </a:ext>
             </a:extLst>
           </p:cNvPr>
-          <p:cNvSpPr>
-            <a:spLocks noGrp="1" noRot="1" noChangeAspect="1" noMove="1" noResize="1" noEditPoints="1" noAdjustHandles="1" noChangeArrowheads="1" noChangeShapeType="1" noTextEdit="1"/>
-          </p:cNvSpPr>
-          <p:nvPr>
-            <p:extLst>
-              <p:ext uri="{386F3935-93C4-4BCD-93E2-E3B085C9AB24}">
-                <p16:designElem xmlns:p16="http://schemas.microsoft.com/office/powerpoint/2015/main" val="1"/>
-              </p:ext>
-            </p:extLst>
-          </p:nvPr>
-        </p:nvSpPr>
+          <p:cNvPicPr>
+            <a:picLocks noChangeAspect="1"/>
+          </p:cNvPicPr>
+          <p:nvPr/>
+        </p:nvPicPr>
+        <p:blipFill rotWithShape="1">
+          <a:blip r:embed="rId2">
+            <a:extLst>
+              <a:ext uri="{28A0092B-C50C-407E-A947-70E740481C1C}">
+                <a14:useLocalDpi xmlns:a14="http://schemas.microsoft.com/office/drawing/2010/main" val="0"/>
+              </a:ext>
+            </a:extLst>
+          </a:blip>
+          <a:srcRect l="25551" r="28706"/>
+          <a:stretch/>
+        </p:blipFill>
         <p:spPr>
           <a:xfrm>
-            <a:off x="0" y="2529841"/>
-            <a:ext cx="12192000" cy="4328159"/>
+            <a:off x="232861" y="243840"/>
+            <a:ext cx="3646837" cy="6377939"/>
           </a:xfrm>
           <a:prstGeom prst="rect">
             <a:avLst/>
           </a:prstGeom>
-          <a:ln>
-            <a:noFill/>
-          </a:ln>
         </p:spPr>
-        <p:style>
-          <a:lnRef idx="2">
-            <a:schemeClr val="accent1">
-              <a:shade val="50000"/>
-            </a:schemeClr>
-          </a:lnRef>
-          <a:fillRef idx="1">
-            <a:schemeClr val="accent1"/>
-          </a:fillRef>
-          <a:effectRef idx="0">
-            <a:schemeClr val="accent1"/>
-          </a:effectRef>
-          <a:fontRef idx="minor">
-            <a:schemeClr val="lt1"/>
-          </a:fontRef>
-        </p:style>
-        <p:txBody>
-          <a:bodyPr rtlCol="0" anchor="ctr"/>
-          <a:lstStyle/>
-          <a:p>
-            <a:pPr algn="ctr"/>
-            <a:endParaRPr lang="en-US"/>
-          </a:p>
-        </p:txBody>
-      </p:sp>
+      </p:pic>
       <p:sp>
         <p:nvSpPr>
           <p:cNvPr id="3" name="Content Placeholder 2">
@@ -22195,8 +22978,8 @@
         </p:nvSpPr>
         <p:spPr>
           <a:xfrm>
-            <a:off x="1143000" y="2852530"/>
-            <a:ext cx="9872871" cy="3243469"/>
+            <a:off x="4569938" y="1742440"/>
+            <a:ext cx="6693061" cy="4038600"/>
           </a:xfrm>
         </p:spPr>
         <p:txBody>
@@ -22206,9 +22989,6 @@
           <a:lstStyle/>
           <a:p>
             <a:pPr>
-              <a:lnSpc>
-                <a:spcPct val="100000"/>
-              </a:lnSpc>
               <a:tabLst>
                 <a:tab pos="731520" algn="l"/>
                 <a:tab pos="1463040" algn="l"/>
@@ -22222,22 +23002,26 @@
               </a:tabLst>
             </a:pPr>
             <a:r>
-              <a:rPr lang="he-IL" sz="2400" dirty="0">
+              <a:rPr lang="he-IL" sz="2800" dirty="0">
+                <a:solidFill>
+                  <a:srgbClr val="FFFFFF"/>
+                </a:solidFill>
                 <a:latin typeface="Arial" panose="020B0604020202020204" pitchFamily="34" charset="0"/>
                 <a:cs typeface="Arial" panose="020B0604020202020204" pitchFamily="34" charset="0"/>
               </a:rPr>
               <a:t>משחק מחשב הוא תכנת מחשב המהווה משחק, ובה מתקיימת אינטראקציה תמידית עם המשתמש (השחקן).</a:t>
             </a:r>
-            <a:endParaRPr lang="en-US" sz="2400" dirty="0">
+            <a:endParaRPr lang="en-US" sz="2800" dirty="0">
+              <a:solidFill>
+                <a:srgbClr val="FFFFFF"/>
+              </a:solidFill>
               <a:latin typeface="Arial" panose="020B0604020202020204" pitchFamily="34" charset="0"/>
               <a:cs typeface="Arial" panose="020B0604020202020204" pitchFamily="34" charset="0"/>
             </a:endParaRPr>
           </a:p>
           <a:p>
-            <a:pPr>
-              <a:lnSpc>
-                <a:spcPct val="100000"/>
-              </a:lnSpc>
+            <a:pPr marL="45720" indent="0">
+              <a:buNone/>
               <a:tabLst>
                 <a:tab pos="731520" algn="l"/>
                 <a:tab pos="1463040" algn="l"/>
@@ -22250,16 +23034,16 @@
                 <a:tab pos="6583680" algn="l"/>
               </a:tabLst>
             </a:pPr>
-            <a:endParaRPr lang="he-IL" sz="2400" dirty="0">
+            <a:endParaRPr lang="he-IL" sz="2800" dirty="0">
+              <a:solidFill>
+                <a:srgbClr val="FFFFFF"/>
+              </a:solidFill>
               <a:latin typeface="Arial" panose="020B0604020202020204" pitchFamily="34" charset="0"/>
               <a:cs typeface="Arial" panose="020B0604020202020204" pitchFamily="34" charset="0"/>
             </a:endParaRPr>
           </a:p>
           <a:p>
             <a:pPr>
-              <a:lnSpc>
-                <a:spcPct val="100000"/>
-              </a:lnSpc>
               <a:tabLst>
                 <a:tab pos="731520" algn="l"/>
                 <a:tab pos="1463040" algn="l"/>
@@ -22273,22 +23057,25 @@
               </a:tabLst>
             </a:pPr>
             <a:r>
-              <a:rPr lang="he-IL" sz="2400" dirty="0">
+              <a:rPr lang="he-IL" sz="2800" dirty="0">
+                <a:solidFill>
+                  <a:srgbClr val="FFFFFF"/>
+                </a:solidFill>
                 <a:latin typeface="Arial" panose="020B0604020202020204" pitchFamily="34" charset="0"/>
                 <a:cs typeface="Arial" panose="020B0604020202020204" pitchFamily="34" charset="0"/>
               </a:rPr>
               <a:t>אסטרטגיה בזמן אמת הוא ז'אנר של משחקים בהם השחקן מקבל הדמיה של מפת שדה קרב, ועליו לנהל את חייליו בקרב.</a:t>
             </a:r>
-            <a:endParaRPr lang="en-US" sz="2400" dirty="0">
+            <a:endParaRPr lang="en-US" sz="2800" dirty="0">
+              <a:solidFill>
+                <a:srgbClr val="FFFFFF"/>
+              </a:solidFill>
               <a:latin typeface="Arial" panose="020B0604020202020204" pitchFamily="34" charset="0"/>
               <a:cs typeface="Arial" panose="020B0604020202020204" pitchFamily="34" charset="0"/>
             </a:endParaRPr>
           </a:p>
           <a:p>
             <a:pPr>
-              <a:lnSpc>
-                <a:spcPct val="100000"/>
-              </a:lnSpc>
               <a:tabLst>
                 <a:tab pos="731520" algn="l"/>
                 <a:tab pos="1463040" algn="l"/>
@@ -22301,16 +23088,16 @@
                 <a:tab pos="6583680" algn="l"/>
               </a:tabLst>
             </a:pPr>
-            <a:endParaRPr lang="he-IL" sz="2400" dirty="0">
+            <a:endParaRPr lang="he-IL" sz="2800" dirty="0">
+              <a:solidFill>
+                <a:srgbClr val="FFFFFF"/>
+              </a:solidFill>
               <a:latin typeface="Arial" panose="020B0604020202020204" pitchFamily="34" charset="0"/>
               <a:cs typeface="Arial" panose="020B0604020202020204" pitchFamily="34" charset="0"/>
             </a:endParaRPr>
           </a:p>
           <a:p>
             <a:pPr>
-              <a:lnSpc>
-                <a:spcPct val="100000"/>
-              </a:lnSpc>
               <a:tabLst>
                 <a:tab pos="731520" algn="l"/>
                 <a:tab pos="1463040" algn="l"/>
@@ -22324,35 +23111,50 @@
               </a:tabLst>
             </a:pPr>
             <a:r>
-              <a:rPr lang="he-IL" sz="2400" dirty="0">
+              <a:rPr lang="he-IL" sz="2800" dirty="0">
+                <a:solidFill>
+                  <a:srgbClr val="FFFFFF"/>
+                </a:solidFill>
                 <a:latin typeface="Arial" panose="020B0604020202020204" pitchFamily="34" charset="0"/>
                 <a:cs typeface="Arial" panose="020B0604020202020204" pitchFamily="34" charset="0"/>
               </a:rPr>
               <a:t>מוכר בכינוי </a:t>
             </a:r>
             <a:r>
-              <a:rPr lang="en-US" sz="2400" dirty="0">
+              <a:rPr lang="en-US" sz="2800" dirty="0">
+                <a:solidFill>
+                  <a:srgbClr val="FFFFFF"/>
+                </a:solidFill>
                 <a:latin typeface="Arial" panose="020B0604020202020204" pitchFamily="34" charset="0"/>
                 <a:cs typeface="Arial" panose="020B0604020202020204" pitchFamily="34" charset="0"/>
               </a:rPr>
               <a:t>RTS</a:t>
             </a:r>
             <a:r>
-              <a:rPr lang="he-IL" sz="2400" dirty="0">
+              <a:rPr lang="he-IL" sz="2800" dirty="0">
+                <a:solidFill>
+                  <a:srgbClr val="FFFFFF"/>
+                </a:solidFill>
                 <a:latin typeface="Arial" panose="020B0604020202020204" pitchFamily="34" charset="0"/>
                 <a:cs typeface="Arial" panose="020B0604020202020204" pitchFamily="34" charset="0"/>
               </a:rPr>
               <a:t> (</a:t>
             </a:r>
             <a:r>
-              <a:rPr lang="en-US" sz="2400" dirty="0">
+              <a:rPr lang="en-US" sz="2800" dirty="0">
+                <a:solidFill>
+                  <a:srgbClr val="FFFFFF"/>
+                </a:solidFill>
                 <a:latin typeface="Arial" panose="020B0604020202020204" pitchFamily="34" charset="0"/>
                 <a:cs typeface="Arial" panose="020B0604020202020204" pitchFamily="34" charset="0"/>
               </a:rPr>
               <a:t>Real Time Strategy</a:t>
             </a:r>
             <a:r>
-              <a:rPr lang="he-IL" sz="2400" dirty="0">
+              <a:rPr lang="he-IL" sz="2800" dirty="0">
+                <a:solidFill>
+                  <a:srgbClr val="FFFFFF"/>
+                </a:solidFill>
                 <a:latin typeface="Arial" panose="020B0604020202020204" pitchFamily="34" charset="0"/>
                 <a:cs typeface="Arial" panose="020B0604020202020204" pitchFamily="34" charset="0"/>
               </a:rPr>
@@ -22375,7 +23177,7 @@
             </a:pPr>
             <a:endParaRPr lang="he-IL" dirty="0">
               <a:solidFill>
-                <a:schemeClr val="tx1"/>
+                <a:srgbClr val="FFFFFF"/>
               </a:solidFill>
               <a:effectLst/>
               <a:latin typeface="Times New Roman" panose="02020603050405020304" pitchFamily="18" charset="0"/>
@@ -22389,13 +23191,68 @@
             </a:pPr>
             <a:endParaRPr lang="he-IL" dirty="0">
               <a:solidFill>
-                <a:schemeClr val="tx1"/>
+                <a:srgbClr val="FFFFFF"/>
               </a:solidFill>
               <a:latin typeface="Arial" panose="020B0604020202020204" pitchFamily="34" charset="0"/>
               <a:cs typeface="Arial" panose="020B0604020202020204" pitchFamily="34" charset="0"/>
             </a:endParaRPr>
           </a:p>
         </p:txBody>
+      </p:sp>
+      <p:sp>
+        <p:nvSpPr>
+          <p:cNvPr id="19" name="Rectangle 18">
+            <a:extLst>
+              <a:ext uri="{FF2B5EF4-FFF2-40B4-BE49-F238E27FC236}">
+                <a16:creationId xmlns:a16="http://schemas.microsoft.com/office/drawing/2014/main" id="{5FB82C82-5CD1-4F5F-9401-9B1BAE32C7FB}"/>
+              </a:ext>
+              <a:ext uri="{C183D7F6-B498-43B3-948B-1728B52AA6E4}">
+                <adec:decorative xmlns:adec="http://schemas.microsoft.com/office/drawing/2017/decorative" val="1"/>
+              </a:ext>
+            </a:extLst>
+          </p:cNvPr>
+          <p:cNvSpPr>
+            <a:spLocks noGrp="1" noRot="1" noChangeAspect="1" noMove="1" noResize="1" noEditPoints="1" noAdjustHandles="1" noChangeArrowheads="1" noChangeShapeType="1" noTextEdit="1"/>
+          </p:cNvSpPr>
+          <p:nvPr>
+            <p:extLst>
+              <p:ext uri="{386F3935-93C4-4BCD-93E2-E3B085C9AB24}">
+                <p16:designElem xmlns:p16="http://schemas.microsoft.com/office/powerpoint/2015/main" val="1"/>
+              </p:ext>
+            </p:extLst>
+          </p:nvPr>
+        </p:nvSpPr>
+        <p:spPr>
+          <a:xfrm>
+            <a:off x="228600" y="243840"/>
+            <a:ext cx="11724640" cy="6377939"/>
+          </a:xfrm>
+          <a:prstGeom prst="rect">
+            <a:avLst/>
+          </a:prstGeom>
+          <a:noFill/>
+          <a:ln w="12700">
+            <a:solidFill>
+              <a:schemeClr val="bg1"/>
+            </a:solidFill>
+          </a:ln>
+        </p:spPr>
+        <p:style>
+          <a:lnRef idx="2">
+            <a:schemeClr val="accent1">
+              <a:shade val="50000"/>
+            </a:schemeClr>
+          </a:lnRef>
+          <a:fillRef idx="1">
+            <a:schemeClr val="accent1"/>
+          </a:fillRef>
+          <a:effectRef idx="0">
+            <a:schemeClr val="accent1"/>
+          </a:effectRef>
+          <a:fontRef idx="minor">
+            <a:schemeClr val="lt1"/>
+          </a:fontRef>
+        </p:style>
       </p:sp>
     </p:spTree>
     <p:extLst>
@@ -22998,7 +23855,7 @@
                 <a:latin typeface="Arial" panose="020B0604020202020204" pitchFamily="34" charset="0"/>
                 <a:cs typeface="Arial" panose="020B0604020202020204" pitchFamily="34" charset="0"/>
               </a:rPr>
-              <a:t>גימריים</a:t>
+              <a:t>גיימרים</a:t>
             </a:r>
             <a:r>
               <a:rPr lang="he-IL" sz="2800" dirty="0">
@@ -23113,6 +23970,42 @@
           </a:p>
         </p:txBody>
       </p:sp>
+      <p:pic>
+        <p:nvPicPr>
+          <p:cNvPr id="5" name="תמונה 4" descr="תמונה שמכילה טבע&#10;&#10;התיאור נוצר באופן אוטומטי">
+            <a:extLst>
+              <a:ext uri="{FF2B5EF4-FFF2-40B4-BE49-F238E27FC236}">
+                <a16:creationId xmlns:a16="http://schemas.microsoft.com/office/drawing/2014/main" id="{988B00AD-6816-4CF6-9740-A083B53A072F}"/>
+              </a:ext>
+            </a:extLst>
+          </p:cNvPr>
+          <p:cNvPicPr>
+            <a:picLocks noChangeAspect="1"/>
+          </p:cNvPicPr>
+          <p:nvPr/>
+        </p:nvPicPr>
+        <p:blipFill>
+          <a:blip r:embed="rId2">
+            <a:extLst>
+              <a:ext uri="{28A0092B-C50C-407E-A947-70E740481C1C}">
+                <a14:useLocalDpi xmlns:a14="http://schemas.microsoft.com/office/drawing/2010/main" val="0"/>
+              </a:ext>
+            </a:extLst>
+          </a:blip>
+          <a:stretch>
+            <a:fillRect/>
+          </a:stretch>
+        </p:blipFill>
+        <p:spPr>
+          <a:xfrm>
+            <a:off x="898357" y="3037840"/>
+            <a:ext cx="5442776" cy="3058160"/>
+          </a:xfrm>
+          <a:prstGeom prst="rect">
+            <a:avLst/>
+          </a:prstGeom>
+        </p:spPr>
+      </p:pic>
     </p:spTree>
     <p:extLst>
       <p:ext uri="{BB962C8B-B14F-4D97-AF65-F5344CB8AC3E}">
@@ -23600,6 +24493,14 @@
 <file path=ppt/slides/slide7.xml><?xml version="1.0" encoding="utf-8"?>
 <p:sld xmlns:a="http://schemas.openxmlformats.org/drawingml/2006/main" xmlns:r="http://schemas.openxmlformats.org/officeDocument/2006/relationships" xmlns:p="http://schemas.openxmlformats.org/presentationml/2006/main">
   <p:cSld>
+    <p:bg>
+      <p:bgPr>
+        <a:solidFill>
+          <a:schemeClr val="accent1"/>
+        </a:solidFill>
+        <a:effectLst/>
+      </p:bgPr>
+    </p:bg>
     <p:spTree>
       <p:nvGrpSpPr>
         <p:cNvPr id="1" name=""/>
@@ -23630,12 +24531,18 @@
             <p:ph type="title"/>
           </p:nvPr>
         </p:nvSpPr>
-        <p:spPr/>
+        <p:spPr>
+          <a:xfrm>
+            <a:off x="6947034" y="762000"/>
+            <a:ext cx="9875520" cy="1356360"/>
+          </a:xfrm>
+        </p:spPr>
         <p:txBody>
-          <a:bodyPr/>
+          <a:bodyPr>
+            <a:normAutofit/>
+          </a:bodyPr>
           <a:lstStyle/>
           <a:p>
-            <a:pPr algn="r"/>
             <a:r>
               <a:rPr lang="he-IL" b="1" dirty="0">
                 <a:latin typeface="Arial" panose="020B0604020202020204" pitchFamily="34" charset="0"/>
@@ -23666,14 +24573,14 @@
             <p:ph idx="1"/>
             <p:extLst>
               <p:ext uri="{D42A27DB-BD31-4B8C-83A1-F6EECF244321}">
-                <p14:modId xmlns:p14="http://schemas.microsoft.com/office/powerpoint/2010/main" val="1749447920"/>
+                <p14:modId xmlns:p14="http://schemas.microsoft.com/office/powerpoint/2010/main" val="259833539"/>
               </p:ext>
             </p:extLst>
           </p:nvPr>
         </p:nvGraphicFramePr>
         <p:xfrm>
-          <a:off x="1143000" y="2057400"/>
-          <a:ext cx="9872871" cy="4038600"/>
+          <a:off x="1143000" y="2298530"/>
+          <a:ext cx="9872663" cy="3797470"/>
         </p:xfrm>
         <a:graphic>
           <a:graphicData uri="http://schemas.openxmlformats.org/drawingml/2006/diagram">
@@ -23697,6 +24604,14 @@
 <file path=ppt/slides/slide8.xml><?xml version="1.0" encoding="utf-8"?>
 <p:sld xmlns:a="http://schemas.openxmlformats.org/drawingml/2006/main" xmlns:r="http://schemas.openxmlformats.org/officeDocument/2006/relationships" xmlns:p="http://schemas.openxmlformats.org/presentationml/2006/main">
   <p:cSld>
+    <p:bg>
+      <p:bgPr>
+        <a:solidFill>
+          <a:schemeClr val="accent1"/>
+        </a:solidFill>
+        <a:effectLst/>
+      </p:bgPr>
+    </p:bg>
     <p:spTree>
       <p:nvGrpSpPr>
         <p:cNvPr id="1" name=""/>
@@ -23727,12 +24642,18 @@
             <p:ph type="title"/>
           </p:nvPr>
         </p:nvSpPr>
-        <p:spPr/>
+        <p:spPr>
+          <a:xfrm>
+            <a:off x="4719320" y="619760"/>
+            <a:ext cx="9875520" cy="1356360"/>
+          </a:xfrm>
+        </p:spPr>
         <p:txBody>
-          <a:bodyPr/>
+          <a:bodyPr>
+            <a:normAutofit/>
+          </a:bodyPr>
           <a:lstStyle/>
           <a:p>
-            <a:pPr algn="r"/>
             <a:r>
               <a:rPr lang="he-IL" b="1" dirty="0">
                 <a:latin typeface="Arial" panose="020B0604020202020204" pitchFamily="34" charset="0"/>
@@ -23763,14 +24684,14 @@
             <p:ph idx="1"/>
             <p:extLst>
               <p:ext uri="{D42A27DB-BD31-4B8C-83A1-F6EECF244321}">
-                <p14:modId xmlns:p14="http://schemas.microsoft.com/office/powerpoint/2010/main" val="239627797"/>
+                <p14:modId xmlns:p14="http://schemas.microsoft.com/office/powerpoint/2010/main" val="566978146"/>
               </p:ext>
             </p:extLst>
           </p:nvPr>
         </p:nvGraphicFramePr>
         <p:xfrm>
-          <a:off x="1143000" y="2057400"/>
-          <a:ext cx="9872871" cy="4038600"/>
+          <a:off x="1143000" y="2298530"/>
+          <a:ext cx="9872663" cy="3797470"/>
         </p:xfrm>
         <a:graphic>
           <a:graphicData uri="http://schemas.openxmlformats.org/drawingml/2006/diagram">
@@ -23834,7 +24755,7 @@
         </p:nvSpPr>
         <p:spPr>
           <a:xfrm>
-            <a:off x="7749709" y="609597"/>
+            <a:off x="7990341" y="-1427750"/>
             <a:ext cx="3364378" cy="5606143"/>
           </a:xfrm>
         </p:spPr>
@@ -23862,7 +24783,7 @@
               </a:tabLst>
             </a:pPr>
             <a:r>
-              <a:rPr lang="he-IL" b="1" dirty="0">
+              <a:rPr lang="he-IL" b="1">
                 <a:latin typeface="Arial" panose="020B0604020202020204" pitchFamily="34" charset="0"/>
                 <a:cs typeface="Arial" panose="020B0604020202020204" pitchFamily="34" charset="0"/>
               </a:rPr>
@@ -23891,7 +24812,7 @@
             <p:ph idx="1"/>
             <p:extLst>
               <p:ext uri="{D42A27DB-BD31-4B8C-83A1-F6EECF244321}">
-                <p14:modId xmlns:p14="http://schemas.microsoft.com/office/powerpoint/2010/main" val="2182501356"/>
+                <p14:modId xmlns:p14="http://schemas.microsoft.com/office/powerpoint/2010/main" val="518046398"/>
               </p:ext>
             </p:extLst>
           </p:nvPr>
@@ -23906,6 +24827,42 @@
           </a:graphicData>
         </a:graphic>
       </p:graphicFrame>
+      <p:pic>
+        <p:nvPicPr>
+          <p:cNvPr id="4" name="תמונה 3" descr="תמונה שמכילה טקסט, דשא&#10;&#10;התיאור נוצר באופן אוטומטי">
+            <a:extLst>
+              <a:ext uri="{FF2B5EF4-FFF2-40B4-BE49-F238E27FC236}">
+                <a16:creationId xmlns:a16="http://schemas.microsoft.com/office/drawing/2014/main" id="{67AB2FE7-65C5-4E96-8566-0D606DADADFD}"/>
+              </a:ext>
+            </a:extLst>
+          </p:cNvPr>
+          <p:cNvPicPr>
+            <a:picLocks noChangeAspect="1"/>
+          </p:cNvPicPr>
+          <p:nvPr/>
+        </p:nvPicPr>
+        <p:blipFill>
+          <a:blip r:embed="rId7">
+            <a:extLst>
+              <a:ext uri="{28A0092B-C50C-407E-A947-70E740481C1C}">
+                <a14:useLocalDpi xmlns:a14="http://schemas.microsoft.com/office/drawing/2010/main" val="0"/>
+              </a:ext>
+            </a:extLst>
+          </a:blip>
+          <a:stretch>
+            <a:fillRect/>
+          </a:stretch>
+        </p:blipFill>
+        <p:spPr>
+          <a:xfrm>
+            <a:off x="8066086" y="2648064"/>
+            <a:ext cx="3564439" cy="2673329"/>
+          </a:xfrm>
+          <a:prstGeom prst="rect">
+            <a:avLst/>
+          </a:prstGeom>
+        </p:spPr>
+      </p:pic>
     </p:spTree>
     <p:extLst>
       <p:ext uri="{BB962C8B-B14F-4D97-AF65-F5344CB8AC3E}">

--- a/דוחות/מצגת.pptx
+++ b/דוחות/מצגת.pptx
@@ -5503,7 +5503,7 @@
 <dgm:dataModel xmlns:dgm="http://schemas.openxmlformats.org/drawingml/2006/diagram" xmlns:a="http://schemas.openxmlformats.org/drawingml/2006/main">
   <dgm:ptLst>
     <dgm:pt modelId="{87EE9532-BB0E-4874-B8FE-B5AF31C4FE96}" type="doc">
-      <dgm:prSet loTypeId="urn:microsoft.com/office/officeart/2005/8/layout/process4" loCatId="process" qsTypeId="urn:microsoft.com/office/officeart/2005/8/quickstyle/simple1" qsCatId="simple" csTypeId="urn:microsoft.com/office/officeart/2005/8/colors/accent0_3" csCatId="mainScheme" phldr="1"/>
+      <dgm:prSet loTypeId="urn:microsoft.com/office/officeart/2018/2/layout/IconVerticalSolidList" loCatId="icon" qsTypeId="urn:microsoft.com/office/officeart/2005/8/quickstyle/simple1" qsCatId="simple" csTypeId="urn:microsoft.com/office/officeart/2005/8/colors/accent0_3" csCatId="mainScheme" phldr="1"/>
       <dgm:spPr/>
       <dgm:t>
         <a:bodyPr/>
@@ -5529,11 +5529,16 @@
         <a:bodyPr/>
         <a:lstStyle/>
         <a:p>
+          <a:pPr>
+            <a:lnSpc>
+              <a:spcPct val="100000"/>
+            </a:lnSpc>
+          </a:pPr>
           <a:r>
-            <a:rPr lang="he-IL" dirty="0"/>
+            <a:rPr lang="he-IL"/>
             <a:t>שלב בנייה</a:t>
           </a:r>
-          <a:endParaRPr lang="en-US" dirty="0"/>
+          <a:endParaRPr lang="en-US"/>
         </a:p>
       </dgm:t>
     </dgm:pt>
@@ -5570,11 +5575,16 @@
         <a:bodyPr/>
         <a:lstStyle/>
         <a:p>
+          <a:pPr>
+            <a:lnSpc>
+              <a:spcPct val="100000"/>
+            </a:lnSpc>
+          </a:pPr>
           <a:r>
-            <a:rPr lang="he-IL" dirty="0"/>
+            <a:rPr lang="he-IL"/>
             <a:t>שלב הכשרה</a:t>
           </a:r>
-          <a:endParaRPr lang="en-US" dirty="0"/>
+          <a:endParaRPr lang="en-US"/>
         </a:p>
       </dgm:t>
     </dgm:pt>
@@ -5611,6 +5621,11 @@
         <a:bodyPr/>
         <a:lstStyle/>
         <a:p>
+          <a:pPr>
+            <a:lnSpc>
+              <a:spcPct val="100000"/>
+            </a:lnSpc>
+          </a:pPr>
           <a:r>
             <a:rPr lang="he-IL"/>
             <a:t>שלב טקטיקה</a:t>
@@ -5652,11 +5667,16 @@
         <a:bodyPr/>
         <a:lstStyle/>
         <a:p>
+          <a:pPr>
+            <a:lnSpc>
+              <a:spcPct val="100000"/>
+            </a:lnSpc>
+          </a:pPr>
           <a:r>
-            <a:rPr lang="he-IL" dirty="0"/>
+            <a:rPr lang="he-IL"/>
             <a:t>שלב מלחמה</a:t>
           </a:r>
-          <a:endParaRPr lang="en-US" dirty="0"/>
+          <a:endParaRPr lang="en-US"/>
         </a:p>
       </dgm:t>
     </dgm:pt>
@@ -5682,82 +5702,251 @@
         </a:p>
       </dgm:t>
     </dgm:pt>
-    <dgm:pt modelId="{AB27B9F0-718B-4033-A75F-26218D03FF71}" type="pres">
-      <dgm:prSet presAssocID="{87EE9532-BB0E-4874-B8FE-B5AF31C4FE96}" presName="Name0" presStyleCnt="0">
+    <dgm:pt modelId="{43228116-1A2A-4516-BC23-F36DEA074537}" type="pres">
+      <dgm:prSet presAssocID="{87EE9532-BB0E-4874-B8FE-B5AF31C4FE96}" presName="root" presStyleCnt="0">
         <dgm:presLayoutVars>
           <dgm:dir/>
-          <dgm:animLvl val="lvl"/>
           <dgm:resizeHandles val="exact"/>
         </dgm:presLayoutVars>
       </dgm:prSet>
       <dgm:spPr/>
     </dgm:pt>
-    <dgm:pt modelId="{B85042D2-1E1E-40CE-A928-AED93E67A3A7}" type="pres">
-      <dgm:prSet presAssocID="{19A34559-11BE-4344-892B-93602B6968DA}" presName="boxAndChildren" presStyleCnt="0"/>
+    <dgm:pt modelId="{8AFF2958-9F1E-4BF8-920A-178A791CB667}" type="pres">
+      <dgm:prSet presAssocID="{3B534933-8C69-49DE-BD77-4AA184173920}" presName="compNode" presStyleCnt="0"/>
       <dgm:spPr/>
     </dgm:pt>
-    <dgm:pt modelId="{D04029F1-3CAC-4483-90ED-941CB9F18D1C}" type="pres">
-      <dgm:prSet presAssocID="{19A34559-11BE-4344-892B-93602B6968DA}" presName="parentTextBox" presStyleLbl="node1" presStyleIdx="0" presStyleCnt="4"/>
+    <dgm:pt modelId="{EE0FAD3B-E23D-45D5-A0E2-33249FED8B44}" type="pres">
+      <dgm:prSet presAssocID="{3B534933-8C69-49DE-BD77-4AA184173920}" presName="bgRect" presStyleLbl="bgShp" presStyleIdx="0" presStyleCnt="4"/>
       <dgm:spPr/>
     </dgm:pt>
-    <dgm:pt modelId="{438DA9F3-5B4E-4209-8925-21A0AF52E406}" type="pres">
-      <dgm:prSet presAssocID="{D268FE03-6F8A-4A73-BC0C-85A79BE2FD97}" presName="sp" presStyleCnt="0"/>
+    <dgm:pt modelId="{5E154F70-0292-47C1-99CB-247A569A1F23}" type="pres">
+      <dgm:prSet presAssocID="{3B534933-8C69-49DE-BD77-4AA184173920}" presName="iconRect" presStyleLbl="node1" presStyleIdx="0" presStyleCnt="4"/>
+      <dgm:spPr>
+        <a:blipFill>
+          <a:blip xmlns:r="http://schemas.openxmlformats.org/officeDocument/2006/relationships" r:embed="rId1">
+            <a:extLst>
+              <a:ext uri="{28A0092B-C50C-407E-A947-70E740481C1C}">
+                <a14:useLocalDpi xmlns:a14="http://schemas.microsoft.com/office/drawing/2010/main" val="0"/>
+              </a:ext>
+              <a:ext uri="{96DAC541-7B7A-43D3-8B79-37D633B846F1}">
+                <asvg:svgBlip xmlns:asvg="http://schemas.microsoft.com/office/drawing/2016/SVG/main" r:embed="rId2"/>
+              </a:ext>
+            </a:extLst>
+          </a:blip>
+          <a:stretch>
+            <a:fillRect/>
+          </a:stretch>
+        </a:blipFill>
+      </dgm:spPr>
+      <dgm:extLst>
+        <a:ext uri="{E40237B7-FDA0-4F09-8148-C483321AD2D9}">
+          <dgm14:cNvPr xmlns:dgm14="http://schemas.microsoft.com/office/drawing/2010/diagram" id="0" name="" descr="Crane"/>
+        </a:ext>
+      </dgm:extLst>
+    </dgm:pt>
+    <dgm:pt modelId="{709E900B-57E9-4D43-89FA-C3F662D3A709}" type="pres">
+      <dgm:prSet presAssocID="{3B534933-8C69-49DE-BD77-4AA184173920}" presName="spaceRect" presStyleCnt="0"/>
       <dgm:spPr/>
     </dgm:pt>
-    <dgm:pt modelId="{79C2E8C6-5677-4964-95F3-1659B93E480E}" type="pres">
-      <dgm:prSet presAssocID="{9902069B-CF21-4F50-A334-2A756BAD7F98}" presName="arrowAndChildren" presStyleCnt="0"/>
+    <dgm:pt modelId="{9A471F1B-9FC9-413B-A6A4-D049CB2D2671}" type="pres">
+      <dgm:prSet presAssocID="{3B534933-8C69-49DE-BD77-4AA184173920}" presName="parTx" presStyleLbl="revTx" presStyleIdx="0" presStyleCnt="4" custLinFactNeighborX="-2820" custLinFactNeighborY="-42502">
+        <dgm:presLayoutVars>
+          <dgm:chMax val="0"/>
+          <dgm:chPref val="0"/>
+        </dgm:presLayoutVars>
+      </dgm:prSet>
       <dgm:spPr/>
     </dgm:pt>
-    <dgm:pt modelId="{CC3B896A-AB8B-4231-B6D3-366E0B731F92}" type="pres">
-      <dgm:prSet presAssocID="{9902069B-CF21-4F50-A334-2A756BAD7F98}" presName="parentTextArrow" presStyleLbl="node1" presStyleIdx="1" presStyleCnt="4"/>
+    <dgm:pt modelId="{CF2B58EB-49AF-40F4-92FE-15C7BB44D829}" type="pres">
+      <dgm:prSet presAssocID="{B253C102-B772-4CD9-81C1-1EB6DC1E587D}" presName="sibTrans" presStyleCnt="0"/>
       <dgm:spPr/>
     </dgm:pt>
-    <dgm:pt modelId="{D75C663E-3F3F-44EB-ADCB-286D632B0997}" type="pres">
-      <dgm:prSet presAssocID="{A25C9654-D6FA-49FF-BE0D-5107ED0DA744}" presName="sp" presStyleCnt="0"/>
+    <dgm:pt modelId="{19C77131-1BDD-42D4-9E29-09BB55A79FB6}" type="pres">
+      <dgm:prSet presAssocID="{A4C8AC66-5311-45A9-8987-287C56153E79}" presName="compNode" presStyleCnt="0"/>
       <dgm:spPr/>
     </dgm:pt>
-    <dgm:pt modelId="{50D4E5A1-8CBF-43F8-8771-9CD320E8E4B5}" type="pres">
-      <dgm:prSet presAssocID="{A4C8AC66-5311-45A9-8987-287C56153E79}" presName="arrowAndChildren" presStyleCnt="0"/>
+    <dgm:pt modelId="{705D7FB0-2A82-4AA1-A873-FA3E06008B4F}" type="pres">
+      <dgm:prSet presAssocID="{A4C8AC66-5311-45A9-8987-287C56153E79}" presName="bgRect" presStyleLbl="bgShp" presStyleIdx="1" presStyleCnt="4"/>
       <dgm:spPr/>
     </dgm:pt>
-    <dgm:pt modelId="{D0EAB7CF-8EF5-452B-A0B7-0FCD413CBF21}" type="pres">
-      <dgm:prSet presAssocID="{A4C8AC66-5311-45A9-8987-287C56153E79}" presName="parentTextArrow" presStyleLbl="node1" presStyleIdx="2" presStyleCnt="4"/>
+    <dgm:pt modelId="{6093850C-E4AB-436C-A93C-384E7C759013}" type="pres">
+      <dgm:prSet presAssocID="{A4C8AC66-5311-45A9-8987-287C56153E79}" presName="iconRect" presStyleLbl="node1" presStyleIdx="1" presStyleCnt="4"/>
+      <dgm:spPr>
+        <a:blipFill>
+          <a:blip xmlns:r="http://schemas.openxmlformats.org/officeDocument/2006/relationships" r:embed="rId3">
+            <a:extLst>
+              <a:ext uri="{28A0092B-C50C-407E-A947-70E740481C1C}">
+                <a14:useLocalDpi xmlns:a14="http://schemas.microsoft.com/office/drawing/2010/main" val="0"/>
+              </a:ext>
+              <a:ext uri="{96DAC541-7B7A-43D3-8B79-37D633B846F1}">
+                <asvg:svgBlip xmlns:asvg="http://schemas.microsoft.com/office/drawing/2016/SVG/main" r:embed="rId4"/>
+              </a:ext>
+            </a:extLst>
+          </a:blip>
+          <a:stretch>
+            <a:fillRect/>
+          </a:stretch>
+        </a:blipFill>
+        <a:ln>
+          <a:solidFill>
+            <a:srgbClr val="0070C0"/>
+          </a:solidFill>
+        </a:ln>
+      </dgm:spPr>
+      <dgm:extLst>
+        <a:ext uri="{E40237B7-FDA0-4F09-8148-C483321AD2D9}">
+          <dgm14:cNvPr xmlns:dgm14="http://schemas.microsoft.com/office/drawing/2010/diagram" id="0" name="" descr="Teacher"/>
+        </a:ext>
+      </dgm:extLst>
+    </dgm:pt>
+    <dgm:pt modelId="{560930FA-B659-4297-B039-8C8AB366580C}" type="pres">
+      <dgm:prSet presAssocID="{A4C8AC66-5311-45A9-8987-287C56153E79}" presName="spaceRect" presStyleCnt="0"/>
       <dgm:spPr/>
     </dgm:pt>
-    <dgm:pt modelId="{31FAA2C9-5667-459B-9C51-54E7627EECFF}" type="pres">
-      <dgm:prSet presAssocID="{B253C102-B772-4CD9-81C1-1EB6DC1E587D}" presName="sp" presStyleCnt="0"/>
+    <dgm:pt modelId="{9F1BBDDD-07AB-4527-AE42-8F3CCF5DD14B}" type="pres">
+      <dgm:prSet presAssocID="{A4C8AC66-5311-45A9-8987-287C56153E79}" presName="parTx" presStyleLbl="revTx" presStyleIdx="1" presStyleCnt="4">
+        <dgm:presLayoutVars>
+          <dgm:chMax val="0"/>
+          <dgm:chPref val="0"/>
+        </dgm:presLayoutVars>
+      </dgm:prSet>
       <dgm:spPr/>
     </dgm:pt>
-    <dgm:pt modelId="{AC358A82-F4BE-492D-8FA7-EB5F48C75EAE}" type="pres">
-      <dgm:prSet presAssocID="{3B534933-8C69-49DE-BD77-4AA184173920}" presName="arrowAndChildren" presStyleCnt="0"/>
+    <dgm:pt modelId="{FA1B3889-D957-4AFA-84D4-CC873A6D0729}" type="pres">
+      <dgm:prSet presAssocID="{A25C9654-D6FA-49FF-BE0D-5107ED0DA744}" presName="sibTrans" presStyleCnt="0"/>
       <dgm:spPr/>
     </dgm:pt>
-    <dgm:pt modelId="{0F8C6FA7-7D99-40DE-A661-D910163DD517}" type="pres">
-      <dgm:prSet presAssocID="{3B534933-8C69-49DE-BD77-4AA184173920}" presName="parentTextArrow" presStyleLbl="node1" presStyleIdx="3" presStyleCnt="4"/>
+    <dgm:pt modelId="{76A30B57-08CA-4C6E-B079-C6B8EE46F7C2}" type="pres">
+      <dgm:prSet presAssocID="{9902069B-CF21-4F50-A334-2A756BAD7F98}" presName="compNode" presStyleCnt="0"/>
+      <dgm:spPr/>
+    </dgm:pt>
+    <dgm:pt modelId="{CAC69CA1-B4E8-4B1C-9360-D9D5AE49DAA1}" type="pres">
+      <dgm:prSet presAssocID="{9902069B-CF21-4F50-A334-2A756BAD7F98}" presName="bgRect" presStyleLbl="bgShp" presStyleIdx="2" presStyleCnt="4"/>
+      <dgm:spPr/>
+    </dgm:pt>
+    <dgm:pt modelId="{4435C7D8-B3BE-4119-90C9-9B46063AD6F6}" type="pres">
+      <dgm:prSet presAssocID="{9902069B-CF21-4F50-A334-2A756BAD7F98}" presName="iconRect" presStyleLbl="node1" presStyleIdx="2" presStyleCnt="4"/>
+      <dgm:spPr>
+        <a:blipFill>
+          <a:blip xmlns:r="http://schemas.openxmlformats.org/officeDocument/2006/relationships" r:embed="rId5">
+            <a:extLst>
+              <a:ext uri="{28A0092B-C50C-407E-A947-70E740481C1C}">
+                <a14:useLocalDpi xmlns:a14="http://schemas.microsoft.com/office/drawing/2010/main" val="0"/>
+              </a:ext>
+              <a:ext uri="{96DAC541-7B7A-43D3-8B79-37D633B846F1}">
+                <asvg:svgBlip xmlns:asvg="http://schemas.microsoft.com/office/drawing/2016/SVG/main" r:embed="rId6"/>
+              </a:ext>
+            </a:extLst>
+          </a:blip>
+          <a:stretch>
+            <a:fillRect/>
+          </a:stretch>
+        </a:blipFill>
+      </dgm:spPr>
+      <dgm:extLst>
+        <a:ext uri="{E40237B7-FDA0-4F09-8148-C483321AD2D9}">
+          <dgm14:cNvPr xmlns:dgm14="http://schemas.microsoft.com/office/drawing/2010/diagram" id="0" name="" descr="Playbook"/>
+        </a:ext>
+      </dgm:extLst>
+    </dgm:pt>
+    <dgm:pt modelId="{E2107435-053D-4585-A20C-D1E905D602FE}" type="pres">
+      <dgm:prSet presAssocID="{9902069B-CF21-4F50-A334-2A756BAD7F98}" presName="spaceRect" presStyleCnt="0"/>
+      <dgm:spPr/>
+    </dgm:pt>
+    <dgm:pt modelId="{1BBA9413-B4D1-4E2C-ABB2-1BBD9693EC14}" type="pres">
+      <dgm:prSet presAssocID="{9902069B-CF21-4F50-A334-2A756BAD7F98}" presName="parTx" presStyleLbl="revTx" presStyleIdx="2" presStyleCnt="4">
+        <dgm:presLayoutVars>
+          <dgm:chMax val="0"/>
+          <dgm:chPref val="0"/>
+        </dgm:presLayoutVars>
+      </dgm:prSet>
+      <dgm:spPr/>
+    </dgm:pt>
+    <dgm:pt modelId="{A18664A5-8051-4283-8B9F-F11C44222EB4}" type="pres">
+      <dgm:prSet presAssocID="{D268FE03-6F8A-4A73-BC0C-85A79BE2FD97}" presName="sibTrans" presStyleCnt="0"/>
+      <dgm:spPr/>
+    </dgm:pt>
+    <dgm:pt modelId="{EB95F996-7A14-41B4-BE33-A4A965054D49}" type="pres">
+      <dgm:prSet presAssocID="{19A34559-11BE-4344-892B-93602B6968DA}" presName="compNode" presStyleCnt="0"/>
+      <dgm:spPr/>
+    </dgm:pt>
+    <dgm:pt modelId="{9E714B00-320D-45AA-BAFD-19601724D1B2}" type="pres">
+      <dgm:prSet presAssocID="{19A34559-11BE-4344-892B-93602B6968DA}" presName="bgRect" presStyleLbl="bgShp" presStyleIdx="3" presStyleCnt="4"/>
+      <dgm:spPr/>
+    </dgm:pt>
+    <dgm:pt modelId="{20A2E2CB-C075-4251-867F-C2EA5605D7CE}" type="pres">
+      <dgm:prSet presAssocID="{19A34559-11BE-4344-892B-93602B6968DA}" presName="iconRect" presStyleLbl="node1" presStyleIdx="3" presStyleCnt="4"/>
+      <dgm:spPr>
+        <a:blipFill>
+          <a:blip xmlns:r="http://schemas.openxmlformats.org/officeDocument/2006/relationships" r:embed="rId7">
+            <a:extLst>
+              <a:ext uri="{28A0092B-C50C-407E-A947-70E740481C1C}">
+                <a14:useLocalDpi xmlns:a14="http://schemas.microsoft.com/office/drawing/2010/main" val="0"/>
+              </a:ext>
+              <a:ext uri="{96DAC541-7B7A-43D3-8B79-37D633B846F1}">
+                <asvg:svgBlip xmlns:asvg="http://schemas.microsoft.com/office/drawing/2016/SVG/main" r:embed="rId8"/>
+              </a:ext>
+            </a:extLst>
+          </a:blip>
+          <a:srcRect/>
+          <a:stretch>
+            <a:fillRect/>
+          </a:stretch>
+        </a:blipFill>
+      </dgm:spPr>
+      <dgm:extLst>
+        <a:ext uri="{E40237B7-FDA0-4F09-8148-C483321AD2D9}">
+          <dgm14:cNvPr xmlns:dgm14="http://schemas.microsoft.com/office/drawing/2010/diagram" id="0" name="" descr="חרב עם מילוי מלא"/>
+        </a:ext>
+      </dgm:extLst>
+    </dgm:pt>
+    <dgm:pt modelId="{DF70508D-820C-4141-82F7-FDA807129DEA}" type="pres">
+      <dgm:prSet presAssocID="{19A34559-11BE-4344-892B-93602B6968DA}" presName="spaceRect" presStyleCnt="0"/>
+      <dgm:spPr/>
+    </dgm:pt>
+    <dgm:pt modelId="{F1923895-5629-4130-863E-397BBE9FB3D4}" type="pres">
+      <dgm:prSet presAssocID="{19A34559-11BE-4344-892B-93602B6968DA}" presName="parTx" presStyleLbl="revTx" presStyleIdx="3" presStyleCnt="4">
+        <dgm:presLayoutVars>
+          <dgm:chMax val="0"/>
+          <dgm:chPref val="0"/>
+        </dgm:presLayoutVars>
+      </dgm:prSet>
       <dgm:spPr/>
     </dgm:pt>
   </dgm:ptLst>
   <dgm:cxnLst>
     <dgm:cxn modelId="{BD31910D-A046-4005-92C0-2BEFC0B0CB97}" srcId="{87EE9532-BB0E-4874-B8FE-B5AF31C4FE96}" destId="{3B534933-8C69-49DE-BD77-4AA184173920}" srcOrd="0" destOrd="0" parTransId="{E8EC87FE-BBBB-4074-9DCE-868A0D27F746}" sibTransId="{B253C102-B772-4CD9-81C1-1EB6DC1E587D}"/>
-    <dgm:cxn modelId="{8E9D910E-83C8-4801-86F6-6006CCE4A571}" type="presOf" srcId="{9902069B-CF21-4F50-A334-2A756BAD7F98}" destId="{CC3B896A-AB8B-4231-B6D3-366E0B731F92}" srcOrd="0" destOrd="0" presId="urn:microsoft.com/office/officeart/2005/8/layout/process4"/>
-    <dgm:cxn modelId="{A87A7865-8E5B-4F34-B2CF-58B0D23666CB}" type="presOf" srcId="{3B534933-8C69-49DE-BD77-4AA184173920}" destId="{0F8C6FA7-7D99-40DE-A661-D910163DD517}" srcOrd="0" destOrd="0" presId="urn:microsoft.com/office/officeart/2005/8/layout/process4"/>
+    <dgm:cxn modelId="{DD11C51E-94F1-4810-8B25-27C589AEA528}" type="presOf" srcId="{A4C8AC66-5311-45A9-8987-287C56153E79}" destId="{9F1BBDDD-07AB-4527-AE42-8F3CCF5DD14B}" srcOrd="0" destOrd="0" presId="urn:microsoft.com/office/officeart/2018/2/layout/IconVerticalSolidList"/>
+    <dgm:cxn modelId="{31A76C38-2237-4C6E-8876-E0A66B779E49}" type="presOf" srcId="{3B534933-8C69-49DE-BD77-4AA184173920}" destId="{9A471F1B-9FC9-413B-A6A4-D049CB2D2671}" srcOrd="0" destOrd="0" presId="urn:microsoft.com/office/officeart/2018/2/layout/IconVerticalSolidList"/>
     <dgm:cxn modelId="{329BBB4D-4C97-4C4D-8EEE-A17F63C6B7D9}" srcId="{87EE9532-BB0E-4874-B8FE-B5AF31C4FE96}" destId="{9902069B-CF21-4F50-A334-2A756BAD7F98}" srcOrd="2" destOrd="0" parTransId="{DD58B838-329A-4944-AA1C-AB5BCD11C073}" sibTransId="{D268FE03-6F8A-4A73-BC0C-85A79BE2FD97}"/>
     <dgm:cxn modelId="{FB8BCF79-AE4D-4D3A-BBF5-66D117253D89}" srcId="{87EE9532-BB0E-4874-B8FE-B5AF31C4FE96}" destId="{A4C8AC66-5311-45A9-8987-287C56153E79}" srcOrd="1" destOrd="0" parTransId="{ACDED197-C112-4005-A5CB-FBD8EFA59008}" sibTransId="{A25C9654-D6FA-49FF-BE0D-5107ED0DA744}"/>
-    <dgm:cxn modelId="{05AE797D-BD89-4F39-9D70-F6D50FF2B066}" type="presOf" srcId="{A4C8AC66-5311-45A9-8987-287C56153E79}" destId="{D0EAB7CF-8EF5-452B-A0B7-0FCD413CBF21}" srcOrd="0" destOrd="0" presId="urn:microsoft.com/office/officeart/2005/8/layout/process4"/>
-    <dgm:cxn modelId="{4B34F1A7-C33F-46A0-B953-A94010399413}" type="presOf" srcId="{87EE9532-BB0E-4874-B8FE-B5AF31C4FE96}" destId="{AB27B9F0-718B-4033-A75F-26218D03FF71}" srcOrd="0" destOrd="0" presId="urn:microsoft.com/office/officeart/2005/8/layout/process4"/>
+    <dgm:cxn modelId="{E68EB682-EF57-4779-8D27-F48ED4312956}" type="presOf" srcId="{87EE9532-BB0E-4874-B8FE-B5AF31C4FE96}" destId="{43228116-1A2A-4516-BC23-F36DEA074537}" srcOrd="0" destOrd="0" presId="urn:microsoft.com/office/officeart/2018/2/layout/IconVerticalSolidList"/>
+    <dgm:cxn modelId="{D140C9C9-4C73-4D43-BF39-C61F27012B6B}" type="presOf" srcId="{19A34559-11BE-4344-892B-93602B6968DA}" destId="{F1923895-5629-4130-863E-397BBE9FB3D4}" srcOrd="0" destOrd="0" presId="urn:microsoft.com/office/officeart/2018/2/layout/IconVerticalSolidList"/>
     <dgm:cxn modelId="{D01DBAD0-CB5E-4212-B251-A92C92A8C533}" srcId="{87EE9532-BB0E-4874-B8FE-B5AF31C4FE96}" destId="{19A34559-11BE-4344-892B-93602B6968DA}" srcOrd="3" destOrd="0" parTransId="{104799CB-D3FE-4139-B49D-EA3DF7184B2B}" sibTransId="{421E5C13-40FA-46F6-A56C-4C64C3F72822}"/>
-    <dgm:cxn modelId="{C844EBF7-B8E2-4CDB-B149-CE123C3538C2}" type="presOf" srcId="{19A34559-11BE-4344-892B-93602B6968DA}" destId="{D04029F1-3CAC-4483-90ED-941CB9F18D1C}" srcOrd="0" destOrd="0" presId="urn:microsoft.com/office/officeart/2005/8/layout/process4"/>
-    <dgm:cxn modelId="{76A4FF8C-9A3C-4381-B465-07D3828BE04A}" type="presParOf" srcId="{AB27B9F0-718B-4033-A75F-26218D03FF71}" destId="{B85042D2-1E1E-40CE-A928-AED93E67A3A7}" srcOrd="0" destOrd="0" presId="urn:microsoft.com/office/officeart/2005/8/layout/process4"/>
-    <dgm:cxn modelId="{D22B1640-C495-4E32-854D-CB3C5E869B4F}" type="presParOf" srcId="{B85042D2-1E1E-40CE-A928-AED93E67A3A7}" destId="{D04029F1-3CAC-4483-90ED-941CB9F18D1C}" srcOrd="0" destOrd="0" presId="urn:microsoft.com/office/officeart/2005/8/layout/process4"/>
-    <dgm:cxn modelId="{70C5C20C-86B6-406E-829E-0B8C41BB6381}" type="presParOf" srcId="{AB27B9F0-718B-4033-A75F-26218D03FF71}" destId="{438DA9F3-5B4E-4209-8925-21A0AF52E406}" srcOrd="1" destOrd="0" presId="urn:microsoft.com/office/officeart/2005/8/layout/process4"/>
-    <dgm:cxn modelId="{82A1B53F-92D8-41AB-8E58-C6F08F259681}" type="presParOf" srcId="{AB27B9F0-718B-4033-A75F-26218D03FF71}" destId="{79C2E8C6-5677-4964-95F3-1659B93E480E}" srcOrd="2" destOrd="0" presId="urn:microsoft.com/office/officeart/2005/8/layout/process4"/>
-    <dgm:cxn modelId="{ADC9FC63-909C-40A6-9FA6-A8A4369A4DB4}" type="presParOf" srcId="{79C2E8C6-5677-4964-95F3-1659B93E480E}" destId="{CC3B896A-AB8B-4231-B6D3-366E0B731F92}" srcOrd="0" destOrd="0" presId="urn:microsoft.com/office/officeart/2005/8/layout/process4"/>
-    <dgm:cxn modelId="{B85CB5CD-9E98-4932-8E4B-350462817F08}" type="presParOf" srcId="{AB27B9F0-718B-4033-A75F-26218D03FF71}" destId="{D75C663E-3F3F-44EB-ADCB-286D632B0997}" srcOrd="3" destOrd="0" presId="urn:microsoft.com/office/officeart/2005/8/layout/process4"/>
-    <dgm:cxn modelId="{3C261B25-67B8-414F-B280-17E4D5B5C981}" type="presParOf" srcId="{AB27B9F0-718B-4033-A75F-26218D03FF71}" destId="{50D4E5A1-8CBF-43F8-8771-9CD320E8E4B5}" srcOrd="4" destOrd="0" presId="urn:microsoft.com/office/officeart/2005/8/layout/process4"/>
-    <dgm:cxn modelId="{6BEB1D30-004B-42BE-BB5C-C7C642D34832}" type="presParOf" srcId="{50D4E5A1-8CBF-43F8-8771-9CD320E8E4B5}" destId="{D0EAB7CF-8EF5-452B-A0B7-0FCD413CBF21}" srcOrd="0" destOrd="0" presId="urn:microsoft.com/office/officeart/2005/8/layout/process4"/>
-    <dgm:cxn modelId="{46FE0B1E-5A69-4B07-954D-D20720417354}" type="presParOf" srcId="{AB27B9F0-718B-4033-A75F-26218D03FF71}" destId="{31FAA2C9-5667-459B-9C51-54E7627EECFF}" srcOrd="5" destOrd="0" presId="urn:microsoft.com/office/officeart/2005/8/layout/process4"/>
-    <dgm:cxn modelId="{5FF59C43-622E-4224-BE0F-A0EFCB13079B}" type="presParOf" srcId="{AB27B9F0-718B-4033-A75F-26218D03FF71}" destId="{AC358A82-F4BE-492D-8FA7-EB5F48C75EAE}" srcOrd="6" destOrd="0" presId="urn:microsoft.com/office/officeart/2005/8/layout/process4"/>
-    <dgm:cxn modelId="{102D9433-0789-4BE3-86B1-2C259292FC1B}" type="presParOf" srcId="{AC358A82-F4BE-492D-8FA7-EB5F48C75EAE}" destId="{0F8C6FA7-7D99-40DE-A661-D910163DD517}" srcOrd="0" destOrd="0" presId="urn:microsoft.com/office/officeart/2005/8/layout/process4"/>
+    <dgm:cxn modelId="{15992DF3-06EC-4CEB-8391-126BC0F8111C}" type="presOf" srcId="{9902069B-CF21-4F50-A334-2A756BAD7F98}" destId="{1BBA9413-B4D1-4E2C-ABB2-1BBD9693EC14}" srcOrd="0" destOrd="0" presId="urn:microsoft.com/office/officeart/2018/2/layout/IconVerticalSolidList"/>
+    <dgm:cxn modelId="{4FA40FC5-E052-409C-95A8-297CD80F46C2}" type="presParOf" srcId="{43228116-1A2A-4516-BC23-F36DEA074537}" destId="{8AFF2958-9F1E-4BF8-920A-178A791CB667}" srcOrd="0" destOrd="0" presId="urn:microsoft.com/office/officeart/2018/2/layout/IconVerticalSolidList"/>
+    <dgm:cxn modelId="{EFA82A33-5600-4B94-B118-900F60455514}" type="presParOf" srcId="{8AFF2958-9F1E-4BF8-920A-178A791CB667}" destId="{EE0FAD3B-E23D-45D5-A0E2-33249FED8B44}" srcOrd="0" destOrd="0" presId="urn:microsoft.com/office/officeart/2018/2/layout/IconVerticalSolidList"/>
+    <dgm:cxn modelId="{2EEB991F-0840-4959-A5C5-DB8E06DCF2CE}" type="presParOf" srcId="{8AFF2958-9F1E-4BF8-920A-178A791CB667}" destId="{5E154F70-0292-47C1-99CB-247A569A1F23}" srcOrd="1" destOrd="0" presId="urn:microsoft.com/office/officeart/2018/2/layout/IconVerticalSolidList"/>
+    <dgm:cxn modelId="{277A979A-DE68-4A3F-807B-4EF3DD16E992}" type="presParOf" srcId="{8AFF2958-9F1E-4BF8-920A-178A791CB667}" destId="{709E900B-57E9-4D43-89FA-C3F662D3A709}" srcOrd="2" destOrd="0" presId="urn:microsoft.com/office/officeart/2018/2/layout/IconVerticalSolidList"/>
+    <dgm:cxn modelId="{3D5B4F16-41A7-47B2-B9A7-F258AA513665}" type="presParOf" srcId="{8AFF2958-9F1E-4BF8-920A-178A791CB667}" destId="{9A471F1B-9FC9-413B-A6A4-D049CB2D2671}" srcOrd="3" destOrd="0" presId="urn:microsoft.com/office/officeart/2018/2/layout/IconVerticalSolidList"/>
+    <dgm:cxn modelId="{14E4E5A8-7758-4FC7-B145-C1F4DFD66326}" type="presParOf" srcId="{43228116-1A2A-4516-BC23-F36DEA074537}" destId="{CF2B58EB-49AF-40F4-92FE-15C7BB44D829}" srcOrd="1" destOrd="0" presId="urn:microsoft.com/office/officeart/2018/2/layout/IconVerticalSolidList"/>
+    <dgm:cxn modelId="{6499A88C-284C-4DAA-9049-DE60750047B0}" type="presParOf" srcId="{43228116-1A2A-4516-BC23-F36DEA074537}" destId="{19C77131-1BDD-42D4-9E29-09BB55A79FB6}" srcOrd="2" destOrd="0" presId="urn:microsoft.com/office/officeart/2018/2/layout/IconVerticalSolidList"/>
+    <dgm:cxn modelId="{68C8F5BE-97D2-4B12-927A-5116DC2F53BA}" type="presParOf" srcId="{19C77131-1BDD-42D4-9E29-09BB55A79FB6}" destId="{705D7FB0-2A82-4AA1-A873-FA3E06008B4F}" srcOrd="0" destOrd="0" presId="urn:microsoft.com/office/officeart/2018/2/layout/IconVerticalSolidList"/>
+    <dgm:cxn modelId="{B726321D-43F1-4519-A5AD-BA0887D88623}" type="presParOf" srcId="{19C77131-1BDD-42D4-9E29-09BB55A79FB6}" destId="{6093850C-E4AB-436C-A93C-384E7C759013}" srcOrd="1" destOrd="0" presId="urn:microsoft.com/office/officeart/2018/2/layout/IconVerticalSolidList"/>
+    <dgm:cxn modelId="{6796E20F-017A-42BD-9FE6-81DF230394C0}" type="presParOf" srcId="{19C77131-1BDD-42D4-9E29-09BB55A79FB6}" destId="{560930FA-B659-4297-B039-8C8AB366580C}" srcOrd="2" destOrd="0" presId="urn:microsoft.com/office/officeart/2018/2/layout/IconVerticalSolidList"/>
+    <dgm:cxn modelId="{6CC8460B-D561-4214-821F-24E4FF3CCCDD}" type="presParOf" srcId="{19C77131-1BDD-42D4-9E29-09BB55A79FB6}" destId="{9F1BBDDD-07AB-4527-AE42-8F3CCF5DD14B}" srcOrd="3" destOrd="0" presId="urn:microsoft.com/office/officeart/2018/2/layout/IconVerticalSolidList"/>
+    <dgm:cxn modelId="{F34B01CA-49EB-4B76-A9F3-C7FC84E7DB8C}" type="presParOf" srcId="{43228116-1A2A-4516-BC23-F36DEA074537}" destId="{FA1B3889-D957-4AFA-84D4-CC873A6D0729}" srcOrd="3" destOrd="0" presId="urn:microsoft.com/office/officeart/2018/2/layout/IconVerticalSolidList"/>
+    <dgm:cxn modelId="{DBE20D34-9A62-4A32-B0E7-284327A8291F}" type="presParOf" srcId="{43228116-1A2A-4516-BC23-F36DEA074537}" destId="{76A30B57-08CA-4C6E-B079-C6B8EE46F7C2}" srcOrd="4" destOrd="0" presId="urn:microsoft.com/office/officeart/2018/2/layout/IconVerticalSolidList"/>
+    <dgm:cxn modelId="{F9459D7F-3F27-4D40-AFC6-E15676754245}" type="presParOf" srcId="{76A30B57-08CA-4C6E-B079-C6B8EE46F7C2}" destId="{CAC69CA1-B4E8-4B1C-9360-D9D5AE49DAA1}" srcOrd="0" destOrd="0" presId="urn:microsoft.com/office/officeart/2018/2/layout/IconVerticalSolidList"/>
+    <dgm:cxn modelId="{A6FA5C05-E5B4-488E-BD7B-AE63F3F75377}" type="presParOf" srcId="{76A30B57-08CA-4C6E-B079-C6B8EE46F7C2}" destId="{4435C7D8-B3BE-4119-90C9-9B46063AD6F6}" srcOrd="1" destOrd="0" presId="urn:microsoft.com/office/officeart/2018/2/layout/IconVerticalSolidList"/>
+    <dgm:cxn modelId="{0A48E9E7-FB85-48BA-A4B6-68757E78FBBD}" type="presParOf" srcId="{76A30B57-08CA-4C6E-B079-C6B8EE46F7C2}" destId="{E2107435-053D-4585-A20C-D1E905D602FE}" srcOrd="2" destOrd="0" presId="urn:microsoft.com/office/officeart/2018/2/layout/IconVerticalSolidList"/>
+    <dgm:cxn modelId="{16859E85-381F-46B7-8889-D11EACB1572C}" type="presParOf" srcId="{76A30B57-08CA-4C6E-B079-C6B8EE46F7C2}" destId="{1BBA9413-B4D1-4E2C-ABB2-1BBD9693EC14}" srcOrd="3" destOrd="0" presId="urn:microsoft.com/office/officeart/2018/2/layout/IconVerticalSolidList"/>
+    <dgm:cxn modelId="{F4EDBBA8-BC29-4C49-8421-B73E85D6F23E}" type="presParOf" srcId="{43228116-1A2A-4516-BC23-F36DEA074537}" destId="{A18664A5-8051-4283-8B9F-F11C44222EB4}" srcOrd="5" destOrd="0" presId="urn:microsoft.com/office/officeart/2018/2/layout/IconVerticalSolidList"/>
+    <dgm:cxn modelId="{679871C9-6504-4762-8C02-B2825C1DC1D4}" type="presParOf" srcId="{43228116-1A2A-4516-BC23-F36DEA074537}" destId="{EB95F996-7A14-41B4-BE33-A4A965054D49}" srcOrd="6" destOrd="0" presId="urn:microsoft.com/office/officeart/2018/2/layout/IconVerticalSolidList"/>
+    <dgm:cxn modelId="{F62D0586-02B3-4773-A4C6-83B3450A09E0}" type="presParOf" srcId="{EB95F996-7A14-41B4-BE33-A4A965054D49}" destId="{9E714B00-320D-45AA-BAFD-19601724D1B2}" srcOrd="0" destOrd="0" presId="urn:microsoft.com/office/officeart/2018/2/layout/IconVerticalSolidList"/>
+    <dgm:cxn modelId="{7D30E3A0-979D-4001-800D-74D56FB66A3D}" type="presParOf" srcId="{EB95F996-7A14-41B4-BE33-A4A965054D49}" destId="{20A2E2CB-C075-4251-867F-C2EA5605D7CE}" srcOrd="1" destOrd="0" presId="urn:microsoft.com/office/officeart/2018/2/layout/IconVerticalSolidList"/>
+    <dgm:cxn modelId="{A53BB3FC-2D17-4451-AEF1-3EE7EEC80FBA}" type="presParOf" srcId="{EB95F996-7A14-41B4-BE33-A4A965054D49}" destId="{DF70508D-820C-4141-82F7-FDA807129DEA}" srcOrd="2" destOrd="0" presId="urn:microsoft.com/office/officeart/2018/2/layout/IconVerticalSolidList"/>
+    <dgm:cxn modelId="{23AD576E-B9AA-4EC7-B83C-973D0D5F960D}" type="presParOf" srcId="{EB95F996-7A14-41B4-BE33-A4A965054D49}" destId="{F1923895-5629-4130-863E-397BBE9FB3D4}" srcOrd="3" destOrd="0" presId="urn:microsoft.com/office/officeart/2018/2/layout/IconVerticalSolidList"/>
   </dgm:cxnLst>
   <dgm:bg/>
   <dgm:whole/>
@@ -7772,22 +7961,76 @@
       <dsp:cNvGrpSpPr/>
     </dsp:nvGrpSpPr>
     <dsp:grpSpPr/>
-    <dsp:sp modelId="{D04029F1-3CAC-4483-90ED-941CB9F18D1C}">
+    <dsp:sp modelId="{EE0FAD3B-E23D-45D5-A0E2-33249FED8B44}">
       <dsp:nvSpPr>
         <dsp:cNvPr id="0" name=""/>
         <dsp:cNvSpPr/>
       </dsp:nvSpPr>
       <dsp:spPr>
         <a:xfrm>
-          <a:off x="0" y="3664635"/>
-          <a:ext cx="6451943" cy="801732"/>
+          <a:off x="0" y="1854"/>
+          <a:ext cx="6451943" cy="939827"/>
+        </a:xfrm>
+        <a:prstGeom prst="roundRect">
+          <a:avLst>
+            <a:gd name="adj" fmla="val 10000"/>
+          </a:avLst>
+        </a:prstGeom>
+        <a:solidFill>
+          <a:schemeClr val="dk2">
+            <a:tint val="40000"/>
+            <a:hueOff val="0"/>
+            <a:satOff val="0"/>
+            <a:lumOff val="0"/>
+            <a:alphaOff val="0"/>
+          </a:schemeClr>
+        </a:solidFill>
+        <a:ln>
+          <a:noFill/>
+        </a:ln>
+        <a:effectLst/>
+      </dsp:spPr>
+      <dsp:style>
+        <a:lnRef idx="0">
+          <a:scrgbClr r="0" g="0" b="0"/>
+        </a:lnRef>
+        <a:fillRef idx="1">
+          <a:scrgbClr r="0" g="0" b="0"/>
+        </a:fillRef>
+        <a:effectRef idx="0">
+          <a:scrgbClr r="0" g="0" b="0"/>
+        </a:effectRef>
+        <a:fontRef idx="minor"/>
+      </dsp:style>
+    </dsp:sp>
+    <dsp:sp modelId="{5E154F70-0292-47C1-99CB-247A569A1F23}">
+      <dsp:nvSpPr>
+        <dsp:cNvPr id="0" name=""/>
+        <dsp:cNvSpPr/>
+      </dsp:nvSpPr>
+      <dsp:spPr>
+        <a:xfrm>
+          <a:off x="284297" y="213315"/>
+          <a:ext cx="516904" cy="516904"/>
         </a:xfrm>
         <a:prstGeom prst="rect">
           <a:avLst/>
         </a:prstGeom>
-        <a:solidFill>
-          <a:schemeClr val="accent1"/>
-        </a:solidFill>
+        <a:blipFill>
+          <a:blip xmlns:r="http://schemas.openxmlformats.org/officeDocument/2006/relationships" r:embed="rId1">
+            <a:extLst>
+              <a:ext uri="{28A0092B-C50C-407E-A947-70E740481C1C}">
+                <a14:useLocalDpi xmlns:a14="http://schemas.microsoft.com/office/drawing/2010/main" val="0"/>
+              </a:ext>
+              <a:ext uri="{96DAC541-7B7A-43D3-8B79-37D633B846F1}">
+                <asvg:svgBlip xmlns:asvg="http://schemas.microsoft.com/office/drawing/2016/SVG/main" r:embed="rId2"/>
+              </a:ext>
+            </a:extLst>
+          </a:blip>
+          <a:stretch>
+            <a:fillRect/>
+          </a:stretch>
+        </a:blipFill>
         <a:ln w="19050" cap="flat" cmpd="sng" algn="ctr">
           <a:solidFill>
             <a:schemeClr val="lt2">
@@ -7815,15 +8058,51 @@
           <a:schemeClr val="lt1"/>
         </a:fontRef>
       </dsp:style>
+    </dsp:sp>
+    <dsp:sp modelId="{9A471F1B-9FC9-413B-A6A4-D049CB2D2671}">
+      <dsp:nvSpPr>
+        <dsp:cNvPr id="0" name=""/>
+        <dsp:cNvSpPr/>
+      </dsp:nvSpPr>
+      <dsp:spPr>
+        <a:xfrm>
+          <a:off x="934166" y="0"/>
+          <a:ext cx="5366442" cy="939827"/>
+        </a:xfrm>
+        <a:prstGeom prst="rect">
+          <a:avLst/>
+        </a:prstGeom>
+        <a:solidFill>
+          <a:schemeClr val="accent1"/>
+        </a:solidFill>
+        <a:ln>
+          <a:solidFill>
+            <a:srgbClr val="335B74"/>
+          </a:solidFill>
+        </a:ln>
+        <a:effectLst/>
+      </dsp:spPr>
+      <dsp:style>
+        <a:lnRef idx="0">
+          <a:scrgbClr r="0" g="0" b="0"/>
+        </a:lnRef>
+        <a:fillRef idx="0">
+          <a:scrgbClr r="0" g="0" b="0"/>
+        </a:fillRef>
+        <a:effectRef idx="0">
+          <a:scrgbClr r="0" g="0" b="0"/>
+        </a:effectRef>
+        <a:fontRef idx="minor"/>
+      </dsp:style>
       <dsp:txBody>
-        <a:bodyPr spcFirstLastPara="0" vert="horz" wrap="square" lIns="199136" tIns="199136" rIns="199136" bIns="199136" numCol="1" spcCol="1270" anchor="ctr" anchorCtr="0">
+        <a:bodyPr spcFirstLastPara="0" vert="horz" wrap="square" lIns="99465" tIns="99465" rIns="99465" bIns="99465" numCol="1" spcCol="1270" anchor="ctr" anchorCtr="0">
           <a:noAutofit/>
         </a:bodyPr>
         <a:lstStyle/>
         <a:p>
-          <a:pPr marL="0" lvl="0" indent="0" algn="ctr" defTabSz="1244600">
+          <a:pPr marL="0" lvl="0" indent="0" algn="l" defTabSz="977900">
             <a:lnSpc>
-              <a:spcPct val="90000"/>
+              <a:spcPct val="100000"/>
             </a:lnSpc>
             <a:spcBef>
               <a:spcPct val="0"/>
@@ -7834,33 +8113,243 @@
             <a:buNone/>
           </a:pPr>
           <a:r>
-            <a:rPr lang="he-IL" sz="2800" kern="1200" dirty="0"/>
-            <a:t>שלב מלחמה</a:t>
+            <a:rPr lang="he-IL" sz="2200" kern="1200"/>
+            <a:t>שלב בנייה</a:t>
           </a:r>
-          <a:endParaRPr lang="en-US" sz="2800" kern="1200" dirty="0"/>
+          <a:endParaRPr lang="en-US" sz="2200" kern="1200"/>
         </a:p>
       </dsp:txBody>
       <dsp:txXfrm>
-        <a:off x="0" y="3664635"/>
-        <a:ext cx="6451943" cy="801732"/>
+        <a:off x="934166" y="0"/>
+        <a:ext cx="5366442" cy="939827"/>
       </dsp:txXfrm>
     </dsp:sp>
-    <dsp:sp modelId="{CC3B896A-AB8B-4231-B6D3-366E0B731F92}">
+    <dsp:sp modelId="{705D7FB0-2A82-4AA1-A873-FA3E06008B4F}">
       <dsp:nvSpPr>
         <dsp:cNvPr id="0" name=""/>
         <dsp:cNvSpPr/>
       </dsp:nvSpPr>
       <dsp:spPr>
-        <a:xfrm rot="10800000">
-          <a:off x="0" y="2443596"/>
-          <a:ext cx="6451943" cy="1233064"/>
+        <a:xfrm>
+          <a:off x="0" y="1176638"/>
+          <a:ext cx="6451943" cy="939827"/>
         </a:xfrm>
-        <a:prstGeom prst="upArrowCallout">
+        <a:prstGeom prst="roundRect">
+          <a:avLst>
+            <a:gd name="adj" fmla="val 10000"/>
+          </a:avLst>
+        </a:prstGeom>
+        <a:solidFill>
+          <a:schemeClr val="dk2">
+            <a:tint val="40000"/>
+            <a:hueOff val="0"/>
+            <a:satOff val="0"/>
+            <a:lumOff val="0"/>
+            <a:alphaOff val="0"/>
+          </a:schemeClr>
+        </a:solidFill>
+        <a:ln>
+          <a:noFill/>
+        </a:ln>
+        <a:effectLst/>
+      </dsp:spPr>
+      <dsp:style>
+        <a:lnRef idx="0">
+          <a:scrgbClr r="0" g="0" b="0"/>
+        </a:lnRef>
+        <a:fillRef idx="1">
+          <a:scrgbClr r="0" g="0" b="0"/>
+        </a:fillRef>
+        <a:effectRef idx="0">
+          <a:scrgbClr r="0" g="0" b="0"/>
+        </a:effectRef>
+        <a:fontRef idx="minor"/>
+      </dsp:style>
+    </dsp:sp>
+    <dsp:sp modelId="{6093850C-E4AB-436C-A93C-384E7C759013}">
+      <dsp:nvSpPr>
+        <dsp:cNvPr id="0" name=""/>
+        <dsp:cNvSpPr/>
+      </dsp:nvSpPr>
+      <dsp:spPr>
+        <a:xfrm>
+          <a:off x="284297" y="1388099"/>
+          <a:ext cx="516904" cy="516904"/>
+        </a:xfrm>
+        <a:prstGeom prst="rect">
+          <a:avLst/>
+        </a:prstGeom>
+        <a:blipFill>
+          <a:blip xmlns:r="http://schemas.openxmlformats.org/officeDocument/2006/relationships" r:embed="rId3">
+            <a:extLst>
+              <a:ext uri="{28A0092B-C50C-407E-A947-70E740481C1C}">
+                <a14:useLocalDpi xmlns:a14="http://schemas.microsoft.com/office/drawing/2010/main" val="0"/>
+              </a:ext>
+              <a:ext uri="{96DAC541-7B7A-43D3-8B79-37D633B846F1}">
+                <asvg:svgBlip xmlns:asvg="http://schemas.microsoft.com/office/drawing/2016/SVG/main" r:embed="rId4"/>
+              </a:ext>
+            </a:extLst>
+          </a:blip>
+          <a:stretch>
+            <a:fillRect/>
+          </a:stretch>
+        </a:blipFill>
+        <a:ln w="19050" cap="flat" cmpd="sng" algn="ctr">
+          <a:solidFill>
+            <a:srgbClr val="0070C0"/>
+          </a:solidFill>
+          <a:prstDash val="solid"/>
+        </a:ln>
+        <a:effectLst/>
+      </dsp:spPr>
+      <dsp:style>
+        <a:lnRef idx="2">
+          <a:scrgbClr r="0" g="0" b="0"/>
+        </a:lnRef>
+        <a:fillRef idx="1">
+          <a:scrgbClr r="0" g="0" b="0"/>
+        </a:fillRef>
+        <a:effectRef idx="0">
+          <a:scrgbClr r="0" g="0" b="0"/>
+        </a:effectRef>
+        <a:fontRef idx="minor">
+          <a:schemeClr val="lt1"/>
+        </a:fontRef>
+      </dsp:style>
+    </dsp:sp>
+    <dsp:sp modelId="{9F1BBDDD-07AB-4527-AE42-8F3CCF5DD14B}">
+      <dsp:nvSpPr>
+        <dsp:cNvPr id="0" name=""/>
+        <dsp:cNvSpPr/>
+      </dsp:nvSpPr>
+      <dsp:spPr>
+        <a:xfrm>
+          <a:off x="1085500" y="1176638"/>
+          <a:ext cx="5366442" cy="939827"/>
+        </a:xfrm>
+        <a:prstGeom prst="rect">
           <a:avLst/>
         </a:prstGeom>
         <a:solidFill>
           <a:schemeClr val="accent1"/>
         </a:solidFill>
+        <a:ln>
+          <a:noFill/>
+        </a:ln>
+        <a:effectLst/>
+      </dsp:spPr>
+      <dsp:style>
+        <a:lnRef idx="0">
+          <a:scrgbClr r="0" g="0" b="0"/>
+        </a:lnRef>
+        <a:fillRef idx="0">
+          <a:scrgbClr r="0" g="0" b="0"/>
+        </a:fillRef>
+        <a:effectRef idx="0">
+          <a:scrgbClr r="0" g="0" b="0"/>
+        </a:effectRef>
+        <a:fontRef idx="minor"/>
+      </dsp:style>
+      <dsp:txBody>
+        <a:bodyPr spcFirstLastPara="0" vert="horz" wrap="square" lIns="99465" tIns="99465" rIns="99465" bIns="99465" numCol="1" spcCol="1270" anchor="ctr" anchorCtr="0">
+          <a:noAutofit/>
+        </a:bodyPr>
+        <a:lstStyle/>
+        <a:p>
+          <a:pPr marL="0" lvl="0" indent="0" algn="l" defTabSz="977900">
+            <a:lnSpc>
+              <a:spcPct val="100000"/>
+            </a:lnSpc>
+            <a:spcBef>
+              <a:spcPct val="0"/>
+            </a:spcBef>
+            <a:spcAft>
+              <a:spcPct val="35000"/>
+            </a:spcAft>
+            <a:buNone/>
+          </a:pPr>
+          <a:r>
+            <a:rPr lang="he-IL" sz="2200" kern="1200"/>
+            <a:t>שלב הכשרה</a:t>
+          </a:r>
+          <a:endParaRPr lang="en-US" sz="2200" kern="1200"/>
+        </a:p>
+      </dsp:txBody>
+      <dsp:txXfrm>
+        <a:off x="1085500" y="1176638"/>
+        <a:ext cx="5366442" cy="939827"/>
+      </dsp:txXfrm>
+    </dsp:sp>
+    <dsp:sp modelId="{CAC69CA1-B4E8-4B1C-9360-D9D5AE49DAA1}">
+      <dsp:nvSpPr>
+        <dsp:cNvPr id="0" name=""/>
+        <dsp:cNvSpPr/>
+      </dsp:nvSpPr>
+      <dsp:spPr>
+        <a:xfrm>
+          <a:off x="0" y="2351421"/>
+          <a:ext cx="6451943" cy="939827"/>
+        </a:xfrm>
+        <a:prstGeom prst="roundRect">
+          <a:avLst>
+            <a:gd name="adj" fmla="val 10000"/>
+          </a:avLst>
+        </a:prstGeom>
+        <a:solidFill>
+          <a:schemeClr val="dk2">
+            <a:tint val="40000"/>
+            <a:hueOff val="0"/>
+            <a:satOff val="0"/>
+            <a:lumOff val="0"/>
+            <a:alphaOff val="0"/>
+          </a:schemeClr>
+        </a:solidFill>
+        <a:ln>
+          <a:noFill/>
+        </a:ln>
+        <a:effectLst/>
+      </dsp:spPr>
+      <dsp:style>
+        <a:lnRef idx="0">
+          <a:scrgbClr r="0" g="0" b="0"/>
+        </a:lnRef>
+        <a:fillRef idx="1">
+          <a:scrgbClr r="0" g="0" b="0"/>
+        </a:fillRef>
+        <a:effectRef idx="0">
+          <a:scrgbClr r="0" g="0" b="0"/>
+        </a:effectRef>
+        <a:fontRef idx="minor"/>
+      </dsp:style>
+    </dsp:sp>
+    <dsp:sp modelId="{4435C7D8-B3BE-4119-90C9-9B46063AD6F6}">
+      <dsp:nvSpPr>
+        <dsp:cNvPr id="0" name=""/>
+        <dsp:cNvSpPr/>
+      </dsp:nvSpPr>
+      <dsp:spPr>
+        <a:xfrm>
+          <a:off x="284297" y="2562882"/>
+          <a:ext cx="516904" cy="516904"/>
+        </a:xfrm>
+        <a:prstGeom prst="rect">
+          <a:avLst/>
+        </a:prstGeom>
+        <a:blipFill>
+          <a:blip xmlns:r="http://schemas.openxmlformats.org/officeDocument/2006/relationships" r:embed="rId5">
+            <a:extLst>
+              <a:ext uri="{28A0092B-C50C-407E-A947-70E740481C1C}">
+                <a14:useLocalDpi xmlns:a14="http://schemas.microsoft.com/office/drawing/2010/main" val="0"/>
+              </a:ext>
+              <a:ext uri="{96DAC541-7B7A-43D3-8B79-37D633B846F1}">
+                <asvg:svgBlip xmlns:asvg="http://schemas.microsoft.com/office/drawing/2016/SVG/main" r:embed="rId6"/>
+              </a:ext>
+            </a:extLst>
+          </a:blip>
+          <a:stretch>
+            <a:fillRect/>
+          </a:stretch>
+        </a:blipFill>
         <a:ln w="19050" cap="flat" cmpd="sng" algn="ctr">
           <a:solidFill>
             <a:schemeClr val="lt2">
@@ -7888,15 +8377,49 @@
           <a:schemeClr val="lt1"/>
         </a:fontRef>
       </dsp:style>
+    </dsp:sp>
+    <dsp:sp modelId="{1BBA9413-B4D1-4E2C-ABB2-1BBD9693EC14}">
+      <dsp:nvSpPr>
+        <dsp:cNvPr id="0" name=""/>
+        <dsp:cNvSpPr/>
+      </dsp:nvSpPr>
+      <dsp:spPr>
+        <a:xfrm>
+          <a:off x="1085500" y="2351421"/>
+          <a:ext cx="5366442" cy="939827"/>
+        </a:xfrm>
+        <a:prstGeom prst="rect">
+          <a:avLst/>
+        </a:prstGeom>
+        <a:solidFill>
+          <a:schemeClr val="accent1"/>
+        </a:solidFill>
+        <a:ln>
+          <a:noFill/>
+        </a:ln>
+        <a:effectLst/>
+      </dsp:spPr>
+      <dsp:style>
+        <a:lnRef idx="0">
+          <a:scrgbClr r="0" g="0" b="0"/>
+        </a:lnRef>
+        <a:fillRef idx="0">
+          <a:scrgbClr r="0" g="0" b="0"/>
+        </a:fillRef>
+        <a:effectRef idx="0">
+          <a:scrgbClr r="0" g="0" b="0"/>
+        </a:effectRef>
+        <a:fontRef idx="minor"/>
+      </dsp:style>
       <dsp:txBody>
-        <a:bodyPr spcFirstLastPara="0" vert="horz" wrap="square" lIns="199136" tIns="199136" rIns="199136" bIns="199136" numCol="1" spcCol="1270" anchor="ctr" anchorCtr="0">
+        <a:bodyPr spcFirstLastPara="0" vert="horz" wrap="square" lIns="99465" tIns="99465" rIns="99465" bIns="99465" numCol="1" spcCol="1270" anchor="ctr" anchorCtr="0">
           <a:noAutofit/>
         </a:bodyPr>
         <a:lstStyle/>
         <a:p>
-          <a:pPr marL="0" lvl="0" indent="0" algn="ctr" defTabSz="1244600">
+          <a:pPr marL="0" lvl="0" indent="0" algn="l" defTabSz="977900">
             <a:lnSpc>
-              <a:spcPct val="90000"/>
+              <a:spcPct val="100000"/>
             </a:lnSpc>
             <a:spcBef>
               <a:spcPct val="0"/>
@@ -7907,33 +8430,88 @@
             <a:buNone/>
           </a:pPr>
           <a:r>
-            <a:rPr lang="he-IL" sz="2800" kern="1200"/>
+            <a:rPr lang="he-IL" sz="2200" kern="1200"/>
             <a:t>שלב טקטיקה</a:t>
           </a:r>
-          <a:endParaRPr lang="en-US" sz="2800" kern="1200"/>
+          <a:endParaRPr lang="en-US" sz="2200" kern="1200"/>
         </a:p>
       </dsp:txBody>
-      <dsp:txXfrm rot="10800000">
-        <a:off x="0" y="2443596"/>
-        <a:ext cx="6451943" cy="801208"/>
+      <dsp:txXfrm>
+        <a:off x="1085500" y="2351421"/>
+        <a:ext cx="5366442" cy="939827"/>
       </dsp:txXfrm>
     </dsp:sp>
-    <dsp:sp modelId="{D0EAB7CF-8EF5-452B-A0B7-0FCD413CBF21}">
+    <dsp:sp modelId="{9E714B00-320D-45AA-BAFD-19601724D1B2}">
       <dsp:nvSpPr>
         <dsp:cNvPr id="0" name=""/>
         <dsp:cNvSpPr/>
       </dsp:nvSpPr>
       <dsp:spPr>
-        <a:xfrm rot="10800000">
-          <a:off x="0" y="1222557"/>
-          <a:ext cx="6451943" cy="1233064"/>
+        <a:xfrm>
+          <a:off x="0" y="3526205"/>
+          <a:ext cx="6451943" cy="939827"/>
         </a:xfrm>
-        <a:prstGeom prst="upArrowCallout">
+        <a:prstGeom prst="roundRect">
+          <a:avLst>
+            <a:gd name="adj" fmla="val 10000"/>
+          </a:avLst>
+        </a:prstGeom>
+        <a:solidFill>
+          <a:schemeClr val="dk2">
+            <a:tint val="40000"/>
+            <a:hueOff val="0"/>
+            <a:satOff val="0"/>
+            <a:lumOff val="0"/>
+            <a:alphaOff val="0"/>
+          </a:schemeClr>
+        </a:solidFill>
+        <a:ln>
+          <a:noFill/>
+        </a:ln>
+        <a:effectLst/>
+      </dsp:spPr>
+      <dsp:style>
+        <a:lnRef idx="0">
+          <a:scrgbClr r="0" g="0" b="0"/>
+        </a:lnRef>
+        <a:fillRef idx="1">
+          <a:scrgbClr r="0" g="0" b="0"/>
+        </a:fillRef>
+        <a:effectRef idx="0">
+          <a:scrgbClr r="0" g="0" b="0"/>
+        </a:effectRef>
+        <a:fontRef idx="minor"/>
+      </dsp:style>
+    </dsp:sp>
+    <dsp:sp modelId="{20A2E2CB-C075-4251-867F-C2EA5605D7CE}">
+      <dsp:nvSpPr>
+        <dsp:cNvPr id="0" name=""/>
+        <dsp:cNvSpPr/>
+      </dsp:nvSpPr>
+      <dsp:spPr>
+        <a:xfrm>
+          <a:off x="284297" y="3737666"/>
+          <a:ext cx="516904" cy="516904"/>
+        </a:xfrm>
+        <a:prstGeom prst="rect">
           <a:avLst/>
         </a:prstGeom>
-        <a:solidFill>
-          <a:schemeClr val="accent1"/>
-        </a:solidFill>
+        <a:blipFill>
+          <a:blip xmlns:r="http://schemas.openxmlformats.org/officeDocument/2006/relationships" r:embed="rId7">
+            <a:extLst>
+              <a:ext uri="{28A0092B-C50C-407E-A947-70E740481C1C}">
+                <a14:useLocalDpi xmlns:a14="http://schemas.microsoft.com/office/drawing/2010/main" val="0"/>
+              </a:ext>
+              <a:ext uri="{96DAC541-7B7A-43D3-8B79-37D633B846F1}">
+                <asvg:svgBlip xmlns:asvg="http://schemas.microsoft.com/office/drawing/2016/SVG/main" r:embed="rId8"/>
+              </a:ext>
+            </a:extLst>
+          </a:blip>
+          <a:srcRect/>
+          <a:stretch>
+            <a:fillRect/>
+          </a:stretch>
+        </a:blipFill>
         <a:ln w="19050" cap="flat" cmpd="sng" algn="ctr">
           <a:solidFill>
             <a:schemeClr val="lt2">
@@ -7961,15 +8539,49 @@
           <a:schemeClr val="lt1"/>
         </a:fontRef>
       </dsp:style>
+    </dsp:sp>
+    <dsp:sp modelId="{F1923895-5629-4130-863E-397BBE9FB3D4}">
+      <dsp:nvSpPr>
+        <dsp:cNvPr id="0" name=""/>
+        <dsp:cNvSpPr/>
+      </dsp:nvSpPr>
+      <dsp:spPr>
+        <a:xfrm>
+          <a:off x="1085500" y="3526205"/>
+          <a:ext cx="5366442" cy="939827"/>
+        </a:xfrm>
+        <a:prstGeom prst="rect">
+          <a:avLst/>
+        </a:prstGeom>
+        <a:solidFill>
+          <a:schemeClr val="accent1"/>
+        </a:solidFill>
+        <a:ln>
+          <a:noFill/>
+        </a:ln>
+        <a:effectLst/>
+      </dsp:spPr>
+      <dsp:style>
+        <a:lnRef idx="0">
+          <a:scrgbClr r="0" g="0" b="0"/>
+        </a:lnRef>
+        <a:fillRef idx="0">
+          <a:scrgbClr r="0" g="0" b="0"/>
+        </a:fillRef>
+        <a:effectRef idx="0">
+          <a:scrgbClr r="0" g="0" b="0"/>
+        </a:effectRef>
+        <a:fontRef idx="minor"/>
+      </dsp:style>
       <dsp:txBody>
-        <a:bodyPr spcFirstLastPara="0" vert="horz" wrap="square" lIns="199136" tIns="199136" rIns="199136" bIns="199136" numCol="1" spcCol="1270" anchor="ctr" anchorCtr="0">
+        <a:bodyPr spcFirstLastPara="0" vert="horz" wrap="square" lIns="99465" tIns="99465" rIns="99465" bIns="99465" numCol="1" spcCol="1270" anchor="ctr" anchorCtr="0">
           <a:noAutofit/>
         </a:bodyPr>
         <a:lstStyle/>
         <a:p>
-          <a:pPr marL="0" lvl="0" indent="0" algn="ctr" defTabSz="1244600">
+          <a:pPr marL="0" lvl="0" indent="0" algn="l" defTabSz="977900">
             <a:lnSpc>
-              <a:spcPct val="90000"/>
+              <a:spcPct val="100000"/>
             </a:lnSpc>
             <a:spcBef>
               <a:spcPct val="0"/>
@@ -7980,83 +8592,15 @@
             <a:buNone/>
           </a:pPr>
           <a:r>
-            <a:rPr lang="he-IL" sz="2800" kern="1200" dirty="0"/>
-            <a:t>שלב הכשרה</a:t>
+            <a:rPr lang="he-IL" sz="2200" kern="1200"/>
+            <a:t>שלב מלחמה</a:t>
           </a:r>
-          <a:endParaRPr lang="en-US" sz="2800" kern="1200" dirty="0"/>
+          <a:endParaRPr lang="en-US" sz="2200" kern="1200"/>
         </a:p>
       </dsp:txBody>
-      <dsp:txXfrm rot="10800000">
-        <a:off x="0" y="1222557"/>
-        <a:ext cx="6451943" cy="801208"/>
-      </dsp:txXfrm>
-    </dsp:sp>
-    <dsp:sp modelId="{0F8C6FA7-7D99-40DE-A661-D910163DD517}">
-      <dsp:nvSpPr>
-        <dsp:cNvPr id="0" name=""/>
-        <dsp:cNvSpPr/>
-      </dsp:nvSpPr>
-      <dsp:spPr>
-        <a:xfrm rot="10800000">
-          <a:off x="0" y="1518"/>
-          <a:ext cx="6451943" cy="1233064"/>
-        </a:xfrm>
-        <a:prstGeom prst="upArrowCallout">
-          <a:avLst/>
-        </a:prstGeom>
-        <a:solidFill>
-          <a:schemeClr val="accent1"/>
-        </a:solidFill>
-        <a:ln w="19050" cap="flat" cmpd="sng" algn="ctr">
-          <a:solidFill>
-            <a:srgbClr val="335B74"/>
-          </a:solidFill>
-          <a:prstDash val="solid"/>
-        </a:ln>
-        <a:effectLst/>
-      </dsp:spPr>
-      <dsp:style>
-        <a:lnRef idx="2">
-          <a:scrgbClr r="0" g="0" b="0"/>
-        </a:lnRef>
-        <a:fillRef idx="1">
-          <a:scrgbClr r="0" g="0" b="0"/>
-        </a:fillRef>
-        <a:effectRef idx="0">
-          <a:scrgbClr r="0" g="0" b="0"/>
-        </a:effectRef>
-        <a:fontRef idx="minor">
-          <a:schemeClr val="lt1"/>
-        </a:fontRef>
-      </dsp:style>
-      <dsp:txBody>
-        <a:bodyPr spcFirstLastPara="0" vert="horz" wrap="square" lIns="199136" tIns="199136" rIns="199136" bIns="199136" numCol="1" spcCol="1270" anchor="ctr" anchorCtr="0">
-          <a:noAutofit/>
-        </a:bodyPr>
-        <a:lstStyle/>
-        <a:p>
-          <a:pPr marL="0" lvl="0" indent="0" algn="ctr" defTabSz="1244600">
-            <a:lnSpc>
-              <a:spcPct val="90000"/>
-            </a:lnSpc>
-            <a:spcBef>
-              <a:spcPct val="0"/>
-            </a:spcBef>
-            <a:spcAft>
-              <a:spcPct val="35000"/>
-            </a:spcAft>
-            <a:buNone/>
-          </a:pPr>
-          <a:r>
-            <a:rPr lang="he-IL" sz="2800" kern="1200" dirty="0"/>
-            <a:t>שלב בנייה</a:t>
-          </a:r>
-          <a:endParaRPr lang="en-US" sz="2800" kern="1200" dirty="0"/>
-        </a:p>
-      </dsp:txBody>
-      <dsp:txXfrm rot="10800000">
-        <a:off x="0" y="1518"/>
-        <a:ext cx="6451943" cy="801208"/>
+      <dsp:txXfrm>
+        <a:off x="1085500" y="3526205"/>
+        <a:ext cx="5366442" cy="939827"/>
       </dsp:txXfrm>
     </dsp:sp>
   </dsp:spTree>
@@ -10774,344 +11318,269 @@
 </file>
 
 <file path=ppt/diagrams/layout3.xml><?xml version="1.0" encoding="utf-8"?>
-<dgm:layoutDef xmlns:dgm="http://schemas.openxmlformats.org/drawingml/2006/diagram" xmlns:a="http://schemas.openxmlformats.org/drawingml/2006/main" uniqueId="urn:microsoft.com/office/officeart/2005/8/layout/process4">
-  <dgm:title val=""/>
-  <dgm:desc val=""/>
+<dgm:layoutDef xmlns:dgm="http://schemas.openxmlformats.org/drawingml/2006/diagram" xmlns:a="http://schemas.openxmlformats.org/drawingml/2006/main" uniqueId="urn:microsoft.com/office/officeart/2018/2/layout/IconVerticalSolidList">
+  <dgm:title val="Icon Vertical Solid List"/>
+  <dgm:desc val="Use to show a series of visuals from top to bottom with Level 1 or Level 1 and Level 2 text grouped in a shape. Works best with icons or small pictures with lengthier descriptions."/>
   <dgm:catLst>
-    <dgm:cat type="process" pri="16000"/>
-    <dgm:cat type="list" pri="20000"/>
+    <dgm:cat type="icon" pri="500"/>
   </dgm:catLst>
-  <dgm:sampData>
+  <dgm:sampData useDef="1">
     <dgm:dataModel>
-      <dgm:ptLst>
-        <dgm:pt modelId="0" type="doc"/>
-        <dgm:pt modelId="1">
-          <dgm:prSet phldr="1"/>
-        </dgm:pt>
-        <dgm:pt modelId="11">
-          <dgm:prSet phldr="1"/>
-        </dgm:pt>
-        <dgm:pt modelId="12">
-          <dgm:prSet phldr="1"/>
-        </dgm:pt>
-        <dgm:pt modelId="2">
-          <dgm:prSet phldr="1"/>
-        </dgm:pt>
-        <dgm:pt modelId="21">
-          <dgm:prSet phldr="1"/>
-        </dgm:pt>
-        <dgm:pt modelId="22">
-          <dgm:prSet phldr="1"/>
-        </dgm:pt>
-        <dgm:pt modelId="3">
-          <dgm:prSet phldr="1"/>
-        </dgm:pt>
-        <dgm:pt modelId="31">
-          <dgm:prSet phldr="1"/>
-        </dgm:pt>
-        <dgm:pt modelId="32">
-          <dgm:prSet phldr="1"/>
-        </dgm:pt>
-      </dgm:ptLst>
-      <dgm:cxnLst>
-        <dgm:cxn modelId="4" srcId="0" destId="1" srcOrd="0" destOrd="0"/>
-        <dgm:cxn modelId="5" srcId="0" destId="2" srcOrd="1" destOrd="0"/>
-        <dgm:cxn modelId="6" srcId="0" destId="3" srcOrd="2" destOrd="0"/>
-        <dgm:cxn modelId="13" srcId="1" destId="11" srcOrd="0" destOrd="0"/>
-        <dgm:cxn modelId="14" srcId="1" destId="12" srcOrd="1" destOrd="0"/>
-        <dgm:cxn modelId="23" srcId="2" destId="21" srcOrd="0" destOrd="0"/>
-        <dgm:cxn modelId="24" srcId="2" destId="22" srcOrd="1" destOrd="0"/>
-        <dgm:cxn modelId="33" srcId="3" destId="31" srcOrd="0" destOrd="0"/>
-        <dgm:cxn modelId="34" srcId="3" destId="32" srcOrd="1" destOrd="0"/>
-      </dgm:cxnLst>
+      <dgm:ptLst/>
       <dgm:bg/>
       <dgm:whole/>
     </dgm:dataModel>
   </dgm:sampData>
-  <dgm:styleData>
+  <dgm:styleData useDef="1">
     <dgm:dataModel>
-      <dgm:ptLst>
-        <dgm:pt modelId="0" type="doc"/>
-        <dgm:pt modelId="1"/>
-        <dgm:pt modelId="11"/>
-        <dgm:pt modelId="2"/>
-        <dgm:pt modelId="21"/>
-      </dgm:ptLst>
-      <dgm:cxnLst>
-        <dgm:cxn modelId="4" srcId="0" destId="1" srcOrd="0" destOrd="0"/>
-        <dgm:cxn modelId="5" srcId="0" destId="2" srcOrd="1" destOrd="0"/>
-        <dgm:cxn modelId="13" srcId="1" destId="11" srcOrd="0" destOrd="0"/>
-        <dgm:cxn modelId="23" srcId="2" destId="21" srcOrd="0" destOrd="0"/>
-      </dgm:cxnLst>
+      <dgm:ptLst/>
       <dgm:bg/>
       <dgm:whole/>
     </dgm:dataModel>
   </dgm:styleData>
-  <dgm:clrData>
+  <dgm:clrData useDef="1">
     <dgm:dataModel>
-      <dgm:ptLst>
-        <dgm:pt modelId="0" type="doc"/>
-        <dgm:pt modelId="1"/>
-        <dgm:pt modelId="11"/>
-        <dgm:pt modelId="2"/>
-        <dgm:pt modelId="21"/>
-        <dgm:pt modelId="3"/>
-        <dgm:pt modelId="31"/>
-        <dgm:pt modelId="4"/>
-        <dgm:pt modelId="41"/>
-      </dgm:ptLst>
-      <dgm:cxnLst>
-        <dgm:cxn modelId="5" srcId="0" destId="1" srcOrd="0" destOrd="0"/>
-        <dgm:cxn modelId="6" srcId="0" destId="2" srcOrd="1" destOrd="0"/>
-        <dgm:cxn modelId="7" srcId="0" destId="3" srcOrd="2" destOrd="0"/>
-        <dgm:cxn modelId="8" srcId="0" destId="4" srcOrd="3" destOrd="0"/>
-        <dgm:cxn modelId="13" srcId="1" destId="11" srcOrd="0" destOrd="0"/>
-        <dgm:cxn modelId="23" srcId="2" destId="21" srcOrd="0" destOrd="0"/>
-        <dgm:cxn modelId="33" srcId="3" destId="31" srcOrd="0" destOrd="0"/>
-        <dgm:cxn modelId="43" srcId="4" destId="41" srcOrd="0" destOrd="0"/>
-      </dgm:cxnLst>
+      <dgm:ptLst/>
       <dgm:bg/>
       <dgm:whole/>
     </dgm:dataModel>
   </dgm:clrData>
-  <dgm:layoutNode name="Name0">
+  <dgm:layoutNode name="root">
     <dgm:varLst>
       <dgm:dir/>
-      <dgm:animLvl val="lvl"/>
       <dgm:resizeHandles val="exact"/>
     </dgm:varLst>
-    <dgm:alg type="lin">
-      <dgm:param type="linDir" val="fromB"/>
-    </dgm:alg>
+    <dgm:choose name="Name0">
+      <dgm:if name="Name1" axis="self" func="var" arg="dir" op="equ" val="norm">
+        <dgm:alg type="lin">
+          <dgm:param type="linDir" val="fromT"/>
+          <dgm:param type="nodeHorzAlign" val="l"/>
+        </dgm:alg>
+      </dgm:if>
+      <dgm:else name="Name2">
+        <dgm:alg type="lin">
+          <dgm:param type="linDir" val="fromT"/>
+          <dgm:param type="nodeHorzAlign" val="r"/>
+        </dgm:alg>
+      </dgm:else>
+    </dgm:choose>
     <dgm:shape xmlns:r="http://schemas.openxmlformats.org/officeDocument/2006/relationships" r:blip="">
       <dgm:adjLst/>
     </dgm:shape>
     <dgm:presOf/>
-    <dgm:constrLst>
-      <dgm:constr type="h" for="ch" forName="boxAndChildren" refType="h"/>
-      <dgm:constr type="h" for="ch" forName="arrowAndChildren" refType="h" refFor="ch" refForName="boxAndChildren" op="equ" fact="1.538"/>
-      <dgm:constr type="w" for="ch" forName="arrowAndChildren" refType="w"/>
-      <dgm:constr type="w" for="ch" forName="boxAndChildren" refType="w"/>
-      <dgm:constr type="h" for="ch" forName="sp" refType="h" fact="-0.015"/>
-      <dgm:constr type="primFontSz" for="des" forName="parentTextBox" val="65"/>
-      <dgm:constr type="primFontSz" for="des" forName="parentTextArrow" refType="primFontSz" refFor="des" refForName="parentTextBox" op="equ"/>
-      <dgm:constr type="primFontSz" for="des" forName="childTextArrow" val="65"/>
-      <dgm:constr type="primFontSz" for="des" forName="childTextBox" refType="primFontSz" refFor="des" refForName="childTextArrow" op="equ"/>
-    </dgm:constrLst>
-    <dgm:ruleLst/>
-    <dgm:forEach name="Name1" axis="ch" ptType="node" st="-1" step="-1">
-      <dgm:choose name="Name2">
-        <dgm:if name="Name3" axis="self" ptType="node" func="revPos" op="equ" val="1">
-          <dgm:layoutNode name="boxAndChildren">
-            <dgm:alg type="composite"/>
-            <dgm:shape xmlns:r="http://schemas.openxmlformats.org/officeDocument/2006/relationships" r:blip="">
-              <dgm:adjLst/>
-            </dgm:shape>
-            <dgm:presOf/>
-            <dgm:choose name="Name4">
-              <dgm:if name="Name5" axis="ch" ptType="node" func="cnt" op="gte" val="1">
-                <dgm:constrLst>
-                  <dgm:constr type="w" for="ch" forName="parentTextBox" refType="w"/>
-                  <dgm:constr type="h" for="ch" forName="parentTextBox" refType="h" fact="0.54"/>
-                  <dgm:constr type="t" for="ch" forName="parentTextBox"/>
-                  <dgm:constr type="w" for="ch" forName="entireBox" refType="w"/>
-                  <dgm:constr type="h" for="ch" forName="entireBox" refType="h"/>
-                  <dgm:constr type="w" for="ch" forName="descendantBox" refType="w"/>
-                  <dgm:constr type="b" for="ch" forName="descendantBox" refType="h" fact="0.98"/>
-                  <dgm:constr type="h" for="ch" forName="descendantBox" refType="h" fact="0.46"/>
-                </dgm:constrLst>
-              </dgm:if>
-              <dgm:else name="Name6">
-                <dgm:constrLst>
-                  <dgm:constr type="w" for="ch" forName="parentTextBox" refType="w"/>
-                  <dgm:constr type="h" for="ch" forName="parentTextBox" refType="h"/>
-                </dgm:constrLst>
-              </dgm:else>
-            </dgm:choose>
-            <dgm:ruleLst/>
-            <dgm:layoutNode name="parentTextBox">
-              <dgm:alg type="tx"/>
-              <dgm:choose name="Name7">
-                <dgm:if name="Name8" axis="ch" ptType="node" func="cnt" op="gte" val="1">
-                  <dgm:shape xmlns:r="http://schemas.openxmlformats.org/officeDocument/2006/relationships" type="rect" r:blip="" zOrderOff="1" hideGeom="1">
-                    <dgm:adjLst/>
-                  </dgm:shape>
-                </dgm:if>
-                <dgm:else name="Name9">
-                  <dgm:shape xmlns:r="http://schemas.openxmlformats.org/officeDocument/2006/relationships" type="rect" r:blip="">
-                    <dgm:adjLst/>
-                  </dgm:shape>
-                </dgm:else>
-              </dgm:choose>
-              <dgm:presOf axis="self"/>
-              <dgm:constrLst/>
+    <dgm:choose name="Name3">
+      <dgm:if name="Name4" axis="ch" ptType="node" func="cnt" op="lte" val="3">
+        <dgm:constrLst>
+          <dgm:constr type="h" for="ch" forName="compNode" refType="h" fact="0.3"/>
+          <dgm:constr type="w" for="ch" forName="compNode" refType="w"/>
+          <dgm:constr type="h" for="ch" forName="sibTrans" refType="h" refFor="ch" refForName="compNode" fact="0.25"/>
+          <dgm:constr type="primFontSz" for="des" forName="parTx" val="25"/>
+          <dgm:constr type="primFontSz" for="des" forName="desTx" refType="primFontSz" refFor="des" refForName="parTx" op="lte" fact="0.75"/>
+          <dgm:constr type="h" for="des" forName="compNode" op="equ"/>
+          <dgm:constr type="h" for="des" forName="bgRect" op="equ"/>
+          <dgm:constr type="h" for="des" forName="iconRect" op="equ"/>
+          <dgm:constr type="w" for="des" forName="iconRect" op="equ"/>
+          <dgm:constr type="h" for="des" forName="spaceRect" op="equ"/>
+          <dgm:constr type="h" for="des" forName="parTx" op="equ"/>
+          <dgm:constr type="h" for="des" forName="desTx" op="equ"/>
+        </dgm:constrLst>
+      </dgm:if>
+      <dgm:if name="Name5" axis="ch" ptType="node" func="cnt" op="lte" val="4">
+        <dgm:constrLst>
+          <dgm:constr type="h" for="ch" forName="compNode" refType="h" fact="0.3"/>
+          <dgm:constr type="w" for="ch" forName="compNode" refType="w"/>
+          <dgm:constr type="h" for="ch" forName="sibTrans" refType="h" refFor="ch" refForName="compNode" fact="0.25"/>
+          <dgm:constr type="primFontSz" for="des" forName="parTx" val="22"/>
+          <dgm:constr type="primFontSz" for="des" forName="desTx" refType="primFontSz" refFor="des" refForName="parTx" op="lte" fact="0.75"/>
+          <dgm:constr type="h" for="des" forName="compNode" op="equ"/>
+          <dgm:constr type="h" for="des" forName="bgRect" op="equ"/>
+          <dgm:constr type="h" for="des" forName="iconRect" op="equ"/>
+          <dgm:constr type="w" for="des" forName="iconRect" op="equ"/>
+          <dgm:constr type="h" for="des" forName="spaceRect" op="equ"/>
+          <dgm:constr type="h" for="des" forName="parTx" op="equ"/>
+          <dgm:constr type="h" for="des" forName="desTx" op="equ"/>
+        </dgm:constrLst>
+      </dgm:if>
+      <dgm:if name="Name6" axis="ch" ptType="node" func="cnt" op="lte" val="6">
+        <dgm:constrLst>
+          <dgm:constr type="h" for="ch" forName="compNode" refType="h" fact="0.3"/>
+          <dgm:constr type="w" for="ch" forName="compNode" refType="w"/>
+          <dgm:constr type="h" for="ch" forName="sibTrans" refType="h" refFor="ch" refForName="compNode" fact="0.25"/>
+          <dgm:constr type="primFontSz" for="des" forName="parTx" val="19"/>
+          <dgm:constr type="primFontSz" for="des" forName="desTx" refType="primFontSz" refFor="des" refForName="parTx" op="lte" fact="0.75"/>
+          <dgm:constr type="h" for="des" forName="compNode" op="equ"/>
+          <dgm:constr type="h" for="des" forName="bgRect" op="equ"/>
+          <dgm:constr type="h" for="des" forName="iconRect" op="equ"/>
+          <dgm:constr type="w" for="des" forName="iconRect" op="equ"/>
+          <dgm:constr type="h" for="des" forName="spaceRect" op="equ"/>
+          <dgm:constr type="h" for="des" forName="parTx" op="equ"/>
+          <dgm:constr type="h" for="des" forName="desTx" op="equ"/>
+        </dgm:constrLst>
+      </dgm:if>
+      <dgm:else name="Name7">
+        <dgm:constrLst>
+          <dgm:constr type="h" for="ch" forName="compNode" refType="h" fact="0.3"/>
+          <dgm:constr type="w" for="ch" forName="compNode" refType="w"/>
+          <dgm:constr type="h" for="ch" forName="sibTrans" refType="h" refFor="ch" refForName="compNode" fact="0.25"/>
+          <dgm:constr type="primFontSz" for="des" forName="parTx" val="16"/>
+          <dgm:constr type="primFontSz" for="des" forName="desTx" refType="primFontSz" refFor="des" refForName="parTx" op="lte" fact="0.75"/>
+          <dgm:constr type="h" for="des" forName="compNode" op="equ"/>
+          <dgm:constr type="h" for="des" forName="bgRect" op="equ"/>
+          <dgm:constr type="h" for="des" forName="iconRect" op="equ"/>
+          <dgm:constr type="w" for="des" forName="iconRect" op="equ"/>
+          <dgm:constr type="h" for="des" forName="spaceRect" op="equ"/>
+          <dgm:constr type="h" for="des" forName="parTx" op="equ"/>
+          <dgm:constr type="h" for="des" forName="desTx" op="equ"/>
+        </dgm:constrLst>
+      </dgm:else>
+    </dgm:choose>
+    <dgm:ruleLst>
+      <dgm:rule type="h" for="ch" forName="compNode" val="0" fact="NaN" max="NaN"/>
+    </dgm:ruleLst>
+    <dgm:forEach name="Name8" axis="ch" ptType="node">
+      <dgm:layoutNode name="compNode">
+        <dgm:alg type="composite"/>
+        <dgm:shape xmlns:r="http://schemas.openxmlformats.org/officeDocument/2006/relationships" r:blip="">
+          <dgm:adjLst/>
+        </dgm:shape>
+        <dgm:presOf axis="self"/>
+        <dgm:choose name="Name9">
+          <dgm:if name="Name10" axis="ch" ptType="node" func="cnt" op="gte" val="1">
+            <dgm:constrLst>
+              <dgm:constr type="w" for="ch" forName="bgRect" refType="w"/>
+              <dgm:constr type="h" for="ch" forName="bgRect" refType="h"/>
+              <dgm:constr type="l" for="ch" forName="bgRect"/>
+              <dgm:constr type="t" for="ch" forName="bgRect"/>
+              <dgm:constr type="h" for="ch" forName="iconRect" refType="h" fact="0.55"/>
+              <dgm:constr type="w" for="ch" forName="iconRect" refType="h" refFor="ch" refForName="iconRect"/>
+              <dgm:constr type="l" for="ch" forName="iconRect" refType="h" refFor="ch" refForName="iconRect" fact="0.55"/>
+              <dgm:constr type="ctrY" for="ch" forName="iconRect" refType="ctrY" refFor="ch" refForName="bgRect"/>
+              <dgm:constr type="w" for="ch" forName="spaceRect" refType="l" refFor="ch" refForName="iconRect"/>
+              <dgm:constr type="h" for="ch" forName="spaceRect" refType="h"/>
+              <dgm:constr type="l" for="ch" forName="spaceRect" refType="r" refFor="ch" refForName="iconRect"/>
+              <dgm:constr type="t" for="ch" forName="spaceRect"/>
+              <dgm:constr type="w" for="ch" forName="parTx" refType="w" fact="0.45"/>
+              <dgm:constr type="h" for="ch" forName="parTx" refType="h"/>
+              <dgm:constr type="l" for="ch" forName="parTx" refType="r" refFor="ch" refForName="spaceRect"/>
+              <dgm:constr type="t" for="ch" forName="parTx"/>
+              <dgm:constr type="h" for="ch" forName="desTx" refType="h"/>
+              <dgm:constr type="l" for="ch" forName="desTx" refType="r" refFor="ch" refForName="parTx"/>
+              <dgm:constr type="t" for="ch" forName="desTx"/>
+            </dgm:constrLst>
+          </dgm:if>
+          <dgm:else name="Name11">
+            <dgm:constrLst>
+              <dgm:constr type="w" for="ch" forName="bgRect" refType="w"/>
+              <dgm:constr type="h" for="ch" forName="bgRect" refType="h"/>
+              <dgm:constr type="l" for="ch" forName="bgRect"/>
+              <dgm:constr type="t" for="ch" forName="bgRect"/>
+              <dgm:constr type="h" for="ch" forName="iconRect" refType="h" fact="0.55"/>
+              <dgm:constr type="w" for="ch" forName="iconRect" refType="h" refFor="ch" refForName="iconRect"/>
+              <dgm:constr type="l" for="ch" forName="iconRect" refType="h" refFor="ch" refForName="iconRect" fact="0.55"/>
+              <dgm:constr type="ctrY" for="ch" forName="iconRect" refType="ctrY" refFor="ch" refForName="bgRect"/>
+              <dgm:constr type="w" for="ch" forName="spaceRect" refType="l" refFor="ch" refForName="iconRect"/>
+              <dgm:constr type="h" for="ch" forName="spaceRect" refType="h"/>
+              <dgm:constr type="l" for="ch" forName="spaceRect" refType="r" refFor="ch" refForName="iconRect"/>
+              <dgm:constr type="t" for="ch" forName="spaceRect"/>
+              <dgm:constr type="h" for="ch" forName="parTx" refType="h"/>
+              <dgm:constr type="l" for="ch" forName="parTx" refType="r" refFor="ch" refForName="spaceRect"/>
+              <dgm:constr type="t" for="ch" forName="parTx"/>
+            </dgm:constrLst>
+          </dgm:else>
+        </dgm:choose>
+        <dgm:ruleLst>
+          <dgm:rule type="h" val="INF" fact="NaN" max="NaN"/>
+        </dgm:ruleLst>
+        <dgm:layoutNode name="bgRect" styleLbl="bgShp">
+          <dgm:alg type="sp"/>
+          <dgm:shape xmlns:r="http://schemas.openxmlformats.org/officeDocument/2006/relationships" type="roundRect" r:blip="">
+            <dgm:adjLst>
+              <dgm:adj idx="1" val="0.1"/>
+            </dgm:adjLst>
+          </dgm:shape>
+          <dgm:presOf/>
+          <dgm:constrLst/>
+          <dgm:ruleLst/>
+        </dgm:layoutNode>
+        <dgm:layoutNode name="iconRect" styleLbl="node1">
+          <dgm:alg type="sp"/>
+          <dgm:shape xmlns:r="http://schemas.openxmlformats.org/officeDocument/2006/relationships" type="rect" r:blip="" blipPhldr="1">
+            <dgm:adjLst/>
+          </dgm:shape>
+          <dgm:presOf/>
+          <dgm:constrLst/>
+          <dgm:ruleLst/>
+        </dgm:layoutNode>
+        <dgm:layoutNode name="spaceRect">
+          <dgm:alg type="sp"/>
+          <dgm:shape xmlns:r="http://schemas.openxmlformats.org/officeDocument/2006/relationships" r:blip="">
+            <dgm:adjLst/>
+          </dgm:shape>
+          <dgm:presOf/>
+          <dgm:constrLst/>
+          <dgm:ruleLst/>
+        </dgm:layoutNode>
+        <dgm:layoutNode name="parTx" styleLbl="revTx">
+          <dgm:varLst>
+            <dgm:chMax val="0"/>
+            <dgm:chPref val="0"/>
+          </dgm:varLst>
+          <dgm:alg type="tx">
+            <dgm:param type="txAnchorVert" val="mid"/>
+            <dgm:param type="parTxLTRAlign" val="l"/>
+            <dgm:param type="shpTxLTRAlignCh" val="l"/>
+            <dgm:param type="parTxRTLAlign" val="r"/>
+            <dgm:param type="shpTxRTLAlignCh" val="r"/>
+          </dgm:alg>
+          <dgm:shape xmlns:r="http://schemas.openxmlformats.org/officeDocument/2006/relationships" type="rect" r:blip="">
+            <dgm:adjLst/>
+          </dgm:shape>
+          <dgm:presOf axis="self" ptType="node"/>
+          <dgm:constrLst>
+            <dgm:constr type="lMarg" refType="h" fact="0.3"/>
+            <dgm:constr type="rMarg" refType="h" fact="0.3"/>
+            <dgm:constr type="tMarg" refType="h" fact="0.3"/>
+            <dgm:constr type="bMarg" refType="h" fact="0.3"/>
+          </dgm:constrLst>
+          <dgm:ruleLst>
+            <dgm:rule type="primFontSz" val="14" fact="NaN" max="NaN"/>
+            <dgm:rule type="h" val="INF" fact="NaN" max="NaN"/>
+          </dgm:ruleLst>
+        </dgm:layoutNode>
+        <dgm:choose name="Name12">
+          <dgm:if name="Name13" axis="ch" ptType="node" func="cnt" op="gte" val="1">
+            <dgm:layoutNode name="desTx" styleLbl="revTx">
+              <dgm:varLst/>
+              <dgm:alg type="tx">
+                <dgm:param type="txAnchorVertCh" val="mid"/>
+                <dgm:param type="parTxLTRAlign" val="l"/>
+                <dgm:param type="shpTxLTRAlignCh" val="l"/>
+                <dgm:param type="parTxRTLAlign" val="r"/>
+                <dgm:param type="shpTxRTLAlignCh" val="r"/>
+                <dgm:param type="stBulletLvl" val="0"/>
+              </dgm:alg>
+              <dgm:shape xmlns:r="http://schemas.openxmlformats.org/officeDocument/2006/relationships" type="rect" r:blip="">
+                <dgm:adjLst/>
+              </dgm:shape>
+              <dgm:presOf axis="des" ptType="node"/>
+              <dgm:constrLst>
+                <dgm:constr type="primFontSz" val="18"/>
+                <dgm:constr type="secFontSz" refType="primFontSz"/>
+                <dgm:constr type="lMarg" refType="h" fact="0.3"/>
+                <dgm:constr type="rMarg" refType="h" fact="0.3"/>
+                <dgm:constr type="tMarg" refType="h" fact="0.3"/>
+                <dgm:constr type="bMarg" refType="h" fact="0.3"/>
+              </dgm:constrLst>
               <dgm:ruleLst>
-                <dgm:rule type="primFontSz" val="5" fact="NaN" max="NaN"/>
+                <dgm:rule type="primFontSz" val="11" fact="NaN" max="NaN"/>
               </dgm:ruleLst>
             </dgm:layoutNode>
-            <dgm:choose name="Name10">
-              <dgm:if name="Name11" axis="ch" ptType="node" func="cnt" op="gte" val="1">
-                <dgm:layoutNode name="entireBox">
-                  <dgm:alg type="sp"/>
-                  <dgm:shape xmlns:r="http://schemas.openxmlformats.org/officeDocument/2006/relationships" type="rect" r:blip="">
-                    <dgm:adjLst/>
-                  </dgm:shape>
-                  <dgm:presOf axis="self"/>
-                  <dgm:constrLst/>
-                  <dgm:ruleLst/>
-                </dgm:layoutNode>
-                <dgm:layoutNode name="descendantBox" styleLbl="fgAccFollowNode1">
-                  <dgm:choose name="Name12">
-                    <dgm:if name="Name13" func="var" arg="dir" op="equ" val="norm">
-                      <dgm:alg type="lin"/>
-                    </dgm:if>
-                    <dgm:else name="Name14">
-                      <dgm:alg type="lin">
-                        <dgm:param type="linDir" val="fromR"/>
-                      </dgm:alg>
-                    </dgm:else>
-                  </dgm:choose>
-                  <dgm:shape xmlns:r="http://schemas.openxmlformats.org/officeDocument/2006/relationships" r:blip="">
-                    <dgm:adjLst/>
-                  </dgm:shape>
-                  <dgm:presOf/>
-                  <dgm:constrLst>
-                    <dgm:constr type="w" for="ch" forName="childTextBox" refType="w"/>
-                    <dgm:constr type="h" for="ch" forName="childTextBox" refType="h"/>
-                  </dgm:constrLst>
-                  <dgm:ruleLst/>
-                  <dgm:forEach name="Name15" axis="ch" ptType="node">
-                    <dgm:layoutNode name="childTextBox" styleLbl="fgAccFollowNode1">
-                      <dgm:varLst>
-                        <dgm:bulletEnabled val="1"/>
-                      </dgm:varLst>
-                      <dgm:alg type="tx"/>
-                      <dgm:shape xmlns:r="http://schemas.openxmlformats.org/officeDocument/2006/relationships" type="rect" r:blip="">
-                        <dgm:adjLst/>
-                      </dgm:shape>
-                      <dgm:presOf axis="desOrSelf" ptType="node"/>
-                      <dgm:constrLst>
-                        <dgm:constr type="tMarg" refType="primFontSz" fact="0.1"/>
-                        <dgm:constr type="bMarg" refType="primFontSz" fact="0.1"/>
-                      </dgm:constrLst>
-                      <dgm:ruleLst>
-                        <dgm:rule type="primFontSz" val="5" fact="NaN" max="NaN"/>
-                      </dgm:ruleLst>
-                    </dgm:layoutNode>
-                  </dgm:forEach>
-                </dgm:layoutNode>
-              </dgm:if>
-              <dgm:else name="Name16"/>
-            </dgm:choose>
-          </dgm:layoutNode>
-        </dgm:if>
-        <dgm:else name="Name17">
-          <dgm:layoutNode name="arrowAndChildren">
-            <dgm:alg type="composite"/>
-            <dgm:shape xmlns:r="http://schemas.openxmlformats.org/officeDocument/2006/relationships" r:blip="">
-              <dgm:adjLst/>
-            </dgm:shape>
-            <dgm:presOf/>
-            <dgm:choose name="Name18">
-              <dgm:if name="Name19" axis="ch" ptType="node" func="cnt" op="gte" val="1">
-                <dgm:constrLst>
-                  <dgm:constr type="w" for="ch" forName="parentTextArrow" refType="w"/>
-                  <dgm:constr type="t" for="ch" forName="parentTextArrow"/>
-                  <dgm:constr type="h" for="ch" forName="parentTextArrow" refType="h" fact="0.351"/>
-                  <dgm:constr type="w" for="ch" forName="arrow" refType="w"/>
-                  <dgm:constr type="h" for="ch" forName="arrow" refType="h"/>
-                  <dgm:constr type="w" for="ch" forName="descendantArrow" refType="w"/>
-                  <dgm:constr type="b" for="ch" forName="descendantArrow" refType="h" fact="0.65"/>
-                  <dgm:constr type="h" for="ch" forName="descendantArrow" refType="h" fact="0.299"/>
-                </dgm:constrLst>
-              </dgm:if>
-              <dgm:else name="Name20">
-                <dgm:constrLst>
-                  <dgm:constr type="w" for="ch" forName="parentTextArrow" refType="w"/>
-                  <dgm:constr type="h" for="ch" forName="parentTextArrow" refType="h"/>
-                </dgm:constrLst>
-              </dgm:else>
-            </dgm:choose>
-            <dgm:ruleLst/>
-            <dgm:layoutNode name="parentTextArrow">
-              <dgm:alg type="tx"/>
-              <dgm:choose name="Name21">
-                <dgm:if name="Name22" axis="ch" ptType="node" func="cnt" op="gte" val="1">
-                  <dgm:shape xmlns:r="http://schemas.openxmlformats.org/officeDocument/2006/relationships" type="rect" r:blip="" zOrderOff="1" hideGeom="1">
-                    <dgm:adjLst/>
-                  </dgm:shape>
-                </dgm:if>
-                <dgm:else name="Name23">
-                  <dgm:shape xmlns:r="http://schemas.openxmlformats.org/officeDocument/2006/relationships" rot="180" type="upArrowCallout" r:blip="">
-                    <dgm:adjLst/>
-                  </dgm:shape>
-                </dgm:else>
-              </dgm:choose>
-              <dgm:presOf axis="self"/>
-              <dgm:constrLst/>
-              <dgm:ruleLst>
-                <dgm:rule type="primFontSz" val="5" fact="NaN" max="NaN"/>
-              </dgm:ruleLst>
-            </dgm:layoutNode>
-            <dgm:choose name="Name24">
-              <dgm:if name="Name25" axis="ch" ptType="node" func="cnt" op="gte" val="1">
-                <dgm:layoutNode name="arrow">
-                  <dgm:alg type="sp"/>
-                  <dgm:shape xmlns:r="http://schemas.openxmlformats.org/officeDocument/2006/relationships" rot="180" type="upArrowCallout" r:blip="">
-                    <dgm:adjLst/>
-                  </dgm:shape>
-                  <dgm:presOf axis="self"/>
-                  <dgm:constrLst/>
-                  <dgm:ruleLst/>
-                </dgm:layoutNode>
-                <dgm:layoutNode name="descendantArrow">
-                  <dgm:choose name="Name26">
-                    <dgm:if name="Name27" func="var" arg="dir" op="equ" val="norm">
-                      <dgm:alg type="lin"/>
-                    </dgm:if>
-                    <dgm:else name="Name28">
-                      <dgm:alg type="lin">
-                        <dgm:param type="linDir" val="fromR"/>
-                      </dgm:alg>
-                    </dgm:else>
-                  </dgm:choose>
-                  <dgm:shape xmlns:r="http://schemas.openxmlformats.org/officeDocument/2006/relationships" r:blip="">
-                    <dgm:adjLst/>
-                  </dgm:shape>
-                  <dgm:presOf/>
-                  <dgm:constrLst>
-                    <dgm:constr type="w" for="ch" forName="childTextArrow" refType="w"/>
-                    <dgm:constr type="h" for="ch" forName="childTextArrow" refType="h"/>
-                  </dgm:constrLst>
-                  <dgm:ruleLst/>
-                  <dgm:forEach name="Name29" axis="ch" ptType="node">
-                    <dgm:layoutNode name="childTextArrow" styleLbl="fgAccFollowNode1">
-                      <dgm:varLst>
-                        <dgm:bulletEnabled val="1"/>
-                      </dgm:varLst>
-                      <dgm:alg type="tx"/>
-                      <dgm:shape xmlns:r="http://schemas.openxmlformats.org/officeDocument/2006/relationships" type="rect" r:blip="">
-                        <dgm:adjLst/>
-                      </dgm:shape>
-                      <dgm:presOf axis="desOrSelf" ptType="node"/>
-                      <dgm:constrLst>
-                        <dgm:constr type="tMarg" refType="primFontSz" fact="0.1"/>
-                        <dgm:constr type="bMarg" refType="primFontSz" fact="0.1"/>
-                      </dgm:constrLst>
-                      <dgm:ruleLst>
-                        <dgm:rule type="primFontSz" val="5" fact="NaN" max="NaN"/>
-                      </dgm:ruleLst>
-                    </dgm:layoutNode>
-                  </dgm:forEach>
-                </dgm:layoutNode>
-              </dgm:if>
-              <dgm:else name="Name30"/>
-            </dgm:choose>
-          </dgm:layoutNode>
-        </dgm:else>
-      </dgm:choose>
-      <dgm:forEach name="Name31" axis="precedSib" ptType="sibTrans" st="-1" cnt="1">
-        <dgm:layoutNode name="sp">
+          </dgm:if>
+          <dgm:else name="Name14"/>
+        </dgm:choose>
+      </dgm:layoutNode>
+      <dgm:forEach name="Name15" axis="followSib" ptType="sibTrans" cnt="1">
+        <dgm:layoutNode name="sibTrans">
           <dgm:alg type="sp"/>
           <dgm:shape xmlns:r="http://schemas.openxmlformats.org/officeDocument/2006/relationships" r:blip="">
             <dgm:adjLst/>
@@ -11123,6 +11592,22 @@
       </dgm:forEach>
     </dgm:forEach>
   </dgm:layoutNode>
+  <dgm:extLst>
+    <a:ext uri="{68A01E43-0DF5-4B5B-8FA6-DAF915123BFB}">
+      <dgm1612:lstStyle xmlns:dgm1612="http://schemas.microsoft.com/office/drawing/2016/12/diagram">
+        <a:lvl1pPr>
+          <a:lnSpc>
+            <a:spcPct val="100000"/>
+          </a:lnSpc>
+        </a:lvl1pPr>
+        <a:lvl2pPr>
+          <a:lnSpc>
+            <a:spcPct val="100000"/>
+          </a:lnSpc>
+        </a:lvl2pPr>
+      </dgm1612:lstStyle>
+    </a:ext>
+  </dgm:extLst>
 </dgm:layoutDef>
 </file>
 
@@ -18260,7 +18745,7 @@
           <a:p>
             <a:fld id="{2E5861C8-6E59-4B49-805F-F09502E84273}" type="datetimeFigureOut">
               <a:rPr lang="he-IL" smtClean="0"/>
-              <a:t>כ"ט/חשון/תשפ"ב</a:t>
+              <a:t>ב'/כסלו/תשפ"ב</a:t>
             </a:fld>
             <a:endParaRPr lang="he-IL"/>
           </a:p>
@@ -18481,7 +18966,7 @@
           <a:p>
             <a:fld id="{2E5861C8-6E59-4B49-805F-F09502E84273}" type="datetimeFigureOut">
               <a:rPr lang="he-IL" smtClean="0"/>
-              <a:t>כ"ט/חשון/תשפ"ב</a:t>
+              <a:t>ב'/כסלו/תשפ"ב</a:t>
             </a:fld>
             <a:endParaRPr lang="he-IL"/>
           </a:p>
@@ -18661,7 +19146,7 @@
           <a:p>
             <a:fld id="{2E5861C8-6E59-4B49-805F-F09502E84273}" type="datetimeFigureOut">
               <a:rPr lang="he-IL" smtClean="0"/>
-              <a:t>כ"ט/חשון/תשפ"ב</a:t>
+              <a:t>ב'/כסלו/תשפ"ב</a:t>
             </a:fld>
             <a:endParaRPr lang="he-IL"/>
           </a:p>
@@ -18831,7 +19316,7 @@
           <a:p>
             <a:fld id="{2E5861C8-6E59-4B49-805F-F09502E84273}" type="datetimeFigureOut">
               <a:rPr lang="he-IL" smtClean="0"/>
-              <a:t>כ"ט/חשון/תשפ"ב</a:t>
+              <a:t>ב'/כסלו/תשפ"ב</a:t>
             </a:fld>
             <a:endParaRPr lang="he-IL"/>
           </a:p>
@@ -19082,7 +19567,7 @@
           <a:p>
             <a:fld id="{2E5861C8-6E59-4B49-805F-F09502E84273}" type="datetimeFigureOut">
               <a:rPr lang="he-IL" smtClean="0"/>
-              <a:t>כ"ט/חשון/תשפ"ב</a:t>
+              <a:t>ב'/כסלו/תשפ"ב</a:t>
             </a:fld>
             <a:endParaRPr lang="he-IL"/>
           </a:p>
@@ -19405,7 +19890,7 @@
           <a:p>
             <a:fld id="{2E5861C8-6E59-4B49-805F-F09502E84273}" type="datetimeFigureOut">
               <a:rPr lang="he-IL" smtClean="0"/>
-              <a:t>כ"ט/חשון/תשפ"ב</a:t>
+              <a:t>ב'/כסלו/תשפ"ב</a:t>
             </a:fld>
             <a:endParaRPr lang="he-IL"/>
           </a:p>
@@ -19829,7 +20314,7 @@
           <a:p>
             <a:fld id="{2E5861C8-6E59-4B49-805F-F09502E84273}" type="datetimeFigureOut">
               <a:rPr lang="he-IL" smtClean="0"/>
-              <a:t>כ"ט/חשון/תשפ"ב</a:t>
+              <a:t>ב'/כסלו/תשפ"ב</a:t>
             </a:fld>
             <a:endParaRPr lang="he-IL"/>
           </a:p>
@@ -19947,7 +20432,7 @@
           <a:p>
             <a:fld id="{2E5861C8-6E59-4B49-805F-F09502E84273}" type="datetimeFigureOut">
               <a:rPr lang="he-IL" smtClean="0"/>
-              <a:t>כ"ט/חשון/תשפ"ב</a:t>
+              <a:t>ב'/כסלו/תשפ"ב</a:t>
             </a:fld>
             <a:endParaRPr lang="he-IL"/>
           </a:p>
@@ -20042,7 +20527,7 @@
           <a:p>
             <a:fld id="{2E5861C8-6E59-4B49-805F-F09502E84273}" type="datetimeFigureOut">
               <a:rPr lang="he-IL" smtClean="0"/>
-              <a:t>כ"ט/חשון/תשפ"ב</a:t>
+              <a:t>ב'/כסלו/תשפ"ב</a:t>
             </a:fld>
             <a:endParaRPr lang="he-IL"/>
           </a:p>
@@ -20332,7 +20817,7 @@
           <a:p>
             <a:fld id="{2E5861C8-6E59-4B49-805F-F09502E84273}" type="datetimeFigureOut">
               <a:rPr lang="he-IL" smtClean="0"/>
-              <a:t>כ"ט/חשון/תשפ"ב</a:t>
+              <a:t>ב'/כסלו/תשפ"ב</a:t>
             </a:fld>
             <a:endParaRPr lang="he-IL"/>
           </a:p>
@@ -20604,7 +21089,7 @@
           <a:p>
             <a:fld id="{2E5861C8-6E59-4B49-805F-F09502E84273}" type="datetimeFigureOut">
               <a:rPr lang="he-IL" smtClean="0"/>
-              <a:t>כ"ט/חשון/תשפ"ב</a:t>
+              <a:t>ב'/כסלו/תשפ"ב</a:t>
             </a:fld>
             <a:endParaRPr lang="he-IL"/>
           </a:p>
@@ -20858,7 +21343,7 @@
           <a:p>
             <a:fld id="{2E5861C8-6E59-4B49-805F-F09502E84273}" type="datetimeFigureOut">
               <a:rPr lang="he-IL" smtClean="0"/>
-              <a:t>כ"ט/חשון/תשפ"ב</a:t>
+              <a:t>ב'/כסלו/תשפ"ב</a:t>
             </a:fld>
             <a:endParaRPr lang="he-IL"/>
           </a:p>
@@ -21557,28 +22042,23 @@
         </p:nvSpPr>
         <p:spPr>
           <a:xfrm>
-            <a:off x="1239253" y="2734195"/>
-            <a:ext cx="9872871" cy="4315691"/>
+            <a:off x="622969" y="1576805"/>
+            <a:ext cx="10755612" cy="4315691"/>
           </a:xfrm>
         </p:spPr>
         <p:txBody>
           <a:bodyPr>
-            <a:normAutofit/>
+            <a:normAutofit lnSpcReduction="10000"/>
           </a:bodyPr>
           <a:lstStyle/>
           <a:p>
-            <a:pPr marL="342900" marR="0" lvl="0" indent="-342900" algn="just" rtl="1">
+            <a:pPr marL="457200" indent="-457200" algn="just">
               <a:lnSpc>
                 <a:spcPct val="110000"/>
               </a:lnSpc>
               <a:spcBef>
                 <a:spcPts val="0"/>
               </a:spcBef>
-              <a:spcAft>
-                <a:spcPts val="0"/>
-              </a:spcAft>
-              <a:buFont typeface="Symbol" panose="05050102010706020507" pitchFamily="18" charset="2"/>
-              <a:buChar char=""/>
               <a:tabLst>
                 <a:tab pos="731520" algn="l"/>
                 <a:tab pos="1463040" algn="l"/>
@@ -21634,18 +22114,13 @@
             </a:endParaRPr>
           </a:p>
           <a:p>
-            <a:pPr marL="342900" marR="0" lvl="0" indent="-342900" algn="just" rtl="1">
+            <a:pPr marL="457200" indent="-457200" algn="just">
               <a:lnSpc>
                 <a:spcPct val="110000"/>
               </a:lnSpc>
               <a:spcBef>
                 <a:spcPts val="0"/>
               </a:spcBef>
-              <a:spcAft>
-                <a:spcPts val="0"/>
-              </a:spcAft>
-              <a:buFont typeface="Symbol" panose="05050102010706020507" pitchFamily="18" charset="2"/>
-              <a:buChar char=""/>
               <a:tabLst>
                 <a:tab pos="731520" algn="l"/>
                 <a:tab pos="1463040" algn="l"/>
@@ -21701,18 +22176,13 @@
             </a:endParaRPr>
           </a:p>
           <a:p>
-            <a:pPr marL="342900" marR="0" lvl="0" indent="-342900" algn="just" rtl="1">
+            <a:pPr marL="457200" indent="-457200" algn="just">
               <a:lnSpc>
                 <a:spcPct val="110000"/>
               </a:lnSpc>
               <a:spcBef>
                 <a:spcPts val="0"/>
               </a:spcBef>
-              <a:spcAft>
-                <a:spcPts val="0"/>
-              </a:spcAft>
-              <a:buFont typeface="Symbol" panose="05050102010706020507" pitchFamily="18" charset="2"/>
-              <a:buChar char=""/>
               <a:tabLst>
                 <a:tab pos="731520" algn="l"/>
                 <a:tab pos="1463040" algn="l"/>
@@ -21768,18 +22238,13 @@
             </a:endParaRPr>
           </a:p>
           <a:p>
-            <a:pPr marL="342900" marR="0" lvl="0" indent="-342900" algn="just" rtl="1">
+            <a:pPr marL="457200" indent="-457200" algn="just">
               <a:lnSpc>
                 <a:spcPct val="110000"/>
               </a:lnSpc>
               <a:spcBef>
                 <a:spcPts val="0"/>
               </a:spcBef>
-              <a:spcAft>
-                <a:spcPts val="0"/>
-              </a:spcAft>
-              <a:buFont typeface="Symbol" panose="05050102010706020507" pitchFamily="18" charset="2"/>
-              <a:buChar char=""/>
               <a:tabLst>
                 <a:tab pos="731520" algn="l"/>
                 <a:tab pos="1463040" algn="l"/>
@@ -21799,22 +22264,18 @@
                 <a:ea typeface="Times New Roman" panose="02020603050405020304" pitchFamily="18" charset="0"/>
                 <a:cs typeface="Arial" panose="020B0604020202020204" pitchFamily="34" charset="0"/>
               </a:rPr>
-              <a:t>פיתוח בינה מלאכותית למשחק נגד המחשב</a:t>
+              <a:t>פיתוח אלגוריתמים, בין היתר פיתוח בינה מלאכותית למשחק נגד המחשב</a:t>
             </a:r>
           </a:p>
           <a:p>
-            <a:pPr marL="342900" marR="0" lvl="0" indent="-342900" algn="just" rtl="1">
+            <a:pPr marL="0" indent="0" algn="just">
               <a:lnSpc>
-                <a:spcPct val="150000"/>
+                <a:spcPct val="110000"/>
               </a:lnSpc>
               <a:spcBef>
                 <a:spcPts val="0"/>
               </a:spcBef>
-              <a:spcAft>
-                <a:spcPts val="0"/>
-              </a:spcAft>
-              <a:buFont typeface="Symbol" panose="05050102010706020507" pitchFamily="18" charset="2"/>
-              <a:buChar char=""/>
+              <a:buNone/>
               <a:tabLst>
                 <a:tab pos="731520" algn="l"/>
                 <a:tab pos="1463040" algn="l"/>
@@ -21827,6 +22288,41 @@
                 <a:tab pos="6583680" algn="l"/>
               </a:tabLst>
             </a:pPr>
+            <a:endParaRPr lang="he-IL" sz="2800" dirty="0">
+              <a:effectLst/>
+              <a:latin typeface="Times New Roman" panose="02020603050405020304" pitchFamily="18" charset="0"/>
+              <a:ea typeface="Times New Roman" panose="02020603050405020304" pitchFamily="18" charset="0"/>
+              <a:cs typeface="Arial" panose="020B0604020202020204" pitchFamily="34" charset="0"/>
+            </a:endParaRPr>
+          </a:p>
+          <a:p>
+            <a:pPr marL="457200" indent="-457200" algn="just">
+              <a:lnSpc>
+                <a:spcPct val="110000"/>
+              </a:lnSpc>
+              <a:spcBef>
+                <a:spcPts val="0"/>
+              </a:spcBef>
+              <a:tabLst>
+                <a:tab pos="731520" algn="l"/>
+                <a:tab pos="1463040" algn="l"/>
+                <a:tab pos="2194560" algn="l"/>
+                <a:tab pos="2926080" algn="l"/>
+                <a:tab pos="3657600" algn="l"/>
+                <a:tab pos="4389120" algn="l"/>
+                <a:tab pos="5120005" algn="l"/>
+                <a:tab pos="5852160" algn="l"/>
+                <a:tab pos="6583680" algn="l"/>
+              </a:tabLst>
+            </a:pPr>
+            <a:r>
+              <a:rPr lang="he-IL" sz="2800" dirty="0">
+                <a:latin typeface="Times New Roman" panose="02020603050405020304" pitchFamily="18" charset="0"/>
+                <a:ea typeface="Times New Roman" panose="02020603050405020304" pitchFamily="18" charset="0"/>
+                <a:cs typeface="Arial" panose="020B0604020202020204" pitchFamily="34" charset="0"/>
+              </a:rPr>
+              <a:t>פיסיקה וגיאומטריה חישובית</a:t>
+            </a:r>
             <a:endParaRPr lang="he-IL" sz="3400" dirty="0">
               <a:effectLst/>
               <a:latin typeface="Times New Roman" panose="02020603050405020304" pitchFamily="18" charset="0"/>
@@ -21867,8 +22363,8 @@
         </p:blipFill>
         <p:spPr>
           <a:xfrm>
-            <a:off x="497839" y="1576805"/>
-            <a:ext cx="5944306" cy="1711960"/>
+            <a:off x="401587" y="489150"/>
+            <a:ext cx="6289195" cy="1811288"/>
           </a:xfrm>
           <a:prstGeom prst="rect">
             <a:avLst/>
@@ -22009,8 +22505,8 @@
         </p:nvSpPr>
         <p:spPr>
           <a:xfrm>
-            <a:off x="6085297" y="1920240"/>
-            <a:ext cx="5364444" cy="4038600"/>
+            <a:off x="5755907" y="1920240"/>
+            <a:ext cx="5693834" cy="4038600"/>
           </a:xfrm>
         </p:spPr>
         <p:txBody>
@@ -24125,7 +24621,7 @@
         </p:nvSpPr>
         <p:spPr>
           <a:xfrm>
-            <a:off x="7989455" y="609599"/>
+            <a:off x="7257935" y="610177"/>
             <a:ext cx="3574471" cy="5403273"/>
           </a:xfrm>
         </p:spPr>
@@ -24361,7 +24857,7 @@
         </p:nvSpPr>
         <p:spPr>
           <a:xfrm>
-            <a:off x="7989455" y="609599"/>
+            <a:off x="7671821" y="522972"/>
             <a:ext cx="3574471" cy="5403273"/>
           </a:xfrm>
         </p:spPr>
@@ -24462,7 +24958,7 @@
           <p:nvPr>
             <p:extLst>
               <p:ext uri="{D42A27DB-BD31-4B8C-83A1-F6EECF244321}">
-                <p14:modId xmlns:p14="http://schemas.microsoft.com/office/powerpoint/2010/main" val="770756973"/>
+                <p14:modId xmlns:p14="http://schemas.microsoft.com/office/powerpoint/2010/main" val="1412222786"/>
               </p:ext>
             </p:extLst>
           </p:nvPr>
@@ -24477,6 +24973,52 @@
           </a:graphicData>
         </a:graphic>
       </p:graphicFrame>
+      <p:sp>
+        <p:nvSpPr>
+          <p:cNvPr id="3" name="חץ: למטה 2">
+            <a:extLst>
+              <a:ext uri="{FF2B5EF4-FFF2-40B4-BE49-F238E27FC236}">
+                <a16:creationId xmlns:a16="http://schemas.microsoft.com/office/drawing/2014/main" id="{212DED76-13BC-4DB8-9B12-9621B5CF71E5}"/>
+              </a:ext>
+            </a:extLst>
+          </p:cNvPr>
+          <p:cNvSpPr/>
+          <p:nvPr/>
+        </p:nvSpPr>
+        <p:spPr>
+          <a:xfrm>
+            <a:off x="3473471" y="1741103"/>
+            <a:ext cx="636516" cy="742215"/>
+          </a:xfrm>
+          <a:prstGeom prst="downArrow">
+            <a:avLst/>
+          </a:prstGeom>
+        </p:spPr>
+        <p:style>
+          <a:lnRef idx="2">
+            <a:schemeClr val="accent1">
+              <a:shade val="50000"/>
+            </a:schemeClr>
+          </a:lnRef>
+          <a:fillRef idx="1">
+            <a:schemeClr val="accent1"/>
+          </a:fillRef>
+          <a:effectRef idx="0">
+            <a:schemeClr val="accent1"/>
+          </a:effectRef>
+          <a:fontRef idx="minor">
+            <a:schemeClr val="lt1"/>
+          </a:fontRef>
+        </p:style>
+        <p:txBody>
+          <a:bodyPr rtlCol="1" anchor="ctr"/>
+          <a:lstStyle/>
+          <a:p>
+            <a:pPr algn="ctr"/>
+            <a:endParaRPr lang="he-IL"/>
+          </a:p>
+        </p:txBody>
+      </p:sp>
     </p:spTree>
     <p:extLst>
       <p:ext uri="{BB962C8B-B14F-4D97-AF65-F5344CB8AC3E}">

--- a/דוחות/מצגת.pptx
+++ b/דוחות/מצגת.pptx
@@ -11,7 +11,7 @@
     <p:sldId id="260" r:id="rId5"/>
     <p:sldId id="261" r:id="rId6"/>
     <p:sldId id="262" r:id="rId7"/>
-    <p:sldId id="263" r:id="rId8"/>
+    <p:sldId id="270" r:id="rId8"/>
     <p:sldId id="264" r:id="rId9"/>
     <p:sldId id="265" r:id="rId10"/>
     <p:sldId id="266" r:id="rId11"/>
@@ -116,6 +116,30 @@
     </a:lvl9pPr>
   </p:defaultTextStyle>
   <p:extLst>
+    <p:ext uri="{521415D9-36F7-43E2-AB2F-B90AF26B5E84}">
+      <p14:sectionLst xmlns:p14="http://schemas.microsoft.com/office/powerpoint/2010/main">
+        <p14:section name="מקטע ברירת מחדל" id="{F64C5984-E42D-454C-B3DD-95BCBEC1EE7A}">
+          <p14:sldIdLst>
+            <p14:sldId id="256"/>
+            <p14:sldId id="257"/>
+            <p14:sldId id="258"/>
+            <p14:sldId id="260"/>
+            <p14:sldId id="261"/>
+          </p14:sldIdLst>
+        </p14:section>
+        <p14:section name="מקטע ללא כותרת" id="{45E82346-2936-43B9-AFDD-56DD49FF7DC6}">
+          <p14:sldIdLst>
+            <p14:sldId id="262"/>
+            <p14:sldId id="270"/>
+            <p14:sldId id="264"/>
+            <p14:sldId id="265"/>
+            <p14:sldId id="266"/>
+            <p14:sldId id="267"/>
+            <p14:sldId id="268"/>
+          </p14:sldIdLst>
+        </p14:section>
+      </p14:sectionLst>
+    </p:ext>
     <p:ext uri="{EFAFB233-063F-42B5-8137-9DF3F51BA10A}">
       <p15:sldGuideLst xmlns:p15="http://schemas.microsoft.com/office/powerpoint/2012/main">
         <p15:guide id="1" pos="3840" userDrawn="1">
@@ -2384,927 +2408,6 @@
 </file>
 
 <file path=ppt/diagrams/colors4.xml><?xml version="1.0" encoding="utf-8"?>
-<dgm:colorsDef xmlns:dgm="http://schemas.openxmlformats.org/drawingml/2006/diagram" xmlns:a="http://schemas.openxmlformats.org/drawingml/2006/main" uniqueId="urn:microsoft.com/office/officeart/2018/5/colors/Iconchunking_neutralicon_colorful1">
-  <dgm:title val=""/>
-  <dgm:desc val=""/>
-  <dgm:catLst>
-    <dgm:cat type="colorful" pri="10100"/>
-  </dgm:catLst>
-  <dgm:styleLbl name="node0">
-    <dgm:fillClrLst meth="repeat">
-      <a:schemeClr val="accent1"/>
-    </dgm:fillClrLst>
-    <dgm:linClrLst meth="repeat">
-      <a:schemeClr val="lt1"/>
-    </dgm:linClrLst>
-    <dgm:effectClrLst/>
-    <dgm:txLinClrLst/>
-    <dgm:txFillClrLst/>
-    <dgm:txEffectClrLst/>
-  </dgm:styleLbl>
-  <dgm:styleLbl name="node1">
-    <dgm:fillClrLst meth="repeat">
-      <a:schemeClr val="bg1"/>
-    </dgm:fillClrLst>
-    <dgm:linClrLst meth="repeat">
-      <a:schemeClr val="lt1">
-        <a:alpha val="0"/>
-      </a:schemeClr>
-    </dgm:linClrLst>
-    <dgm:effectClrLst/>
-    <dgm:txLinClrLst/>
-    <dgm:txFillClrLst meth="repeat">
-      <a:schemeClr val="dk1"/>
-    </dgm:txFillClrLst>
-    <dgm:txEffectClrLst/>
-  </dgm:styleLbl>
-  <dgm:styleLbl name="alignNode1">
-    <dgm:fillClrLst meth="repeat">
-      <a:schemeClr val="accent2"/>
-      <a:schemeClr val="accent3"/>
-      <a:schemeClr val="accent4"/>
-      <a:schemeClr val="accent5"/>
-      <a:schemeClr val="accent6"/>
-    </dgm:fillClrLst>
-    <dgm:linClrLst meth="repeat">
-      <a:schemeClr val="accent2"/>
-      <a:schemeClr val="accent3"/>
-      <a:schemeClr val="accent4"/>
-      <a:schemeClr val="accent5"/>
-      <a:schemeClr val="accent6"/>
-    </dgm:linClrLst>
-    <dgm:effectClrLst/>
-    <dgm:txLinClrLst/>
-    <dgm:txFillClrLst/>
-    <dgm:txEffectClrLst/>
-  </dgm:styleLbl>
-  <dgm:styleLbl name="lnNode1">
-    <dgm:fillClrLst meth="repeat">
-      <a:schemeClr val="accent2"/>
-      <a:schemeClr val="accent3"/>
-      <a:schemeClr val="accent4"/>
-      <a:schemeClr val="accent5"/>
-      <a:schemeClr val="accent6"/>
-    </dgm:fillClrLst>
-    <dgm:linClrLst meth="repeat">
-      <a:schemeClr val="lt1"/>
-    </dgm:linClrLst>
-    <dgm:effectClrLst/>
-    <dgm:txLinClrLst/>
-    <dgm:txFillClrLst/>
-    <dgm:txEffectClrLst/>
-  </dgm:styleLbl>
-  <dgm:styleLbl name="vennNode1">
-    <dgm:fillClrLst meth="repeat">
-      <a:schemeClr val="accent2">
-        <a:alpha val="50000"/>
-      </a:schemeClr>
-      <a:schemeClr val="accent3">
-        <a:alpha val="50000"/>
-      </a:schemeClr>
-      <a:schemeClr val="accent4">
-        <a:alpha val="50000"/>
-      </a:schemeClr>
-      <a:schemeClr val="accent5">
-        <a:alpha val="50000"/>
-      </a:schemeClr>
-      <a:schemeClr val="accent6">
-        <a:alpha val="50000"/>
-      </a:schemeClr>
-    </dgm:fillClrLst>
-    <dgm:linClrLst meth="repeat">
-      <a:schemeClr val="lt1"/>
-    </dgm:linClrLst>
-    <dgm:effectClrLst/>
-    <dgm:txLinClrLst/>
-    <dgm:txFillClrLst/>
-    <dgm:txEffectClrLst/>
-  </dgm:styleLbl>
-  <dgm:styleLbl name="node2">
-    <dgm:fillClrLst>
-      <a:schemeClr val="accent2"/>
-    </dgm:fillClrLst>
-    <dgm:linClrLst meth="repeat">
-      <a:schemeClr val="lt1"/>
-    </dgm:linClrLst>
-    <dgm:effectClrLst/>
-    <dgm:txLinClrLst/>
-    <dgm:txFillClrLst/>
-    <dgm:txEffectClrLst/>
-  </dgm:styleLbl>
-  <dgm:styleLbl name="node3">
-    <dgm:fillClrLst>
-      <a:schemeClr val="accent3"/>
-    </dgm:fillClrLst>
-    <dgm:linClrLst meth="repeat">
-      <a:schemeClr val="lt1"/>
-    </dgm:linClrLst>
-    <dgm:effectClrLst/>
-    <dgm:txLinClrLst/>
-    <dgm:txFillClrLst/>
-    <dgm:txEffectClrLst/>
-  </dgm:styleLbl>
-  <dgm:styleLbl name="node4">
-    <dgm:fillClrLst>
-      <a:schemeClr val="accent4"/>
-    </dgm:fillClrLst>
-    <dgm:linClrLst meth="repeat">
-      <a:schemeClr val="lt1"/>
-    </dgm:linClrLst>
-    <dgm:effectClrLst/>
-    <dgm:txLinClrLst/>
-    <dgm:txFillClrLst/>
-    <dgm:txEffectClrLst/>
-  </dgm:styleLbl>
-  <dgm:styleLbl name="fgImgPlace1">
-    <dgm:fillClrLst meth="repeat">
-      <a:schemeClr val="accent2">
-        <a:tint val="50000"/>
-      </a:schemeClr>
-      <a:schemeClr val="accent3">
-        <a:tint val="50000"/>
-      </a:schemeClr>
-      <a:schemeClr val="accent4">
-        <a:tint val="50000"/>
-      </a:schemeClr>
-      <a:schemeClr val="accent5">
-        <a:tint val="50000"/>
-      </a:schemeClr>
-      <a:schemeClr val="accent6">
-        <a:tint val="50000"/>
-      </a:schemeClr>
-    </dgm:fillClrLst>
-    <dgm:linClrLst meth="repeat">
-      <a:schemeClr val="lt1"/>
-    </dgm:linClrLst>
-    <dgm:effectClrLst/>
-    <dgm:txLinClrLst/>
-    <dgm:txFillClrLst meth="repeat">
-      <a:schemeClr val="lt1"/>
-    </dgm:txFillClrLst>
-    <dgm:txEffectClrLst/>
-  </dgm:styleLbl>
-  <dgm:styleLbl name="alignImgPlace1">
-    <dgm:fillClrLst>
-      <a:schemeClr val="accent1">
-        <a:tint val="50000"/>
-      </a:schemeClr>
-      <a:schemeClr val="accent2">
-        <a:tint val="20000"/>
-      </a:schemeClr>
-    </dgm:fillClrLst>
-    <dgm:linClrLst meth="repeat">
-      <a:schemeClr val="lt1"/>
-    </dgm:linClrLst>
-    <dgm:effectClrLst/>
-    <dgm:txLinClrLst/>
-    <dgm:txFillClrLst meth="repeat">
-      <a:schemeClr val="lt1"/>
-    </dgm:txFillClrLst>
-    <dgm:txEffectClrLst/>
-  </dgm:styleLbl>
-  <dgm:styleLbl name="bgImgPlace1">
-    <dgm:fillClrLst>
-      <a:schemeClr val="accent1">
-        <a:tint val="50000"/>
-      </a:schemeClr>
-      <a:schemeClr val="accent2">
-        <a:tint val="20000"/>
-      </a:schemeClr>
-    </dgm:fillClrLst>
-    <dgm:linClrLst meth="repeat">
-      <a:schemeClr val="lt1"/>
-    </dgm:linClrLst>
-    <dgm:effectClrLst/>
-    <dgm:txLinClrLst/>
-    <dgm:txFillClrLst meth="repeat">
-      <a:schemeClr val="lt1"/>
-    </dgm:txFillClrLst>
-    <dgm:txEffectClrLst/>
-  </dgm:styleLbl>
-  <dgm:styleLbl name="sibTrans2D1">
-    <dgm:fillClrLst meth="repeat">
-      <a:schemeClr val="accent2"/>
-      <a:schemeClr val="accent3"/>
-      <a:schemeClr val="accent4"/>
-      <a:schemeClr val="accent5"/>
-      <a:schemeClr val="accent6"/>
-    </dgm:fillClrLst>
-    <dgm:linClrLst meth="cycle">
-      <a:schemeClr val="lt1"/>
-    </dgm:linClrLst>
-    <dgm:effectClrLst/>
-    <dgm:txLinClrLst/>
-    <dgm:txFillClrLst/>
-    <dgm:txEffectClrLst/>
-  </dgm:styleLbl>
-  <dgm:styleLbl name="fgSibTrans2D1">
-    <dgm:fillClrLst meth="repeat">
-      <a:schemeClr val="accent2"/>
-      <a:schemeClr val="accent3"/>
-      <a:schemeClr val="accent4"/>
-      <a:schemeClr val="accent5"/>
-      <a:schemeClr val="accent6"/>
-    </dgm:fillClrLst>
-    <dgm:linClrLst meth="cycle">
-      <a:schemeClr val="lt1"/>
-    </dgm:linClrLst>
-    <dgm:effectClrLst/>
-    <dgm:txLinClrLst/>
-    <dgm:txFillClrLst meth="repeat">
-      <a:schemeClr val="lt1"/>
-    </dgm:txFillClrLst>
-    <dgm:txEffectClrLst/>
-  </dgm:styleLbl>
-  <dgm:styleLbl name="bgSibTrans2D1">
-    <dgm:fillClrLst meth="repeat">
-      <a:schemeClr val="accent2"/>
-      <a:schemeClr val="accent3"/>
-      <a:schemeClr val="accent4"/>
-      <a:schemeClr val="accent5"/>
-      <a:schemeClr val="accent6"/>
-    </dgm:fillClrLst>
-    <dgm:linClrLst meth="cycle">
-      <a:schemeClr val="lt1"/>
-    </dgm:linClrLst>
-    <dgm:effectClrLst/>
-    <dgm:txLinClrLst/>
-    <dgm:txFillClrLst meth="repeat">
-      <a:schemeClr val="lt1"/>
-    </dgm:txFillClrLst>
-    <dgm:txEffectClrLst/>
-  </dgm:styleLbl>
-  <dgm:styleLbl name="sibTrans1D1">
-    <dgm:fillClrLst meth="repeat">
-      <a:schemeClr val="accent2"/>
-      <a:schemeClr val="accent3"/>
-      <a:schemeClr val="accent4"/>
-      <a:schemeClr val="accent5"/>
-      <a:schemeClr val="accent6"/>
-    </dgm:fillClrLst>
-    <dgm:linClrLst meth="repeat">
-      <a:schemeClr val="accent2"/>
-      <a:schemeClr val="accent3"/>
-      <a:schemeClr val="accent4"/>
-      <a:schemeClr val="accent5"/>
-      <a:schemeClr val="accent6"/>
-    </dgm:linClrLst>
-    <dgm:effectClrLst/>
-    <dgm:txLinClrLst/>
-    <dgm:txFillClrLst meth="repeat">
-      <a:schemeClr val="tx1"/>
-    </dgm:txFillClrLst>
-    <dgm:txEffectClrLst/>
-  </dgm:styleLbl>
-  <dgm:styleLbl name="callout">
-    <dgm:fillClrLst meth="repeat">
-      <a:schemeClr val="accent2"/>
-    </dgm:fillClrLst>
-    <dgm:linClrLst meth="repeat">
-      <a:schemeClr val="accent2">
-        <a:tint val="50000"/>
-      </a:schemeClr>
-    </dgm:linClrLst>
-    <dgm:effectClrLst/>
-    <dgm:txLinClrLst/>
-    <dgm:txFillClrLst meth="repeat">
-      <a:schemeClr val="tx1"/>
-    </dgm:txFillClrLst>
-    <dgm:txEffectClrLst/>
-  </dgm:styleLbl>
-  <dgm:styleLbl name="asst0">
-    <dgm:fillClrLst meth="repeat">
-      <a:schemeClr val="accent1"/>
-    </dgm:fillClrLst>
-    <dgm:linClrLst meth="repeat">
-      <a:schemeClr val="lt1"/>
-    </dgm:linClrLst>
-    <dgm:effectClrLst/>
-    <dgm:txLinClrLst/>
-    <dgm:txFillClrLst/>
-    <dgm:txEffectClrLst/>
-  </dgm:styleLbl>
-  <dgm:styleLbl name="asst1">
-    <dgm:fillClrLst meth="repeat">
-      <a:schemeClr val="accent2"/>
-    </dgm:fillClrLst>
-    <dgm:linClrLst meth="repeat">
-      <a:schemeClr val="lt1"/>
-    </dgm:linClrLst>
-    <dgm:effectClrLst/>
-    <dgm:txLinClrLst/>
-    <dgm:txFillClrLst/>
-    <dgm:txEffectClrLst/>
-  </dgm:styleLbl>
-  <dgm:styleLbl name="asst2">
-    <dgm:fillClrLst>
-      <a:schemeClr val="accent3"/>
-    </dgm:fillClrLst>
-    <dgm:linClrLst meth="repeat">
-      <a:schemeClr val="lt1"/>
-    </dgm:linClrLst>
-    <dgm:effectClrLst/>
-    <dgm:txLinClrLst/>
-    <dgm:txFillClrLst/>
-    <dgm:txEffectClrLst/>
-  </dgm:styleLbl>
-  <dgm:styleLbl name="asst3">
-    <dgm:fillClrLst>
-      <a:schemeClr val="accent4"/>
-    </dgm:fillClrLst>
-    <dgm:linClrLst meth="repeat">
-      <a:schemeClr val="lt1"/>
-    </dgm:linClrLst>
-    <dgm:effectClrLst/>
-    <dgm:txLinClrLst/>
-    <dgm:txFillClrLst/>
-    <dgm:txEffectClrLst/>
-  </dgm:styleLbl>
-  <dgm:styleLbl name="asst4">
-    <dgm:fillClrLst>
-      <a:schemeClr val="accent5"/>
-    </dgm:fillClrLst>
-    <dgm:linClrLst meth="repeat">
-      <a:schemeClr val="lt1"/>
-    </dgm:linClrLst>
-    <dgm:effectClrLst/>
-    <dgm:txLinClrLst/>
-    <dgm:txFillClrLst/>
-    <dgm:txEffectClrLst/>
-  </dgm:styleLbl>
-  <dgm:styleLbl name="parChTrans2D1">
-    <dgm:fillClrLst meth="repeat">
-      <a:schemeClr val="accent2"/>
-    </dgm:fillClrLst>
-    <dgm:linClrLst meth="repeat">
-      <a:schemeClr val="lt1"/>
-    </dgm:linClrLst>
-    <dgm:effectClrLst/>
-    <dgm:txLinClrLst/>
-    <dgm:txFillClrLst meth="repeat">
-      <a:schemeClr val="lt1"/>
-    </dgm:txFillClrLst>
-    <dgm:txEffectClrLst/>
-  </dgm:styleLbl>
-  <dgm:styleLbl name="parChTrans2D2">
-    <dgm:fillClrLst meth="repeat">
-      <a:schemeClr val="accent3"/>
-    </dgm:fillClrLst>
-    <dgm:linClrLst meth="repeat">
-      <a:schemeClr val="lt1"/>
-    </dgm:linClrLst>
-    <dgm:effectClrLst/>
-    <dgm:txLinClrLst/>
-    <dgm:txFillClrLst/>
-    <dgm:txEffectClrLst/>
-  </dgm:styleLbl>
-  <dgm:styleLbl name="parChTrans2D3">
-    <dgm:fillClrLst meth="repeat">
-      <a:schemeClr val="accent4"/>
-    </dgm:fillClrLst>
-    <dgm:linClrLst meth="repeat">
-      <a:schemeClr val="lt1"/>
-    </dgm:linClrLst>
-    <dgm:effectClrLst/>
-    <dgm:txLinClrLst/>
-    <dgm:txFillClrLst/>
-    <dgm:txEffectClrLst/>
-  </dgm:styleLbl>
-  <dgm:styleLbl name="parChTrans2D4">
-    <dgm:fillClrLst meth="repeat">
-      <a:schemeClr val="accent5"/>
-    </dgm:fillClrLst>
-    <dgm:linClrLst meth="repeat">
-      <a:schemeClr val="lt1"/>
-    </dgm:linClrLst>
-    <dgm:effectClrLst/>
-    <dgm:txLinClrLst/>
-    <dgm:txFillClrLst meth="repeat">
-      <a:schemeClr val="lt1"/>
-    </dgm:txFillClrLst>
-    <dgm:txEffectClrLst/>
-  </dgm:styleLbl>
-  <dgm:styleLbl name="parChTrans1D1">
-    <dgm:fillClrLst meth="repeat">
-      <a:schemeClr val="accent2"/>
-    </dgm:fillClrLst>
-    <dgm:linClrLst meth="repeat">
-      <a:schemeClr val="accent1"/>
-    </dgm:linClrLst>
-    <dgm:effectClrLst/>
-    <dgm:txLinClrLst/>
-    <dgm:txFillClrLst meth="repeat">
-      <a:schemeClr val="tx1"/>
-    </dgm:txFillClrLst>
-    <dgm:txEffectClrLst/>
-  </dgm:styleLbl>
-  <dgm:styleLbl name="parChTrans1D2">
-    <dgm:fillClrLst meth="repeat">
-      <a:schemeClr val="accent3">
-        <a:tint val="90000"/>
-      </a:schemeClr>
-    </dgm:fillClrLst>
-    <dgm:linClrLst meth="repeat">
-      <a:schemeClr val="accent2"/>
-    </dgm:linClrLst>
-    <dgm:effectClrLst/>
-    <dgm:txLinClrLst/>
-    <dgm:txFillClrLst meth="repeat">
-      <a:schemeClr val="tx1"/>
-    </dgm:txFillClrLst>
-    <dgm:txEffectClrLst/>
-  </dgm:styleLbl>
-  <dgm:styleLbl name="parChTrans1D3">
-    <dgm:fillClrLst meth="repeat">
-      <a:schemeClr val="accent4">
-        <a:tint val="70000"/>
-      </a:schemeClr>
-    </dgm:fillClrLst>
-    <dgm:linClrLst meth="repeat">
-      <a:schemeClr val="accent3"/>
-    </dgm:linClrLst>
-    <dgm:effectClrLst/>
-    <dgm:txLinClrLst/>
-    <dgm:txFillClrLst meth="repeat">
-      <a:schemeClr val="tx1"/>
-    </dgm:txFillClrLst>
-    <dgm:txEffectClrLst/>
-  </dgm:styleLbl>
-  <dgm:styleLbl name="parChTrans1D4">
-    <dgm:fillClrLst meth="repeat">
-      <a:schemeClr val="accent5">
-        <a:tint val="50000"/>
-      </a:schemeClr>
-    </dgm:fillClrLst>
-    <dgm:linClrLst meth="repeat">
-      <a:schemeClr val="accent4"/>
-    </dgm:linClrLst>
-    <dgm:effectClrLst/>
-    <dgm:txLinClrLst/>
-    <dgm:txFillClrLst meth="repeat">
-      <a:schemeClr val="tx1"/>
-    </dgm:txFillClrLst>
-    <dgm:txEffectClrLst/>
-  </dgm:styleLbl>
-  <dgm:styleLbl name="fgAcc1">
-    <dgm:fillClrLst meth="repeat">
-      <a:schemeClr val="lt1">
-        <a:alpha val="90000"/>
-      </a:schemeClr>
-    </dgm:fillClrLst>
-    <dgm:linClrLst meth="repeat">
-      <a:schemeClr val="accent2"/>
-      <a:schemeClr val="accent3"/>
-      <a:schemeClr val="accent4"/>
-      <a:schemeClr val="accent5"/>
-      <a:schemeClr val="accent6"/>
-    </dgm:linClrLst>
-    <dgm:effectClrLst/>
-    <dgm:txLinClrLst/>
-    <dgm:txFillClrLst meth="repeat">
-      <a:schemeClr val="dk1"/>
-    </dgm:txFillClrLst>
-    <dgm:txEffectClrLst/>
-  </dgm:styleLbl>
-  <dgm:styleLbl name="conFgAcc1">
-    <dgm:fillClrLst meth="repeat">
-      <a:schemeClr val="lt1">
-        <a:alpha val="90000"/>
-      </a:schemeClr>
-    </dgm:fillClrLst>
-    <dgm:linClrLst meth="repeat">
-      <a:schemeClr val="accent2"/>
-      <a:schemeClr val="accent3"/>
-      <a:schemeClr val="accent4"/>
-      <a:schemeClr val="accent5"/>
-      <a:schemeClr val="accent6"/>
-    </dgm:linClrLst>
-    <dgm:effectClrLst/>
-    <dgm:txLinClrLst/>
-    <dgm:txFillClrLst meth="repeat">
-      <a:schemeClr val="dk1"/>
-    </dgm:txFillClrLst>
-    <dgm:txEffectClrLst/>
-  </dgm:styleLbl>
-  <dgm:styleLbl name="alignAcc1">
-    <dgm:fillClrLst meth="repeat">
-      <a:schemeClr val="lt1">
-        <a:alpha val="90000"/>
-      </a:schemeClr>
-    </dgm:fillClrLst>
-    <dgm:linClrLst meth="repeat">
-      <a:schemeClr val="accent2"/>
-      <a:schemeClr val="accent3"/>
-      <a:schemeClr val="accent4"/>
-      <a:schemeClr val="accent5"/>
-      <a:schemeClr val="accent6"/>
-    </dgm:linClrLst>
-    <dgm:effectClrLst/>
-    <dgm:txLinClrLst/>
-    <dgm:txFillClrLst meth="repeat">
-      <a:schemeClr val="dk1"/>
-    </dgm:txFillClrLst>
-    <dgm:txEffectClrLst/>
-  </dgm:styleLbl>
-  <dgm:styleLbl name="trAlignAcc1">
-    <dgm:fillClrLst meth="repeat">
-      <a:schemeClr val="lt1">
-        <a:alpha val="40000"/>
-      </a:schemeClr>
-    </dgm:fillClrLst>
-    <dgm:linClrLst meth="repeat">
-      <a:schemeClr val="accent1"/>
-    </dgm:linClrLst>
-    <dgm:effectClrLst/>
-    <dgm:txLinClrLst/>
-    <dgm:txFillClrLst meth="repeat">
-      <a:schemeClr val="dk1"/>
-    </dgm:txFillClrLst>
-    <dgm:txEffectClrLst/>
-  </dgm:styleLbl>
-  <dgm:styleLbl name="bgAcc1">
-    <dgm:fillClrLst meth="repeat">
-      <a:schemeClr val="lt1">
-        <a:alpha val="90000"/>
-      </a:schemeClr>
-    </dgm:fillClrLst>
-    <dgm:linClrLst meth="repeat">
-      <a:schemeClr val="accent2"/>
-      <a:schemeClr val="accent3"/>
-      <a:schemeClr val="accent4"/>
-      <a:schemeClr val="accent5"/>
-      <a:schemeClr val="accent6"/>
-    </dgm:linClrLst>
-    <dgm:effectClrLst/>
-    <dgm:txLinClrLst/>
-    <dgm:txFillClrLst meth="repeat">
-      <a:schemeClr val="dk1"/>
-    </dgm:txFillClrLst>
-    <dgm:txEffectClrLst/>
-  </dgm:styleLbl>
-  <dgm:styleLbl name="solidFgAcc1">
-    <dgm:fillClrLst meth="repeat">
-      <a:schemeClr val="lt1"/>
-    </dgm:fillClrLst>
-    <dgm:linClrLst meth="repeat">
-      <a:schemeClr val="accent2"/>
-      <a:schemeClr val="accent3"/>
-      <a:schemeClr val="accent4"/>
-      <a:schemeClr val="accent5"/>
-      <a:schemeClr val="accent6"/>
-    </dgm:linClrLst>
-    <dgm:effectClrLst/>
-    <dgm:txLinClrLst/>
-    <dgm:txFillClrLst meth="repeat">
-      <a:schemeClr val="dk1"/>
-    </dgm:txFillClrLst>
-    <dgm:txEffectClrLst/>
-  </dgm:styleLbl>
-  <dgm:styleLbl name="solidAlignAcc1">
-    <dgm:fillClrLst meth="repeat">
-      <a:schemeClr val="lt1"/>
-    </dgm:fillClrLst>
-    <dgm:linClrLst meth="repeat">
-      <a:schemeClr val="accent2"/>
-      <a:schemeClr val="accent3"/>
-      <a:schemeClr val="accent4"/>
-      <a:schemeClr val="accent5"/>
-      <a:schemeClr val="accent6"/>
-    </dgm:linClrLst>
-    <dgm:effectClrLst/>
-    <dgm:txLinClrLst/>
-    <dgm:txFillClrLst meth="repeat">
-      <a:schemeClr val="dk1"/>
-    </dgm:txFillClrLst>
-    <dgm:txEffectClrLst/>
-  </dgm:styleLbl>
-  <dgm:styleLbl name="solidBgAcc1">
-    <dgm:fillClrLst meth="repeat">
-      <a:schemeClr val="lt1"/>
-    </dgm:fillClrLst>
-    <dgm:linClrLst meth="repeat">
-      <a:schemeClr val="accent2"/>
-      <a:schemeClr val="accent3"/>
-      <a:schemeClr val="accent4"/>
-      <a:schemeClr val="accent5"/>
-      <a:schemeClr val="accent6"/>
-    </dgm:linClrLst>
-    <dgm:effectClrLst/>
-    <dgm:txLinClrLst/>
-    <dgm:txFillClrLst meth="repeat">
-      <a:schemeClr val="dk1"/>
-    </dgm:txFillClrLst>
-    <dgm:txEffectClrLst/>
-  </dgm:styleLbl>
-  <dgm:styleLbl name="fgAccFollowNode1">
-    <dgm:fillClrLst meth="repeat">
-      <a:schemeClr val="accent2">
-        <a:tint val="40000"/>
-        <a:alpha val="90000"/>
-      </a:schemeClr>
-      <a:schemeClr val="accent3">
-        <a:tint val="40000"/>
-        <a:alpha val="90000"/>
-      </a:schemeClr>
-      <a:schemeClr val="accent4">
-        <a:tint val="40000"/>
-        <a:alpha val="90000"/>
-      </a:schemeClr>
-      <a:schemeClr val="accent5">
-        <a:tint val="40000"/>
-        <a:alpha val="90000"/>
-      </a:schemeClr>
-      <a:schemeClr val="accent6">
-        <a:tint val="40000"/>
-        <a:alpha val="90000"/>
-      </a:schemeClr>
-    </dgm:fillClrLst>
-    <dgm:linClrLst meth="repeat">
-      <a:schemeClr val="accent2">
-        <a:tint val="40000"/>
-        <a:alpha val="90000"/>
-      </a:schemeClr>
-      <a:schemeClr val="accent3">
-        <a:tint val="40000"/>
-        <a:alpha val="90000"/>
-      </a:schemeClr>
-      <a:schemeClr val="accent4">
-        <a:tint val="40000"/>
-        <a:alpha val="90000"/>
-      </a:schemeClr>
-      <a:schemeClr val="accent5">
-        <a:tint val="40000"/>
-        <a:alpha val="90000"/>
-      </a:schemeClr>
-      <a:schemeClr val="accent6">
-        <a:tint val="40000"/>
-        <a:alpha val="90000"/>
-      </a:schemeClr>
-    </dgm:linClrLst>
-    <dgm:effectClrLst/>
-    <dgm:txLinClrLst/>
-    <dgm:txFillClrLst meth="repeat">
-      <a:schemeClr val="dk1"/>
-    </dgm:txFillClrLst>
-    <dgm:txEffectClrLst/>
-  </dgm:styleLbl>
-  <dgm:styleLbl name="alignAccFollowNode1">
-    <dgm:fillClrLst meth="repeat">
-      <a:schemeClr val="accent2">
-        <a:tint val="40000"/>
-        <a:alpha val="90000"/>
-      </a:schemeClr>
-      <a:schemeClr val="accent3">
-        <a:tint val="40000"/>
-        <a:alpha val="90000"/>
-      </a:schemeClr>
-      <a:schemeClr val="accent4">
-        <a:tint val="40000"/>
-        <a:alpha val="90000"/>
-      </a:schemeClr>
-      <a:schemeClr val="accent5">
-        <a:tint val="40000"/>
-        <a:alpha val="90000"/>
-      </a:schemeClr>
-      <a:schemeClr val="accent6">
-        <a:tint val="40000"/>
-        <a:alpha val="90000"/>
-      </a:schemeClr>
-    </dgm:fillClrLst>
-    <dgm:linClrLst meth="repeat">
-      <a:schemeClr val="accent2">
-        <a:tint val="40000"/>
-        <a:alpha val="90000"/>
-      </a:schemeClr>
-      <a:schemeClr val="accent3">
-        <a:tint val="40000"/>
-        <a:alpha val="90000"/>
-      </a:schemeClr>
-      <a:schemeClr val="accent4">
-        <a:tint val="40000"/>
-        <a:alpha val="90000"/>
-      </a:schemeClr>
-      <a:schemeClr val="accent5">
-        <a:tint val="40000"/>
-        <a:alpha val="90000"/>
-      </a:schemeClr>
-      <a:schemeClr val="accent6">
-        <a:tint val="40000"/>
-        <a:alpha val="90000"/>
-      </a:schemeClr>
-    </dgm:linClrLst>
-    <dgm:effectClrLst/>
-    <dgm:txLinClrLst/>
-    <dgm:txFillClrLst meth="repeat">
-      <a:schemeClr val="dk1"/>
-    </dgm:txFillClrLst>
-    <dgm:txEffectClrLst/>
-  </dgm:styleLbl>
-  <dgm:styleLbl name="bgAccFollowNode1">
-    <dgm:fillClrLst meth="repeat">
-      <a:schemeClr val="accent2">
-        <a:tint val="40000"/>
-        <a:alpha val="90000"/>
-      </a:schemeClr>
-      <a:schemeClr val="accent3">
-        <a:tint val="40000"/>
-        <a:alpha val="90000"/>
-      </a:schemeClr>
-      <a:schemeClr val="accent4">
-        <a:tint val="40000"/>
-        <a:alpha val="90000"/>
-      </a:schemeClr>
-      <a:schemeClr val="accent5">
-        <a:tint val="40000"/>
-        <a:alpha val="90000"/>
-      </a:schemeClr>
-      <a:schemeClr val="accent6">
-        <a:tint val="40000"/>
-        <a:alpha val="90000"/>
-      </a:schemeClr>
-    </dgm:fillClrLst>
-    <dgm:linClrLst meth="repeat">
-      <a:schemeClr val="accent2">
-        <a:tint val="40000"/>
-        <a:alpha val="90000"/>
-      </a:schemeClr>
-      <a:schemeClr val="accent3">
-        <a:tint val="40000"/>
-        <a:alpha val="90000"/>
-      </a:schemeClr>
-      <a:schemeClr val="accent4">
-        <a:tint val="40000"/>
-        <a:alpha val="90000"/>
-      </a:schemeClr>
-      <a:schemeClr val="accent5">
-        <a:tint val="40000"/>
-        <a:alpha val="90000"/>
-      </a:schemeClr>
-      <a:schemeClr val="accent6">
-        <a:tint val="40000"/>
-        <a:alpha val="90000"/>
-      </a:schemeClr>
-    </dgm:linClrLst>
-    <dgm:effectClrLst/>
-    <dgm:txLinClrLst/>
-    <dgm:txFillClrLst meth="repeat">
-      <a:schemeClr val="dk1"/>
-    </dgm:txFillClrLst>
-    <dgm:txEffectClrLst/>
-  </dgm:styleLbl>
-  <dgm:styleLbl name="fgAcc0">
-    <dgm:fillClrLst meth="repeat">
-      <a:schemeClr val="lt1">
-        <a:alpha val="90000"/>
-      </a:schemeClr>
-    </dgm:fillClrLst>
-    <dgm:linClrLst>
-      <a:schemeClr val="accent1"/>
-    </dgm:linClrLst>
-    <dgm:effectClrLst/>
-    <dgm:txLinClrLst/>
-    <dgm:txFillClrLst meth="repeat">
-      <a:schemeClr val="dk1"/>
-    </dgm:txFillClrLst>
-    <dgm:txEffectClrLst/>
-  </dgm:styleLbl>
-  <dgm:styleLbl name="fgAcc2">
-    <dgm:fillClrLst meth="repeat">
-      <a:schemeClr val="lt1">
-        <a:alpha val="90000"/>
-      </a:schemeClr>
-    </dgm:fillClrLst>
-    <dgm:linClrLst>
-      <a:schemeClr val="accent2"/>
-    </dgm:linClrLst>
-    <dgm:effectClrLst/>
-    <dgm:txLinClrLst/>
-    <dgm:txFillClrLst meth="repeat">
-      <a:schemeClr val="dk1"/>
-    </dgm:txFillClrLst>
-    <dgm:txEffectClrLst/>
-  </dgm:styleLbl>
-  <dgm:styleLbl name="fgAcc3">
-    <dgm:fillClrLst meth="repeat">
-      <a:schemeClr val="lt1">
-        <a:alpha val="90000"/>
-      </a:schemeClr>
-    </dgm:fillClrLst>
-    <dgm:linClrLst>
-      <a:schemeClr val="accent3"/>
-    </dgm:linClrLst>
-    <dgm:effectClrLst/>
-    <dgm:txLinClrLst/>
-    <dgm:txFillClrLst meth="repeat">
-      <a:schemeClr val="dk1"/>
-    </dgm:txFillClrLst>
-    <dgm:txEffectClrLst/>
-  </dgm:styleLbl>
-  <dgm:styleLbl name="fgAcc4">
-    <dgm:fillClrLst meth="repeat">
-      <a:schemeClr val="lt1">
-        <a:alpha val="90000"/>
-      </a:schemeClr>
-    </dgm:fillClrLst>
-    <dgm:linClrLst>
-      <a:schemeClr val="accent4"/>
-    </dgm:linClrLst>
-    <dgm:effectClrLst/>
-    <dgm:txLinClrLst/>
-    <dgm:txFillClrLst meth="repeat">
-      <a:schemeClr val="dk1"/>
-    </dgm:txFillClrLst>
-    <dgm:txEffectClrLst/>
-  </dgm:styleLbl>
-  <dgm:styleLbl name="bgShp">
-    <dgm:fillClrLst meth="repeat">
-      <a:schemeClr val="accent2"/>
-      <a:schemeClr val="accent3"/>
-      <a:schemeClr val="accent4"/>
-      <a:schemeClr val="accent5"/>
-      <a:schemeClr val="accent6"/>
-    </dgm:fillClrLst>
-    <dgm:linClrLst meth="repeat">
-      <a:schemeClr val="lt1">
-        <a:alpha val="0"/>
-      </a:schemeClr>
-    </dgm:linClrLst>
-    <dgm:effectClrLst/>
-    <dgm:txLinClrLst/>
-    <dgm:txFillClrLst/>
-    <dgm:txEffectClrLst/>
-  </dgm:styleLbl>
-  <dgm:styleLbl name="dkBgShp">
-    <dgm:fillClrLst meth="repeat">
-      <a:schemeClr val="accent2">
-        <a:shade val="90000"/>
-      </a:schemeClr>
-    </dgm:fillClrLst>
-    <dgm:linClrLst meth="repeat">
-      <a:schemeClr val="dk1"/>
-    </dgm:linClrLst>
-    <dgm:effectClrLst/>
-    <dgm:txLinClrLst/>
-    <dgm:txFillClrLst meth="repeat">
-      <a:schemeClr val="lt1"/>
-    </dgm:txFillClrLst>
-    <dgm:txEffectClrLst/>
-  </dgm:styleLbl>
-  <dgm:styleLbl name="trBgShp">
-    <dgm:fillClrLst meth="repeat">
-      <a:schemeClr val="accent1">
-        <a:tint val="50000"/>
-        <a:alpha val="40000"/>
-      </a:schemeClr>
-    </dgm:fillClrLst>
-    <dgm:linClrLst meth="repeat">
-      <a:schemeClr val="accent2"/>
-    </dgm:linClrLst>
-    <dgm:effectClrLst/>
-    <dgm:txLinClrLst/>
-    <dgm:txFillClrLst meth="repeat">
-      <a:schemeClr val="lt1"/>
-    </dgm:txFillClrLst>
-    <dgm:txEffectClrLst/>
-  </dgm:styleLbl>
-  <dgm:styleLbl name="fgShp">
-    <dgm:fillClrLst meth="repeat">
-      <a:schemeClr val="accent2">
-        <a:tint val="40000"/>
-      </a:schemeClr>
-    </dgm:fillClrLst>
-    <dgm:linClrLst meth="repeat">
-      <a:schemeClr val="lt1"/>
-    </dgm:linClrLst>
-    <dgm:effectClrLst/>
-    <dgm:txLinClrLst/>
-    <dgm:txFillClrLst meth="repeat">
-      <a:schemeClr val="dk1"/>
-    </dgm:txFillClrLst>
-    <dgm:txEffectClrLst/>
-  </dgm:styleLbl>
-  <dgm:styleLbl name="revTx">
-    <dgm:fillClrLst meth="repeat">
-      <a:schemeClr val="lt1">
-        <a:alpha val="0"/>
-      </a:schemeClr>
-    </dgm:fillClrLst>
-    <dgm:linClrLst meth="repeat">
-      <a:schemeClr val="dk1">
-        <a:alpha val="0"/>
-      </a:schemeClr>
-    </dgm:linClrLst>
-    <dgm:effectClrLst/>
-    <dgm:txLinClrLst/>
-    <dgm:txFillClrLst meth="repeat">
-      <a:schemeClr val="tx1"/>
-    </dgm:txFillClrLst>
-    <dgm:txEffectClrLst/>
-  </dgm:styleLbl>
-</dgm:colorsDef>
-</file>
-
-<file path=ppt/diagrams/colors5.xml><?xml version="1.0" encoding="utf-8"?>
 <dgm:colorsDef xmlns:dgm="http://schemas.openxmlformats.org/drawingml/2006/diagram" xmlns:a="http://schemas.openxmlformats.org/drawingml/2006/main" uniqueId="urn:microsoft.com/office/officeart/2005/8/colors/colorful2">
   <dgm:title val=""/>
   <dgm:desc val=""/>
@@ -4086,7 +3189,7 @@
 </dgm:colorsDef>
 </file>
 
-<file path=ppt/diagrams/colors6.xml><?xml version="1.0" encoding="utf-8"?>
+<file path=ppt/diagrams/colors5.xml><?xml version="1.0" encoding="utf-8"?>
 <dgm:colorsDef xmlns:dgm="http://schemas.openxmlformats.org/drawingml/2006/diagram" xmlns:a="http://schemas.openxmlformats.org/drawingml/2006/main" uniqueId="urn:microsoft.com/office/officeart/2018/5/colors/Iconchunking_neutralbg_colorful1">
   <dgm:title val=""/>
   <dgm:desc val=""/>
@@ -5520,9 +4623,7 @@
           <a:schemeClr val="accent1"/>
         </a:solidFill>
         <a:ln>
-          <a:solidFill>
-            <a:srgbClr val="335B74"/>
-          </a:solidFill>
+          <a:noFill/>
         </a:ln>
       </dgm:spPr>
       <dgm:t>
@@ -5538,7 +4639,7 @@
             <a:rPr lang="he-IL"/>
             <a:t>שלב בנייה</a:t>
           </a:r>
-          <a:endParaRPr lang="en-US"/>
+          <a:endParaRPr lang="en-US" dirty="0"/>
         </a:p>
       </dgm:t>
     </dgm:pt>
@@ -5737,6 +4838,11 @@
             <a:fillRect/>
           </a:stretch>
         </a:blipFill>
+        <a:ln>
+          <a:solidFill>
+            <a:schemeClr val="bg1"/>
+          </a:solidFill>
+        </a:ln>
       </dgm:spPr>
       <dgm:extLst>
         <a:ext uri="{E40237B7-FDA0-4F09-8148-C483321AD2D9}">
@@ -5749,7 +4855,7 @@
       <dgm:spPr/>
     </dgm:pt>
     <dgm:pt modelId="{9A471F1B-9FC9-413B-A6A4-D049CB2D2671}" type="pres">
-      <dgm:prSet presAssocID="{3B534933-8C69-49DE-BD77-4AA184173920}" presName="parTx" presStyleLbl="revTx" presStyleIdx="0" presStyleCnt="4" custLinFactNeighborX="-2820" custLinFactNeighborY="-42502">
+      <dgm:prSet presAssocID="{3B534933-8C69-49DE-BD77-4AA184173920}" presName="parTx" presStyleLbl="revTx" presStyleIdx="0" presStyleCnt="4" custLinFactNeighborX="408" custLinFactNeighborY="-1805">
         <dgm:presLayoutVars>
           <dgm:chMax val="0"/>
           <dgm:chPref val="0"/>
@@ -5789,7 +4895,7 @@
         </a:blipFill>
         <a:ln>
           <a:solidFill>
-            <a:srgbClr val="0070C0"/>
+            <a:schemeClr val="bg1"/>
           </a:solidFill>
         </a:ln>
       </dgm:spPr>
@@ -5842,6 +4948,11 @@
             <a:fillRect/>
           </a:stretch>
         </a:blipFill>
+        <a:ln>
+          <a:solidFill>
+            <a:schemeClr val="bg1"/>
+          </a:solidFill>
+        </a:ln>
       </dgm:spPr>
       <dgm:extLst>
         <a:ext uri="{E40237B7-FDA0-4F09-8148-C483321AD2D9}">
@@ -5893,6 +5004,11 @@
             <a:fillRect/>
           </a:stretch>
         </a:blipFill>
+        <a:ln>
+          <a:solidFill>
+            <a:schemeClr val="bg1"/>
+          </a:solidFill>
+        </a:ln>
       </dgm:spPr>
       <dgm:extLst>
         <a:ext uri="{E40237B7-FDA0-4F09-8148-C483321AD2D9}">
@@ -5959,457 +5075,6 @@
 </file>
 
 <file path=ppt/diagrams/data4.xml><?xml version="1.0" encoding="utf-8"?>
-<dgm:dataModel xmlns:dgm="http://schemas.openxmlformats.org/drawingml/2006/diagram" xmlns:a="http://schemas.openxmlformats.org/drawingml/2006/main">
-  <dgm:ptLst>
-    <dgm:pt modelId="{AF883751-CFC2-4286-9513-BBB55A2D8A70}" type="doc">
-      <dgm:prSet loTypeId="urn:microsoft.com/office/officeart/2018/5/layout/IconCircleLabelList" loCatId="icon" qsTypeId="urn:microsoft.com/office/officeart/2005/8/quickstyle/simple1" qsCatId="simple" csTypeId="urn:microsoft.com/office/officeart/2018/5/colors/Iconchunking_neutralicon_colorful1" csCatId="colorful" phldr="1"/>
-      <dgm:spPr/>
-      <dgm:t>
-        <a:bodyPr/>
-        <a:lstStyle/>
-        <a:p>
-          <a:endParaRPr lang="en-US"/>
-        </a:p>
-      </dgm:t>
-    </dgm:pt>
-    <dgm:pt modelId="{6C00DE32-5406-41F5-AA7B-C0EF4FD7F4E5}">
-      <dgm:prSet/>
-      <dgm:spPr/>
-      <dgm:t>
-        <a:bodyPr/>
-        <a:lstStyle/>
-        <a:p>
-          <a:pPr>
-            <a:lnSpc>
-              <a:spcPct val="100000"/>
-            </a:lnSpc>
-            <a:defRPr cap="all"/>
-          </a:pPr>
-          <a:r>
-            <a:rPr lang="he-IL"/>
-            <a:t>פיתוח מכניקת המשחק</a:t>
-          </a:r>
-          <a:endParaRPr lang="en-US"/>
-        </a:p>
-      </dgm:t>
-    </dgm:pt>
-    <dgm:pt modelId="{27556A77-E172-4218-B527-FEC6CCEF853B}" type="parTrans" cxnId="{0EC6C9FB-AF02-4538-8FF1-18DA1369A78C}">
-      <dgm:prSet/>
-      <dgm:spPr/>
-      <dgm:t>
-        <a:bodyPr/>
-        <a:lstStyle/>
-        <a:p>
-          <a:endParaRPr lang="en-US"/>
-        </a:p>
-      </dgm:t>
-    </dgm:pt>
-    <dgm:pt modelId="{758B4787-8DD2-4D0F-81EA-9213548BF8C6}" type="sibTrans" cxnId="{0EC6C9FB-AF02-4538-8FF1-18DA1369A78C}">
-      <dgm:prSet/>
-      <dgm:spPr/>
-      <dgm:t>
-        <a:bodyPr/>
-        <a:lstStyle/>
-        <a:p>
-          <a:endParaRPr lang="en-US"/>
-        </a:p>
-      </dgm:t>
-    </dgm:pt>
-    <dgm:pt modelId="{67D84898-888A-407A-BE55-7FACD4AC745C}">
-      <dgm:prSet/>
-      <dgm:spPr/>
-      <dgm:t>
-        <a:bodyPr/>
-        <a:lstStyle/>
-        <a:p>
-          <a:pPr>
-            <a:lnSpc>
-              <a:spcPct val="100000"/>
-            </a:lnSpc>
-            <a:defRPr cap="all"/>
-          </a:pPr>
-          <a:r>
-            <a:rPr lang="he-IL"/>
-            <a:t>תקשורת בין השחקנים</a:t>
-          </a:r>
-          <a:endParaRPr lang="en-US"/>
-        </a:p>
-      </dgm:t>
-    </dgm:pt>
-    <dgm:pt modelId="{8D439002-E4F0-4A17-8031-BFCFFC8E2E0B}" type="parTrans" cxnId="{C9F3FE14-315D-450F-B912-E4B03C759EBB}">
-      <dgm:prSet/>
-      <dgm:spPr/>
-      <dgm:t>
-        <a:bodyPr/>
-        <a:lstStyle/>
-        <a:p>
-          <a:endParaRPr lang="en-US"/>
-        </a:p>
-      </dgm:t>
-    </dgm:pt>
-    <dgm:pt modelId="{416DA571-7A15-4BB2-8DB7-810B7A0EB375}" type="sibTrans" cxnId="{C9F3FE14-315D-450F-B912-E4B03C759EBB}">
-      <dgm:prSet/>
-      <dgm:spPr/>
-      <dgm:t>
-        <a:bodyPr/>
-        <a:lstStyle/>
-        <a:p>
-          <a:endParaRPr lang="en-US"/>
-        </a:p>
-      </dgm:t>
-    </dgm:pt>
-    <dgm:pt modelId="{8EF4E3DC-2CEE-4847-BE2E-99C22AB6BD25}">
-      <dgm:prSet/>
-      <dgm:spPr/>
-      <dgm:t>
-        <a:bodyPr/>
-        <a:lstStyle/>
-        <a:p>
-          <a:pPr>
-            <a:lnSpc>
-              <a:spcPct val="100000"/>
-            </a:lnSpc>
-            <a:defRPr cap="all"/>
-          </a:pPr>
-          <a:r>
-            <a:rPr lang="he-IL"/>
-            <a:t>כרטיס גרפי בסיסי</a:t>
-          </a:r>
-          <a:endParaRPr lang="en-US"/>
-        </a:p>
-      </dgm:t>
-    </dgm:pt>
-    <dgm:pt modelId="{595D1C80-F975-455D-AE8F-15AB7817B9E4}" type="parTrans" cxnId="{9C5C45EE-A130-4AEE-AFA0-59C79C26A1A2}">
-      <dgm:prSet/>
-      <dgm:spPr/>
-      <dgm:t>
-        <a:bodyPr/>
-        <a:lstStyle/>
-        <a:p>
-          <a:endParaRPr lang="en-US"/>
-        </a:p>
-      </dgm:t>
-    </dgm:pt>
-    <dgm:pt modelId="{51151055-35E9-403F-9793-52795F7AEE28}" type="sibTrans" cxnId="{9C5C45EE-A130-4AEE-AFA0-59C79C26A1A2}">
-      <dgm:prSet/>
-      <dgm:spPr/>
-      <dgm:t>
-        <a:bodyPr/>
-        <a:lstStyle/>
-        <a:p>
-          <a:endParaRPr lang="en-US"/>
-        </a:p>
-      </dgm:t>
-    </dgm:pt>
-    <dgm:pt modelId="{3CFF4245-3BA6-4760-BB13-44373734312A}">
-      <dgm:prSet/>
-      <dgm:spPr/>
-      <dgm:t>
-        <a:bodyPr/>
-        <a:lstStyle/>
-        <a:p>
-          <a:pPr>
-            <a:lnSpc>
-              <a:spcPct val="100000"/>
-            </a:lnSpc>
-            <a:defRPr cap="all"/>
-          </a:pPr>
-          <a:r>
-            <a:rPr lang="he-IL" dirty="0"/>
-            <a:t>בינה מלאכותית </a:t>
-          </a:r>
-          <a:r>
-            <a:rPr lang="en-US" dirty="0"/>
-            <a:t>(AI)</a:t>
-          </a:r>
-        </a:p>
-      </dgm:t>
-    </dgm:pt>
-    <dgm:pt modelId="{1DCB8B29-8B98-41FE-8C72-190B7C640395}" type="parTrans" cxnId="{61FB07FE-5F76-4BA1-BB22-D785E70F617F}">
-      <dgm:prSet/>
-      <dgm:spPr/>
-      <dgm:t>
-        <a:bodyPr/>
-        <a:lstStyle/>
-        <a:p>
-          <a:endParaRPr lang="en-US"/>
-        </a:p>
-      </dgm:t>
-    </dgm:pt>
-    <dgm:pt modelId="{5ACA30ED-F1E7-47F3-9C0D-10735EBD859A}" type="sibTrans" cxnId="{61FB07FE-5F76-4BA1-BB22-D785E70F617F}">
-      <dgm:prSet/>
-      <dgm:spPr/>
-      <dgm:t>
-        <a:bodyPr/>
-        <a:lstStyle/>
-        <a:p>
-          <a:endParaRPr lang="en-US"/>
-        </a:p>
-      </dgm:t>
-    </dgm:pt>
-    <dgm:pt modelId="{24CB5A6C-396F-4952-A257-9B39BE910C31}" type="pres">
-      <dgm:prSet presAssocID="{AF883751-CFC2-4286-9513-BBB55A2D8A70}" presName="root" presStyleCnt="0">
-        <dgm:presLayoutVars>
-          <dgm:dir/>
-          <dgm:resizeHandles val="exact"/>
-        </dgm:presLayoutVars>
-      </dgm:prSet>
-      <dgm:spPr/>
-    </dgm:pt>
-    <dgm:pt modelId="{2208982B-C50A-4BC4-9C21-4EA0A1F53FAA}" type="pres">
-      <dgm:prSet presAssocID="{6C00DE32-5406-41F5-AA7B-C0EF4FD7F4E5}" presName="compNode" presStyleCnt="0"/>
-      <dgm:spPr/>
-    </dgm:pt>
-    <dgm:pt modelId="{7FD8A18D-2DD4-4F31-BBC6-82BCBC3F488F}" type="pres">
-      <dgm:prSet presAssocID="{6C00DE32-5406-41F5-AA7B-C0EF4FD7F4E5}" presName="iconBgRect" presStyleLbl="bgShp" presStyleIdx="0" presStyleCnt="4"/>
-      <dgm:spPr/>
-    </dgm:pt>
-    <dgm:pt modelId="{0946132E-2DF4-49F3-A31E-48E634983ABC}" type="pres">
-      <dgm:prSet presAssocID="{6C00DE32-5406-41F5-AA7B-C0EF4FD7F4E5}" presName="iconRect" presStyleLbl="node1" presStyleIdx="0" presStyleCnt="4"/>
-      <dgm:spPr>
-        <a:blipFill>
-          <a:blip xmlns:r="http://schemas.openxmlformats.org/officeDocument/2006/relationships" r:embed="rId1">
-            <a:extLst>
-              <a:ext uri="{28A0092B-C50C-407E-A947-70E740481C1C}">
-                <a14:useLocalDpi xmlns:a14="http://schemas.microsoft.com/office/drawing/2010/main" val="0"/>
-              </a:ext>
-              <a:ext uri="{96DAC541-7B7A-43D3-8B79-37D633B846F1}">
-                <asvg:svgBlip xmlns:asvg="http://schemas.microsoft.com/office/drawing/2016/SVG/main" r:embed="rId2"/>
-              </a:ext>
-            </a:extLst>
-          </a:blip>
-          <a:stretch>
-            <a:fillRect/>
-          </a:stretch>
-        </a:blipFill>
-        <a:ln>
-          <a:noFill/>
-        </a:ln>
-      </dgm:spPr>
-      <dgm:extLst>
-        <a:ext uri="{E40237B7-FDA0-4F09-8148-C483321AD2D9}">
-          <dgm14:cNvPr xmlns:dgm14="http://schemas.microsoft.com/office/drawing/2010/diagram" id="0" name="" descr="Game controller"/>
-        </a:ext>
-      </dgm:extLst>
-    </dgm:pt>
-    <dgm:pt modelId="{68082D31-7C89-4D95-B979-16B2AB38A339}" type="pres">
-      <dgm:prSet presAssocID="{6C00DE32-5406-41F5-AA7B-C0EF4FD7F4E5}" presName="spaceRect" presStyleCnt="0"/>
-      <dgm:spPr/>
-    </dgm:pt>
-    <dgm:pt modelId="{EE89630A-5300-4BC5-ABF7-BA4A25613CCF}" type="pres">
-      <dgm:prSet presAssocID="{6C00DE32-5406-41F5-AA7B-C0EF4FD7F4E5}" presName="textRect" presStyleLbl="revTx" presStyleIdx="0" presStyleCnt="4">
-        <dgm:presLayoutVars>
-          <dgm:chMax val="1"/>
-          <dgm:chPref val="1"/>
-        </dgm:presLayoutVars>
-      </dgm:prSet>
-      <dgm:spPr/>
-    </dgm:pt>
-    <dgm:pt modelId="{05F0FC6D-138D-4CCD-B707-94CDAA4026C8}" type="pres">
-      <dgm:prSet presAssocID="{758B4787-8DD2-4D0F-81EA-9213548BF8C6}" presName="sibTrans" presStyleCnt="0"/>
-      <dgm:spPr/>
-    </dgm:pt>
-    <dgm:pt modelId="{49808825-5845-4FF2-966E-54D956E0DED0}" type="pres">
-      <dgm:prSet presAssocID="{67D84898-888A-407A-BE55-7FACD4AC745C}" presName="compNode" presStyleCnt="0"/>
-      <dgm:spPr/>
-    </dgm:pt>
-    <dgm:pt modelId="{60638599-D830-48E9-8D88-89C3FDA6F3B0}" type="pres">
-      <dgm:prSet presAssocID="{67D84898-888A-407A-BE55-7FACD4AC745C}" presName="iconBgRect" presStyleLbl="bgShp" presStyleIdx="1" presStyleCnt="4"/>
-      <dgm:spPr/>
-    </dgm:pt>
-    <dgm:pt modelId="{CE20E262-958E-48EF-B3CD-DD5BA1377EF6}" type="pres">
-      <dgm:prSet presAssocID="{67D84898-888A-407A-BE55-7FACD4AC745C}" presName="iconRect" presStyleLbl="node1" presStyleIdx="1" presStyleCnt="4"/>
-      <dgm:spPr>
-        <a:blipFill>
-          <a:blip xmlns:r="http://schemas.openxmlformats.org/officeDocument/2006/relationships" r:embed="rId3">
-            <a:extLst>
-              <a:ext uri="{28A0092B-C50C-407E-A947-70E740481C1C}">
-                <a14:useLocalDpi xmlns:a14="http://schemas.microsoft.com/office/drawing/2010/main" val="0"/>
-              </a:ext>
-              <a:ext uri="{96DAC541-7B7A-43D3-8B79-37D633B846F1}">
-                <asvg:svgBlip xmlns:asvg="http://schemas.microsoft.com/office/drawing/2016/SVG/main" r:embed="rId4"/>
-              </a:ext>
-            </a:extLst>
-          </a:blip>
-          <a:stretch>
-            <a:fillRect/>
-          </a:stretch>
-        </a:blipFill>
-        <a:ln>
-          <a:noFill/>
-        </a:ln>
-      </dgm:spPr>
-      <dgm:extLst>
-        <a:ext uri="{E40237B7-FDA0-4F09-8148-C483321AD2D9}">
-          <dgm14:cNvPr xmlns:dgm14="http://schemas.microsoft.com/office/drawing/2010/diagram" id="0" name="" descr="צ'אט"/>
-        </a:ext>
-      </dgm:extLst>
-    </dgm:pt>
-    <dgm:pt modelId="{62AFD980-6195-40C9-9709-6340FB23688D}" type="pres">
-      <dgm:prSet presAssocID="{67D84898-888A-407A-BE55-7FACD4AC745C}" presName="spaceRect" presStyleCnt="0"/>
-      <dgm:spPr/>
-    </dgm:pt>
-    <dgm:pt modelId="{8816A2B6-D190-41BD-83E2-2E237EA71872}" type="pres">
-      <dgm:prSet presAssocID="{67D84898-888A-407A-BE55-7FACD4AC745C}" presName="textRect" presStyleLbl="revTx" presStyleIdx="1" presStyleCnt="4">
-        <dgm:presLayoutVars>
-          <dgm:chMax val="1"/>
-          <dgm:chPref val="1"/>
-        </dgm:presLayoutVars>
-      </dgm:prSet>
-      <dgm:spPr/>
-    </dgm:pt>
-    <dgm:pt modelId="{11E07FFB-FDC8-4A67-9F9F-5D47F5C563F5}" type="pres">
-      <dgm:prSet presAssocID="{416DA571-7A15-4BB2-8DB7-810B7A0EB375}" presName="sibTrans" presStyleCnt="0"/>
-      <dgm:spPr/>
-    </dgm:pt>
-    <dgm:pt modelId="{613DD877-55ED-4448-B8E1-751CF7666F1B}" type="pres">
-      <dgm:prSet presAssocID="{8EF4E3DC-2CEE-4847-BE2E-99C22AB6BD25}" presName="compNode" presStyleCnt="0"/>
-      <dgm:spPr/>
-    </dgm:pt>
-    <dgm:pt modelId="{00B9A2D1-A00F-4605-8336-7729BBE271A0}" type="pres">
-      <dgm:prSet presAssocID="{8EF4E3DC-2CEE-4847-BE2E-99C22AB6BD25}" presName="iconBgRect" presStyleLbl="bgShp" presStyleIdx="2" presStyleCnt="4"/>
-      <dgm:spPr/>
-    </dgm:pt>
-    <dgm:pt modelId="{2E1ABE86-C1DC-4161-BDFD-3E8CE93D9172}" type="pres">
-      <dgm:prSet presAssocID="{8EF4E3DC-2CEE-4847-BE2E-99C22AB6BD25}" presName="iconRect" presStyleLbl="node1" presStyleIdx="2" presStyleCnt="4"/>
-      <dgm:spPr>
-        <a:blipFill>
-          <a:blip xmlns:r="http://schemas.openxmlformats.org/officeDocument/2006/relationships" r:embed="rId5">
-            <a:extLst>
-              <a:ext uri="{28A0092B-C50C-407E-A947-70E740481C1C}">
-                <a14:useLocalDpi xmlns:a14="http://schemas.microsoft.com/office/drawing/2010/main" val="0"/>
-              </a:ext>
-              <a:ext uri="{96DAC541-7B7A-43D3-8B79-37D633B846F1}">
-                <asvg:svgBlip xmlns:asvg="http://schemas.microsoft.com/office/drawing/2016/SVG/main" r:embed="rId6"/>
-              </a:ext>
-            </a:extLst>
-          </a:blip>
-          <a:stretch>
-            <a:fillRect/>
-          </a:stretch>
-        </a:blipFill>
-        <a:ln>
-          <a:noFill/>
-        </a:ln>
-      </dgm:spPr>
-      <dgm:extLst>
-        <a:ext uri="{E40237B7-FDA0-4F09-8148-C483321AD2D9}">
-          <dgm14:cNvPr xmlns:dgm14="http://schemas.microsoft.com/office/drawing/2010/diagram" id="0" name="" descr="Credit card"/>
-        </a:ext>
-      </dgm:extLst>
-    </dgm:pt>
-    <dgm:pt modelId="{35722423-EC4E-4565-BC46-9BCA25B70131}" type="pres">
-      <dgm:prSet presAssocID="{8EF4E3DC-2CEE-4847-BE2E-99C22AB6BD25}" presName="spaceRect" presStyleCnt="0"/>
-      <dgm:spPr/>
-    </dgm:pt>
-    <dgm:pt modelId="{DA69A711-1D1D-47F9-A38E-7D8787C00B93}" type="pres">
-      <dgm:prSet presAssocID="{8EF4E3DC-2CEE-4847-BE2E-99C22AB6BD25}" presName="textRect" presStyleLbl="revTx" presStyleIdx="2" presStyleCnt="4">
-        <dgm:presLayoutVars>
-          <dgm:chMax val="1"/>
-          <dgm:chPref val="1"/>
-        </dgm:presLayoutVars>
-      </dgm:prSet>
-      <dgm:spPr/>
-    </dgm:pt>
-    <dgm:pt modelId="{6F5E04E7-52E6-4899-A400-377FF0FC2295}" type="pres">
-      <dgm:prSet presAssocID="{51151055-35E9-403F-9793-52795F7AEE28}" presName="sibTrans" presStyleCnt="0"/>
-      <dgm:spPr/>
-    </dgm:pt>
-    <dgm:pt modelId="{9E224619-5348-4C0A-8866-8185E173FD2E}" type="pres">
-      <dgm:prSet presAssocID="{3CFF4245-3BA6-4760-BB13-44373734312A}" presName="compNode" presStyleCnt="0"/>
-      <dgm:spPr/>
-    </dgm:pt>
-    <dgm:pt modelId="{486C4115-610D-4FBD-B77E-95F3065ACBBB}" type="pres">
-      <dgm:prSet presAssocID="{3CFF4245-3BA6-4760-BB13-44373734312A}" presName="iconBgRect" presStyleLbl="bgShp" presStyleIdx="3" presStyleCnt="4"/>
-      <dgm:spPr/>
-    </dgm:pt>
-    <dgm:pt modelId="{41592DDB-BBB9-4F8B-8980-498B4FDBB33E}" type="pres">
-      <dgm:prSet presAssocID="{3CFF4245-3BA6-4760-BB13-44373734312A}" presName="iconRect" presStyleLbl="node1" presStyleIdx="3" presStyleCnt="4"/>
-      <dgm:spPr>
-        <a:blipFill>
-          <a:blip xmlns:r="http://schemas.openxmlformats.org/officeDocument/2006/relationships" r:embed="rId7">
-            <a:extLst>
-              <a:ext uri="{28A0092B-C50C-407E-A947-70E740481C1C}">
-                <a14:useLocalDpi xmlns:a14="http://schemas.microsoft.com/office/drawing/2010/main" val="0"/>
-              </a:ext>
-              <a:ext uri="{96DAC541-7B7A-43D3-8B79-37D633B846F1}">
-                <asvg:svgBlip xmlns:asvg="http://schemas.microsoft.com/office/drawing/2016/SVG/main" r:embed="rId8"/>
-              </a:ext>
-            </a:extLst>
-          </a:blip>
-          <a:stretch>
-            <a:fillRect/>
-          </a:stretch>
-        </a:blipFill>
-        <a:ln>
-          <a:noFill/>
-        </a:ln>
-      </dgm:spPr>
-      <dgm:extLst>
-        <a:ext uri="{E40237B7-FDA0-4F09-8148-C483321AD2D9}">
-          <dgm14:cNvPr xmlns:dgm14="http://schemas.microsoft.com/office/drawing/2010/diagram" id="0" name="" descr="רובוט"/>
-        </a:ext>
-      </dgm:extLst>
-    </dgm:pt>
-    <dgm:pt modelId="{BF30F8DC-3CBD-458E-91C3-491805DF273F}" type="pres">
-      <dgm:prSet presAssocID="{3CFF4245-3BA6-4760-BB13-44373734312A}" presName="spaceRect" presStyleCnt="0"/>
-      <dgm:spPr/>
-    </dgm:pt>
-    <dgm:pt modelId="{986016BD-53E4-4DBE-82A2-D0E5986C9419}" type="pres">
-      <dgm:prSet presAssocID="{3CFF4245-3BA6-4760-BB13-44373734312A}" presName="textRect" presStyleLbl="revTx" presStyleIdx="3" presStyleCnt="4">
-        <dgm:presLayoutVars>
-          <dgm:chMax val="1"/>
-          <dgm:chPref val="1"/>
-        </dgm:presLayoutVars>
-      </dgm:prSet>
-      <dgm:spPr/>
-    </dgm:pt>
-  </dgm:ptLst>
-  <dgm:cxnLst>
-    <dgm:cxn modelId="{46BF540B-19C7-47A0-B9CA-1CFB82C94BC7}" type="presOf" srcId="{67D84898-888A-407A-BE55-7FACD4AC745C}" destId="{8816A2B6-D190-41BD-83E2-2E237EA71872}" srcOrd="0" destOrd="0" presId="urn:microsoft.com/office/officeart/2018/5/layout/IconCircleLabelList"/>
-    <dgm:cxn modelId="{C9F3FE14-315D-450F-B912-E4B03C759EBB}" srcId="{AF883751-CFC2-4286-9513-BBB55A2D8A70}" destId="{67D84898-888A-407A-BE55-7FACD4AC745C}" srcOrd="1" destOrd="0" parTransId="{8D439002-E4F0-4A17-8031-BFCFFC8E2E0B}" sibTransId="{416DA571-7A15-4BB2-8DB7-810B7A0EB375}"/>
-    <dgm:cxn modelId="{F39FDF1C-3B43-4FFF-BCE1-371E183A1439}" type="presOf" srcId="{3CFF4245-3BA6-4760-BB13-44373734312A}" destId="{986016BD-53E4-4DBE-82A2-D0E5986C9419}" srcOrd="0" destOrd="0" presId="urn:microsoft.com/office/officeart/2018/5/layout/IconCircleLabelList"/>
-    <dgm:cxn modelId="{94038829-DB97-432B-8FE9-4CEA241334FF}" type="presOf" srcId="{6C00DE32-5406-41F5-AA7B-C0EF4FD7F4E5}" destId="{EE89630A-5300-4BC5-ABF7-BA4A25613CCF}" srcOrd="0" destOrd="0" presId="urn:microsoft.com/office/officeart/2018/5/layout/IconCircleLabelList"/>
-    <dgm:cxn modelId="{E3CB6E4A-AB18-4656-ABEB-75379A10E512}" type="presOf" srcId="{AF883751-CFC2-4286-9513-BBB55A2D8A70}" destId="{24CB5A6C-396F-4952-A257-9B39BE910C31}" srcOrd="0" destOrd="0" presId="urn:microsoft.com/office/officeart/2018/5/layout/IconCircleLabelList"/>
-    <dgm:cxn modelId="{73FD6386-E4CE-4721-A49F-7811CE377E3D}" type="presOf" srcId="{8EF4E3DC-2CEE-4847-BE2E-99C22AB6BD25}" destId="{DA69A711-1D1D-47F9-A38E-7D8787C00B93}" srcOrd="0" destOrd="0" presId="urn:microsoft.com/office/officeart/2018/5/layout/IconCircleLabelList"/>
-    <dgm:cxn modelId="{9C5C45EE-A130-4AEE-AFA0-59C79C26A1A2}" srcId="{AF883751-CFC2-4286-9513-BBB55A2D8A70}" destId="{8EF4E3DC-2CEE-4847-BE2E-99C22AB6BD25}" srcOrd="2" destOrd="0" parTransId="{595D1C80-F975-455D-AE8F-15AB7817B9E4}" sibTransId="{51151055-35E9-403F-9793-52795F7AEE28}"/>
-    <dgm:cxn modelId="{0EC6C9FB-AF02-4538-8FF1-18DA1369A78C}" srcId="{AF883751-CFC2-4286-9513-BBB55A2D8A70}" destId="{6C00DE32-5406-41F5-AA7B-C0EF4FD7F4E5}" srcOrd="0" destOrd="0" parTransId="{27556A77-E172-4218-B527-FEC6CCEF853B}" sibTransId="{758B4787-8DD2-4D0F-81EA-9213548BF8C6}"/>
-    <dgm:cxn modelId="{61FB07FE-5F76-4BA1-BB22-D785E70F617F}" srcId="{AF883751-CFC2-4286-9513-BBB55A2D8A70}" destId="{3CFF4245-3BA6-4760-BB13-44373734312A}" srcOrd="3" destOrd="0" parTransId="{1DCB8B29-8B98-41FE-8C72-190B7C640395}" sibTransId="{5ACA30ED-F1E7-47F3-9C0D-10735EBD859A}"/>
-    <dgm:cxn modelId="{0D82AC11-B6DB-46C2-94A1-00854B7D6880}" type="presParOf" srcId="{24CB5A6C-396F-4952-A257-9B39BE910C31}" destId="{2208982B-C50A-4BC4-9C21-4EA0A1F53FAA}" srcOrd="0" destOrd="0" presId="urn:microsoft.com/office/officeart/2018/5/layout/IconCircleLabelList"/>
-    <dgm:cxn modelId="{173C889F-CBFD-4042-8A47-DB6DDC5647BB}" type="presParOf" srcId="{2208982B-C50A-4BC4-9C21-4EA0A1F53FAA}" destId="{7FD8A18D-2DD4-4F31-BBC6-82BCBC3F488F}" srcOrd="0" destOrd="0" presId="urn:microsoft.com/office/officeart/2018/5/layout/IconCircleLabelList"/>
-    <dgm:cxn modelId="{75B9FC25-3BBD-4ACE-B4E9-16E2284BD648}" type="presParOf" srcId="{2208982B-C50A-4BC4-9C21-4EA0A1F53FAA}" destId="{0946132E-2DF4-49F3-A31E-48E634983ABC}" srcOrd="1" destOrd="0" presId="urn:microsoft.com/office/officeart/2018/5/layout/IconCircleLabelList"/>
-    <dgm:cxn modelId="{D3563113-5DC9-4E12-A4E0-F9E230C4AEEC}" type="presParOf" srcId="{2208982B-C50A-4BC4-9C21-4EA0A1F53FAA}" destId="{68082D31-7C89-4D95-B979-16B2AB38A339}" srcOrd="2" destOrd="0" presId="urn:microsoft.com/office/officeart/2018/5/layout/IconCircleLabelList"/>
-    <dgm:cxn modelId="{FD347AA3-955A-469F-95E7-2E183D9D2664}" type="presParOf" srcId="{2208982B-C50A-4BC4-9C21-4EA0A1F53FAA}" destId="{EE89630A-5300-4BC5-ABF7-BA4A25613CCF}" srcOrd="3" destOrd="0" presId="urn:microsoft.com/office/officeart/2018/5/layout/IconCircleLabelList"/>
-    <dgm:cxn modelId="{18FFC585-14CA-4097-BC07-A7824420DC93}" type="presParOf" srcId="{24CB5A6C-396F-4952-A257-9B39BE910C31}" destId="{05F0FC6D-138D-4CCD-B707-94CDAA4026C8}" srcOrd="1" destOrd="0" presId="urn:microsoft.com/office/officeart/2018/5/layout/IconCircleLabelList"/>
-    <dgm:cxn modelId="{9824BC45-E72C-4CCB-A118-6C07C351228E}" type="presParOf" srcId="{24CB5A6C-396F-4952-A257-9B39BE910C31}" destId="{49808825-5845-4FF2-966E-54D956E0DED0}" srcOrd="2" destOrd="0" presId="urn:microsoft.com/office/officeart/2018/5/layout/IconCircleLabelList"/>
-    <dgm:cxn modelId="{19F9A15D-D961-40DE-836C-4718E66BC626}" type="presParOf" srcId="{49808825-5845-4FF2-966E-54D956E0DED0}" destId="{60638599-D830-48E9-8D88-89C3FDA6F3B0}" srcOrd="0" destOrd="0" presId="urn:microsoft.com/office/officeart/2018/5/layout/IconCircleLabelList"/>
-    <dgm:cxn modelId="{C42C6585-DBD6-4F7E-A63E-E20A4FA37CB9}" type="presParOf" srcId="{49808825-5845-4FF2-966E-54D956E0DED0}" destId="{CE20E262-958E-48EF-B3CD-DD5BA1377EF6}" srcOrd="1" destOrd="0" presId="urn:microsoft.com/office/officeart/2018/5/layout/IconCircleLabelList"/>
-    <dgm:cxn modelId="{509AA336-2F74-4E1A-9020-47947544B9FD}" type="presParOf" srcId="{49808825-5845-4FF2-966E-54D956E0DED0}" destId="{62AFD980-6195-40C9-9709-6340FB23688D}" srcOrd="2" destOrd="0" presId="urn:microsoft.com/office/officeart/2018/5/layout/IconCircleLabelList"/>
-    <dgm:cxn modelId="{0CD6B77C-C70E-4BDD-A910-224762B18BF8}" type="presParOf" srcId="{49808825-5845-4FF2-966E-54D956E0DED0}" destId="{8816A2B6-D190-41BD-83E2-2E237EA71872}" srcOrd="3" destOrd="0" presId="urn:microsoft.com/office/officeart/2018/5/layout/IconCircleLabelList"/>
-    <dgm:cxn modelId="{815A36FA-98AF-46C3-8DC2-7FFFF158DBEB}" type="presParOf" srcId="{24CB5A6C-396F-4952-A257-9B39BE910C31}" destId="{11E07FFB-FDC8-4A67-9F9F-5D47F5C563F5}" srcOrd="3" destOrd="0" presId="urn:microsoft.com/office/officeart/2018/5/layout/IconCircleLabelList"/>
-    <dgm:cxn modelId="{210313FC-774B-4C7E-A812-1E47162121A8}" type="presParOf" srcId="{24CB5A6C-396F-4952-A257-9B39BE910C31}" destId="{613DD877-55ED-4448-B8E1-751CF7666F1B}" srcOrd="4" destOrd="0" presId="urn:microsoft.com/office/officeart/2018/5/layout/IconCircleLabelList"/>
-    <dgm:cxn modelId="{2F87B22D-6BD1-45E8-93BE-38F607AE4E8A}" type="presParOf" srcId="{613DD877-55ED-4448-B8E1-751CF7666F1B}" destId="{00B9A2D1-A00F-4605-8336-7729BBE271A0}" srcOrd="0" destOrd="0" presId="urn:microsoft.com/office/officeart/2018/5/layout/IconCircleLabelList"/>
-    <dgm:cxn modelId="{335998E7-9423-4A17-8472-8BAA4B3C7559}" type="presParOf" srcId="{613DD877-55ED-4448-B8E1-751CF7666F1B}" destId="{2E1ABE86-C1DC-4161-BDFD-3E8CE93D9172}" srcOrd="1" destOrd="0" presId="urn:microsoft.com/office/officeart/2018/5/layout/IconCircleLabelList"/>
-    <dgm:cxn modelId="{47A22458-F6B7-4447-9B44-72E478C175CA}" type="presParOf" srcId="{613DD877-55ED-4448-B8E1-751CF7666F1B}" destId="{35722423-EC4E-4565-BC46-9BCA25B70131}" srcOrd="2" destOrd="0" presId="urn:microsoft.com/office/officeart/2018/5/layout/IconCircleLabelList"/>
-    <dgm:cxn modelId="{ACE2EBCE-FDB4-4915-96B8-3E70468F2991}" type="presParOf" srcId="{613DD877-55ED-4448-B8E1-751CF7666F1B}" destId="{DA69A711-1D1D-47F9-A38E-7D8787C00B93}" srcOrd="3" destOrd="0" presId="urn:microsoft.com/office/officeart/2018/5/layout/IconCircleLabelList"/>
-    <dgm:cxn modelId="{40D93DD0-3F8F-4314-B8EF-7769291F909C}" type="presParOf" srcId="{24CB5A6C-396F-4952-A257-9B39BE910C31}" destId="{6F5E04E7-52E6-4899-A400-377FF0FC2295}" srcOrd="5" destOrd="0" presId="urn:microsoft.com/office/officeart/2018/5/layout/IconCircleLabelList"/>
-    <dgm:cxn modelId="{03FC1E6A-2150-4695-BD11-4FC4C305DE01}" type="presParOf" srcId="{24CB5A6C-396F-4952-A257-9B39BE910C31}" destId="{9E224619-5348-4C0A-8866-8185E173FD2E}" srcOrd="6" destOrd="0" presId="urn:microsoft.com/office/officeart/2018/5/layout/IconCircleLabelList"/>
-    <dgm:cxn modelId="{39B2C6FF-01C2-46F5-879F-341345DB5403}" type="presParOf" srcId="{9E224619-5348-4C0A-8866-8185E173FD2E}" destId="{486C4115-610D-4FBD-B77E-95F3065ACBBB}" srcOrd="0" destOrd="0" presId="urn:microsoft.com/office/officeart/2018/5/layout/IconCircleLabelList"/>
-    <dgm:cxn modelId="{81855236-8555-411E-961E-12232DC61D77}" type="presParOf" srcId="{9E224619-5348-4C0A-8866-8185E173FD2E}" destId="{41592DDB-BBB9-4F8B-8980-498B4FDBB33E}" srcOrd="1" destOrd="0" presId="urn:microsoft.com/office/officeart/2018/5/layout/IconCircleLabelList"/>
-    <dgm:cxn modelId="{A40D04C2-DE20-4979-8C0C-40800F12F666}" type="presParOf" srcId="{9E224619-5348-4C0A-8866-8185E173FD2E}" destId="{BF30F8DC-3CBD-458E-91C3-491805DF273F}" srcOrd="2" destOrd="0" presId="urn:microsoft.com/office/officeart/2018/5/layout/IconCircleLabelList"/>
-    <dgm:cxn modelId="{B67B3F80-A075-47B2-AFBE-3C642DC53E6E}" type="presParOf" srcId="{9E224619-5348-4C0A-8866-8185E173FD2E}" destId="{986016BD-53E4-4DBE-82A2-D0E5986C9419}" srcOrd="3" destOrd="0" presId="urn:microsoft.com/office/officeart/2018/5/layout/IconCircleLabelList"/>
-  </dgm:cxnLst>
-  <dgm:bg/>
-  <dgm:whole/>
-  <dgm:extLst>
-    <a:ext uri="http://schemas.microsoft.com/office/drawing/2008/diagram">
-      <dsp:dataModelExt xmlns:dsp="http://schemas.microsoft.com/office/drawing/2008/diagram" relId="rId6" minVer="http://schemas.openxmlformats.org/drawingml/2006/diagram"/>
-    </a:ext>
-  </dgm:extLst>
-</dgm:dataModel>
-</file>
-
-<file path=ppt/diagrams/data5.xml><?xml version="1.0" encoding="utf-8"?>
 <dgm:dataModel xmlns:dgm="http://schemas.openxmlformats.org/drawingml/2006/diagram" xmlns:a="http://schemas.openxmlformats.org/drawingml/2006/main">
   <dgm:ptLst>
     <dgm:pt modelId="{78833599-565B-4F0D-9718-5DBE5916F008}" type="doc">
@@ -6490,27 +5155,27 @@
         <a:p>
           <a:pPr rtl="1"/>
           <a:r>
-            <a:rPr lang="he-IL">
+            <a:rPr lang="he-IL" dirty="0">
               <a:latin typeface="Arial" panose="020B0604020202020204" pitchFamily="34" charset="0"/>
               <a:cs typeface="Arial" panose="020B0604020202020204" pitchFamily="34" charset="0"/>
             </a:rPr>
             <a:t>כתיבת קוד בשפת </a:t>
           </a:r>
           <a:r>
-            <a:rPr lang="en-US">
+            <a:rPr lang="en-US" dirty="0">
               <a:latin typeface="Arial" panose="020B0604020202020204" pitchFamily="34" charset="0"/>
               <a:cs typeface="Arial" panose="020B0604020202020204" pitchFamily="34" charset="0"/>
             </a:rPr>
-            <a:t>C</a:t>
+            <a:t>C#</a:t>
           </a:r>
           <a:r>
-            <a:rPr lang="he-IL">
+            <a:rPr lang="he-IL" dirty="0">
               <a:latin typeface="Arial" panose="020B0604020202020204" pitchFamily="34" charset="0"/>
               <a:cs typeface="Arial" panose="020B0604020202020204" pitchFamily="34" charset="0"/>
             </a:rPr>
-            <a:t># למימוש מכניקת המשחק</a:t>
+            <a:t> למימוש מכניקת המשחק</a:t>
           </a:r>
-          <a:endParaRPr lang="en-US">
+          <a:endParaRPr lang="en-US" dirty="0">
             <a:latin typeface="Arial" panose="020B0604020202020204" pitchFamily="34" charset="0"/>
             <a:cs typeface="Arial" panose="020B0604020202020204" pitchFamily="34" charset="0"/>
           </a:endParaRPr>
@@ -6566,7 +5231,7 @@
               <a:latin typeface="Arial" panose="020B0604020202020204" pitchFamily="34" charset="0"/>
               <a:cs typeface="Arial" panose="020B0604020202020204" pitchFamily="34" charset="0"/>
             </a:rPr>
-            <a:t>באמצעות ספרייה חיצונית</a:t>
+            <a:t> באמצעות ספרייה חיצונית</a:t>
           </a:r>
           <a:endParaRPr lang="en-US" dirty="0">
             <a:latin typeface="Arial" panose="020B0604020202020204" pitchFamily="34" charset="0"/>
@@ -6828,7 +5493,7 @@
 </dgm:dataModel>
 </file>
 
-<file path=ppt/diagrams/data6.xml><?xml version="1.0" encoding="utf-8"?>
+<file path=ppt/diagrams/data5.xml><?xml version="1.0" encoding="utf-8"?>
 <dgm:dataModel xmlns:dgm="http://schemas.openxmlformats.org/drawingml/2006/diagram" xmlns:a="http://schemas.openxmlformats.org/drawingml/2006/main">
   <dgm:ptLst>
     <dgm:pt modelId="{9ED07447-C8C2-4CF4-955D-A91A4DDEFD11}" type="doc">
@@ -6855,7 +5520,7 @@
             </a:lnSpc>
           </a:pPr>
           <a:r>
-            <a:rPr lang="he-IL"/>
+            <a:rPr lang="he-IL" dirty="0"/>
             <a:t>פיתוח משחקים</a:t>
           </a:r>
           <a:endParaRPr lang="en-US" dirty="0"/>
@@ -6939,7 +5604,7 @@
             </a:lnSpc>
           </a:pPr>
           <a:r>
-            <a:rPr lang="he-IL"/>
+            <a:rPr lang="he-IL" dirty="0"/>
             <a:t>תקשורת מחשבים</a:t>
           </a:r>
           <a:endParaRPr lang="en-US" dirty="0"/>
@@ -7066,7 +5731,7 @@
       <dgm:spPr/>
     </dgm:pt>
     <dgm:pt modelId="{CF98267A-1190-455D-A3D8-E28356A6FCA7}" type="pres">
-      <dgm:prSet presAssocID="{34DF8030-7A11-4FB8-A48D-7A21A703A2FC}" presName="bgRect" presStyleLbl="bgShp" presStyleIdx="0" presStyleCnt="5"/>
+      <dgm:prSet presAssocID="{34DF8030-7A11-4FB8-A48D-7A21A703A2FC}" presName="bgRect" presStyleLbl="bgShp" presStyleIdx="0" presStyleCnt="5" custLinFactNeighborX="0" custLinFactNeighborY="-38838"/>
       <dgm:spPr/>
     </dgm:pt>
     <dgm:pt modelId="{54A4BD59-04B5-4433-A41C-237527A20ED0}" type="pres">
@@ -8033,12 +6698,7 @@
         </a:blipFill>
         <a:ln w="19050" cap="flat" cmpd="sng" algn="ctr">
           <a:solidFill>
-            <a:schemeClr val="lt2">
-              <a:hueOff val="0"/>
-              <a:satOff val="0"/>
-              <a:lumOff val="0"/>
-              <a:alphaOff val="0"/>
-            </a:schemeClr>
+            <a:schemeClr val="bg1"/>
           </a:solidFill>
           <a:prstDash val="solid"/>
         </a:ln>
@@ -8066,7 +6726,7 @@
       </dsp:nvSpPr>
       <dsp:spPr>
         <a:xfrm>
-          <a:off x="934166" y="0"/>
+          <a:off x="1085500" y="0"/>
           <a:ext cx="5366442" cy="939827"/>
         </a:xfrm>
         <a:prstGeom prst="rect">
@@ -8076,9 +6736,7 @@
           <a:schemeClr val="accent1"/>
         </a:solidFill>
         <a:ln>
-          <a:solidFill>
-            <a:srgbClr val="335B74"/>
-          </a:solidFill>
+          <a:noFill/>
         </a:ln>
         <a:effectLst/>
       </dsp:spPr>
@@ -8116,11 +6774,11 @@
             <a:rPr lang="he-IL" sz="2200" kern="1200"/>
             <a:t>שלב בנייה</a:t>
           </a:r>
-          <a:endParaRPr lang="en-US" sz="2200" kern="1200"/>
+          <a:endParaRPr lang="en-US" sz="2200" kern="1200" dirty="0"/>
         </a:p>
       </dsp:txBody>
       <dsp:txXfrm>
-        <a:off x="934166" y="0"/>
+        <a:off x="1085500" y="0"/>
         <a:ext cx="5366442" cy="939827"/>
       </dsp:txXfrm>
     </dsp:sp>
@@ -8196,7 +6854,7 @@
         </a:blipFill>
         <a:ln w="19050" cap="flat" cmpd="sng" algn="ctr">
           <a:solidFill>
-            <a:srgbClr val="0070C0"/>
+            <a:schemeClr val="bg1"/>
           </a:solidFill>
           <a:prstDash val="solid"/>
         </a:ln>
@@ -8352,12 +7010,7 @@
         </a:blipFill>
         <a:ln w="19050" cap="flat" cmpd="sng" algn="ctr">
           <a:solidFill>
-            <a:schemeClr val="lt2">
-              <a:hueOff val="0"/>
-              <a:satOff val="0"/>
-              <a:lumOff val="0"/>
-              <a:alphaOff val="0"/>
-            </a:schemeClr>
+            <a:schemeClr val="bg1"/>
           </a:solidFill>
           <a:prstDash val="solid"/>
         </a:ln>
@@ -8514,12 +7167,7 @@
         </a:blipFill>
         <a:ln w="19050" cap="flat" cmpd="sng" algn="ctr">
           <a:solidFill>
-            <a:schemeClr val="lt2">
-              <a:hueOff val="0"/>
-              <a:satOff val="0"/>
-              <a:lumOff val="0"/>
-              <a:alphaOff val="0"/>
-            </a:schemeClr>
+            <a:schemeClr val="bg1"/>
           </a:solidFill>
           <a:prstDash val="solid"/>
         </a:ln>
@@ -8608,621 +7256,6 @@
 </file>
 
 <file path=ppt/diagrams/drawing4.xml><?xml version="1.0" encoding="utf-8"?>
-<dsp:drawing xmlns:dgm="http://schemas.openxmlformats.org/drawingml/2006/diagram" xmlns:dsp="http://schemas.microsoft.com/office/drawing/2008/diagram" xmlns:a="http://schemas.openxmlformats.org/drawingml/2006/main">
-  <dsp:spTree>
-    <dsp:nvGrpSpPr>
-      <dsp:cNvPr id="0" name=""/>
-      <dsp:cNvGrpSpPr/>
-    </dsp:nvGrpSpPr>
-    <dsp:grpSpPr/>
-    <dsp:sp modelId="{7FD8A18D-2DD4-4F31-BBC6-82BCBC3F488F}">
-      <dsp:nvSpPr>
-        <dsp:cNvPr id="0" name=""/>
-        <dsp:cNvSpPr/>
-      </dsp:nvSpPr>
-      <dsp:spPr>
-        <a:xfrm>
-          <a:off x="693261" y="717826"/>
-          <a:ext cx="1251885" cy="1251885"/>
-        </a:xfrm>
-        <a:prstGeom prst="ellipse">
-          <a:avLst/>
-        </a:prstGeom>
-        <a:solidFill>
-          <a:schemeClr val="accent2">
-            <a:hueOff val="0"/>
-            <a:satOff val="0"/>
-            <a:lumOff val="0"/>
-            <a:alphaOff val="0"/>
-          </a:schemeClr>
-        </a:solidFill>
-        <a:ln>
-          <a:noFill/>
-        </a:ln>
-        <a:effectLst/>
-      </dsp:spPr>
-      <dsp:style>
-        <a:lnRef idx="0">
-          <a:scrgbClr r="0" g="0" b="0"/>
-        </a:lnRef>
-        <a:fillRef idx="1">
-          <a:scrgbClr r="0" g="0" b="0"/>
-        </a:fillRef>
-        <a:effectRef idx="0">
-          <a:scrgbClr r="0" g="0" b="0"/>
-        </a:effectRef>
-        <a:fontRef idx="minor"/>
-      </dsp:style>
-    </dsp:sp>
-    <dsp:sp modelId="{0946132E-2DF4-49F3-A31E-48E634983ABC}">
-      <dsp:nvSpPr>
-        <dsp:cNvPr id="0" name=""/>
-        <dsp:cNvSpPr/>
-      </dsp:nvSpPr>
-      <dsp:spPr>
-        <a:xfrm>
-          <a:off x="960056" y="984621"/>
-          <a:ext cx="718294" cy="718294"/>
-        </a:xfrm>
-        <a:prstGeom prst="rect">
-          <a:avLst/>
-        </a:prstGeom>
-        <a:blipFill>
-          <a:blip xmlns:r="http://schemas.openxmlformats.org/officeDocument/2006/relationships" r:embed="rId1">
-            <a:extLst>
-              <a:ext uri="{28A0092B-C50C-407E-A947-70E740481C1C}">
-                <a14:useLocalDpi xmlns:a14="http://schemas.microsoft.com/office/drawing/2010/main" val="0"/>
-              </a:ext>
-              <a:ext uri="{96DAC541-7B7A-43D3-8B79-37D633B846F1}">
-                <asvg:svgBlip xmlns:asvg="http://schemas.microsoft.com/office/drawing/2016/SVG/main" r:embed="rId2"/>
-              </a:ext>
-            </a:extLst>
-          </a:blip>
-          <a:stretch>
-            <a:fillRect/>
-          </a:stretch>
-        </a:blipFill>
-        <a:ln w="19050" cap="flat" cmpd="sng" algn="ctr">
-          <a:noFill/>
-          <a:prstDash val="solid"/>
-        </a:ln>
-        <a:effectLst/>
-      </dsp:spPr>
-      <dsp:style>
-        <a:lnRef idx="2">
-          <a:scrgbClr r="0" g="0" b="0"/>
-        </a:lnRef>
-        <a:fillRef idx="1">
-          <a:scrgbClr r="0" g="0" b="0"/>
-        </a:fillRef>
-        <a:effectRef idx="0">
-          <a:scrgbClr r="0" g="0" b="0"/>
-        </a:effectRef>
-        <a:fontRef idx="minor">
-          <a:schemeClr val="lt1"/>
-        </a:fontRef>
-      </dsp:style>
-    </dsp:sp>
-    <dsp:sp modelId="{EE89630A-5300-4BC5-ABF7-BA4A25613CCF}">
-      <dsp:nvSpPr>
-        <dsp:cNvPr id="0" name=""/>
-        <dsp:cNvSpPr/>
-      </dsp:nvSpPr>
-      <dsp:spPr>
-        <a:xfrm>
-          <a:off x="293068" y="2359643"/>
-          <a:ext cx="2052270" cy="720000"/>
-        </a:xfrm>
-        <a:prstGeom prst="rect">
-          <a:avLst/>
-        </a:prstGeom>
-        <a:noFill/>
-        <a:ln>
-          <a:noFill/>
-        </a:ln>
-        <a:effectLst/>
-      </dsp:spPr>
-      <dsp:style>
-        <a:lnRef idx="0">
-          <a:scrgbClr r="0" g="0" b="0"/>
-        </a:lnRef>
-        <a:fillRef idx="0">
-          <a:scrgbClr r="0" g="0" b="0"/>
-        </a:fillRef>
-        <a:effectRef idx="0">
-          <a:scrgbClr r="0" g="0" b="0"/>
-        </a:effectRef>
-        <a:fontRef idx="minor"/>
-      </dsp:style>
-      <dsp:txBody>
-        <a:bodyPr spcFirstLastPara="0" vert="horz" wrap="square" lIns="0" tIns="0" rIns="0" bIns="0" numCol="1" spcCol="1270" anchor="t" anchorCtr="0">
-          <a:noAutofit/>
-        </a:bodyPr>
-        <a:lstStyle/>
-        <a:p>
-          <a:pPr marL="0" lvl="0" indent="0" algn="ctr" defTabSz="1022350">
-            <a:lnSpc>
-              <a:spcPct val="100000"/>
-            </a:lnSpc>
-            <a:spcBef>
-              <a:spcPct val="0"/>
-            </a:spcBef>
-            <a:spcAft>
-              <a:spcPct val="35000"/>
-            </a:spcAft>
-            <a:buNone/>
-            <a:defRPr cap="all"/>
-          </a:pPr>
-          <a:r>
-            <a:rPr lang="he-IL" sz="2300" kern="1200"/>
-            <a:t>פיתוח מכניקת המשחק</a:t>
-          </a:r>
-          <a:endParaRPr lang="en-US" sz="2300" kern="1200"/>
-        </a:p>
-      </dsp:txBody>
-      <dsp:txXfrm>
-        <a:off x="293068" y="2359643"/>
-        <a:ext cx="2052270" cy="720000"/>
-      </dsp:txXfrm>
-    </dsp:sp>
-    <dsp:sp modelId="{60638599-D830-48E9-8D88-89C3FDA6F3B0}">
-      <dsp:nvSpPr>
-        <dsp:cNvPr id="0" name=""/>
-        <dsp:cNvSpPr/>
-      </dsp:nvSpPr>
-      <dsp:spPr>
-        <a:xfrm>
-          <a:off x="3104679" y="717826"/>
-          <a:ext cx="1251885" cy="1251885"/>
-        </a:xfrm>
-        <a:prstGeom prst="ellipse">
-          <a:avLst/>
-        </a:prstGeom>
-        <a:solidFill>
-          <a:schemeClr val="accent3">
-            <a:hueOff val="0"/>
-            <a:satOff val="0"/>
-            <a:lumOff val="0"/>
-            <a:alphaOff val="0"/>
-          </a:schemeClr>
-        </a:solidFill>
-        <a:ln>
-          <a:noFill/>
-        </a:ln>
-        <a:effectLst/>
-      </dsp:spPr>
-      <dsp:style>
-        <a:lnRef idx="0">
-          <a:scrgbClr r="0" g="0" b="0"/>
-        </a:lnRef>
-        <a:fillRef idx="1">
-          <a:scrgbClr r="0" g="0" b="0"/>
-        </a:fillRef>
-        <a:effectRef idx="0">
-          <a:scrgbClr r="0" g="0" b="0"/>
-        </a:effectRef>
-        <a:fontRef idx="minor"/>
-      </dsp:style>
-    </dsp:sp>
-    <dsp:sp modelId="{CE20E262-958E-48EF-B3CD-DD5BA1377EF6}">
-      <dsp:nvSpPr>
-        <dsp:cNvPr id="0" name=""/>
-        <dsp:cNvSpPr/>
-      </dsp:nvSpPr>
-      <dsp:spPr>
-        <a:xfrm>
-          <a:off x="3371475" y="984621"/>
-          <a:ext cx="718294" cy="718294"/>
-        </a:xfrm>
-        <a:prstGeom prst="rect">
-          <a:avLst/>
-        </a:prstGeom>
-        <a:blipFill>
-          <a:blip xmlns:r="http://schemas.openxmlformats.org/officeDocument/2006/relationships" r:embed="rId3">
-            <a:extLst>
-              <a:ext uri="{28A0092B-C50C-407E-A947-70E740481C1C}">
-                <a14:useLocalDpi xmlns:a14="http://schemas.microsoft.com/office/drawing/2010/main" val="0"/>
-              </a:ext>
-              <a:ext uri="{96DAC541-7B7A-43D3-8B79-37D633B846F1}">
-                <asvg:svgBlip xmlns:asvg="http://schemas.microsoft.com/office/drawing/2016/SVG/main" r:embed="rId4"/>
-              </a:ext>
-            </a:extLst>
-          </a:blip>
-          <a:stretch>
-            <a:fillRect/>
-          </a:stretch>
-        </a:blipFill>
-        <a:ln w="19050" cap="flat" cmpd="sng" algn="ctr">
-          <a:noFill/>
-          <a:prstDash val="solid"/>
-        </a:ln>
-        <a:effectLst/>
-      </dsp:spPr>
-      <dsp:style>
-        <a:lnRef idx="2">
-          <a:scrgbClr r="0" g="0" b="0"/>
-        </a:lnRef>
-        <a:fillRef idx="1">
-          <a:scrgbClr r="0" g="0" b="0"/>
-        </a:fillRef>
-        <a:effectRef idx="0">
-          <a:scrgbClr r="0" g="0" b="0"/>
-        </a:effectRef>
-        <a:fontRef idx="minor">
-          <a:schemeClr val="lt1"/>
-        </a:fontRef>
-      </dsp:style>
-    </dsp:sp>
-    <dsp:sp modelId="{8816A2B6-D190-41BD-83E2-2E237EA71872}">
-      <dsp:nvSpPr>
-        <dsp:cNvPr id="0" name=""/>
-        <dsp:cNvSpPr/>
-      </dsp:nvSpPr>
-      <dsp:spPr>
-        <a:xfrm>
-          <a:off x="2704487" y="2359643"/>
-          <a:ext cx="2052270" cy="720000"/>
-        </a:xfrm>
-        <a:prstGeom prst="rect">
-          <a:avLst/>
-        </a:prstGeom>
-        <a:noFill/>
-        <a:ln>
-          <a:noFill/>
-        </a:ln>
-        <a:effectLst/>
-      </dsp:spPr>
-      <dsp:style>
-        <a:lnRef idx="0">
-          <a:scrgbClr r="0" g="0" b="0"/>
-        </a:lnRef>
-        <a:fillRef idx="0">
-          <a:scrgbClr r="0" g="0" b="0"/>
-        </a:fillRef>
-        <a:effectRef idx="0">
-          <a:scrgbClr r="0" g="0" b="0"/>
-        </a:effectRef>
-        <a:fontRef idx="minor"/>
-      </dsp:style>
-      <dsp:txBody>
-        <a:bodyPr spcFirstLastPara="0" vert="horz" wrap="square" lIns="0" tIns="0" rIns="0" bIns="0" numCol="1" spcCol="1270" anchor="t" anchorCtr="0">
-          <a:noAutofit/>
-        </a:bodyPr>
-        <a:lstStyle/>
-        <a:p>
-          <a:pPr marL="0" lvl="0" indent="0" algn="ctr" defTabSz="1022350">
-            <a:lnSpc>
-              <a:spcPct val="100000"/>
-            </a:lnSpc>
-            <a:spcBef>
-              <a:spcPct val="0"/>
-            </a:spcBef>
-            <a:spcAft>
-              <a:spcPct val="35000"/>
-            </a:spcAft>
-            <a:buNone/>
-            <a:defRPr cap="all"/>
-          </a:pPr>
-          <a:r>
-            <a:rPr lang="he-IL" sz="2300" kern="1200"/>
-            <a:t>תקשורת בין השחקנים</a:t>
-          </a:r>
-          <a:endParaRPr lang="en-US" sz="2300" kern="1200"/>
-        </a:p>
-      </dsp:txBody>
-      <dsp:txXfrm>
-        <a:off x="2704487" y="2359643"/>
-        <a:ext cx="2052270" cy="720000"/>
-      </dsp:txXfrm>
-    </dsp:sp>
-    <dsp:sp modelId="{00B9A2D1-A00F-4605-8336-7729BBE271A0}">
-      <dsp:nvSpPr>
-        <dsp:cNvPr id="0" name=""/>
-        <dsp:cNvSpPr/>
-      </dsp:nvSpPr>
-      <dsp:spPr>
-        <a:xfrm>
-          <a:off x="5516097" y="717826"/>
-          <a:ext cx="1251885" cy="1251885"/>
-        </a:xfrm>
-        <a:prstGeom prst="ellipse">
-          <a:avLst/>
-        </a:prstGeom>
-        <a:solidFill>
-          <a:schemeClr val="accent4">
-            <a:hueOff val="0"/>
-            <a:satOff val="0"/>
-            <a:lumOff val="0"/>
-            <a:alphaOff val="0"/>
-          </a:schemeClr>
-        </a:solidFill>
-        <a:ln>
-          <a:noFill/>
-        </a:ln>
-        <a:effectLst/>
-      </dsp:spPr>
-      <dsp:style>
-        <a:lnRef idx="0">
-          <a:scrgbClr r="0" g="0" b="0"/>
-        </a:lnRef>
-        <a:fillRef idx="1">
-          <a:scrgbClr r="0" g="0" b="0"/>
-        </a:fillRef>
-        <a:effectRef idx="0">
-          <a:scrgbClr r="0" g="0" b="0"/>
-        </a:effectRef>
-        <a:fontRef idx="minor"/>
-      </dsp:style>
-    </dsp:sp>
-    <dsp:sp modelId="{2E1ABE86-C1DC-4161-BDFD-3E8CE93D9172}">
-      <dsp:nvSpPr>
-        <dsp:cNvPr id="0" name=""/>
-        <dsp:cNvSpPr/>
-      </dsp:nvSpPr>
-      <dsp:spPr>
-        <a:xfrm>
-          <a:off x="5782893" y="984621"/>
-          <a:ext cx="718294" cy="718294"/>
-        </a:xfrm>
-        <a:prstGeom prst="rect">
-          <a:avLst/>
-        </a:prstGeom>
-        <a:blipFill>
-          <a:blip xmlns:r="http://schemas.openxmlformats.org/officeDocument/2006/relationships" r:embed="rId5">
-            <a:extLst>
-              <a:ext uri="{28A0092B-C50C-407E-A947-70E740481C1C}">
-                <a14:useLocalDpi xmlns:a14="http://schemas.microsoft.com/office/drawing/2010/main" val="0"/>
-              </a:ext>
-              <a:ext uri="{96DAC541-7B7A-43D3-8B79-37D633B846F1}">
-                <asvg:svgBlip xmlns:asvg="http://schemas.microsoft.com/office/drawing/2016/SVG/main" r:embed="rId6"/>
-              </a:ext>
-            </a:extLst>
-          </a:blip>
-          <a:stretch>
-            <a:fillRect/>
-          </a:stretch>
-        </a:blipFill>
-        <a:ln w="19050" cap="flat" cmpd="sng" algn="ctr">
-          <a:noFill/>
-          <a:prstDash val="solid"/>
-        </a:ln>
-        <a:effectLst/>
-      </dsp:spPr>
-      <dsp:style>
-        <a:lnRef idx="2">
-          <a:scrgbClr r="0" g="0" b="0"/>
-        </a:lnRef>
-        <a:fillRef idx="1">
-          <a:scrgbClr r="0" g="0" b="0"/>
-        </a:fillRef>
-        <a:effectRef idx="0">
-          <a:scrgbClr r="0" g="0" b="0"/>
-        </a:effectRef>
-        <a:fontRef idx="minor">
-          <a:schemeClr val="lt1"/>
-        </a:fontRef>
-      </dsp:style>
-    </dsp:sp>
-    <dsp:sp modelId="{DA69A711-1D1D-47F9-A38E-7D8787C00B93}">
-      <dsp:nvSpPr>
-        <dsp:cNvPr id="0" name=""/>
-        <dsp:cNvSpPr/>
-      </dsp:nvSpPr>
-      <dsp:spPr>
-        <a:xfrm>
-          <a:off x="5115905" y="2359643"/>
-          <a:ext cx="2052270" cy="720000"/>
-        </a:xfrm>
-        <a:prstGeom prst="rect">
-          <a:avLst/>
-        </a:prstGeom>
-        <a:noFill/>
-        <a:ln>
-          <a:noFill/>
-        </a:ln>
-        <a:effectLst/>
-      </dsp:spPr>
-      <dsp:style>
-        <a:lnRef idx="0">
-          <a:scrgbClr r="0" g="0" b="0"/>
-        </a:lnRef>
-        <a:fillRef idx="0">
-          <a:scrgbClr r="0" g="0" b="0"/>
-        </a:fillRef>
-        <a:effectRef idx="0">
-          <a:scrgbClr r="0" g="0" b="0"/>
-        </a:effectRef>
-        <a:fontRef idx="minor"/>
-      </dsp:style>
-      <dsp:txBody>
-        <a:bodyPr spcFirstLastPara="0" vert="horz" wrap="square" lIns="0" tIns="0" rIns="0" bIns="0" numCol="1" spcCol="1270" anchor="t" anchorCtr="0">
-          <a:noAutofit/>
-        </a:bodyPr>
-        <a:lstStyle/>
-        <a:p>
-          <a:pPr marL="0" lvl="0" indent="0" algn="ctr" defTabSz="1022350">
-            <a:lnSpc>
-              <a:spcPct val="100000"/>
-            </a:lnSpc>
-            <a:spcBef>
-              <a:spcPct val="0"/>
-            </a:spcBef>
-            <a:spcAft>
-              <a:spcPct val="35000"/>
-            </a:spcAft>
-            <a:buNone/>
-            <a:defRPr cap="all"/>
-          </a:pPr>
-          <a:r>
-            <a:rPr lang="he-IL" sz="2300" kern="1200"/>
-            <a:t>כרטיס גרפי בסיסי</a:t>
-          </a:r>
-          <a:endParaRPr lang="en-US" sz="2300" kern="1200"/>
-        </a:p>
-      </dsp:txBody>
-      <dsp:txXfrm>
-        <a:off x="5115905" y="2359643"/>
-        <a:ext cx="2052270" cy="720000"/>
-      </dsp:txXfrm>
-    </dsp:sp>
-    <dsp:sp modelId="{486C4115-610D-4FBD-B77E-95F3065ACBBB}">
-      <dsp:nvSpPr>
-        <dsp:cNvPr id="0" name=""/>
-        <dsp:cNvSpPr/>
-      </dsp:nvSpPr>
-      <dsp:spPr>
-        <a:xfrm>
-          <a:off x="7927516" y="717826"/>
-          <a:ext cx="1251885" cy="1251885"/>
-        </a:xfrm>
-        <a:prstGeom prst="ellipse">
-          <a:avLst/>
-        </a:prstGeom>
-        <a:solidFill>
-          <a:schemeClr val="accent5">
-            <a:hueOff val="0"/>
-            <a:satOff val="0"/>
-            <a:lumOff val="0"/>
-            <a:alphaOff val="0"/>
-          </a:schemeClr>
-        </a:solidFill>
-        <a:ln>
-          <a:noFill/>
-        </a:ln>
-        <a:effectLst/>
-      </dsp:spPr>
-      <dsp:style>
-        <a:lnRef idx="0">
-          <a:scrgbClr r="0" g="0" b="0"/>
-        </a:lnRef>
-        <a:fillRef idx="1">
-          <a:scrgbClr r="0" g="0" b="0"/>
-        </a:fillRef>
-        <a:effectRef idx="0">
-          <a:scrgbClr r="0" g="0" b="0"/>
-        </a:effectRef>
-        <a:fontRef idx="minor"/>
-      </dsp:style>
-    </dsp:sp>
-    <dsp:sp modelId="{41592DDB-BBB9-4F8B-8980-498B4FDBB33E}">
-      <dsp:nvSpPr>
-        <dsp:cNvPr id="0" name=""/>
-        <dsp:cNvSpPr/>
-      </dsp:nvSpPr>
-      <dsp:spPr>
-        <a:xfrm>
-          <a:off x="8194311" y="984621"/>
-          <a:ext cx="718294" cy="718294"/>
-        </a:xfrm>
-        <a:prstGeom prst="rect">
-          <a:avLst/>
-        </a:prstGeom>
-        <a:blipFill>
-          <a:blip xmlns:r="http://schemas.openxmlformats.org/officeDocument/2006/relationships" r:embed="rId7">
-            <a:extLst>
-              <a:ext uri="{28A0092B-C50C-407E-A947-70E740481C1C}">
-                <a14:useLocalDpi xmlns:a14="http://schemas.microsoft.com/office/drawing/2010/main" val="0"/>
-              </a:ext>
-              <a:ext uri="{96DAC541-7B7A-43D3-8B79-37D633B846F1}">
-                <asvg:svgBlip xmlns:asvg="http://schemas.microsoft.com/office/drawing/2016/SVG/main" r:embed="rId8"/>
-              </a:ext>
-            </a:extLst>
-          </a:blip>
-          <a:stretch>
-            <a:fillRect/>
-          </a:stretch>
-        </a:blipFill>
-        <a:ln w="19050" cap="flat" cmpd="sng" algn="ctr">
-          <a:noFill/>
-          <a:prstDash val="solid"/>
-        </a:ln>
-        <a:effectLst/>
-      </dsp:spPr>
-      <dsp:style>
-        <a:lnRef idx="2">
-          <a:scrgbClr r="0" g="0" b="0"/>
-        </a:lnRef>
-        <a:fillRef idx="1">
-          <a:scrgbClr r="0" g="0" b="0"/>
-        </a:fillRef>
-        <a:effectRef idx="0">
-          <a:scrgbClr r="0" g="0" b="0"/>
-        </a:effectRef>
-        <a:fontRef idx="minor">
-          <a:schemeClr val="lt1"/>
-        </a:fontRef>
-      </dsp:style>
-    </dsp:sp>
-    <dsp:sp modelId="{986016BD-53E4-4DBE-82A2-D0E5986C9419}">
-      <dsp:nvSpPr>
-        <dsp:cNvPr id="0" name=""/>
-        <dsp:cNvSpPr/>
-      </dsp:nvSpPr>
-      <dsp:spPr>
-        <a:xfrm>
-          <a:off x="7527323" y="2359643"/>
-          <a:ext cx="2052270" cy="720000"/>
-        </a:xfrm>
-        <a:prstGeom prst="rect">
-          <a:avLst/>
-        </a:prstGeom>
-        <a:noFill/>
-        <a:ln>
-          <a:noFill/>
-        </a:ln>
-        <a:effectLst/>
-      </dsp:spPr>
-      <dsp:style>
-        <a:lnRef idx="0">
-          <a:scrgbClr r="0" g="0" b="0"/>
-        </a:lnRef>
-        <a:fillRef idx="0">
-          <a:scrgbClr r="0" g="0" b="0"/>
-        </a:fillRef>
-        <a:effectRef idx="0">
-          <a:scrgbClr r="0" g="0" b="0"/>
-        </a:effectRef>
-        <a:fontRef idx="minor"/>
-      </dsp:style>
-      <dsp:txBody>
-        <a:bodyPr spcFirstLastPara="0" vert="horz" wrap="square" lIns="0" tIns="0" rIns="0" bIns="0" numCol="1" spcCol="1270" anchor="t" anchorCtr="0">
-          <a:noAutofit/>
-        </a:bodyPr>
-        <a:lstStyle/>
-        <a:p>
-          <a:pPr marL="0" lvl="0" indent="0" algn="ctr" defTabSz="1022350">
-            <a:lnSpc>
-              <a:spcPct val="100000"/>
-            </a:lnSpc>
-            <a:spcBef>
-              <a:spcPct val="0"/>
-            </a:spcBef>
-            <a:spcAft>
-              <a:spcPct val="35000"/>
-            </a:spcAft>
-            <a:buNone/>
-            <a:defRPr cap="all"/>
-          </a:pPr>
-          <a:r>
-            <a:rPr lang="he-IL" sz="2300" kern="1200" dirty="0"/>
-            <a:t>בינה מלאכותית </a:t>
-          </a:r>
-          <a:r>
-            <a:rPr lang="en-US" sz="2300" kern="1200" dirty="0"/>
-            <a:t>(AI)</a:t>
-          </a:r>
-        </a:p>
-      </dsp:txBody>
-      <dsp:txXfrm>
-        <a:off x="7527323" y="2359643"/>
-        <a:ext cx="2052270" cy="720000"/>
-      </dsp:txXfrm>
-    </dsp:sp>
-  </dsp:spTree>
-</dsp:drawing>
-</file>
-
-<file path=ppt/diagrams/drawing5.xml><?xml version="1.0" encoding="utf-8"?>
 <dsp:drawing xmlns:dgm="http://schemas.openxmlformats.org/drawingml/2006/diagram" xmlns:dsp="http://schemas.microsoft.com/office/drawing/2008/diagram" xmlns:a="http://schemas.openxmlformats.org/drawingml/2006/main">
   <dsp:spTree>
     <dsp:nvGrpSpPr>
@@ -9491,27 +7524,27 @@
             <a:buNone/>
           </a:pPr>
           <a:r>
-            <a:rPr lang="he-IL" sz="2100" kern="1200">
+            <a:rPr lang="he-IL" sz="2100" kern="1200" dirty="0">
               <a:latin typeface="Arial" panose="020B0604020202020204" pitchFamily="34" charset="0"/>
               <a:cs typeface="Arial" panose="020B0604020202020204" pitchFamily="34" charset="0"/>
             </a:rPr>
             <a:t>כתיבת קוד בשפת </a:t>
           </a:r>
           <a:r>
-            <a:rPr lang="en-US" sz="2100" kern="1200">
+            <a:rPr lang="en-US" sz="2100" kern="1200" dirty="0">
               <a:latin typeface="Arial" panose="020B0604020202020204" pitchFamily="34" charset="0"/>
               <a:cs typeface="Arial" panose="020B0604020202020204" pitchFamily="34" charset="0"/>
             </a:rPr>
-            <a:t>C</a:t>
+            <a:t>C#</a:t>
           </a:r>
           <a:r>
-            <a:rPr lang="he-IL" sz="2100" kern="1200">
+            <a:rPr lang="he-IL" sz="2100" kern="1200" dirty="0">
               <a:latin typeface="Arial" panose="020B0604020202020204" pitchFamily="34" charset="0"/>
               <a:cs typeface="Arial" panose="020B0604020202020204" pitchFamily="34" charset="0"/>
             </a:rPr>
-            <a:t># למימוש מכניקת המשחק</a:t>
+            <a:t> למימוש מכניקת המשחק</a:t>
           </a:r>
-          <a:endParaRPr lang="en-US" sz="2100" kern="1200">
+          <a:endParaRPr lang="en-US" sz="2100" kern="1200" dirty="0">
             <a:latin typeface="Arial" panose="020B0604020202020204" pitchFamily="34" charset="0"/>
             <a:cs typeface="Arial" panose="020B0604020202020204" pitchFamily="34" charset="0"/>
           </a:endParaRPr>
@@ -9655,7 +7688,7 @@
               <a:latin typeface="Arial" panose="020B0604020202020204" pitchFamily="34" charset="0"/>
               <a:cs typeface="Arial" panose="020B0604020202020204" pitchFamily="34" charset="0"/>
             </a:rPr>
-            <a:t>באמצעות ספרייה חיצונית</a:t>
+            <a:t> באמצעות ספרייה חיצונית</a:t>
           </a:r>
           <a:endParaRPr lang="en-US" sz="2100" kern="1200" dirty="0">
             <a:latin typeface="Arial" panose="020B0604020202020204" pitchFamily="34" charset="0"/>
@@ -9804,7 +7837,7 @@
 </dsp:drawing>
 </file>
 
-<file path=ppt/diagrams/drawing6.xml><?xml version="1.0" encoding="utf-8"?>
+<file path=ppt/diagrams/drawing5.xml><?xml version="1.0" encoding="utf-8"?>
 <dsp:drawing xmlns:dgm="http://schemas.openxmlformats.org/drawingml/2006/diagram" xmlns:dsp="http://schemas.microsoft.com/office/drawing/2008/diagram" xmlns:a="http://schemas.openxmlformats.org/drawingml/2006/main">
   <dsp:spTree>
     <dsp:nvGrpSpPr>
@@ -9819,7 +7852,7 @@
       </dsp:nvSpPr>
       <dsp:spPr>
         <a:xfrm>
-          <a:off x="0" y="3490"/>
+          <a:off x="0" y="0"/>
           <a:ext cx="6451943" cy="743484"/>
         </a:xfrm>
         <a:prstGeom prst="roundRect">
@@ -9953,7 +7986,7 @@
             <a:buNone/>
           </a:pPr>
           <a:r>
-            <a:rPr lang="he-IL" sz="1900" kern="1200"/>
+            <a:rPr lang="he-IL" sz="1900" kern="1200" dirty="0"/>
             <a:t>פיתוח משחקים</a:t>
           </a:r>
           <a:endParaRPr lang="en-US" sz="1900" kern="1200" dirty="0"/>
@@ -10257,7 +8290,7 @@
             <a:buNone/>
           </a:pPr>
           <a:r>
-            <a:rPr lang="he-IL" sz="1900" kern="1200"/>
+            <a:rPr lang="he-IL" sz="1900" kern="1200" dirty="0"/>
             <a:t>תקשורת מחשבים</a:t>
           </a:r>
           <a:endParaRPr lang="en-US" sz="1900" kern="1200" dirty="0"/>
@@ -11612,221 +9645,6 @@
 </file>
 
 <file path=ppt/diagrams/layout4.xml><?xml version="1.0" encoding="utf-8"?>
-<dgm:layoutDef xmlns:dgm="http://schemas.openxmlformats.org/drawingml/2006/diagram" xmlns:a="http://schemas.openxmlformats.org/drawingml/2006/main" uniqueId="urn:microsoft.com/office/officeart/2018/5/layout/IconCircleLabelList">
-  <dgm:title val="Icon Circle Label List"/>
-  <dgm:desc val="Use to show non-sequential or grouped chunks of information accompanied by a related visuals. Works best with icons or small pictures with short text captions."/>
-  <dgm:catLst>
-    <dgm:cat type="icon" pri="500"/>
-  </dgm:catLst>
-  <dgm:sampData useDef="1">
-    <dgm:dataModel>
-      <dgm:ptLst/>
-      <dgm:bg/>
-      <dgm:whole/>
-    </dgm:dataModel>
-  </dgm:sampData>
-  <dgm:styleData useDef="1">
-    <dgm:dataModel>
-      <dgm:ptLst/>
-      <dgm:bg/>
-      <dgm:whole/>
-    </dgm:dataModel>
-  </dgm:styleData>
-  <dgm:clrData useDef="1">
-    <dgm:dataModel>
-      <dgm:ptLst/>
-      <dgm:bg/>
-      <dgm:whole/>
-    </dgm:dataModel>
-  </dgm:clrData>
-  <dgm:layoutNode name="root">
-    <dgm:varLst>
-      <dgm:dir/>
-      <dgm:resizeHandles val="exact"/>
-    </dgm:varLst>
-    <dgm:choose name="Name0">
-      <dgm:if name="Name1" axis="self" func="var" arg="dir" op="equ" val="norm">
-        <dgm:alg type="snake">
-          <dgm:param type="grDir" val="tL"/>
-          <dgm:param type="flowDir" val="row"/>
-          <dgm:param type="contDir" val="sameDir"/>
-          <dgm:param type="off" val="ctr"/>
-          <dgm:param type="vertAlign" val="mid"/>
-          <dgm:param type="horzAlign" val="ctr"/>
-        </dgm:alg>
-      </dgm:if>
-      <dgm:else name="Name2">
-        <dgm:alg type="snake">
-          <dgm:param type="grDir" val="tR"/>
-          <dgm:param type="flowDir" val="row"/>
-          <dgm:param type="contDir" val="sameDir"/>
-          <dgm:param type="off" val="ctr"/>
-          <dgm:param type="vertAlign" val="mid"/>
-          <dgm:param type="horzAlign" val="ctr"/>
-        </dgm:alg>
-      </dgm:else>
-    </dgm:choose>
-    <dgm:shape xmlns:r="http://schemas.openxmlformats.org/officeDocument/2006/relationships" r:blip="">
-      <dgm:adjLst/>
-    </dgm:shape>
-    <dgm:presOf/>
-    <dgm:choose name="Name3">
-      <dgm:if name="Name4" axis="ch" ptType="node" func="cnt" op="lte" val="2">
-        <dgm:constrLst>
-          <dgm:constr type="h" for="ch" forName="compNode" refType="h" fact="0.4"/>
-          <dgm:constr type="w" for="ch" forName="compNode" val="100"/>
-          <dgm:constr type="w" for="ch" forName="sibTrans" refType="w" refFor="ch" refForName="compNode" fact="0.175"/>
-          <dgm:constr type="sp" refType="w" refFor="ch" refForName="compNode" op="equ" fact="0.25"/>
-          <dgm:constr type="primFontSz" for="des" ptType="node" op="equ" val="44"/>
-          <dgm:constr type="h" for="des" forName="compNode" op="equ"/>
-          <dgm:constr type="h" for="des" forName="textRect" op="equ"/>
-        </dgm:constrLst>
-      </dgm:if>
-      <dgm:if name="Name5" axis="ch" ptType="node" func="cnt" op="lte" val="3">
-        <dgm:constrLst>
-          <dgm:constr type="h" for="ch" forName="compNode" refType="h" fact="0.4"/>
-          <dgm:constr type="w" for="ch" forName="compNode" val="100"/>
-          <dgm:constr type="w" for="ch" forName="sibTrans" refType="w" refFor="ch" refForName="compNode" fact="0.175"/>
-          <dgm:constr type="sp" refType="w" refFor="ch" refForName="compNode" op="equ" fact="0.25"/>
-          <dgm:constr type="primFontSz" for="des" ptType="node" op="equ" val="40"/>
-          <dgm:constr type="h" for="des" forName="compNode" op="equ"/>
-          <dgm:constr type="h" for="des" forName="textRect" op="equ"/>
-        </dgm:constrLst>
-      </dgm:if>
-      <dgm:if name="Name6" axis="ch" ptType="node" func="cnt" op="lte" val="4">
-        <dgm:constrLst>
-          <dgm:constr type="h" for="ch" forName="compNode" refType="h" fact="0.4"/>
-          <dgm:constr type="w" for="ch" forName="compNode" refType="w"/>
-          <dgm:constr type="w" for="ch" forName="sibTrans" refType="w" refFor="ch" refForName="compNode" fact="0.175"/>
-          <dgm:constr type="sp" refType="w" refFor="ch" refForName="compNode" op="equ" fact="0.25"/>
-          <dgm:constr type="primFontSz" for="des" ptType="node" op="equ" val="32"/>
-          <dgm:constr type="h" for="des" forName="compNode" op="equ"/>
-          <dgm:constr type="h" for="des" forName="textRect" op="equ"/>
-        </dgm:constrLst>
-      </dgm:if>
-      <dgm:else name="Name7">
-        <dgm:constrLst>
-          <dgm:constr type="h" for="ch" forName="compNode" refType="h" fact="0.4"/>
-          <dgm:constr type="w" for="ch" forName="compNode" refType="w"/>
-          <dgm:constr type="w" for="ch" forName="sibTrans" refType="w" refFor="ch" refForName="compNode" fact="0.175"/>
-          <dgm:constr type="sp" refType="w" refFor="ch" refForName="compNode" op="equ" fact="0.25"/>
-          <dgm:constr type="primFontSz" for="des" ptType="node" op="equ" val="24"/>
-          <dgm:constr type="h" for="des" forName="compNode" op="equ"/>
-          <dgm:constr type="h" for="des" forName="textRect" op="equ"/>
-        </dgm:constrLst>
-      </dgm:else>
-    </dgm:choose>
-    <dgm:ruleLst>
-      <dgm:rule type="w" for="ch" forName="compNode" val="50" fact="NaN" max="NaN"/>
-    </dgm:ruleLst>
-    <dgm:forEach name="Name8" axis="ch" ptType="node">
-      <dgm:layoutNode name="compNode">
-        <dgm:alg type="composite"/>
-        <dgm:shape xmlns:r="http://schemas.openxmlformats.org/officeDocument/2006/relationships" r:blip="">
-          <dgm:adjLst/>
-        </dgm:shape>
-        <dgm:presOf axis="self"/>
-        <dgm:constrLst>
-          <dgm:constr type="w" for="ch" forName="iconBgRect" refType="w" fact="0.61"/>
-          <dgm:constr type="h" for="ch" forName="iconBgRect" refType="w" refFor="ch" refForName="iconBgRect"/>
-          <dgm:constr type="t" for="ch" forName="iconBgRect"/>
-          <dgm:constr type="ctrX" for="ch" forName="iconBgRect" refType="w" fact="0.5"/>
-          <dgm:constr type="w" for="ch" forName="iconRect" refType="w" fact="0.35"/>
-          <dgm:constr type="h" for="ch" forName="iconRect" refType="w" refFor="ch" refForName="iconRect"/>
-          <dgm:constr type="ctrX" for="ch" forName="iconRect" refType="ctrX" refFor="ch" refForName="iconBgRect"/>
-          <dgm:constr type="ctrY" for="ch" forName="iconRect" refType="ctrY" refFor="ch" refForName="iconBgRect"/>
-          <dgm:constr type="h" for="ch" forName="spaceRect" refType="w" fact="0.19"/>
-          <dgm:constr type="w" for="ch" forName="spaceRect" refType="w"/>
-          <dgm:constr type="l" for="ch" forName="spaceRect"/>
-          <dgm:constr type="t" for="ch" forName="spaceRect" refType="b" refFor="ch" refForName="iconBgRect"/>
-          <dgm:constr type="h" for="ch" forName="textRect" val="20"/>
-          <dgm:constr type="w" for="ch" forName="textRect" refType="w"/>
-          <dgm:constr type="l" for="ch" forName="textRect"/>
-          <dgm:constr type="t" for="ch" forName="textRect" refType="b" refFor="ch" refForName="spaceRect"/>
-        </dgm:constrLst>
-        <dgm:ruleLst>
-          <dgm:rule type="h" val="INF" fact="NaN" max="NaN"/>
-        </dgm:ruleLst>
-        <dgm:layoutNode name="iconBgRect" styleLbl="bgShp">
-          <dgm:alg type="sp"/>
-          <dgm:shape xmlns:r="http://schemas.openxmlformats.org/officeDocument/2006/relationships" type="ellipse" r:blip="">
-            <dgm:adjLst/>
-          </dgm:shape>
-          <dgm:presOf/>
-          <dgm:constrLst/>
-          <dgm:ruleLst/>
-        </dgm:layoutNode>
-        <dgm:layoutNode name="iconRect" styleLbl="node1">
-          <dgm:alg type="sp"/>
-          <dgm:shape xmlns:r="http://schemas.openxmlformats.org/officeDocument/2006/relationships" type="rect" r:blip="" blipPhldr="1">
-            <dgm:adjLst/>
-          </dgm:shape>
-          <dgm:presOf/>
-          <dgm:constrLst/>
-          <dgm:ruleLst/>
-        </dgm:layoutNode>
-        <dgm:layoutNode name="spaceRect">
-          <dgm:alg type="sp"/>
-          <dgm:shape xmlns:r="http://schemas.openxmlformats.org/officeDocument/2006/relationships" r:blip="">
-            <dgm:adjLst/>
-          </dgm:shape>
-          <dgm:presOf/>
-          <dgm:constrLst/>
-          <dgm:ruleLst/>
-        </dgm:layoutNode>
-        <dgm:layoutNode name="textRect" styleLbl="revTx">
-          <dgm:varLst>
-            <dgm:chMax val="1"/>
-            <dgm:chPref val="1"/>
-          </dgm:varLst>
-          <dgm:alg type="tx">
-            <dgm:param type="txAnchorVert" val="t"/>
-          </dgm:alg>
-          <dgm:shape xmlns:r="http://schemas.openxmlformats.org/officeDocument/2006/relationships" type="rect" r:blip="">
-            <dgm:adjLst/>
-          </dgm:shape>
-          <dgm:presOf axis="self" ptType="node"/>
-          <dgm:constrLst>
-            <dgm:constr type="lMarg"/>
-            <dgm:constr type="rMarg"/>
-            <dgm:constr type="tMarg"/>
-            <dgm:constr type="bMarg"/>
-          </dgm:constrLst>
-          <dgm:ruleLst>
-            <dgm:rule type="primFontSz" val="11" fact="NaN" max="NaN"/>
-            <dgm:rule type="h" val="INF" fact="NaN" max="NaN"/>
-          </dgm:ruleLst>
-        </dgm:layoutNode>
-      </dgm:layoutNode>
-      <dgm:forEach name="Name9" axis="followSib" ptType="sibTrans" cnt="1">
-        <dgm:layoutNode name="sibTrans">
-          <dgm:alg type="sp"/>
-          <dgm:shape xmlns:r="http://schemas.openxmlformats.org/officeDocument/2006/relationships" r:blip="">
-            <dgm:adjLst/>
-          </dgm:shape>
-          <dgm:presOf axis="self"/>
-          <dgm:constrLst/>
-          <dgm:ruleLst/>
-        </dgm:layoutNode>
-      </dgm:forEach>
-    </dgm:forEach>
-  </dgm:layoutNode>
-  <dgm:extLst>
-    <a:ext uri="{68A01E43-0DF5-4B5B-8FA6-DAF915123BFB}">
-      <dgm1612:lstStyle xmlns:dgm1612="http://schemas.microsoft.com/office/drawing/2016/12/diagram">
-        <a:lvl1pPr>
-          <a:lnSpc>
-            <a:spcPct val="100000"/>
-          </a:lnSpc>
-          <a:defRPr cap="all"/>
-        </a:lvl1pPr>
-      </dgm1612:lstStyle>
-    </a:ext>
-  </dgm:extLst>
-</dgm:layoutDef>
-</file>
-
-<file path=ppt/diagrams/layout5.xml><?xml version="1.0" encoding="utf-8"?>
 <dgm:layoutDef xmlns:dgm="http://schemas.openxmlformats.org/drawingml/2006/diagram" xmlns:a="http://schemas.openxmlformats.org/drawingml/2006/main" uniqueId="urn:microsoft.com/office/officeart/2005/8/layout/list1">
   <dgm:title val=""/>
   <dgm:desc val=""/>
@@ -12051,7 +9869,7 @@
 </dgm:layoutDef>
 </file>
 
-<file path=ppt/diagrams/layout6.xml><?xml version="1.0" encoding="utf-8"?>
+<file path=ppt/diagrams/layout5.xml><?xml version="1.0" encoding="utf-8"?>
 <dgm:layoutDef xmlns:dgm="http://schemas.openxmlformats.org/drawingml/2006/diagram" xmlns:a="http://schemas.openxmlformats.org/drawingml/2006/main" uniqueId="urn:microsoft.com/office/officeart/2018/2/layout/IconVerticalSolidList">
   <dgm:title val="Icon Vertical Solid List"/>
   <dgm:desc val="Use to show a series of visuals from top to bottom with Level 1 or Level 1 and Level 2 text grouped in a shape. Works best with icons or small pictures with lengthier descriptions."/>
@@ -16482,1040 +14300,6 @@
 </file>
 
 <file path=ppt/diagrams/quickStyle5.xml><?xml version="1.0" encoding="utf-8"?>
-<dgm:styleDef xmlns:dgm="http://schemas.openxmlformats.org/drawingml/2006/diagram" xmlns:a="http://schemas.openxmlformats.org/drawingml/2006/main" uniqueId="urn:microsoft.com/office/officeart/2005/8/quickstyle/simple1">
-  <dgm:title val=""/>
-  <dgm:desc val=""/>
-  <dgm:catLst>
-    <dgm:cat type="simple" pri="10100"/>
-  </dgm:catLst>
-  <dgm:scene3d>
-    <a:camera prst="orthographicFront"/>
-    <a:lightRig rig="threePt" dir="t"/>
-  </dgm:scene3d>
-  <dgm:styleLbl name="node0">
-    <dgm:scene3d>
-      <a:camera prst="orthographicFront"/>
-      <a:lightRig rig="threePt" dir="t"/>
-    </dgm:scene3d>
-    <dgm:sp3d/>
-    <dgm:txPr/>
-    <dgm:style>
-      <a:lnRef idx="2">
-        <a:scrgbClr r="0" g="0" b="0"/>
-      </a:lnRef>
-      <a:fillRef idx="1">
-        <a:scrgbClr r="0" g="0" b="0"/>
-      </a:fillRef>
-      <a:effectRef idx="0">
-        <a:scrgbClr r="0" g="0" b="0"/>
-      </a:effectRef>
-      <a:fontRef idx="minor">
-        <a:schemeClr val="lt1"/>
-      </a:fontRef>
-    </dgm:style>
-  </dgm:styleLbl>
-  <dgm:styleLbl name="lnNode1">
-    <dgm:scene3d>
-      <a:camera prst="orthographicFront"/>
-      <a:lightRig rig="threePt" dir="t"/>
-    </dgm:scene3d>
-    <dgm:sp3d/>
-    <dgm:txPr/>
-    <dgm:style>
-      <a:lnRef idx="2">
-        <a:scrgbClr r="0" g="0" b="0"/>
-      </a:lnRef>
-      <a:fillRef idx="1">
-        <a:scrgbClr r="0" g="0" b="0"/>
-      </a:fillRef>
-      <a:effectRef idx="0">
-        <a:scrgbClr r="0" g="0" b="0"/>
-      </a:effectRef>
-      <a:fontRef idx="minor">
-        <a:schemeClr val="lt1"/>
-      </a:fontRef>
-    </dgm:style>
-  </dgm:styleLbl>
-  <dgm:styleLbl name="vennNode1">
-    <dgm:scene3d>
-      <a:camera prst="orthographicFront"/>
-      <a:lightRig rig="threePt" dir="t"/>
-    </dgm:scene3d>
-    <dgm:sp3d/>
-    <dgm:txPr/>
-    <dgm:style>
-      <a:lnRef idx="2">
-        <a:scrgbClr r="0" g="0" b="0"/>
-      </a:lnRef>
-      <a:fillRef idx="1">
-        <a:scrgbClr r="0" g="0" b="0"/>
-      </a:fillRef>
-      <a:effectRef idx="0">
-        <a:scrgbClr r="0" g="0" b="0"/>
-      </a:effectRef>
-      <a:fontRef idx="minor">
-        <a:schemeClr val="tx1"/>
-      </a:fontRef>
-    </dgm:style>
-  </dgm:styleLbl>
-  <dgm:styleLbl name="alignNode1">
-    <dgm:scene3d>
-      <a:camera prst="orthographicFront"/>
-      <a:lightRig rig="threePt" dir="t"/>
-    </dgm:scene3d>
-    <dgm:sp3d/>
-    <dgm:txPr/>
-    <dgm:style>
-      <a:lnRef idx="2">
-        <a:scrgbClr r="0" g="0" b="0"/>
-      </a:lnRef>
-      <a:fillRef idx="1">
-        <a:scrgbClr r="0" g="0" b="0"/>
-      </a:fillRef>
-      <a:effectRef idx="0">
-        <a:scrgbClr r="0" g="0" b="0"/>
-      </a:effectRef>
-      <a:fontRef idx="minor">
-        <a:schemeClr val="lt1"/>
-      </a:fontRef>
-    </dgm:style>
-  </dgm:styleLbl>
-  <dgm:styleLbl name="node1">
-    <dgm:scene3d>
-      <a:camera prst="orthographicFront"/>
-      <a:lightRig rig="threePt" dir="t"/>
-    </dgm:scene3d>
-    <dgm:sp3d/>
-    <dgm:txPr/>
-    <dgm:style>
-      <a:lnRef idx="2">
-        <a:scrgbClr r="0" g="0" b="0"/>
-      </a:lnRef>
-      <a:fillRef idx="1">
-        <a:scrgbClr r="0" g="0" b="0"/>
-      </a:fillRef>
-      <a:effectRef idx="0">
-        <a:scrgbClr r="0" g="0" b="0"/>
-      </a:effectRef>
-      <a:fontRef idx="minor">
-        <a:schemeClr val="lt1"/>
-      </a:fontRef>
-    </dgm:style>
-  </dgm:styleLbl>
-  <dgm:styleLbl name="node2">
-    <dgm:scene3d>
-      <a:camera prst="orthographicFront"/>
-      <a:lightRig rig="threePt" dir="t"/>
-    </dgm:scene3d>
-    <dgm:sp3d/>
-    <dgm:txPr/>
-    <dgm:style>
-      <a:lnRef idx="2">
-        <a:scrgbClr r="0" g="0" b="0"/>
-      </a:lnRef>
-      <a:fillRef idx="1">
-        <a:scrgbClr r="0" g="0" b="0"/>
-      </a:fillRef>
-      <a:effectRef idx="0">
-        <a:scrgbClr r="0" g="0" b="0"/>
-      </a:effectRef>
-      <a:fontRef idx="minor">
-        <a:schemeClr val="lt1"/>
-      </a:fontRef>
-    </dgm:style>
-  </dgm:styleLbl>
-  <dgm:styleLbl name="node3">
-    <dgm:scene3d>
-      <a:camera prst="orthographicFront"/>
-      <a:lightRig rig="threePt" dir="t"/>
-    </dgm:scene3d>
-    <dgm:sp3d/>
-    <dgm:txPr/>
-    <dgm:style>
-      <a:lnRef idx="2">
-        <a:scrgbClr r="0" g="0" b="0"/>
-      </a:lnRef>
-      <a:fillRef idx="1">
-        <a:scrgbClr r="0" g="0" b="0"/>
-      </a:fillRef>
-      <a:effectRef idx="0">
-        <a:scrgbClr r="0" g="0" b="0"/>
-      </a:effectRef>
-      <a:fontRef idx="minor">
-        <a:schemeClr val="lt1"/>
-      </a:fontRef>
-    </dgm:style>
-  </dgm:styleLbl>
-  <dgm:styleLbl name="node4">
-    <dgm:scene3d>
-      <a:camera prst="orthographicFront"/>
-      <a:lightRig rig="threePt" dir="t"/>
-    </dgm:scene3d>
-    <dgm:sp3d/>
-    <dgm:txPr/>
-    <dgm:style>
-      <a:lnRef idx="2">
-        <a:scrgbClr r="0" g="0" b="0"/>
-      </a:lnRef>
-      <a:fillRef idx="1">
-        <a:scrgbClr r="0" g="0" b="0"/>
-      </a:fillRef>
-      <a:effectRef idx="0">
-        <a:scrgbClr r="0" g="0" b="0"/>
-      </a:effectRef>
-      <a:fontRef idx="minor">
-        <a:schemeClr val="lt1"/>
-      </a:fontRef>
-    </dgm:style>
-  </dgm:styleLbl>
-  <dgm:styleLbl name="fgImgPlace1">
-    <dgm:scene3d>
-      <a:camera prst="orthographicFront"/>
-      <a:lightRig rig="threePt" dir="t"/>
-    </dgm:scene3d>
-    <dgm:sp3d/>
-    <dgm:txPr/>
-    <dgm:style>
-      <a:lnRef idx="2">
-        <a:scrgbClr r="0" g="0" b="0"/>
-      </a:lnRef>
-      <a:fillRef idx="1">
-        <a:scrgbClr r="0" g="0" b="0"/>
-      </a:fillRef>
-      <a:effectRef idx="0">
-        <a:scrgbClr r="0" g="0" b="0"/>
-      </a:effectRef>
-      <a:fontRef idx="minor"/>
-    </dgm:style>
-  </dgm:styleLbl>
-  <dgm:styleLbl name="alignImgPlace1">
-    <dgm:scene3d>
-      <a:camera prst="orthographicFront"/>
-      <a:lightRig rig="threePt" dir="t"/>
-    </dgm:scene3d>
-    <dgm:sp3d/>
-    <dgm:txPr/>
-    <dgm:style>
-      <a:lnRef idx="2">
-        <a:scrgbClr r="0" g="0" b="0"/>
-      </a:lnRef>
-      <a:fillRef idx="1">
-        <a:scrgbClr r="0" g="0" b="0"/>
-      </a:fillRef>
-      <a:effectRef idx="0">
-        <a:scrgbClr r="0" g="0" b="0"/>
-      </a:effectRef>
-      <a:fontRef idx="minor"/>
-    </dgm:style>
-  </dgm:styleLbl>
-  <dgm:styleLbl name="bgImgPlace1">
-    <dgm:scene3d>
-      <a:camera prst="orthographicFront"/>
-      <a:lightRig rig="threePt" dir="t"/>
-    </dgm:scene3d>
-    <dgm:sp3d/>
-    <dgm:txPr/>
-    <dgm:style>
-      <a:lnRef idx="2">
-        <a:scrgbClr r="0" g="0" b="0"/>
-      </a:lnRef>
-      <a:fillRef idx="1">
-        <a:scrgbClr r="0" g="0" b="0"/>
-      </a:fillRef>
-      <a:effectRef idx="0">
-        <a:scrgbClr r="0" g="0" b="0"/>
-      </a:effectRef>
-      <a:fontRef idx="minor"/>
-    </dgm:style>
-  </dgm:styleLbl>
-  <dgm:styleLbl name="sibTrans2D1">
-    <dgm:scene3d>
-      <a:camera prst="orthographicFront"/>
-      <a:lightRig rig="threePt" dir="t"/>
-    </dgm:scene3d>
-    <dgm:sp3d/>
-    <dgm:txPr/>
-    <dgm:style>
-      <a:lnRef idx="0">
-        <a:scrgbClr r="0" g="0" b="0"/>
-      </a:lnRef>
-      <a:fillRef idx="1">
-        <a:scrgbClr r="0" g="0" b="0"/>
-      </a:fillRef>
-      <a:effectRef idx="0">
-        <a:scrgbClr r="0" g="0" b="0"/>
-      </a:effectRef>
-      <a:fontRef idx="minor">
-        <a:schemeClr val="lt1"/>
-      </a:fontRef>
-    </dgm:style>
-  </dgm:styleLbl>
-  <dgm:styleLbl name="fgSibTrans2D1">
-    <dgm:scene3d>
-      <a:camera prst="orthographicFront"/>
-      <a:lightRig rig="threePt" dir="t"/>
-    </dgm:scene3d>
-    <dgm:sp3d/>
-    <dgm:txPr/>
-    <dgm:style>
-      <a:lnRef idx="0">
-        <a:scrgbClr r="0" g="0" b="0"/>
-      </a:lnRef>
-      <a:fillRef idx="1">
-        <a:scrgbClr r="0" g="0" b="0"/>
-      </a:fillRef>
-      <a:effectRef idx="0">
-        <a:scrgbClr r="0" g="0" b="0"/>
-      </a:effectRef>
-      <a:fontRef idx="minor">
-        <a:schemeClr val="lt1"/>
-      </a:fontRef>
-    </dgm:style>
-  </dgm:styleLbl>
-  <dgm:styleLbl name="bgSibTrans2D1">
-    <dgm:scene3d>
-      <a:camera prst="orthographicFront"/>
-      <a:lightRig rig="threePt" dir="t"/>
-    </dgm:scene3d>
-    <dgm:sp3d/>
-    <dgm:txPr/>
-    <dgm:style>
-      <a:lnRef idx="0">
-        <a:scrgbClr r="0" g="0" b="0"/>
-      </a:lnRef>
-      <a:fillRef idx="1">
-        <a:scrgbClr r="0" g="0" b="0"/>
-      </a:fillRef>
-      <a:effectRef idx="0">
-        <a:scrgbClr r="0" g="0" b="0"/>
-      </a:effectRef>
-      <a:fontRef idx="minor">
-        <a:schemeClr val="lt1"/>
-      </a:fontRef>
-    </dgm:style>
-  </dgm:styleLbl>
-  <dgm:styleLbl name="sibTrans1D1">
-    <dgm:scene3d>
-      <a:camera prst="orthographicFront"/>
-      <a:lightRig rig="threePt" dir="t"/>
-    </dgm:scene3d>
-    <dgm:sp3d/>
-    <dgm:txPr/>
-    <dgm:style>
-      <a:lnRef idx="1">
-        <a:scrgbClr r="0" g="0" b="0"/>
-      </a:lnRef>
-      <a:fillRef idx="0">
-        <a:scrgbClr r="0" g="0" b="0"/>
-      </a:fillRef>
-      <a:effectRef idx="0">
-        <a:scrgbClr r="0" g="0" b="0"/>
-      </a:effectRef>
-      <a:fontRef idx="minor"/>
-    </dgm:style>
-  </dgm:styleLbl>
-  <dgm:styleLbl name="callout">
-    <dgm:scene3d>
-      <a:camera prst="orthographicFront"/>
-      <a:lightRig rig="threePt" dir="t"/>
-    </dgm:scene3d>
-    <dgm:sp3d/>
-    <dgm:txPr/>
-    <dgm:style>
-      <a:lnRef idx="2">
-        <a:scrgbClr r="0" g="0" b="0"/>
-      </a:lnRef>
-      <a:fillRef idx="1">
-        <a:scrgbClr r="0" g="0" b="0"/>
-      </a:fillRef>
-      <a:effectRef idx="0">
-        <a:scrgbClr r="0" g="0" b="0"/>
-      </a:effectRef>
-      <a:fontRef idx="minor"/>
-    </dgm:style>
-  </dgm:styleLbl>
-  <dgm:styleLbl name="asst0">
-    <dgm:scene3d>
-      <a:camera prst="orthographicFront"/>
-      <a:lightRig rig="threePt" dir="t"/>
-    </dgm:scene3d>
-    <dgm:sp3d/>
-    <dgm:txPr/>
-    <dgm:style>
-      <a:lnRef idx="2">
-        <a:scrgbClr r="0" g="0" b="0"/>
-      </a:lnRef>
-      <a:fillRef idx="1">
-        <a:scrgbClr r="0" g="0" b="0"/>
-      </a:fillRef>
-      <a:effectRef idx="0">
-        <a:scrgbClr r="0" g="0" b="0"/>
-      </a:effectRef>
-      <a:fontRef idx="minor">
-        <a:schemeClr val="lt1"/>
-      </a:fontRef>
-    </dgm:style>
-  </dgm:styleLbl>
-  <dgm:styleLbl name="asst1">
-    <dgm:scene3d>
-      <a:camera prst="orthographicFront"/>
-      <a:lightRig rig="threePt" dir="t"/>
-    </dgm:scene3d>
-    <dgm:sp3d/>
-    <dgm:txPr/>
-    <dgm:style>
-      <a:lnRef idx="2">
-        <a:scrgbClr r="0" g="0" b="0"/>
-      </a:lnRef>
-      <a:fillRef idx="1">
-        <a:scrgbClr r="0" g="0" b="0"/>
-      </a:fillRef>
-      <a:effectRef idx="0">
-        <a:scrgbClr r="0" g="0" b="0"/>
-      </a:effectRef>
-      <a:fontRef idx="minor">
-        <a:schemeClr val="lt1"/>
-      </a:fontRef>
-    </dgm:style>
-  </dgm:styleLbl>
-  <dgm:styleLbl name="asst2">
-    <dgm:scene3d>
-      <a:camera prst="orthographicFront"/>
-      <a:lightRig rig="threePt" dir="t"/>
-    </dgm:scene3d>
-    <dgm:sp3d/>
-    <dgm:txPr/>
-    <dgm:style>
-      <a:lnRef idx="2">
-        <a:scrgbClr r="0" g="0" b="0"/>
-      </a:lnRef>
-      <a:fillRef idx="1">
-        <a:scrgbClr r="0" g="0" b="0"/>
-      </a:fillRef>
-      <a:effectRef idx="0">
-        <a:scrgbClr r="0" g="0" b="0"/>
-      </a:effectRef>
-      <a:fontRef idx="minor">
-        <a:schemeClr val="lt1"/>
-      </a:fontRef>
-    </dgm:style>
-  </dgm:styleLbl>
-  <dgm:styleLbl name="asst3">
-    <dgm:scene3d>
-      <a:camera prst="orthographicFront"/>
-      <a:lightRig rig="threePt" dir="t"/>
-    </dgm:scene3d>
-    <dgm:sp3d/>
-    <dgm:txPr/>
-    <dgm:style>
-      <a:lnRef idx="2">
-        <a:scrgbClr r="0" g="0" b="0"/>
-      </a:lnRef>
-      <a:fillRef idx="1">
-        <a:scrgbClr r="0" g="0" b="0"/>
-      </a:fillRef>
-      <a:effectRef idx="0">
-        <a:scrgbClr r="0" g="0" b="0"/>
-      </a:effectRef>
-      <a:fontRef idx="minor">
-        <a:schemeClr val="lt1"/>
-      </a:fontRef>
-    </dgm:style>
-  </dgm:styleLbl>
-  <dgm:styleLbl name="asst4">
-    <dgm:scene3d>
-      <a:camera prst="orthographicFront"/>
-      <a:lightRig rig="threePt" dir="t"/>
-    </dgm:scene3d>
-    <dgm:sp3d/>
-    <dgm:txPr/>
-    <dgm:style>
-      <a:lnRef idx="2">
-        <a:scrgbClr r="0" g="0" b="0"/>
-      </a:lnRef>
-      <a:fillRef idx="1">
-        <a:scrgbClr r="0" g="0" b="0"/>
-      </a:fillRef>
-      <a:effectRef idx="0">
-        <a:scrgbClr r="0" g="0" b="0"/>
-      </a:effectRef>
-      <a:fontRef idx="minor">
-        <a:schemeClr val="lt1"/>
-      </a:fontRef>
-    </dgm:style>
-  </dgm:styleLbl>
-  <dgm:styleLbl name="parChTrans2D1">
-    <dgm:scene3d>
-      <a:camera prst="orthographicFront"/>
-      <a:lightRig rig="threePt" dir="t"/>
-    </dgm:scene3d>
-    <dgm:sp3d/>
-    <dgm:txPr/>
-    <dgm:style>
-      <a:lnRef idx="2">
-        <a:scrgbClr r="0" g="0" b="0"/>
-      </a:lnRef>
-      <a:fillRef idx="1">
-        <a:scrgbClr r="0" g="0" b="0"/>
-      </a:fillRef>
-      <a:effectRef idx="0">
-        <a:scrgbClr r="0" g="0" b="0"/>
-      </a:effectRef>
-      <a:fontRef idx="minor">
-        <a:schemeClr val="lt1"/>
-      </a:fontRef>
-    </dgm:style>
-  </dgm:styleLbl>
-  <dgm:styleLbl name="parChTrans2D2">
-    <dgm:scene3d>
-      <a:camera prst="orthographicFront"/>
-      <a:lightRig rig="threePt" dir="t"/>
-    </dgm:scene3d>
-    <dgm:sp3d/>
-    <dgm:txPr/>
-    <dgm:style>
-      <a:lnRef idx="2">
-        <a:scrgbClr r="0" g="0" b="0"/>
-      </a:lnRef>
-      <a:fillRef idx="1">
-        <a:scrgbClr r="0" g="0" b="0"/>
-      </a:fillRef>
-      <a:effectRef idx="0">
-        <a:scrgbClr r="0" g="0" b="0"/>
-      </a:effectRef>
-      <a:fontRef idx="minor">
-        <a:schemeClr val="lt1"/>
-      </a:fontRef>
-    </dgm:style>
-  </dgm:styleLbl>
-  <dgm:styleLbl name="parChTrans2D3">
-    <dgm:scene3d>
-      <a:camera prst="orthographicFront"/>
-      <a:lightRig rig="threePt" dir="t"/>
-    </dgm:scene3d>
-    <dgm:sp3d/>
-    <dgm:txPr/>
-    <dgm:style>
-      <a:lnRef idx="2">
-        <a:scrgbClr r="0" g="0" b="0"/>
-      </a:lnRef>
-      <a:fillRef idx="1">
-        <a:scrgbClr r="0" g="0" b="0"/>
-      </a:fillRef>
-      <a:effectRef idx="0">
-        <a:scrgbClr r="0" g="0" b="0"/>
-      </a:effectRef>
-      <a:fontRef idx="minor">
-        <a:schemeClr val="lt1"/>
-      </a:fontRef>
-    </dgm:style>
-  </dgm:styleLbl>
-  <dgm:styleLbl name="parChTrans2D4">
-    <dgm:scene3d>
-      <a:camera prst="orthographicFront"/>
-      <a:lightRig rig="threePt" dir="t"/>
-    </dgm:scene3d>
-    <dgm:sp3d/>
-    <dgm:txPr/>
-    <dgm:style>
-      <a:lnRef idx="2">
-        <a:scrgbClr r="0" g="0" b="0"/>
-      </a:lnRef>
-      <a:fillRef idx="1">
-        <a:scrgbClr r="0" g="0" b="0"/>
-      </a:fillRef>
-      <a:effectRef idx="0">
-        <a:scrgbClr r="0" g="0" b="0"/>
-      </a:effectRef>
-      <a:fontRef idx="minor">
-        <a:schemeClr val="lt1"/>
-      </a:fontRef>
-    </dgm:style>
-  </dgm:styleLbl>
-  <dgm:styleLbl name="parChTrans1D1">
-    <dgm:scene3d>
-      <a:camera prst="orthographicFront"/>
-      <a:lightRig rig="threePt" dir="t"/>
-    </dgm:scene3d>
-    <dgm:sp3d/>
-    <dgm:txPr/>
-    <dgm:style>
-      <a:lnRef idx="2">
-        <a:scrgbClr r="0" g="0" b="0"/>
-      </a:lnRef>
-      <a:fillRef idx="0">
-        <a:scrgbClr r="0" g="0" b="0"/>
-      </a:fillRef>
-      <a:effectRef idx="0">
-        <a:scrgbClr r="0" g="0" b="0"/>
-      </a:effectRef>
-      <a:fontRef idx="minor"/>
-    </dgm:style>
-  </dgm:styleLbl>
-  <dgm:styleLbl name="parChTrans1D2">
-    <dgm:scene3d>
-      <a:camera prst="orthographicFront"/>
-      <a:lightRig rig="threePt" dir="t"/>
-    </dgm:scene3d>
-    <dgm:sp3d/>
-    <dgm:txPr/>
-    <dgm:style>
-      <a:lnRef idx="2">
-        <a:scrgbClr r="0" g="0" b="0"/>
-      </a:lnRef>
-      <a:fillRef idx="0">
-        <a:scrgbClr r="0" g="0" b="0"/>
-      </a:fillRef>
-      <a:effectRef idx="0">
-        <a:scrgbClr r="0" g="0" b="0"/>
-      </a:effectRef>
-      <a:fontRef idx="minor"/>
-    </dgm:style>
-  </dgm:styleLbl>
-  <dgm:styleLbl name="parChTrans1D3">
-    <dgm:scene3d>
-      <a:camera prst="orthographicFront"/>
-      <a:lightRig rig="threePt" dir="t"/>
-    </dgm:scene3d>
-    <dgm:sp3d/>
-    <dgm:txPr/>
-    <dgm:style>
-      <a:lnRef idx="2">
-        <a:scrgbClr r="0" g="0" b="0"/>
-      </a:lnRef>
-      <a:fillRef idx="0">
-        <a:scrgbClr r="0" g="0" b="0"/>
-      </a:fillRef>
-      <a:effectRef idx="0">
-        <a:scrgbClr r="0" g="0" b="0"/>
-      </a:effectRef>
-      <a:fontRef idx="minor"/>
-    </dgm:style>
-  </dgm:styleLbl>
-  <dgm:styleLbl name="parChTrans1D4">
-    <dgm:scene3d>
-      <a:camera prst="orthographicFront"/>
-      <a:lightRig rig="threePt" dir="t"/>
-    </dgm:scene3d>
-    <dgm:sp3d/>
-    <dgm:txPr/>
-    <dgm:style>
-      <a:lnRef idx="2">
-        <a:scrgbClr r="0" g="0" b="0"/>
-      </a:lnRef>
-      <a:fillRef idx="0">
-        <a:scrgbClr r="0" g="0" b="0"/>
-      </a:fillRef>
-      <a:effectRef idx="0">
-        <a:scrgbClr r="0" g="0" b="0"/>
-      </a:effectRef>
-      <a:fontRef idx="minor"/>
-    </dgm:style>
-  </dgm:styleLbl>
-  <dgm:styleLbl name="fgAcc1">
-    <dgm:scene3d>
-      <a:camera prst="orthographicFront"/>
-      <a:lightRig rig="threePt" dir="t"/>
-    </dgm:scene3d>
-    <dgm:sp3d/>
-    <dgm:txPr/>
-    <dgm:style>
-      <a:lnRef idx="2">
-        <a:scrgbClr r="0" g="0" b="0"/>
-      </a:lnRef>
-      <a:fillRef idx="1">
-        <a:scrgbClr r="0" g="0" b="0"/>
-      </a:fillRef>
-      <a:effectRef idx="0">
-        <a:scrgbClr r="0" g="0" b="0"/>
-      </a:effectRef>
-      <a:fontRef idx="minor"/>
-    </dgm:style>
-  </dgm:styleLbl>
-  <dgm:styleLbl name="conFgAcc1">
-    <dgm:scene3d>
-      <a:camera prst="orthographicFront"/>
-      <a:lightRig rig="threePt" dir="t"/>
-    </dgm:scene3d>
-    <dgm:sp3d/>
-    <dgm:txPr/>
-    <dgm:style>
-      <a:lnRef idx="2">
-        <a:scrgbClr r="0" g="0" b="0"/>
-      </a:lnRef>
-      <a:fillRef idx="1">
-        <a:scrgbClr r="0" g="0" b="0"/>
-      </a:fillRef>
-      <a:effectRef idx="0">
-        <a:scrgbClr r="0" g="0" b="0"/>
-      </a:effectRef>
-      <a:fontRef idx="minor"/>
-    </dgm:style>
-  </dgm:styleLbl>
-  <dgm:styleLbl name="alignAcc1">
-    <dgm:scene3d>
-      <a:camera prst="orthographicFront"/>
-      <a:lightRig rig="threePt" dir="t"/>
-    </dgm:scene3d>
-    <dgm:sp3d/>
-    <dgm:txPr/>
-    <dgm:style>
-      <a:lnRef idx="2">
-        <a:scrgbClr r="0" g="0" b="0"/>
-      </a:lnRef>
-      <a:fillRef idx="1">
-        <a:scrgbClr r="0" g="0" b="0"/>
-      </a:fillRef>
-      <a:effectRef idx="0">
-        <a:scrgbClr r="0" g="0" b="0"/>
-      </a:effectRef>
-      <a:fontRef idx="minor"/>
-    </dgm:style>
-  </dgm:styleLbl>
-  <dgm:styleLbl name="trAlignAcc1">
-    <dgm:scene3d>
-      <a:camera prst="orthographicFront"/>
-      <a:lightRig rig="threePt" dir="t"/>
-    </dgm:scene3d>
-    <dgm:sp3d/>
-    <dgm:txPr/>
-    <dgm:style>
-      <a:lnRef idx="1">
-        <a:scrgbClr r="0" g="0" b="0"/>
-      </a:lnRef>
-      <a:fillRef idx="1">
-        <a:scrgbClr r="0" g="0" b="0"/>
-      </a:fillRef>
-      <a:effectRef idx="0">
-        <a:scrgbClr r="0" g="0" b="0"/>
-      </a:effectRef>
-      <a:fontRef idx="minor"/>
-    </dgm:style>
-  </dgm:styleLbl>
-  <dgm:styleLbl name="bgAcc1">
-    <dgm:scene3d>
-      <a:camera prst="orthographicFront"/>
-      <a:lightRig rig="threePt" dir="t"/>
-    </dgm:scene3d>
-    <dgm:sp3d/>
-    <dgm:txPr/>
-    <dgm:style>
-      <a:lnRef idx="2">
-        <a:scrgbClr r="0" g="0" b="0"/>
-      </a:lnRef>
-      <a:fillRef idx="1">
-        <a:scrgbClr r="0" g="0" b="0"/>
-      </a:fillRef>
-      <a:effectRef idx="0">
-        <a:scrgbClr r="0" g="0" b="0"/>
-      </a:effectRef>
-      <a:fontRef idx="minor"/>
-    </dgm:style>
-  </dgm:styleLbl>
-  <dgm:styleLbl name="solidFgAcc1">
-    <dgm:scene3d>
-      <a:camera prst="orthographicFront"/>
-      <a:lightRig rig="threePt" dir="t"/>
-    </dgm:scene3d>
-    <dgm:sp3d/>
-    <dgm:txPr/>
-    <dgm:style>
-      <a:lnRef idx="2">
-        <a:scrgbClr r="0" g="0" b="0"/>
-      </a:lnRef>
-      <a:fillRef idx="1">
-        <a:scrgbClr r="0" g="0" b="0"/>
-      </a:fillRef>
-      <a:effectRef idx="0">
-        <a:scrgbClr r="0" g="0" b="0"/>
-      </a:effectRef>
-      <a:fontRef idx="minor"/>
-    </dgm:style>
-  </dgm:styleLbl>
-  <dgm:styleLbl name="solidAlignAcc1">
-    <dgm:scene3d>
-      <a:camera prst="orthographicFront"/>
-      <a:lightRig rig="threePt" dir="t"/>
-    </dgm:scene3d>
-    <dgm:sp3d/>
-    <dgm:txPr/>
-    <dgm:style>
-      <a:lnRef idx="2">
-        <a:scrgbClr r="0" g="0" b="0"/>
-      </a:lnRef>
-      <a:fillRef idx="1">
-        <a:scrgbClr r="0" g="0" b="0"/>
-      </a:fillRef>
-      <a:effectRef idx="0">
-        <a:scrgbClr r="0" g="0" b="0"/>
-      </a:effectRef>
-      <a:fontRef idx="minor"/>
-    </dgm:style>
-  </dgm:styleLbl>
-  <dgm:styleLbl name="solidBgAcc1">
-    <dgm:scene3d>
-      <a:camera prst="orthographicFront"/>
-      <a:lightRig rig="threePt" dir="t"/>
-    </dgm:scene3d>
-    <dgm:sp3d/>
-    <dgm:txPr/>
-    <dgm:style>
-      <a:lnRef idx="2">
-        <a:scrgbClr r="0" g="0" b="0"/>
-      </a:lnRef>
-      <a:fillRef idx="1">
-        <a:scrgbClr r="0" g="0" b="0"/>
-      </a:fillRef>
-      <a:effectRef idx="0">
-        <a:scrgbClr r="0" g="0" b="0"/>
-      </a:effectRef>
-      <a:fontRef idx="minor"/>
-    </dgm:style>
-  </dgm:styleLbl>
-  <dgm:styleLbl name="fgAccFollowNode1">
-    <dgm:scene3d>
-      <a:camera prst="orthographicFront"/>
-      <a:lightRig rig="threePt" dir="t"/>
-    </dgm:scene3d>
-    <dgm:sp3d/>
-    <dgm:txPr/>
-    <dgm:style>
-      <a:lnRef idx="2">
-        <a:scrgbClr r="0" g="0" b="0"/>
-      </a:lnRef>
-      <a:fillRef idx="1">
-        <a:scrgbClr r="0" g="0" b="0"/>
-      </a:fillRef>
-      <a:effectRef idx="0">
-        <a:scrgbClr r="0" g="0" b="0"/>
-      </a:effectRef>
-      <a:fontRef idx="minor"/>
-    </dgm:style>
-  </dgm:styleLbl>
-  <dgm:styleLbl name="alignAccFollowNode1">
-    <dgm:scene3d>
-      <a:camera prst="orthographicFront"/>
-      <a:lightRig rig="threePt" dir="t"/>
-    </dgm:scene3d>
-    <dgm:sp3d/>
-    <dgm:txPr/>
-    <dgm:style>
-      <a:lnRef idx="2">
-        <a:scrgbClr r="0" g="0" b="0"/>
-      </a:lnRef>
-      <a:fillRef idx="1">
-        <a:scrgbClr r="0" g="0" b="0"/>
-      </a:fillRef>
-      <a:effectRef idx="0">
-        <a:scrgbClr r="0" g="0" b="0"/>
-      </a:effectRef>
-      <a:fontRef idx="minor"/>
-    </dgm:style>
-  </dgm:styleLbl>
-  <dgm:styleLbl name="bgAccFollowNode1">
-    <dgm:scene3d>
-      <a:camera prst="orthographicFront"/>
-      <a:lightRig rig="threePt" dir="t"/>
-    </dgm:scene3d>
-    <dgm:sp3d/>
-    <dgm:txPr/>
-    <dgm:style>
-      <a:lnRef idx="2">
-        <a:scrgbClr r="0" g="0" b="0"/>
-      </a:lnRef>
-      <a:fillRef idx="1">
-        <a:scrgbClr r="0" g="0" b="0"/>
-      </a:fillRef>
-      <a:effectRef idx="0">
-        <a:scrgbClr r="0" g="0" b="0"/>
-      </a:effectRef>
-      <a:fontRef idx="minor"/>
-    </dgm:style>
-  </dgm:styleLbl>
-  <dgm:styleLbl name="fgAcc0">
-    <dgm:scene3d>
-      <a:camera prst="orthographicFront"/>
-      <a:lightRig rig="threePt" dir="t"/>
-    </dgm:scene3d>
-    <dgm:sp3d/>
-    <dgm:txPr/>
-    <dgm:style>
-      <a:lnRef idx="2">
-        <a:scrgbClr r="0" g="0" b="0"/>
-      </a:lnRef>
-      <a:fillRef idx="1">
-        <a:scrgbClr r="0" g="0" b="0"/>
-      </a:fillRef>
-      <a:effectRef idx="0">
-        <a:scrgbClr r="0" g="0" b="0"/>
-      </a:effectRef>
-      <a:fontRef idx="minor"/>
-    </dgm:style>
-  </dgm:styleLbl>
-  <dgm:styleLbl name="fgAcc2">
-    <dgm:scene3d>
-      <a:camera prst="orthographicFront"/>
-      <a:lightRig rig="threePt" dir="t"/>
-    </dgm:scene3d>
-    <dgm:sp3d/>
-    <dgm:txPr/>
-    <dgm:style>
-      <a:lnRef idx="2">
-        <a:scrgbClr r="0" g="0" b="0"/>
-      </a:lnRef>
-      <a:fillRef idx="1">
-        <a:scrgbClr r="0" g="0" b="0"/>
-      </a:fillRef>
-      <a:effectRef idx="0">
-        <a:scrgbClr r="0" g="0" b="0"/>
-      </a:effectRef>
-      <a:fontRef idx="minor"/>
-    </dgm:style>
-  </dgm:styleLbl>
-  <dgm:styleLbl name="fgAcc3">
-    <dgm:scene3d>
-      <a:camera prst="orthographicFront"/>
-      <a:lightRig rig="threePt" dir="t"/>
-    </dgm:scene3d>
-    <dgm:sp3d/>
-    <dgm:txPr/>
-    <dgm:style>
-      <a:lnRef idx="2">
-        <a:scrgbClr r="0" g="0" b="0"/>
-      </a:lnRef>
-      <a:fillRef idx="1">
-        <a:scrgbClr r="0" g="0" b="0"/>
-      </a:fillRef>
-      <a:effectRef idx="0">
-        <a:scrgbClr r="0" g="0" b="0"/>
-      </a:effectRef>
-      <a:fontRef idx="minor"/>
-    </dgm:style>
-  </dgm:styleLbl>
-  <dgm:styleLbl name="fgAcc4">
-    <dgm:scene3d>
-      <a:camera prst="orthographicFront"/>
-      <a:lightRig rig="threePt" dir="t"/>
-    </dgm:scene3d>
-    <dgm:sp3d/>
-    <dgm:txPr/>
-    <dgm:style>
-      <a:lnRef idx="2">
-        <a:scrgbClr r="0" g="0" b="0"/>
-      </a:lnRef>
-      <a:fillRef idx="1">
-        <a:scrgbClr r="0" g="0" b="0"/>
-      </a:fillRef>
-      <a:effectRef idx="0">
-        <a:scrgbClr r="0" g="0" b="0"/>
-      </a:effectRef>
-      <a:fontRef idx="minor"/>
-    </dgm:style>
-  </dgm:styleLbl>
-  <dgm:styleLbl name="bgShp">
-    <dgm:scene3d>
-      <a:camera prst="orthographicFront"/>
-      <a:lightRig rig="threePt" dir="t"/>
-    </dgm:scene3d>
-    <dgm:sp3d/>
-    <dgm:txPr/>
-    <dgm:style>
-      <a:lnRef idx="0">
-        <a:scrgbClr r="0" g="0" b="0"/>
-      </a:lnRef>
-      <a:fillRef idx="1">
-        <a:scrgbClr r="0" g="0" b="0"/>
-      </a:fillRef>
-      <a:effectRef idx="0">
-        <a:scrgbClr r="0" g="0" b="0"/>
-      </a:effectRef>
-      <a:fontRef idx="minor"/>
-    </dgm:style>
-  </dgm:styleLbl>
-  <dgm:styleLbl name="dkBgShp">
-    <dgm:scene3d>
-      <a:camera prst="orthographicFront"/>
-      <a:lightRig rig="threePt" dir="t"/>
-    </dgm:scene3d>
-    <dgm:sp3d/>
-    <dgm:txPr/>
-    <dgm:style>
-      <a:lnRef idx="0">
-        <a:scrgbClr r="0" g="0" b="0"/>
-      </a:lnRef>
-      <a:fillRef idx="1">
-        <a:scrgbClr r="0" g="0" b="0"/>
-      </a:fillRef>
-      <a:effectRef idx="0">
-        <a:scrgbClr r="0" g="0" b="0"/>
-      </a:effectRef>
-      <a:fontRef idx="minor"/>
-    </dgm:style>
-  </dgm:styleLbl>
-  <dgm:styleLbl name="trBgShp">
-    <dgm:scene3d>
-      <a:camera prst="orthographicFront"/>
-      <a:lightRig rig="threePt" dir="t"/>
-    </dgm:scene3d>
-    <dgm:sp3d/>
-    <dgm:txPr/>
-    <dgm:style>
-      <a:lnRef idx="0">
-        <a:scrgbClr r="0" g="0" b="0"/>
-      </a:lnRef>
-      <a:fillRef idx="1">
-        <a:scrgbClr r="0" g="0" b="0"/>
-      </a:fillRef>
-      <a:effectRef idx="0">
-        <a:scrgbClr r="0" g="0" b="0"/>
-      </a:effectRef>
-      <a:fontRef idx="minor"/>
-    </dgm:style>
-  </dgm:styleLbl>
-  <dgm:styleLbl name="fgShp">
-    <dgm:scene3d>
-      <a:camera prst="orthographicFront"/>
-      <a:lightRig rig="threePt" dir="t"/>
-    </dgm:scene3d>
-    <dgm:sp3d/>
-    <dgm:txPr/>
-    <dgm:style>
-      <a:lnRef idx="2">
-        <a:scrgbClr r="0" g="0" b="0"/>
-      </a:lnRef>
-      <a:fillRef idx="1">
-        <a:scrgbClr r="0" g="0" b="0"/>
-      </a:fillRef>
-      <a:effectRef idx="0">
-        <a:scrgbClr r="0" g="0" b="0"/>
-      </a:effectRef>
-      <a:fontRef idx="minor"/>
-    </dgm:style>
-  </dgm:styleLbl>
-  <dgm:styleLbl name="revTx">
-    <dgm:scene3d>
-      <a:camera prst="orthographicFront"/>
-      <a:lightRig rig="threePt" dir="t"/>
-    </dgm:scene3d>
-    <dgm:sp3d/>
-    <dgm:txPr/>
-    <dgm:style>
-      <a:lnRef idx="0">
-        <a:scrgbClr r="0" g="0" b="0"/>
-      </a:lnRef>
-      <a:fillRef idx="0">
-        <a:scrgbClr r="0" g="0" b="0"/>
-      </a:fillRef>
-      <a:effectRef idx="0">
-        <a:scrgbClr r="0" g="0" b="0"/>
-      </a:effectRef>
-      <a:fontRef idx="minor"/>
-    </dgm:style>
-  </dgm:styleLbl>
-</dgm:styleDef>
-</file>
-
-<file path=ppt/diagrams/quickStyle6.xml><?xml version="1.0" encoding="utf-8"?>
 <dgm:styleDef xmlns:dgm="http://schemas.openxmlformats.org/drawingml/2006/diagram" xmlns:a="http://schemas.openxmlformats.org/drawingml/2006/main" uniqueId="urn:microsoft.com/office/officeart/2005/8/quickstyle/simple1">
   <dgm:title val=""/>
   <dgm:desc val=""/>
@@ -24344,21 +21128,7 @@
                 <a:latin typeface="Arial" panose="020B0604020202020204" pitchFamily="34" charset="0"/>
                 <a:cs typeface="Arial" panose="020B0604020202020204" pitchFamily="34" charset="0"/>
               </a:rPr>
-              <a:t>מותאם לקהל עם ניסיון רב במשחקים (</a:t>
-            </a:r>
-            <a:r>
-              <a:rPr lang="he-IL" sz="2800" dirty="0" err="1">
-                <a:latin typeface="Arial" panose="020B0604020202020204" pitchFamily="34" charset="0"/>
-                <a:cs typeface="Arial" panose="020B0604020202020204" pitchFamily="34" charset="0"/>
-              </a:rPr>
-              <a:t>גיימרים</a:t>
-            </a:r>
-            <a:r>
-              <a:rPr lang="he-IL" sz="2800" dirty="0">
-                <a:latin typeface="Arial" panose="020B0604020202020204" pitchFamily="34" charset="0"/>
-                <a:cs typeface="Arial" panose="020B0604020202020204" pitchFamily="34" charset="0"/>
-              </a:rPr>
-              <a:t>)</a:t>
+              <a:t>מותאם לקהל עם ניסיון רב במשחקים (גיימרים)</a:t>
             </a:r>
           </a:p>
           <a:p>
@@ -24383,7 +21153,7 @@
                 <a:latin typeface="Arial" panose="020B0604020202020204" pitchFamily="34" charset="0"/>
                 <a:cs typeface="Arial" panose="020B0604020202020204" pitchFamily="34" charset="0"/>
               </a:rPr>
-              <a:t>דרישות חומרה גבוהות.</a:t>
+              <a:t>דרישות חומרה גבוהות</a:t>
             </a:r>
           </a:p>
           <a:p>
@@ -24408,7 +21178,7 @@
                 <a:latin typeface="Arial" panose="020B0604020202020204" pitchFamily="34" charset="0"/>
                 <a:cs typeface="Arial" panose="020B0604020202020204" pitchFamily="34" charset="0"/>
               </a:rPr>
-              <a:t>שעות רבות של משחק.</a:t>
+              <a:t>שעות רבות של משחק</a:t>
             </a:r>
           </a:p>
           <a:p>
@@ -24869,7 +21639,7 @@
           <a:p>
             <a:pPr algn="r"/>
             <a:r>
-              <a:rPr lang="he-IL" sz="6000" dirty="0">
+              <a:rPr lang="he-IL" sz="6000">
                 <a:solidFill>
                   <a:srgbClr val="FFFFFF"/>
                 </a:solidFill>
@@ -24958,13 +21728,13 @@
           <p:nvPr>
             <p:extLst>
               <p:ext uri="{D42A27DB-BD31-4B8C-83A1-F6EECF244321}">
-                <p14:modId xmlns:p14="http://schemas.microsoft.com/office/powerpoint/2010/main" val="1412222786"/>
+                <p14:modId xmlns:p14="http://schemas.microsoft.com/office/powerpoint/2010/main" val="2778333748"/>
               </p:ext>
             </p:extLst>
           </p:nvPr>
         </p:nvGraphicFramePr>
         <p:xfrm>
-          <a:off x="559534" y="1195055"/>
+          <a:off x="559533" y="1194325"/>
           <a:ext cx="6451943" cy="4467887"/>
         </p:xfrm>
         <a:graphic>
@@ -24975,10 +21745,10 @@
       </p:graphicFrame>
       <p:sp>
         <p:nvSpPr>
-          <p:cNvPr id="3" name="חץ: למטה 2">
+          <p:cNvPr id="4" name="חץ: למטה 3">
             <a:extLst>
               <a:ext uri="{FF2B5EF4-FFF2-40B4-BE49-F238E27FC236}">
-                <a16:creationId xmlns:a16="http://schemas.microsoft.com/office/drawing/2014/main" id="{212DED76-13BC-4DB8-9B12-9621B5CF71E5}"/>
+                <a16:creationId xmlns:a16="http://schemas.microsoft.com/office/drawing/2014/main" id="{04DFF4C0-0C0A-48CC-ACC4-400DAEDDF024}"/>
               </a:ext>
             </a:extLst>
           </p:cNvPr>
@@ -24987,8 +21757,100 @@
         </p:nvSpPr>
         <p:spPr>
           <a:xfrm>
-            <a:off x="3473471" y="1741103"/>
-            <a:ext cx="636516" cy="742215"/>
+            <a:off x="3574402" y="1799925"/>
+            <a:ext cx="654518" cy="779646"/>
+          </a:xfrm>
+          <a:prstGeom prst="downArrow">
+            <a:avLst/>
+          </a:prstGeom>
+        </p:spPr>
+        <p:style>
+          <a:lnRef idx="2">
+            <a:schemeClr val="accent1">
+              <a:shade val="50000"/>
+            </a:schemeClr>
+          </a:lnRef>
+          <a:fillRef idx="1">
+            <a:schemeClr val="accent1"/>
+          </a:fillRef>
+          <a:effectRef idx="0">
+            <a:schemeClr val="accent1"/>
+          </a:effectRef>
+          <a:fontRef idx="minor">
+            <a:schemeClr val="lt1"/>
+          </a:fontRef>
+        </p:style>
+        <p:txBody>
+          <a:bodyPr rtlCol="1" anchor="ctr"/>
+          <a:lstStyle/>
+          <a:p>
+            <a:pPr algn="ctr"/>
+            <a:endParaRPr lang="he-IL"/>
+          </a:p>
+        </p:txBody>
+      </p:sp>
+      <p:sp>
+        <p:nvSpPr>
+          <p:cNvPr id="11" name="חץ: למטה 10">
+            <a:extLst>
+              <a:ext uri="{FF2B5EF4-FFF2-40B4-BE49-F238E27FC236}">
+                <a16:creationId xmlns:a16="http://schemas.microsoft.com/office/drawing/2014/main" id="{17AC24A0-5EB6-451E-90B9-A497C2868556}"/>
+              </a:ext>
+            </a:extLst>
+          </p:cNvPr>
+          <p:cNvSpPr/>
+          <p:nvPr/>
+        </p:nvSpPr>
+        <p:spPr>
+          <a:xfrm>
+            <a:off x="3574402" y="2938914"/>
+            <a:ext cx="654518" cy="779646"/>
+          </a:xfrm>
+          <a:prstGeom prst="downArrow">
+            <a:avLst/>
+          </a:prstGeom>
+        </p:spPr>
+        <p:style>
+          <a:lnRef idx="2">
+            <a:schemeClr val="accent1">
+              <a:shade val="50000"/>
+            </a:schemeClr>
+          </a:lnRef>
+          <a:fillRef idx="1">
+            <a:schemeClr val="accent1"/>
+          </a:fillRef>
+          <a:effectRef idx="0">
+            <a:schemeClr val="accent1"/>
+          </a:effectRef>
+          <a:fontRef idx="minor">
+            <a:schemeClr val="lt1"/>
+          </a:fontRef>
+        </p:style>
+        <p:txBody>
+          <a:bodyPr rtlCol="1" anchor="ctr"/>
+          <a:lstStyle/>
+          <a:p>
+            <a:pPr algn="ctr"/>
+            <a:endParaRPr lang="he-IL"/>
+          </a:p>
+        </p:txBody>
+      </p:sp>
+      <p:sp>
+        <p:nvSpPr>
+          <p:cNvPr id="12" name="חץ: למטה 11">
+            <a:extLst>
+              <a:ext uri="{FF2B5EF4-FFF2-40B4-BE49-F238E27FC236}">
+                <a16:creationId xmlns:a16="http://schemas.microsoft.com/office/drawing/2014/main" id="{C45C840B-D60D-4353-BAB1-41C0DDE7E0D6}"/>
+              </a:ext>
+            </a:extLst>
+          </p:cNvPr>
+          <p:cNvSpPr/>
+          <p:nvPr/>
+        </p:nvSpPr>
+        <p:spPr>
+          <a:xfrm>
+            <a:off x="3574402" y="4126030"/>
+            <a:ext cx="654518" cy="779646"/>
           </a:xfrm>
           <a:prstGeom prst="downArrow">
             <a:avLst/>
@@ -25075,8 +21937,8 @@
         </p:nvSpPr>
         <p:spPr>
           <a:xfrm>
-            <a:off x="6947034" y="762000"/>
-            <a:ext cx="9875520" cy="1356360"/>
+            <a:off x="6292245" y="861653"/>
+            <a:ext cx="5018966" cy="1356360"/>
           </a:xfrm>
         </p:spPr>
         <p:txBody>
@@ -25099,41 +21961,1034 @@
           </a:p>
         </p:txBody>
       </p:sp>
-      <p:graphicFrame>
-        <p:nvGraphicFramePr>
-          <p:cNvPr id="7" name="Content Placeholder 2">
+      <p:grpSp>
+        <p:nvGrpSpPr>
+          <p:cNvPr id="3" name="קבוצה 2">
             <a:extLst>
               <a:ext uri="{FF2B5EF4-FFF2-40B4-BE49-F238E27FC236}">
-                <a16:creationId xmlns:a16="http://schemas.microsoft.com/office/drawing/2014/main" id="{DF1C69A5-9EEE-424E-AFC9-D1D1A5B0D3B5}"/>
+                <a16:creationId xmlns:a16="http://schemas.microsoft.com/office/drawing/2014/main" id="{3AA5A7AA-D9DB-4047-AAD9-27CD21FCABD4}"/>
               </a:ext>
             </a:extLst>
           </p:cNvPr>
-          <p:cNvGraphicFramePr>
-            <a:graphicFrameLocks noGrp="1"/>
-          </p:cNvGraphicFramePr>
-          <p:nvPr>
-            <p:ph idx="1"/>
-            <p:extLst>
-              <p:ext uri="{D42A27DB-BD31-4B8C-83A1-F6EECF244321}">
-                <p14:modId xmlns:p14="http://schemas.microsoft.com/office/powerpoint/2010/main" val="259833539"/>
-              </p:ext>
-            </p:extLst>
-          </p:nvPr>
-        </p:nvGraphicFramePr>
-        <p:xfrm>
-          <a:off x="1143000" y="2298530"/>
-          <a:ext cx="9872663" cy="3797470"/>
-        </p:xfrm>
-        <a:graphic>
-          <a:graphicData uri="http://schemas.openxmlformats.org/drawingml/2006/diagram">
-            <dgm:relIds xmlns:dgm="http://schemas.openxmlformats.org/drawingml/2006/diagram" xmlns:r="http://schemas.openxmlformats.org/officeDocument/2006/relationships" r:dm="rId2" r:lo="rId3" r:qs="rId4" r:cs="rId5"/>
-          </a:graphicData>
-        </a:graphic>
-      </p:graphicFrame>
+          <p:cNvGrpSpPr/>
+          <p:nvPr/>
+        </p:nvGrpSpPr>
+        <p:grpSpPr>
+          <a:xfrm>
+            <a:off x="1436068" y="3016356"/>
+            <a:ext cx="9286525" cy="2392485"/>
+            <a:chOff x="1436068" y="3016356"/>
+            <a:chExt cx="9286525" cy="2392485"/>
+          </a:xfrm>
+        </p:grpSpPr>
+        <p:sp>
+          <p:nvSpPr>
+            <p:cNvPr id="4" name="אליפסה 3">
+              <a:extLst>
+                <a:ext uri="{FF2B5EF4-FFF2-40B4-BE49-F238E27FC236}">
+                  <a16:creationId xmlns:a16="http://schemas.microsoft.com/office/drawing/2014/main" id="{2ED31581-FD77-4557-AFD8-4EB5AB8332BB}"/>
+                </a:ext>
+              </a:extLst>
+            </p:cNvPr>
+            <p:cNvSpPr/>
+            <p:nvPr/>
+          </p:nvSpPr>
+          <p:spPr>
+            <a:xfrm>
+              <a:off x="1836261" y="3016356"/>
+              <a:ext cx="1251885" cy="1251885"/>
+            </a:xfrm>
+            <a:prstGeom prst="ellipse">
+              <a:avLst/>
+            </a:prstGeom>
+          </p:spPr>
+          <p:style>
+            <a:lnRef idx="0">
+              <a:schemeClr val="lt1">
+                <a:alpha val="0"/>
+                <a:hueOff val="0"/>
+                <a:satOff val="0"/>
+                <a:lumOff val="0"/>
+                <a:alphaOff val="0"/>
+              </a:schemeClr>
+            </a:lnRef>
+            <a:fillRef idx="1">
+              <a:schemeClr val="accent2">
+                <a:hueOff val="0"/>
+                <a:satOff val="0"/>
+                <a:lumOff val="0"/>
+                <a:alphaOff val="0"/>
+              </a:schemeClr>
+            </a:fillRef>
+            <a:effectRef idx="0">
+              <a:schemeClr val="accent2">
+                <a:hueOff val="0"/>
+                <a:satOff val="0"/>
+                <a:lumOff val="0"/>
+                <a:alphaOff val="0"/>
+              </a:schemeClr>
+            </a:effectRef>
+            <a:fontRef idx="minor"/>
+          </p:style>
+        </p:sp>
+        <p:sp>
+          <p:nvSpPr>
+            <p:cNvPr id="5" name="מלבן 4" descr="Game controller">
+              <a:extLst>
+                <a:ext uri="{FF2B5EF4-FFF2-40B4-BE49-F238E27FC236}">
+                  <a16:creationId xmlns:a16="http://schemas.microsoft.com/office/drawing/2014/main" id="{20345FE7-6B7B-4BA9-BE4E-8D7120165776}"/>
+                </a:ext>
+              </a:extLst>
+            </p:cNvPr>
+            <p:cNvSpPr/>
+            <p:nvPr/>
+          </p:nvSpPr>
+          <p:spPr>
+            <a:xfrm>
+              <a:off x="2103056" y="3283151"/>
+              <a:ext cx="718294" cy="718294"/>
+            </a:xfrm>
+            <a:prstGeom prst="rect">
+              <a:avLst/>
+            </a:prstGeom>
+            <a:blipFill>
+              <a:blip r:embed="rId2">
+                <a:extLst>
+                  <a:ext uri="{28A0092B-C50C-407E-A947-70E740481C1C}">
+                    <a14:useLocalDpi xmlns:a14="http://schemas.microsoft.com/office/drawing/2010/main" val="0"/>
+                  </a:ext>
+                  <a:ext uri="{96DAC541-7B7A-43D3-8B79-37D633B846F1}">
+                    <asvg:svgBlip xmlns:asvg="http://schemas.microsoft.com/office/drawing/2016/SVG/main" r:embed="rId3"/>
+                  </a:ext>
+                </a:extLst>
+              </a:blip>
+              <a:stretch>
+                <a:fillRect/>
+              </a:stretch>
+            </a:blipFill>
+            <a:ln>
+              <a:noFill/>
+            </a:ln>
+          </p:spPr>
+          <p:style>
+            <a:lnRef idx="2">
+              <a:scrgbClr r="0" g="0" b="0"/>
+            </a:lnRef>
+            <a:fillRef idx="1">
+              <a:scrgbClr r="0" g="0" b="0"/>
+            </a:fillRef>
+            <a:effectRef idx="0">
+              <a:schemeClr val="bg1">
+                <a:hueOff val="0"/>
+                <a:satOff val="0"/>
+                <a:lumOff val="0"/>
+                <a:alphaOff val="0"/>
+              </a:schemeClr>
+            </a:effectRef>
+            <a:fontRef idx="minor">
+              <a:schemeClr val="dk1">
+                <a:hueOff val="0"/>
+                <a:satOff val="0"/>
+                <a:lumOff val="0"/>
+                <a:alphaOff val="0"/>
+              </a:schemeClr>
+            </a:fontRef>
+          </p:style>
+        </p:sp>
+        <p:sp>
+          <p:nvSpPr>
+            <p:cNvPr id="6" name="צורה חופשית: צורה 5">
+              <a:extLst>
+                <a:ext uri="{FF2B5EF4-FFF2-40B4-BE49-F238E27FC236}">
+                  <a16:creationId xmlns:a16="http://schemas.microsoft.com/office/drawing/2014/main" id="{1F2FDF52-0BAE-4BF0-8BA8-24094E9CEC0F}"/>
+                </a:ext>
+              </a:extLst>
+            </p:cNvPr>
+            <p:cNvSpPr/>
+            <p:nvPr/>
+          </p:nvSpPr>
+          <p:spPr>
+            <a:xfrm>
+              <a:off x="1436068" y="4658173"/>
+              <a:ext cx="2052270" cy="720000"/>
+            </a:xfrm>
+            <a:custGeom>
+              <a:avLst/>
+              <a:gdLst>
+                <a:gd name="connsiteX0" fmla="*/ 0 w 2052270"/>
+                <a:gd name="connsiteY0" fmla="*/ 0 h 720000"/>
+                <a:gd name="connsiteX1" fmla="*/ 2052270 w 2052270"/>
+                <a:gd name="connsiteY1" fmla="*/ 0 h 720000"/>
+                <a:gd name="connsiteX2" fmla="*/ 2052270 w 2052270"/>
+                <a:gd name="connsiteY2" fmla="*/ 720000 h 720000"/>
+                <a:gd name="connsiteX3" fmla="*/ 0 w 2052270"/>
+                <a:gd name="connsiteY3" fmla="*/ 720000 h 720000"/>
+                <a:gd name="connsiteX4" fmla="*/ 0 w 2052270"/>
+                <a:gd name="connsiteY4" fmla="*/ 0 h 720000"/>
+              </a:gdLst>
+              <a:ahLst/>
+              <a:cxnLst>
+                <a:cxn ang="0">
+                  <a:pos x="connsiteX0" y="connsiteY0"/>
+                </a:cxn>
+                <a:cxn ang="0">
+                  <a:pos x="connsiteX1" y="connsiteY1"/>
+                </a:cxn>
+                <a:cxn ang="0">
+                  <a:pos x="connsiteX2" y="connsiteY2"/>
+                </a:cxn>
+                <a:cxn ang="0">
+                  <a:pos x="connsiteX3" y="connsiteY3"/>
+                </a:cxn>
+                <a:cxn ang="0">
+                  <a:pos x="connsiteX4" y="connsiteY4"/>
+                </a:cxn>
+              </a:cxnLst>
+              <a:rect l="l" t="t" r="r" b="b"/>
+              <a:pathLst>
+                <a:path w="2052270" h="720000">
+                  <a:moveTo>
+                    <a:pt x="0" y="0"/>
+                  </a:moveTo>
+                  <a:lnTo>
+                    <a:pt x="2052270" y="0"/>
+                  </a:lnTo>
+                  <a:lnTo>
+                    <a:pt x="2052270" y="720000"/>
+                  </a:lnTo>
+                  <a:lnTo>
+                    <a:pt x="0" y="720000"/>
+                  </a:lnTo>
+                  <a:lnTo>
+                    <a:pt x="0" y="0"/>
+                  </a:lnTo>
+                  <a:close/>
+                </a:path>
+              </a:pathLst>
+            </a:custGeom>
+          </p:spPr>
+          <p:style>
+            <a:lnRef idx="0">
+              <a:schemeClr val="dk1">
+                <a:alpha val="0"/>
+                <a:hueOff val="0"/>
+                <a:satOff val="0"/>
+                <a:lumOff val="0"/>
+                <a:alphaOff val="0"/>
+              </a:schemeClr>
+            </a:lnRef>
+            <a:fillRef idx="0">
+              <a:schemeClr val="lt1">
+                <a:alpha val="0"/>
+                <a:hueOff val="0"/>
+                <a:satOff val="0"/>
+                <a:lumOff val="0"/>
+                <a:alphaOff val="0"/>
+              </a:schemeClr>
+            </a:fillRef>
+            <a:effectRef idx="0">
+              <a:schemeClr val="lt1">
+                <a:alpha val="0"/>
+                <a:hueOff val="0"/>
+                <a:satOff val="0"/>
+                <a:lumOff val="0"/>
+                <a:alphaOff val="0"/>
+              </a:schemeClr>
+            </a:effectRef>
+            <a:fontRef idx="minor">
+              <a:schemeClr val="tx1">
+                <a:hueOff val="0"/>
+                <a:satOff val="0"/>
+                <a:lumOff val="0"/>
+                <a:alphaOff val="0"/>
+              </a:schemeClr>
+            </a:fontRef>
+          </p:style>
+          <p:txBody>
+            <a:bodyPr spcFirstLastPara="0" vert="horz" wrap="square" lIns="0" tIns="0" rIns="0" bIns="0" numCol="1" spcCol="1270" anchor="t" anchorCtr="0">
+              <a:noAutofit/>
+            </a:bodyPr>
+            <a:lstStyle/>
+            <a:p>
+              <a:pPr marL="0" lvl="0" indent="0" algn="ctr" defTabSz="1022350">
+                <a:lnSpc>
+                  <a:spcPct val="100000"/>
+                </a:lnSpc>
+                <a:spcBef>
+                  <a:spcPct val="0"/>
+                </a:spcBef>
+                <a:spcAft>
+                  <a:spcPct val="35000"/>
+                </a:spcAft>
+                <a:buNone/>
+                <a:defRPr cap="all"/>
+              </a:pPr>
+              <a:r>
+                <a:rPr lang="he-IL" sz="2300" kern="1200"/>
+                <a:t>פיתוח מכניקת המשחק</a:t>
+              </a:r>
+              <a:endParaRPr lang="en-US" sz="2300" kern="1200"/>
+            </a:p>
+          </p:txBody>
+        </p:sp>
+        <p:sp>
+          <p:nvSpPr>
+            <p:cNvPr id="8" name="אליפסה 7">
+              <a:extLst>
+                <a:ext uri="{FF2B5EF4-FFF2-40B4-BE49-F238E27FC236}">
+                  <a16:creationId xmlns:a16="http://schemas.microsoft.com/office/drawing/2014/main" id="{32AC6F7D-A29A-4804-9F54-117A33FEA45A}"/>
+                </a:ext>
+              </a:extLst>
+            </p:cNvPr>
+            <p:cNvSpPr/>
+            <p:nvPr/>
+          </p:nvSpPr>
+          <p:spPr>
+            <a:xfrm>
+              <a:off x="4247679" y="3016356"/>
+              <a:ext cx="1251885" cy="1251885"/>
+            </a:xfrm>
+            <a:prstGeom prst="ellipse">
+              <a:avLst/>
+            </a:prstGeom>
+          </p:spPr>
+          <p:style>
+            <a:lnRef idx="0">
+              <a:schemeClr val="lt1">
+                <a:alpha val="0"/>
+                <a:hueOff val="0"/>
+                <a:satOff val="0"/>
+                <a:lumOff val="0"/>
+                <a:alphaOff val="0"/>
+              </a:schemeClr>
+            </a:lnRef>
+            <a:fillRef idx="1">
+              <a:schemeClr val="accent3">
+                <a:hueOff val="0"/>
+                <a:satOff val="0"/>
+                <a:lumOff val="0"/>
+                <a:alphaOff val="0"/>
+              </a:schemeClr>
+            </a:fillRef>
+            <a:effectRef idx="0">
+              <a:schemeClr val="accent3">
+                <a:hueOff val="0"/>
+                <a:satOff val="0"/>
+                <a:lumOff val="0"/>
+                <a:alphaOff val="0"/>
+              </a:schemeClr>
+            </a:effectRef>
+            <a:fontRef idx="minor"/>
+          </p:style>
+        </p:sp>
+        <p:sp>
+          <p:nvSpPr>
+            <p:cNvPr id="9" name="מלבן 8" descr="צ'אט">
+              <a:extLst>
+                <a:ext uri="{FF2B5EF4-FFF2-40B4-BE49-F238E27FC236}">
+                  <a16:creationId xmlns:a16="http://schemas.microsoft.com/office/drawing/2014/main" id="{729129C0-09F4-4732-A3B5-92F9A4CE108E}"/>
+                </a:ext>
+              </a:extLst>
+            </p:cNvPr>
+            <p:cNvSpPr/>
+            <p:nvPr/>
+          </p:nvSpPr>
+          <p:spPr>
+            <a:xfrm>
+              <a:off x="4514475" y="3283151"/>
+              <a:ext cx="718294" cy="718294"/>
+            </a:xfrm>
+            <a:prstGeom prst="rect">
+              <a:avLst/>
+            </a:prstGeom>
+            <a:blipFill>
+              <a:blip r:embed="rId4">
+                <a:extLst>
+                  <a:ext uri="{28A0092B-C50C-407E-A947-70E740481C1C}">
+                    <a14:useLocalDpi xmlns:a14="http://schemas.microsoft.com/office/drawing/2010/main" val="0"/>
+                  </a:ext>
+                  <a:ext uri="{96DAC541-7B7A-43D3-8B79-37D633B846F1}">
+                    <asvg:svgBlip xmlns:asvg="http://schemas.microsoft.com/office/drawing/2016/SVG/main" r:embed="rId5"/>
+                  </a:ext>
+                </a:extLst>
+              </a:blip>
+              <a:stretch>
+                <a:fillRect/>
+              </a:stretch>
+            </a:blipFill>
+            <a:ln>
+              <a:noFill/>
+            </a:ln>
+          </p:spPr>
+          <p:style>
+            <a:lnRef idx="2">
+              <a:scrgbClr r="0" g="0" b="0"/>
+            </a:lnRef>
+            <a:fillRef idx="1">
+              <a:scrgbClr r="0" g="0" b="0"/>
+            </a:fillRef>
+            <a:effectRef idx="0">
+              <a:schemeClr val="bg1">
+                <a:hueOff val="0"/>
+                <a:satOff val="0"/>
+                <a:lumOff val="0"/>
+                <a:alphaOff val="0"/>
+              </a:schemeClr>
+            </a:effectRef>
+            <a:fontRef idx="minor">
+              <a:schemeClr val="dk1">
+                <a:hueOff val="0"/>
+                <a:satOff val="0"/>
+                <a:lumOff val="0"/>
+                <a:alphaOff val="0"/>
+              </a:schemeClr>
+            </a:fontRef>
+          </p:style>
+        </p:sp>
+        <p:sp>
+          <p:nvSpPr>
+            <p:cNvPr id="10" name="צורה חופשית: צורה 9">
+              <a:extLst>
+                <a:ext uri="{FF2B5EF4-FFF2-40B4-BE49-F238E27FC236}">
+                  <a16:creationId xmlns:a16="http://schemas.microsoft.com/office/drawing/2014/main" id="{7C93BBA5-EB17-4962-9654-125F70033E84}"/>
+                </a:ext>
+              </a:extLst>
+            </p:cNvPr>
+            <p:cNvSpPr/>
+            <p:nvPr/>
+          </p:nvSpPr>
+          <p:spPr>
+            <a:xfrm>
+              <a:off x="3847487" y="4658173"/>
+              <a:ext cx="2052270" cy="720000"/>
+            </a:xfrm>
+            <a:custGeom>
+              <a:avLst/>
+              <a:gdLst>
+                <a:gd name="connsiteX0" fmla="*/ 0 w 2052270"/>
+                <a:gd name="connsiteY0" fmla="*/ 0 h 720000"/>
+                <a:gd name="connsiteX1" fmla="*/ 2052270 w 2052270"/>
+                <a:gd name="connsiteY1" fmla="*/ 0 h 720000"/>
+                <a:gd name="connsiteX2" fmla="*/ 2052270 w 2052270"/>
+                <a:gd name="connsiteY2" fmla="*/ 720000 h 720000"/>
+                <a:gd name="connsiteX3" fmla="*/ 0 w 2052270"/>
+                <a:gd name="connsiteY3" fmla="*/ 720000 h 720000"/>
+                <a:gd name="connsiteX4" fmla="*/ 0 w 2052270"/>
+                <a:gd name="connsiteY4" fmla="*/ 0 h 720000"/>
+              </a:gdLst>
+              <a:ahLst/>
+              <a:cxnLst>
+                <a:cxn ang="0">
+                  <a:pos x="connsiteX0" y="connsiteY0"/>
+                </a:cxn>
+                <a:cxn ang="0">
+                  <a:pos x="connsiteX1" y="connsiteY1"/>
+                </a:cxn>
+                <a:cxn ang="0">
+                  <a:pos x="connsiteX2" y="connsiteY2"/>
+                </a:cxn>
+                <a:cxn ang="0">
+                  <a:pos x="connsiteX3" y="connsiteY3"/>
+                </a:cxn>
+                <a:cxn ang="0">
+                  <a:pos x="connsiteX4" y="connsiteY4"/>
+                </a:cxn>
+              </a:cxnLst>
+              <a:rect l="l" t="t" r="r" b="b"/>
+              <a:pathLst>
+                <a:path w="2052270" h="720000">
+                  <a:moveTo>
+                    <a:pt x="0" y="0"/>
+                  </a:moveTo>
+                  <a:lnTo>
+                    <a:pt x="2052270" y="0"/>
+                  </a:lnTo>
+                  <a:lnTo>
+                    <a:pt x="2052270" y="720000"/>
+                  </a:lnTo>
+                  <a:lnTo>
+                    <a:pt x="0" y="720000"/>
+                  </a:lnTo>
+                  <a:lnTo>
+                    <a:pt x="0" y="0"/>
+                  </a:lnTo>
+                  <a:close/>
+                </a:path>
+              </a:pathLst>
+            </a:custGeom>
+          </p:spPr>
+          <p:style>
+            <a:lnRef idx="0">
+              <a:schemeClr val="dk1">
+                <a:alpha val="0"/>
+                <a:hueOff val="0"/>
+                <a:satOff val="0"/>
+                <a:lumOff val="0"/>
+                <a:alphaOff val="0"/>
+              </a:schemeClr>
+            </a:lnRef>
+            <a:fillRef idx="0">
+              <a:schemeClr val="lt1">
+                <a:alpha val="0"/>
+                <a:hueOff val="0"/>
+                <a:satOff val="0"/>
+                <a:lumOff val="0"/>
+                <a:alphaOff val="0"/>
+              </a:schemeClr>
+            </a:fillRef>
+            <a:effectRef idx="0">
+              <a:schemeClr val="lt1">
+                <a:alpha val="0"/>
+                <a:hueOff val="0"/>
+                <a:satOff val="0"/>
+                <a:lumOff val="0"/>
+                <a:alphaOff val="0"/>
+              </a:schemeClr>
+            </a:effectRef>
+            <a:fontRef idx="minor">
+              <a:schemeClr val="tx1">
+                <a:hueOff val="0"/>
+                <a:satOff val="0"/>
+                <a:lumOff val="0"/>
+                <a:alphaOff val="0"/>
+              </a:schemeClr>
+            </a:fontRef>
+          </p:style>
+          <p:txBody>
+            <a:bodyPr spcFirstLastPara="0" vert="horz" wrap="square" lIns="0" tIns="0" rIns="0" bIns="0" numCol="1" spcCol="1270" anchor="t" anchorCtr="0">
+              <a:noAutofit/>
+            </a:bodyPr>
+            <a:lstStyle/>
+            <a:p>
+              <a:pPr marL="0" lvl="0" indent="0" algn="ctr" defTabSz="1022350">
+                <a:lnSpc>
+                  <a:spcPct val="100000"/>
+                </a:lnSpc>
+                <a:spcBef>
+                  <a:spcPct val="0"/>
+                </a:spcBef>
+                <a:spcAft>
+                  <a:spcPct val="35000"/>
+                </a:spcAft>
+                <a:buNone/>
+                <a:defRPr cap="all"/>
+              </a:pPr>
+              <a:r>
+                <a:rPr lang="he-IL" sz="2300" kern="1200"/>
+                <a:t>תקשורת בין השחקנים</a:t>
+              </a:r>
+              <a:endParaRPr lang="en-US" sz="2300" kern="1200"/>
+            </a:p>
+          </p:txBody>
+        </p:sp>
+        <p:sp>
+          <p:nvSpPr>
+            <p:cNvPr id="11" name="אליפסה 10">
+              <a:extLst>
+                <a:ext uri="{FF2B5EF4-FFF2-40B4-BE49-F238E27FC236}">
+                  <a16:creationId xmlns:a16="http://schemas.microsoft.com/office/drawing/2014/main" id="{16F83667-9CA2-4C21-B08C-C1C05D077033}"/>
+                </a:ext>
+              </a:extLst>
+            </p:cNvPr>
+            <p:cNvSpPr/>
+            <p:nvPr/>
+          </p:nvSpPr>
+          <p:spPr>
+            <a:xfrm>
+              <a:off x="6659097" y="3016356"/>
+              <a:ext cx="1251885" cy="1251885"/>
+            </a:xfrm>
+            <a:prstGeom prst="ellipse">
+              <a:avLst/>
+            </a:prstGeom>
+          </p:spPr>
+          <p:style>
+            <a:lnRef idx="0">
+              <a:schemeClr val="lt1">
+                <a:alpha val="0"/>
+                <a:hueOff val="0"/>
+                <a:satOff val="0"/>
+                <a:lumOff val="0"/>
+                <a:alphaOff val="0"/>
+              </a:schemeClr>
+            </a:lnRef>
+            <a:fillRef idx="1">
+              <a:schemeClr val="accent4">
+                <a:hueOff val="0"/>
+                <a:satOff val="0"/>
+                <a:lumOff val="0"/>
+                <a:alphaOff val="0"/>
+              </a:schemeClr>
+            </a:fillRef>
+            <a:effectRef idx="0">
+              <a:schemeClr val="accent4">
+                <a:hueOff val="0"/>
+                <a:satOff val="0"/>
+                <a:lumOff val="0"/>
+                <a:alphaOff val="0"/>
+              </a:schemeClr>
+            </a:effectRef>
+            <a:fontRef idx="minor"/>
+          </p:style>
+        </p:sp>
+        <p:sp>
+          <p:nvSpPr>
+            <p:cNvPr id="13" name="צורה חופשית: צורה 12">
+              <a:extLst>
+                <a:ext uri="{FF2B5EF4-FFF2-40B4-BE49-F238E27FC236}">
+                  <a16:creationId xmlns:a16="http://schemas.microsoft.com/office/drawing/2014/main" id="{8FFE6532-E753-4629-A868-34BB67394327}"/>
+                </a:ext>
+              </a:extLst>
+            </p:cNvPr>
+            <p:cNvSpPr/>
+            <p:nvPr/>
+          </p:nvSpPr>
+          <p:spPr>
+            <a:xfrm>
+              <a:off x="8670323" y="4658173"/>
+              <a:ext cx="2052270" cy="720000"/>
+            </a:xfrm>
+            <a:custGeom>
+              <a:avLst/>
+              <a:gdLst>
+                <a:gd name="connsiteX0" fmla="*/ 0 w 2052270"/>
+                <a:gd name="connsiteY0" fmla="*/ 0 h 720000"/>
+                <a:gd name="connsiteX1" fmla="*/ 2052270 w 2052270"/>
+                <a:gd name="connsiteY1" fmla="*/ 0 h 720000"/>
+                <a:gd name="connsiteX2" fmla="*/ 2052270 w 2052270"/>
+                <a:gd name="connsiteY2" fmla="*/ 720000 h 720000"/>
+                <a:gd name="connsiteX3" fmla="*/ 0 w 2052270"/>
+                <a:gd name="connsiteY3" fmla="*/ 720000 h 720000"/>
+                <a:gd name="connsiteX4" fmla="*/ 0 w 2052270"/>
+                <a:gd name="connsiteY4" fmla="*/ 0 h 720000"/>
+              </a:gdLst>
+              <a:ahLst/>
+              <a:cxnLst>
+                <a:cxn ang="0">
+                  <a:pos x="connsiteX0" y="connsiteY0"/>
+                </a:cxn>
+                <a:cxn ang="0">
+                  <a:pos x="connsiteX1" y="connsiteY1"/>
+                </a:cxn>
+                <a:cxn ang="0">
+                  <a:pos x="connsiteX2" y="connsiteY2"/>
+                </a:cxn>
+                <a:cxn ang="0">
+                  <a:pos x="connsiteX3" y="connsiteY3"/>
+                </a:cxn>
+                <a:cxn ang="0">
+                  <a:pos x="connsiteX4" y="connsiteY4"/>
+                </a:cxn>
+              </a:cxnLst>
+              <a:rect l="l" t="t" r="r" b="b"/>
+              <a:pathLst>
+                <a:path w="2052270" h="720000">
+                  <a:moveTo>
+                    <a:pt x="0" y="0"/>
+                  </a:moveTo>
+                  <a:lnTo>
+                    <a:pt x="2052270" y="0"/>
+                  </a:lnTo>
+                  <a:lnTo>
+                    <a:pt x="2052270" y="720000"/>
+                  </a:lnTo>
+                  <a:lnTo>
+                    <a:pt x="0" y="720000"/>
+                  </a:lnTo>
+                  <a:lnTo>
+                    <a:pt x="0" y="0"/>
+                  </a:lnTo>
+                  <a:close/>
+                </a:path>
+              </a:pathLst>
+            </a:custGeom>
+          </p:spPr>
+          <p:style>
+            <a:lnRef idx="0">
+              <a:schemeClr val="dk1">
+                <a:alpha val="0"/>
+                <a:hueOff val="0"/>
+                <a:satOff val="0"/>
+                <a:lumOff val="0"/>
+                <a:alphaOff val="0"/>
+              </a:schemeClr>
+            </a:lnRef>
+            <a:fillRef idx="0">
+              <a:schemeClr val="lt1">
+                <a:alpha val="0"/>
+                <a:hueOff val="0"/>
+                <a:satOff val="0"/>
+                <a:lumOff val="0"/>
+                <a:alphaOff val="0"/>
+              </a:schemeClr>
+            </a:fillRef>
+            <a:effectRef idx="0">
+              <a:schemeClr val="lt1">
+                <a:alpha val="0"/>
+                <a:hueOff val="0"/>
+                <a:satOff val="0"/>
+                <a:lumOff val="0"/>
+                <a:alphaOff val="0"/>
+              </a:schemeClr>
+            </a:effectRef>
+            <a:fontRef idx="minor">
+              <a:schemeClr val="tx1">
+                <a:hueOff val="0"/>
+                <a:satOff val="0"/>
+                <a:lumOff val="0"/>
+                <a:alphaOff val="0"/>
+              </a:schemeClr>
+            </a:fontRef>
+          </p:style>
+          <p:txBody>
+            <a:bodyPr spcFirstLastPara="0" vert="horz" wrap="square" lIns="0" tIns="0" rIns="0" bIns="0" numCol="1" spcCol="1270" anchor="t" anchorCtr="0">
+              <a:noAutofit/>
+            </a:bodyPr>
+            <a:lstStyle/>
+            <a:p>
+              <a:pPr marL="0" lvl="0" indent="0" algn="ctr" defTabSz="1022350">
+                <a:lnSpc>
+                  <a:spcPct val="100000"/>
+                </a:lnSpc>
+                <a:spcBef>
+                  <a:spcPct val="0"/>
+                </a:spcBef>
+                <a:spcAft>
+                  <a:spcPct val="35000"/>
+                </a:spcAft>
+                <a:buNone/>
+                <a:defRPr cap="all"/>
+              </a:pPr>
+              <a:r>
+                <a:rPr lang="he-IL" sz="2300" dirty="0"/>
+                <a:t>משחקיות חלקה</a:t>
+              </a:r>
+              <a:endParaRPr lang="en-US" sz="2300" kern="1200" dirty="0"/>
+            </a:p>
+          </p:txBody>
+        </p:sp>
+        <p:sp>
+          <p:nvSpPr>
+            <p:cNvPr id="14" name="אליפסה 13">
+              <a:extLst>
+                <a:ext uri="{FF2B5EF4-FFF2-40B4-BE49-F238E27FC236}">
+                  <a16:creationId xmlns:a16="http://schemas.microsoft.com/office/drawing/2014/main" id="{E10B09FE-EB58-40FD-8D92-1F498A5B589F}"/>
+                </a:ext>
+              </a:extLst>
+            </p:cNvPr>
+            <p:cNvSpPr/>
+            <p:nvPr/>
+          </p:nvSpPr>
+          <p:spPr>
+            <a:xfrm>
+              <a:off x="9070516" y="3016356"/>
+              <a:ext cx="1251885" cy="1251885"/>
+            </a:xfrm>
+            <a:prstGeom prst="ellipse">
+              <a:avLst/>
+            </a:prstGeom>
+          </p:spPr>
+          <p:style>
+            <a:lnRef idx="0">
+              <a:schemeClr val="lt1">
+                <a:alpha val="0"/>
+                <a:hueOff val="0"/>
+                <a:satOff val="0"/>
+                <a:lumOff val="0"/>
+                <a:alphaOff val="0"/>
+              </a:schemeClr>
+            </a:lnRef>
+            <a:fillRef idx="1">
+              <a:schemeClr val="accent5">
+                <a:hueOff val="0"/>
+                <a:satOff val="0"/>
+                <a:lumOff val="0"/>
+                <a:alphaOff val="0"/>
+              </a:schemeClr>
+            </a:fillRef>
+            <a:effectRef idx="0">
+              <a:schemeClr val="accent5">
+                <a:hueOff val="0"/>
+                <a:satOff val="0"/>
+                <a:lumOff val="0"/>
+                <a:alphaOff val="0"/>
+              </a:schemeClr>
+            </a:effectRef>
+            <a:fontRef idx="minor"/>
+          </p:style>
+        </p:sp>
+        <p:sp>
+          <p:nvSpPr>
+            <p:cNvPr id="15" name="מלבן 14" descr="רובוט">
+              <a:extLst>
+                <a:ext uri="{FF2B5EF4-FFF2-40B4-BE49-F238E27FC236}">
+                  <a16:creationId xmlns:a16="http://schemas.microsoft.com/office/drawing/2014/main" id="{808C66D4-D149-4090-B73F-9F8D39806031}"/>
+                </a:ext>
+              </a:extLst>
+            </p:cNvPr>
+            <p:cNvSpPr/>
+            <p:nvPr/>
+          </p:nvSpPr>
+          <p:spPr>
+            <a:xfrm>
+              <a:off x="6925892" y="3283151"/>
+              <a:ext cx="718294" cy="718294"/>
+            </a:xfrm>
+            <a:prstGeom prst="rect">
+              <a:avLst/>
+            </a:prstGeom>
+            <a:blipFill>
+              <a:blip r:embed="rId6">
+                <a:extLst>
+                  <a:ext uri="{28A0092B-C50C-407E-A947-70E740481C1C}">
+                    <a14:useLocalDpi xmlns:a14="http://schemas.microsoft.com/office/drawing/2010/main" val="0"/>
+                  </a:ext>
+                  <a:ext uri="{96DAC541-7B7A-43D3-8B79-37D633B846F1}">
+                    <asvg:svgBlip xmlns:asvg="http://schemas.microsoft.com/office/drawing/2016/SVG/main" r:embed="rId7"/>
+                  </a:ext>
+                </a:extLst>
+              </a:blip>
+              <a:stretch>
+                <a:fillRect/>
+              </a:stretch>
+            </a:blipFill>
+            <a:ln>
+              <a:noFill/>
+            </a:ln>
+          </p:spPr>
+          <p:style>
+            <a:lnRef idx="2">
+              <a:scrgbClr r="0" g="0" b="0"/>
+            </a:lnRef>
+            <a:fillRef idx="1">
+              <a:scrgbClr r="0" g="0" b="0"/>
+            </a:fillRef>
+            <a:effectRef idx="0">
+              <a:schemeClr val="bg1">
+                <a:hueOff val="0"/>
+                <a:satOff val="0"/>
+                <a:lumOff val="0"/>
+                <a:alphaOff val="0"/>
+              </a:schemeClr>
+            </a:effectRef>
+            <a:fontRef idx="minor">
+              <a:schemeClr val="dk1">
+                <a:hueOff val="0"/>
+                <a:satOff val="0"/>
+                <a:lumOff val="0"/>
+                <a:alphaOff val="0"/>
+              </a:schemeClr>
+            </a:fontRef>
+          </p:style>
+        </p:sp>
+        <p:sp>
+          <p:nvSpPr>
+            <p:cNvPr id="16" name="צורה חופשית: צורה 15">
+              <a:extLst>
+                <a:ext uri="{FF2B5EF4-FFF2-40B4-BE49-F238E27FC236}">
+                  <a16:creationId xmlns:a16="http://schemas.microsoft.com/office/drawing/2014/main" id="{C4658C75-7C9F-4407-9FBA-A5F827F86DE8}"/>
+                </a:ext>
+              </a:extLst>
+            </p:cNvPr>
+            <p:cNvSpPr/>
+            <p:nvPr/>
+          </p:nvSpPr>
+          <p:spPr>
+            <a:xfrm>
+              <a:off x="6292245" y="4688841"/>
+              <a:ext cx="2052270" cy="720000"/>
+            </a:xfrm>
+            <a:custGeom>
+              <a:avLst/>
+              <a:gdLst>
+                <a:gd name="connsiteX0" fmla="*/ 0 w 2052270"/>
+                <a:gd name="connsiteY0" fmla="*/ 0 h 720000"/>
+                <a:gd name="connsiteX1" fmla="*/ 2052270 w 2052270"/>
+                <a:gd name="connsiteY1" fmla="*/ 0 h 720000"/>
+                <a:gd name="connsiteX2" fmla="*/ 2052270 w 2052270"/>
+                <a:gd name="connsiteY2" fmla="*/ 720000 h 720000"/>
+                <a:gd name="connsiteX3" fmla="*/ 0 w 2052270"/>
+                <a:gd name="connsiteY3" fmla="*/ 720000 h 720000"/>
+                <a:gd name="connsiteX4" fmla="*/ 0 w 2052270"/>
+                <a:gd name="connsiteY4" fmla="*/ 0 h 720000"/>
+              </a:gdLst>
+              <a:ahLst/>
+              <a:cxnLst>
+                <a:cxn ang="0">
+                  <a:pos x="connsiteX0" y="connsiteY0"/>
+                </a:cxn>
+                <a:cxn ang="0">
+                  <a:pos x="connsiteX1" y="connsiteY1"/>
+                </a:cxn>
+                <a:cxn ang="0">
+                  <a:pos x="connsiteX2" y="connsiteY2"/>
+                </a:cxn>
+                <a:cxn ang="0">
+                  <a:pos x="connsiteX3" y="connsiteY3"/>
+                </a:cxn>
+                <a:cxn ang="0">
+                  <a:pos x="connsiteX4" y="connsiteY4"/>
+                </a:cxn>
+              </a:cxnLst>
+              <a:rect l="l" t="t" r="r" b="b"/>
+              <a:pathLst>
+                <a:path w="2052270" h="720000">
+                  <a:moveTo>
+                    <a:pt x="0" y="0"/>
+                  </a:moveTo>
+                  <a:lnTo>
+                    <a:pt x="2052270" y="0"/>
+                  </a:lnTo>
+                  <a:lnTo>
+                    <a:pt x="2052270" y="720000"/>
+                  </a:lnTo>
+                  <a:lnTo>
+                    <a:pt x="0" y="720000"/>
+                  </a:lnTo>
+                  <a:lnTo>
+                    <a:pt x="0" y="0"/>
+                  </a:lnTo>
+                  <a:close/>
+                </a:path>
+              </a:pathLst>
+            </a:custGeom>
+          </p:spPr>
+          <p:style>
+            <a:lnRef idx="0">
+              <a:schemeClr val="dk1">
+                <a:alpha val="0"/>
+                <a:hueOff val="0"/>
+                <a:satOff val="0"/>
+                <a:lumOff val="0"/>
+                <a:alphaOff val="0"/>
+              </a:schemeClr>
+            </a:lnRef>
+            <a:fillRef idx="0">
+              <a:schemeClr val="lt1">
+                <a:alpha val="0"/>
+                <a:hueOff val="0"/>
+                <a:satOff val="0"/>
+                <a:lumOff val="0"/>
+                <a:alphaOff val="0"/>
+              </a:schemeClr>
+            </a:fillRef>
+            <a:effectRef idx="0">
+              <a:schemeClr val="lt1">
+                <a:alpha val="0"/>
+                <a:hueOff val="0"/>
+                <a:satOff val="0"/>
+                <a:lumOff val="0"/>
+                <a:alphaOff val="0"/>
+              </a:schemeClr>
+            </a:effectRef>
+            <a:fontRef idx="minor">
+              <a:schemeClr val="tx1">
+                <a:hueOff val="0"/>
+                <a:satOff val="0"/>
+                <a:lumOff val="0"/>
+                <a:alphaOff val="0"/>
+              </a:schemeClr>
+            </a:fontRef>
+          </p:style>
+          <p:txBody>
+            <a:bodyPr spcFirstLastPara="0" vert="horz" wrap="square" lIns="0" tIns="0" rIns="0" bIns="0" numCol="1" spcCol="1270" anchor="t" anchorCtr="0">
+              <a:noAutofit/>
+            </a:bodyPr>
+            <a:lstStyle/>
+            <a:p>
+              <a:pPr marL="0" lvl="0" indent="0" algn="ctr" defTabSz="1022350">
+                <a:lnSpc>
+                  <a:spcPct val="100000"/>
+                </a:lnSpc>
+                <a:spcBef>
+                  <a:spcPct val="0"/>
+                </a:spcBef>
+                <a:spcAft>
+                  <a:spcPct val="35000"/>
+                </a:spcAft>
+                <a:buNone/>
+                <a:defRPr cap="all"/>
+              </a:pPr>
+              <a:r>
+                <a:rPr lang="he-IL" sz="2300" kern="1200" dirty="0"/>
+                <a:t>בינה מלאכותית </a:t>
+              </a:r>
+              <a:r>
+                <a:rPr lang="en-US" sz="2300" kern="1200" dirty="0"/>
+                <a:t>(AI)</a:t>
+              </a:r>
+            </a:p>
+          </p:txBody>
+        </p:sp>
+        <p:sp>
+          <p:nvSpPr>
+            <p:cNvPr id="12" name="מלבן 11" descr="גלגיליות עם מילוי מלא">
+              <a:extLst>
+                <a:ext uri="{FF2B5EF4-FFF2-40B4-BE49-F238E27FC236}">
+                  <a16:creationId xmlns:a16="http://schemas.microsoft.com/office/drawing/2014/main" id="{1172C043-7CA3-48FA-B1D4-65E109EF7012}"/>
+                </a:ext>
+              </a:extLst>
+            </p:cNvPr>
+            <p:cNvSpPr/>
+            <p:nvPr/>
+          </p:nvSpPr>
+          <p:spPr>
+            <a:xfrm>
+              <a:off x="9337311" y="3256682"/>
+              <a:ext cx="718294" cy="718294"/>
+            </a:xfrm>
+            <a:prstGeom prst="rect">
+              <a:avLst/>
+            </a:prstGeom>
+            <a:blipFill>
+              <a:blip r:embed="rId8">
+                <a:extLst>
+                  <a:ext uri="{28A0092B-C50C-407E-A947-70E740481C1C}">
+                    <a14:useLocalDpi xmlns:a14="http://schemas.microsoft.com/office/drawing/2010/main" val="0"/>
+                  </a:ext>
+                  <a:ext uri="{96DAC541-7B7A-43D3-8B79-37D633B846F1}">
+                    <asvg:svgBlip xmlns:asvg="http://schemas.microsoft.com/office/drawing/2016/SVG/main" r:embed="rId9"/>
+                  </a:ext>
+                </a:extLst>
+              </a:blip>
+              <a:stretch>
+                <a:fillRect/>
+              </a:stretch>
+            </a:blipFill>
+            <a:ln>
+              <a:noFill/>
+            </a:ln>
+          </p:spPr>
+          <p:style>
+            <a:lnRef idx="2">
+              <a:scrgbClr r="0" g="0" b="0"/>
+            </a:lnRef>
+            <a:fillRef idx="1">
+              <a:scrgbClr r="0" g="0" b="0"/>
+            </a:fillRef>
+            <a:effectRef idx="0">
+              <a:schemeClr val="bg1">
+                <a:hueOff val="0"/>
+                <a:satOff val="0"/>
+                <a:lumOff val="0"/>
+                <a:alphaOff val="0"/>
+              </a:schemeClr>
+            </a:effectRef>
+            <a:fontRef idx="minor">
+              <a:schemeClr val="dk1">
+                <a:hueOff val="0"/>
+                <a:satOff val="0"/>
+                <a:lumOff val="0"/>
+                <a:alphaOff val="0"/>
+              </a:schemeClr>
+            </a:fontRef>
+          </p:style>
+        </p:sp>
+      </p:grpSp>
     </p:spTree>
     <p:extLst>
       <p:ext uri="{BB962C8B-B14F-4D97-AF65-F5344CB8AC3E}">
-        <p14:creationId xmlns:p14="http://schemas.microsoft.com/office/powerpoint/2010/main" val="616037480"/>
+        <p14:creationId xmlns:p14="http://schemas.microsoft.com/office/powerpoint/2010/main" val="1791341090"/>
       </p:ext>
     </p:extLst>
   </p:cSld>
@@ -25226,7 +23081,7 @@
             <p:ph idx="1"/>
             <p:extLst>
               <p:ext uri="{D42A27DB-BD31-4B8C-83A1-F6EECF244321}">
-                <p14:modId xmlns:p14="http://schemas.microsoft.com/office/powerpoint/2010/main" val="566978146"/>
+                <p14:modId xmlns:p14="http://schemas.microsoft.com/office/powerpoint/2010/main" val="1776498400"/>
               </p:ext>
             </p:extLst>
           </p:nvPr>
@@ -25354,13 +23209,13 @@
             <p:ph idx="1"/>
             <p:extLst>
               <p:ext uri="{D42A27DB-BD31-4B8C-83A1-F6EECF244321}">
-                <p14:modId xmlns:p14="http://schemas.microsoft.com/office/powerpoint/2010/main" val="518046398"/>
+                <p14:modId xmlns:p14="http://schemas.microsoft.com/office/powerpoint/2010/main" val="317316316"/>
               </p:ext>
             </p:extLst>
           </p:nvPr>
         </p:nvGraphicFramePr>
         <p:xfrm>
-          <a:off x="1077913" y="1178726"/>
+          <a:off x="1077913" y="764839"/>
           <a:ext cx="6451943" cy="4467887"/>
         </p:xfrm>
         <a:graphic>
@@ -25397,14 +23252,168 @@
         </p:blipFill>
         <p:spPr>
           <a:xfrm>
-            <a:off x="8066086" y="2648064"/>
-            <a:ext cx="3564439" cy="2673329"/>
+            <a:off x="7836801" y="2446263"/>
+            <a:ext cx="3938104" cy="2953578"/>
           </a:xfrm>
           <a:prstGeom prst="rect">
             <a:avLst/>
           </a:prstGeom>
         </p:spPr>
       </p:pic>
+      <p:sp>
+        <p:nvSpPr>
+          <p:cNvPr id="6" name="מלבן: פינות מעוגלות 5">
+            <a:extLst>
+              <a:ext uri="{FF2B5EF4-FFF2-40B4-BE49-F238E27FC236}">
+                <a16:creationId xmlns:a16="http://schemas.microsoft.com/office/drawing/2014/main" id="{33F06EBA-AF13-4D12-BD36-63841E682330}"/>
+              </a:ext>
+            </a:extLst>
+          </p:cNvPr>
+          <p:cNvSpPr/>
+          <p:nvPr/>
+        </p:nvSpPr>
+        <p:spPr>
+          <a:xfrm>
+            <a:off x="1077913" y="5399841"/>
+            <a:ext cx="6451943" cy="743484"/>
+          </a:xfrm>
+          <a:prstGeom prst="roundRect">
+            <a:avLst>
+              <a:gd name="adj" fmla="val 10000"/>
+            </a:avLst>
+          </a:prstGeom>
+        </p:spPr>
+        <p:style>
+          <a:lnRef idx="0">
+            <a:schemeClr val="dk1">
+              <a:hueOff val="0"/>
+              <a:satOff val="0"/>
+              <a:lumOff val="0"/>
+              <a:alphaOff val="0"/>
+            </a:schemeClr>
+          </a:lnRef>
+          <a:fillRef idx="1">
+            <a:schemeClr val="bg1">
+              <a:lumMod val="95000"/>
+              <a:hueOff val="0"/>
+              <a:satOff val="0"/>
+              <a:lumOff val="0"/>
+              <a:alphaOff val="0"/>
+            </a:schemeClr>
+          </a:fillRef>
+          <a:effectRef idx="0">
+            <a:schemeClr val="bg1">
+              <a:lumMod val="95000"/>
+              <a:hueOff val="0"/>
+              <a:satOff val="0"/>
+              <a:lumOff val="0"/>
+              <a:alphaOff val="0"/>
+            </a:schemeClr>
+          </a:effectRef>
+          <a:fontRef idx="minor">
+            <a:schemeClr val="dk1">
+              <a:hueOff val="0"/>
+              <a:satOff val="0"/>
+              <a:lumOff val="0"/>
+              <a:alphaOff val="0"/>
+            </a:schemeClr>
+          </a:fontRef>
+        </p:style>
+      </p:sp>
+      <p:sp>
+        <p:nvSpPr>
+          <p:cNvPr id="7" name="מלבן 6" descr="בינה מלאכותית עם מילוי מלא">
+            <a:extLst>
+              <a:ext uri="{FF2B5EF4-FFF2-40B4-BE49-F238E27FC236}">
+                <a16:creationId xmlns:a16="http://schemas.microsoft.com/office/drawing/2014/main" id="{E4FA5792-BEB1-414A-B646-8F7A0097B0E3}"/>
+              </a:ext>
+            </a:extLst>
+          </p:cNvPr>
+          <p:cNvSpPr/>
+          <p:nvPr/>
+        </p:nvSpPr>
+        <p:spPr>
+          <a:xfrm>
+            <a:off x="1281042" y="5567125"/>
+            <a:ext cx="408916" cy="408916"/>
+          </a:xfrm>
+          <a:prstGeom prst="rect">
+            <a:avLst/>
+          </a:prstGeom>
+          <a:blipFill>
+            <a:blip r:embed="rId8">
+              <a:extLst>
+                <a:ext uri="{28A0092B-C50C-407E-A947-70E740481C1C}">
+                  <a14:useLocalDpi xmlns:a14="http://schemas.microsoft.com/office/drawing/2010/main" val="0"/>
+                </a:ext>
+                <a:ext uri="{96DAC541-7B7A-43D3-8B79-37D633B846F1}">
+                  <asvg:svgBlip xmlns:asvg="http://schemas.microsoft.com/office/drawing/2016/SVG/main" r:embed="rId9"/>
+                </a:ext>
+              </a:extLst>
+            </a:blip>
+            <a:stretch>
+              <a:fillRect/>
+            </a:stretch>
+          </a:blipFill>
+          <a:ln>
+            <a:noFill/>
+          </a:ln>
+        </p:spPr>
+        <p:style>
+          <a:lnRef idx="2">
+            <a:scrgbClr r="0" g="0" b="0"/>
+          </a:lnRef>
+          <a:fillRef idx="1">
+            <a:scrgbClr r="0" g="0" b="0"/>
+          </a:fillRef>
+          <a:effectRef idx="0">
+            <a:schemeClr val="accent4">
+              <a:hueOff val="0"/>
+              <a:satOff val="0"/>
+              <a:lumOff val="0"/>
+              <a:alphaOff val="0"/>
+            </a:schemeClr>
+          </a:effectRef>
+          <a:fontRef idx="minor">
+            <a:schemeClr val="lt1"/>
+          </a:fontRef>
+        </p:style>
+      </p:sp>
+      <p:sp>
+        <p:nvSpPr>
+          <p:cNvPr id="3" name="תיבת טקסט 2">
+            <a:extLst>
+              <a:ext uri="{FF2B5EF4-FFF2-40B4-BE49-F238E27FC236}">
+                <a16:creationId xmlns:a16="http://schemas.microsoft.com/office/drawing/2014/main" id="{10E01AD5-DA9C-42DB-9C9A-0105B9CB3D63}"/>
+              </a:ext>
+            </a:extLst>
+          </p:cNvPr>
+          <p:cNvSpPr txBox="1"/>
+          <p:nvPr/>
+        </p:nvSpPr>
+        <p:spPr>
+          <a:xfrm>
+            <a:off x="1893087" y="5586917"/>
+            <a:ext cx="5325671" cy="369332"/>
+          </a:xfrm>
+          <a:prstGeom prst="rect">
+            <a:avLst/>
+          </a:prstGeom>
+          <a:noFill/>
+        </p:spPr>
+        <p:txBody>
+          <a:bodyPr wrap="square" rtlCol="1">
+            <a:spAutoFit/>
+          </a:bodyPr>
+          <a:lstStyle/>
+          <a:p>
+            <a:r>
+              <a:rPr lang="he-IL" dirty="0"/>
+              <a:t>בינה מלאכותית</a:t>
+            </a:r>
+          </a:p>
+        </p:txBody>
+      </p:sp>
     </p:spTree>
     <p:extLst>
       <p:ext uri="{BB962C8B-B14F-4D97-AF65-F5344CB8AC3E}">
